--- a/1_Team3_메뉴얼.pptx
+++ b/1_Team3_메뉴얼.pptx
@@ -6,22 +6,23 @@
     <p:sldMasterId id="2147483660" r:id="rId2"/>
   </p:sldMasterIdLst>
   <p:notesMasterIdLst>
-    <p:notesMasterId r:id="rId13"/>
+    <p:notesMasterId r:id="rId14"/>
   </p:notesMasterIdLst>
   <p:handoutMasterIdLst>
-    <p:handoutMasterId r:id="rId14"/>
+    <p:handoutMasterId r:id="rId15"/>
   </p:handoutMasterIdLst>
   <p:sldIdLst>
     <p:sldId id="293" r:id="rId3"/>
     <p:sldId id="303" r:id="rId4"/>
-    <p:sldId id="296" r:id="rId5"/>
-    <p:sldId id="306" r:id="rId6"/>
-    <p:sldId id="307" r:id="rId7"/>
-    <p:sldId id="308" r:id="rId8"/>
-    <p:sldId id="310" r:id="rId9"/>
-    <p:sldId id="305" r:id="rId10"/>
-    <p:sldId id="311" r:id="rId11"/>
-    <p:sldId id="299" r:id="rId12"/>
+    <p:sldId id="313" r:id="rId5"/>
+    <p:sldId id="314" r:id="rId6"/>
+    <p:sldId id="296" r:id="rId7"/>
+    <p:sldId id="306" r:id="rId8"/>
+    <p:sldId id="307" r:id="rId9"/>
+    <p:sldId id="308" r:id="rId10"/>
+    <p:sldId id="310" r:id="rId11"/>
+    <p:sldId id="305" r:id="rId12"/>
+    <p:sldId id="299" r:id="rId13"/>
   </p:sldIdLst>
   <p:sldSz cx="9906000" cy="6858000" type="A4"/>
   <p:notesSz cx="6858000" cy="9144000"/>
@@ -122,7 +123,7 @@
   </p:defaultTextStyle>
   <p:extLst>
     <p:ext uri="{EFAFB233-063F-42B5-8137-9DF3F51BA10A}">
-      <p15:sldGuideLst xmlns:p15="http://schemas.microsoft.com/office/powerpoint/2012/main" xmlns="">
+      <p15:sldGuideLst xmlns:p15="http://schemas.microsoft.com/office/powerpoint/2012/main">
         <p15:guide id="1" orient="horz" pos="2160">
           <p15:clr>
             <a:srgbClr val="A4A3A4"/>
@@ -136,7 +137,7 @@
       </p15:sldGuideLst>
     </p:ext>
     <p:ext uri="{2D200454-40CA-4A62-9FC3-DE9A4176ACB9}">
-      <p15:notesGuideLst xmlns:p15="http://schemas.microsoft.com/office/powerpoint/2012/main" xmlns="">
+      <p15:notesGuideLst xmlns:p15="http://schemas.microsoft.com/office/powerpoint/2012/main">
         <p15:guide id="1" orient="horz" pos="2880">
           <p15:clr>
             <a:srgbClr val="A4A3A4"/>
@@ -245,7 +246,7 @@
               <a:defRPr sz="1400"/>
             </a:pPr>
             <a:fld id="{E6C08ABE-5F13-43E3-BC60-E268A55D9601}" type="datetimeFigureOut">
-              <a:t>2020-10-28</a:t>
+              <a:t>2020-10-29</a:t>
             </a:fld>
             <a:endParaRPr lang="en-US" sz="1200">
               <a:latin typeface="굴림" pitchFamily="18"/>
@@ -504,7 +505,7 @@
           <a:p>
             <a:pPr lvl="0"/>
             <a:fld id="{A0E482DD-7811-4471-970D-246AE5BBFD59}" type="datetimeFigureOut">
-              <a:t>2020-10-28</a:t>
+              <a:t>2020-10-29</a:t>
             </a:fld>
             <a:endParaRPr lang="en-US"/>
           </a:p>
@@ -817,6 +818,122 @@
 </p:notes>
 </file>
 
+<file path=ppt/notesSlides/notesSlide10.xml><?xml version="1.0" encoding="utf-8"?>
+<p:notes xmlns:a="http://schemas.openxmlformats.org/drawingml/2006/main" xmlns:r="http://schemas.openxmlformats.org/officeDocument/2006/relationships" xmlns:p="http://schemas.openxmlformats.org/presentationml/2006/main">
+  <p:cSld>
+    <p:spTree>
+      <p:nvGrpSpPr>
+        <p:cNvPr id="1" name=""/>
+        <p:cNvGrpSpPr/>
+        <p:nvPr/>
+      </p:nvGrpSpPr>
+      <p:grpSpPr>
+        <a:xfrm>
+          <a:off x="0" y="0"/>
+          <a:ext cx="0" cy="0"/>
+          <a:chOff x="0" y="0"/>
+          <a:chExt cx="0" cy="0"/>
+        </a:xfrm>
+      </p:grpSpPr>
+      <p:sp>
+        <p:nvSpPr>
+          <p:cNvPr id="2" name="슬라이드 이미지 개체 틀 1"/>
+          <p:cNvSpPr>
+            <a:spLocks noGrp="1" noRot="1" noChangeAspect="1"/>
+          </p:cNvSpPr>
+          <p:nvPr>
+            <p:ph type="sldImg"/>
+          </p:nvPr>
+        </p:nvSpPr>
+        <p:spPr>
+          <a:xfrm>
+            <a:off x="884238" y="812800"/>
+            <a:ext cx="5789612" cy="4008438"/>
+          </a:xfrm>
+        </p:spPr>
+      </p:sp>
+      <p:sp>
+        <p:nvSpPr>
+          <p:cNvPr id="3" name="슬라이드 노트 개체 틀 2"/>
+          <p:cNvSpPr>
+            <a:spLocks noGrp="1"/>
+          </p:cNvSpPr>
+          <p:nvPr>
+            <p:ph type="body" idx="1"/>
+          </p:nvPr>
+        </p:nvSpPr>
+        <p:spPr/>
+        <p:txBody>
+          <a:bodyPr/>
+          <a:lstStyle/>
+          <a:p>
+            <a:r>
+              <a:rPr lang="en-US" altLang="ko-KR" dirty="0" err="1"/>
+              <a:t>Ddd</a:t>
+            </a:r>
+            <a:endParaRPr lang="en-US" altLang="ko-KR" dirty="0"/>
+          </a:p>
+          <a:p>
+            <a:r>
+              <a:rPr lang="en-US" altLang="ko-KR" dirty="0"/>
+              <a:t>221 221 221</a:t>
+            </a:r>
+          </a:p>
+          <a:p>
+            <a:endParaRPr lang="en-US" altLang="ko-KR" dirty="0"/>
+          </a:p>
+          <a:p>
+            <a:r>
+              <a:rPr lang="en-US" altLang="ko-KR" dirty="0"/>
+              <a:t>11264f</a:t>
+            </a:r>
+          </a:p>
+          <a:p>
+            <a:r>
+              <a:rPr lang="en-US" altLang="ko-KR" dirty="0"/>
+              <a:t>17 38 79</a:t>
+            </a:r>
+            <a:endParaRPr lang="ko-KR" altLang="en-US" dirty="0"/>
+          </a:p>
+        </p:txBody>
+      </p:sp>
+      <p:sp>
+        <p:nvSpPr>
+          <p:cNvPr id="4" name="슬라이드 번호 개체 틀 3"/>
+          <p:cNvSpPr>
+            <a:spLocks noGrp="1"/>
+          </p:cNvSpPr>
+          <p:nvPr>
+            <p:ph type="sldNum" sz="quarter" idx="10"/>
+          </p:nvPr>
+        </p:nvSpPr>
+        <p:spPr/>
+        <p:txBody>
+          <a:bodyPr/>
+          <a:lstStyle/>
+          <a:p>
+            <a:pPr lvl="0"/>
+            <a:fld id="{D18D7664-14FA-449D-8BB7-BC47658399D5}" type="slidenum">
+              <a:rPr lang="en-US" altLang="ko-KR" smtClean="0"/>
+              <a:t>11</a:t>
+            </a:fld>
+            <a:endParaRPr lang="ko-KR" altLang="en-US"/>
+          </a:p>
+        </p:txBody>
+      </p:sp>
+    </p:spTree>
+    <p:extLst>
+      <p:ext uri="{BB962C8B-B14F-4D97-AF65-F5344CB8AC3E}">
+        <p14:creationId xmlns:p14="http://schemas.microsoft.com/office/powerpoint/2010/main" val="2780920835"/>
+      </p:ext>
+    </p:extLst>
+  </p:cSld>
+  <p:clrMapOvr>
+    <a:masterClrMapping/>
+  </p:clrMapOvr>
+</p:notes>
+</file>
+
 <file path=ppt/notesSlides/notesSlide2.xml><?xml version="1.0" encoding="utf-8"?>
 <p:notes xmlns:a="http://schemas.openxmlformats.org/drawingml/2006/main" xmlns:r="http://schemas.openxmlformats.org/officeDocument/2006/relationships" xmlns:p="http://schemas.openxmlformats.org/presentationml/2006/main">
   <p:cSld>
@@ -838,91 +955,63 @@
         <p:nvSpPr>
           <p:cNvPr id="2" name="슬라이드 이미지 개체 틀 1"/>
           <p:cNvSpPr>
-            <a:spLocks noGrp="1" noRot="1" noChangeAspect="1" noResize="1"/>
+            <a:spLocks noGrp="1" noRot="1" noChangeAspect="1"/>
           </p:cNvSpPr>
           <p:nvPr>
             <p:ph type="sldImg"/>
           </p:nvPr>
         </p:nvSpPr>
-        <p:spPr>
-          <a:xfrm>
-            <a:off x="952500" y="685800"/>
-            <a:ext cx="4953000" cy="3429000"/>
-          </a:xfrm>
-          <a:solidFill>
-            <a:schemeClr val="accent1"/>
-          </a:solidFill>
-          <a:ln w="25400">
-            <a:solidFill>
-              <a:schemeClr val="accent1">
-                <a:shade val="50000"/>
-              </a:schemeClr>
-            </a:solidFill>
-            <a:prstDash val="solid"/>
-          </a:ln>
-        </p:spPr>
+        <p:spPr/>
       </p:sp>
       <p:sp>
         <p:nvSpPr>
           <p:cNvPr id="3" name="슬라이드 노트 개체 틀 2"/>
-          <p:cNvSpPr txBox="1">
+          <p:cNvSpPr>
             <a:spLocks noGrp="1"/>
           </p:cNvSpPr>
           <p:nvPr>
-            <p:ph type="body" sz="quarter" idx="1"/>
+            <p:ph type="body" idx="1"/>
           </p:nvPr>
         </p:nvSpPr>
-        <p:spPr>
-          <a:xfrm>
-            <a:off x="685799" y="4343400"/>
-            <a:ext cx="5486040" cy="4114440"/>
-          </a:xfrm>
-        </p:spPr>
+        <p:spPr/>
         <p:txBody>
-          <a:bodyPr wrap="square" lIns="90000" tIns="45000" rIns="90000" bIns="45000" anchor="t"/>
+          <a:bodyPr/>
           <a:lstStyle/>
           <a:p>
-            <a:pPr lvl="0"/>
-            <a:endParaRPr lang="en-US" dirty="0"/>
+            <a:endParaRPr lang="ko-KR" altLang="en-US" dirty="0"/>
           </a:p>
         </p:txBody>
       </p:sp>
       <p:sp>
         <p:nvSpPr>
           <p:cNvPr id="4" name="슬라이드 번호 개체 틀 3"/>
-          <p:cNvSpPr txBox="1">
+          <p:cNvSpPr>
             <a:spLocks noGrp="1"/>
           </p:cNvSpPr>
           <p:nvPr>
-            <p:ph type="sldNum" sz="quarter" idx="8"/>
+            <p:ph type="sldNum" sz="quarter" idx="5"/>
           </p:nvPr>
         </p:nvSpPr>
-        <p:spPr>
-          <a:xfrm>
-            <a:off x="3884759" y="8685360"/>
-            <a:ext cx="2971440" cy="456839"/>
-          </a:xfrm>
-        </p:spPr>
+        <p:spPr/>
         <p:txBody>
-          <a:bodyPr wrap="square" lIns="90000" tIns="45000" rIns="90000" bIns="45000" anchor="t"/>
+          <a:bodyPr/>
           <a:lstStyle/>
           <a:p>
-            <a:pPr lvl="0" algn="l" hangingPunct="1"/>
-            <a:fld id="{0A4E6295-089B-4F6B-B67B-D01FCF13AFD8}" type="slidenum">
+            <a:pPr lvl="0"/>
+            <a:fld id="{D18D7664-14FA-449D-8BB7-BC47658399D5}" type="slidenum">
+              <a:rPr lang="en-US" altLang="ko-KR" smtClean="0"/>
               <a:t>3</a:t>
             </a:fld>
-            <a:endParaRPr lang="en-US" sz="1800">
-              <a:solidFill>
-                <a:srgbClr val="000000"/>
-              </a:solidFill>
-              <a:latin typeface="+mn-lt" pitchFamily="18"/>
-              <a:ea typeface="+mn-ea" pitchFamily="2"/>
-              <a:cs typeface="+mn-cs" pitchFamily="2"/>
-            </a:endParaRPr>
+            <a:endParaRPr lang="ko-KR" altLang="en-US"/>
           </a:p>
         </p:txBody>
       </p:sp>
     </p:spTree>
+    <p:extLst>
+      <p:ext uri="{BB962C8B-B14F-4D97-AF65-F5344CB8AC3E}">
+        <p14:creationId xmlns:p14="http://schemas.microsoft.com/office/powerpoint/2010/main" val="3510689616"/>
+      </p:ext>
+    </p:extLst>
   </p:cSld>
   <p:clrMapOvr>
     <a:masterClrMapping/>
@@ -951,94 +1040,61 @@
         <p:nvSpPr>
           <p:cNvPr id="2" name="슬라이드 이미지 개체 틀 1"/>
           <p:cNvSpPr>
-            <a:spLocks noGrp="1" noRot="1" noChangeAspect="1" noResize="1"/>
+            <a:spLocks noGrp="1" noRot="1" noChangeAspect="1"/>
           </p:cNvSpPr>
           <p:nvPr>
             <p:ph type="sldImg"/>
           </p:nvPr>
         </p:nvSpPr>
-        <p:spPr>
-          <a:xfrm>
-            <a:off x="952500" y="685800"/>
-            <a:ext cx="4953000" cy="3429000"/>
-          </a:xfrm>
-          <a:solidFill>
-            <a:schemeClr val="accent1"/>
-          </a:solidFill>
-          <a:ln w="25400">
-            <a:solidFill>
-              <a:schemeClr val="accent1">
-                <a:shade val="50000"/>
-              </a:schemeClr>
-            </a:solidFill>
-            <a:prstDash val="solid"/>
-          </a:ln>
-        </p:spPr>
+        <p:spPr/>
       </p:sp>
       <p:sp>
         <p:nvSpPr>
           <p:cNvPr id="3" name="슬라이드 노트 개체 틀 2"/>
-          <p:cNvSpPr txBox="1">
+          <p:cNvSpPr>
             <a:spLocks noGrp="1"/>
           </p:cNvSpPr>
           <p:nvPr>
-            <p:ph type="body" sz="quarter" idx="1"/>
+            <p:ph type="body" idx="1"/>
           </p:nvPr>
         </p:nvSpPr>
-        <p:spPr>
-          <a:xfrm>
-            <a:off x="685799" y="4343400"/>
-            <a:ext cx="5486040" cy="4114440"/>
-          </a:xfrm>
-        </p:spPr>
+        <p:spPr/>
         <p:txBody>
-          <a:bodyPr wrap="square" lIns="90000" tIns="45000" rIns="90000" bIns="45000" anchor="t"/>
+          <a:bodyPr/>
           <a:lstStyle/>
           <a:p>
-            <a:pPr lvl="0"/>
-            <a:endParaRPr lang="en-US" dirty="0"/>
+            <a:endParaRPr lang="ko-KR" altLang="en-US" dirty="0"/>
           </a:p>
         </p:txBody>
       </p:sp>
       <p:sp>
         <p:nvSpPr>
           <p:cNvPr id="4" name="슬라이드 번호 개체 틀 3"/>
-          <p:cNvSpPr txBox="1">
+          <p:cNvSpPr>
             <a:spLocks noGrp="1"/>
           </p:cNvSpPr>
           <p:nvPr>
-            <p:ph type="sldNum" sz="quarter" idx="8"/>
+            <p:ph type="sldNum" sz="quarter" idx="5"/>
           </p:nvPr>
         </p:nvSpPr>
-        <p:spPr>
-          <a:xfrm>
-            <a:off x="3884759" y="8685360"/>
-            <a:ext cx="2971440" cy="456839"/>
-          </a:xfrm>
-        </p:spPr>
+        <p:spPr/>
         <p:txBody>
-          <a:bodyPr wrap="square" lIns="90000" tIns="45000" rIns="90000" bIns="45000" anchor="t"/>
+          <a:bodyPr/>
           <a:lstStyle/>
           <a:p>
-            <a:pPr lvl="0" algn="l" hangingPunct="1"/>
-            <a:fld id="{0A4E6295-089B-4F6B-B67B-D01FCF13AFD8}" type="slidenum">
+            <a:pPr lvl="0"/>
+            <a:fld id="{D18D7664-14FA-449D-8BB7-BC47658399D5}" type="slidenum">
+              <a:rPr lang="en-US" altLang="ko-KR" smtClean="0"/>
               <a:t>4</a:t>
             </a:fld>
-            <a:endParaRPr lang="en-US" sz="1800">
-              <a:solidFill>
-                <a:srgbClr val="000000"/>
-              </a:solidFill>
-              <a:latin typeface="+mn-lt" pitchFamily="18"/>
-              <a:ea typeface="+mn-ea" pitchFamily="2"/>
-              <a:cs typeface="+mn-cs" pitchFamily="2"/>
-            </a:endParaRPr>
+            <a:endParaRPr lang="ko-KR" altLang="en-US"/>
           </a:p>
         </p:txBody>
       </p:sp>
     </p:spTree>
     <p:extLst>
       <p:ext uri="{BB962C8B-B14F-4D97-AF65-F5344CB8AC3E}">
-        <p14:creationId xmlns:p14="http://schemas.microsoft.com/office/powerpoint/2010/main" val="795399149"/>
+        <p14:creationId xmlns:p14="http://schemas.microsoft.com/office/powerpoint/2010/main" val="1569004942"/>
       </p:ext>
     </p:extLst>
   </p:cSld>
@@ -1154,11 +1210,6 @@
         </p:txBody>
       </p:sp>
     </p:spTree>
-    <p:extLst>
-      <p:ext uri="{BB962C8B-B14F-4D97-AF65-F5344CB8AC3E}">
-        <p14:creationId xmlns:p14="http://schemas.microsoft.com/office/powerpoint/2010/main" val="2045545927"/>
-      </p:ext>
-    </p:extLst>
   </p:cSld>
   <p:clrMapOvr>
     <a:masterClrMapping/>
@@ -1274,7 +1325,7 @@
     </p:spTree>
     <p:extLst>
       <p:ext uri="{BB962C8B-B14F-4D97-AF65-F5344CB8AC3E}">
-        <p14:creationId xmlns:p14="http://schemas.microsoft.com/office/powerpoint/2010/main" val="396791059"/>
+        <p14:creationId xmlns:p14="http://schemas.microsoft.com/office/powerpoint/2010/main" val="795399149"/>
       </p:ext>
     </p:extLst>
   </p:cSld>
@@ -1392,7 +1443,7 @@
     </p:spTree>
     <p:extLst>
       <p:ext uri="{BB962C8B-B14F-4D97-AF65-F5344CB8AC3E}">
-        <p14:creationId xmlns:p14="http://schemas.microsoft.com/office/powerpoint/2010/main" val="3634174380"/>
+        <p14:creationId xmlns:p14="http://schemas.microsoft.com/office/powerpoint/2010/main" val="2045545927"/>
       </p:ext>
     </p:extLst>
   </p:cSld>
@@ -1510,7 +1561,7 @@
     </p:spTree>
     <p:extLst>
       <p:ext uri="{BB962C8B-B14F-4D97-AF65-F5344CB8AC3E}">
-        <p14:creationId xmlns:p14="http://schemas.microsoft.com/office/powerpoint/2010/main" val="2304067464"/>
+        <p14:creationId xmlns:p14="http://schemas.microsoft.com/office/powerpoint/2010/main" val="396791059"/>
       </p:ext>
     </p:extLst>
   </p:cSld>
@@ -1541,61 +1592,94 @@
         <p:nvSpPr>
           <p:cNvPr id="2" name="슬라이드 이미지 개체 틀 1"/>
           <p:cNvSpPr>
-            <a:spLocks noGrp="1" noRot="1" noChangeAspect="1"/>
+            <a:spLocks noGrp="1" noRot="1" noChangeAspect="1" noResize="1"/>
           </p:cNvSpPr>
           <p:nvPr>
             <p:ph type="sldImg"/>
           </p:nvPr>
         </p:nvSpPr>
-        <p:spPr/>
+        <p:spPr>
+          <a:xfrm>
+            <a:off x="952500" y="685800"/>
+            <a:ext cx="4953000" cy="3429000"/>
+          </a:xfrm>
+          <a:solidFill>
+            <a:schemeClr val="accent1"/>
+          </a:solidFill>
+          <a:ln w="25400">
+            <a:solidFill>
+              <a:schemeClr val="accent1">
+                <a:shade val="50000"/>
+              </a:schemeClr>
+            </a:solidFill>
+            <a:prstDash val="solid"/>
+          </a:ln>
+        </p:spPr>
       </p:sp>
       <p:sp>
         <p:nvSpPr>
           <p:cNvPr id="3" name="슬라이드 노트 개체 틀 2"/>
-          <p:cNvSpPr>
+          <p:cNvSpPr txBox="1">
             <a:spLocks noGrp="1"/>
           </p:cNvSpPr>
           <p:nvPr>
-            <p:ph type="body" idx="1"/>
+            <p:ph type="body" sz="quarter" idx="1"/>
           </p:nvPr>
         </p:nvSpPr>
-        <p:spPr/>
+        <p:spPr>
+          <a:xfrm>
+            <a:off x="685799" y="4343400"/>
+            <a:ext cx="5486040" cy="4114440"/>
+          </a:xfrm>
+        </p:spPr>
         <p:txBody>
-          <a:bodyPr/>
+          <a:bodyPr wrap="square" lIns="90000" tIns="45000" rIns="90000" bIns="45000" anchor="t"/>
           <a:lstStyle/>
           <a:p>
-            <a:endParaRPr lang="ko-KR" altLang="en-US" dirty="0"/>
+            <a:pPr lvl="0"/>
+            <a:endParaRPr lang="en-US" dirty="0"/>
           </a:p>
         </p:txBody>
       </p:sp>
       <p:sp>
         <p:nvSpPr>
           <p:cNvPr id="4" name="슬라이드 번호 개체 틀 3"/>
-          <p:cNvSpPr>
+          <p:cNvSpPr txBox="1">
             <a:spLocks noGrp="1"/>
           </p:cNvSpPr>
           <p:nvPr>
-            <p:ph type="sldNum" sz="quarter" idx="5"/>
+            <p:ph type="sldNum" sz="quarter" idx="8"/>
           </p:nvPr>
         </p:nvSpPr>
-        <p:spPr/>
+        <p:spPr>
+          <a:xfrm>
+            <a:off x="3884759" y="8685360"/>
+            <a:ext cx="2971440" cy="456839"/>
+          </a:xfrm>
+        </p:spPr>
         <p:txBody>
-          <a:bodyPr/>
+          <a:bodyPr wrap="square" lIns="90000" tIns="45000" rIns="90000" bIns="45000" anchor="t"/>
           <a:lstStyle/>
           <a:p>
-            <a:pPr lvl="0"/>
-            <a:fld id="{D18D7664-14FA-449D-8BB7-BC47658399D5}" type="slidenum">
-              <a:rPr lang="en-US" altLang="ko-KR" smtClean="0"/>
+            <a:pPr lvl="0" algn="l" hangingPunct="1"/>
+            <a:fld id="{0A4E6295-089B-4F6B-B67B-D01FCF13AFD8}" type="slidenum">
               <a:t>9</a:t>
             </a:fld>
-            <a:endParaRPr lang="ko-KR" altLang="en-US"/>
+            <a:endParaRPr lang="en-US" sz="1800">
+              <a:solidFill>
+                <a:srgbClr val="000000"/>
+              </a:solidFill>
+              <a:latin typeface="+mn-lt" pitchFamily="18"/>
+              <a:ea typeface="+mn-ea" pitchFamily="2"/>
+              <a:cs typeface="+mn-cs" pitchFamily="2"/>
+            </a:endParaRPr>
           </a:p>
         </p:txBody>
       </p:sp>
     </p:spTree>
     <p:extLst>
       <p:ext uri="{BB962C8B-B14F-4D97-AF65-F5344CB8AC3E}">
-        <p14:creationId xmlns:p14="http://schemas.microsoft.com/office/powerpoint/2010/main" val="4195753952"/>
+        <p14:creationId xmlns:p14="http://schemas.microsoft.com/office/powerpoint/2010/main" val="3634174380"/>
       </p:ext>
     </p:extLst>
   </p:cSld>
@@ -1626,7 +1710,7 @@
         <p:nvSpPr>
           <p:cNvPr id="2" name="슬라이드 이미지 개체 틀 1"/>
           <p:cNvSpPr>
-            <a:spLocks noGrp="1" noRot="1" noChangeAspect="1"/>
+            <a:spLocks noGrp="1" noRot="1" noChangeAspect="1" noResize="1"/>
           </p:cNvSpPr>
           <p:nvPr>
             <p:ph type="sldImg"/>
@@ -1634,84 +1718,86 @@
         </p:nvSpPr>
         <p:spPr>
           <a:xfrm>
-            <a:off x="884238" y="812800"/>
-            <a:ext cx="5789612" cy="4008438"/>
+            <a:off x="952500" y="685800"/>
+            <a:ext cx="4953000" cy="3429000"/>
           </a:xfrm>
+          <a:solidFill>
+            <a:schemeClr val="accent1"/>
+          </a:solidFill>
+          <a:ln w="25400">
+            <a:solidFill>
+              <a:schemeClr val="accent1">
+                <a:shade val="50000"/>
+              </a:schemeClr>
+            </a:solidFill>
+            <a:prstDash val="solid"/>
+          </a:ln>
         </p:spPr>
       </p:sp>
       <p:sp>
         <p:nvSpPr>
           <p:cNvPr id="3" name="슬라이드 노트 개체 틀 2"/>
-          <p:cNvSpPr>
+          <p:cNvSpPr txBox="1">
             <a:spLocks noGrp="1"/>
           </p:cNvSpPr>
           <p:nvPr>
-            <p:ph type="body" idx="1"/>
+            <p:ph type="body" sz="quarter" idx="1"/>
           </p:nvPr>
         </p:nvSpPr>
-        <p:spPr/>
+        <p:spPr>
+          <a:xfrm>
+            <a:off x="685799" y="4343400"/>
+            <a:ext cx="5486040" cy="4114440"/>
+          </a:xfrm>
+        </p:spPr>
         <p:txBody>
-          <a:bodyPr/>
+          <a:bodyPr wrap="square" lIns="90000" tIns="45000" rIns="90000" bIns="45000" anchor="t"/>
           <a:lstStyle/>
           <a:p>
-            <a:r>
-              <a:rPr lang="en-US" altLang="ko-KR" dirty="0" err="1"/>
-              <a:t>Ddd</a:t>
-            </a:r>
-            <a:endParaRPr lang="en-US" altLang="ko-KR" dirty="0"/>
-          </a:p>
-          <a:p>
-            <a:r>
-              <a:rPr lang="en-US" altLang="ko-KR" dirty="0"/>
-              <a:t>221 221 221</a:t>
-            </a:r>
-          </a:p>
-          <a:p>
-            <a:endParaRPr lang="en-US" altLang="ko-KR" dirty="0"/>
-          </a:p>
-          <a:p>
-            <a:r>
-              <a:rPr lang="en-US" altLang="ko-KR" dirty="0"/>
-              <a:t>11264f</a:t>
-            </a:r>
-          </a:p>
-          <a:p>
-            <a:r>
-              <a:rPr lang="en-US" altLang="ko-KR" dirty="0"/>
-              <a:t>17 38 79</a:t>
-            </a:r>
-            <a:endParaRPr lang="ko-KR" altLang="en-US" dirty="0"/>
+            <a:pPr lvl="0"/>
+            <a:endParaRPr lang="en-US" dirty="0"/>
           </a:p>
         </p:txBody>
       </p:sp>
       <p:sp>
         <p:nvSpPr>
           <p:cNvPr id="4" name="슬라이드 번호 개체 틀 3"/>
-          <p:cNvSpPr>
+          <p:cNvSpPr txBox="1">
             <a:spLocks noGrp="1"/>
           </p:cNvSpPr>
           <p:nvPr>
-            <p:ph type="sldNum" sz="quarter" idx="10"/>
+            <p:ph type="sldNum" sz="quarter" idx="8"/>
           </p:nvPr>
         </p:nvSpPr>
-        <p:spPr/>
+        <p:spPr>
+          <a:xfrm>
+            <a:off x="3884759" y="8685360"/>
+            <a:ext cx="2971440" cy="456839"/>
+          </a:xfrm>
+        </p:spPr>
         <p:txBody>
-          <a:bodyPr/>
+          <a:bodyPr wrap="square" lIns="90000" tIns="45000" rIns="90000" bIns="45000" anchor="t"/>
           <a:lstStyle/>
           <a:p>
-            <a:pPr lvl="0"/>
-            <a:fld id="{D18D7664-14FA-449D-8BB7-BC47658399D5}" type="slidenum">
-              <a:rPr lang="en-US" altLang="ko-KR" smtClean="0"/>
+            <a:pPr lvl="0" algn="l" hangingPunct="1"/>
+            <a:fld id="{0A4E6295-089B-4F6B-B67B-D01FCF13AFD8}" type="slidenum">
               <a:t>10</a:t>
             </a:fld>
-            <a:endParaRPr lang="ko-KR" altLang="en-US"/>
+            <a:endParaRPr lang="en-US" sz="1800">
+              <a:solidFill>
+                <a:srgbClr val="000000"/>
+              </a:solidFill>
+              <a:latin typeface="+mn-lt" pitchFamily="18"/>
+              <a:ea typeface="+mn-ea" pitchFamily="2"/>
+              <a:cs typeface="+mn-cs" pitchFamily="2"/>
+            </a:endParaRPr>
           </a:p>
         </p:txBody>
       </p:sp>
     </p:spTree>
     <p:extLst>
       <p:ext uri="{BB962C8B-B14F-4D97-AF65-F5344CB8AC3E}">
-        <p14:creationId xmlns:p14="http://schemas.microsoft.com/office/powerpoint/2010/main" val="2780920835"/>
+        <p14:creationId xmlns:p14="http://schemas.microsoft.com/office/powerpoint/2010/main" val="2304067464"/>
       </p:ext>
     </p:extLst>
   </p:cSld>
@@ -1897,7 +1983,7 @@
             <a:fld id="{3CE48FB0-A4B2-4AA8-8D2F-280CD559A140}" type="datetime1">
               <a:rPr lang="en-US" smtClean="0"/>
               <a:pPr lvl="0"/>
-              <a:t>10/28/2020</a:t>
+              <a:t>10/29/2020</a:t>
             </a:fld>
             <a:endParaRPr lang="en-US"/>
           </a:p>
@@ -2068,7 +2154,7 @@
             <a:fld id="{3CE48FB0-A4B2-4AA8-8D2F-280CD559A140}" type="datetime1">
               <a:rPr lang="en-US" smtClean="0"/>
               <a:pPr lvl="0"/>
-              <a:t>10/28/2020</a:t>
+              <a:t>10/29/2020</a:t>
             </a:fld>
             <a:endParaRPr lang="en-US"/>
           </a:p>
@@ -2249,7 +2335,7 @@
             <a:fld id="{3CE48FB0-A4B2-4AA8-8D2F-280CD559A140}" type="datetime1">
               <a:rPr lang="en-US" smtClean="0"/>
               <a:pPr lvl="0"/>
-              <a:t>10/28/2020</a:t>
+              <a:t>10/29/2020</a:t>
             </a:fld>
             <a:endParaRPr lang="en-US"/>
           </a:p>
@@ -2492,7 +2578,7 @@
             <a:fld id="{BC0AFF7F-7426-42D1-B0EE-1D952A4F4BF2}" type="datetime1">
               <a:rPr lang="en-US" smtClean="0"/>
               <a:pPr lvl="0"/>
-              <a:t>10/28/2020</a:t>
+              <a:t>10/29/2020</a:t>
             </a:fld>
             <a:endParaRPr lang="en-US"/>
           </a:p>
@@ -2663,7 +2749,7 @@
             <a:fld id="{BC0AFF7F-7426-42D1-B0EE-1D952A4F4BF2}" type="datetime1">
               <a:rPr lang="en-US" smtClean="0"/>
               <a:pPr lvl="0"/>
-              <a:t>10/28/2020</a:t>
+              <a:t>10/29/2020</a:t>
             </a:fld>
             <a:endParaRPr lang="en-US"/>
           </a:p>
@@ -2911,7 +2997,7 @@
             <a:fld id="{BC0AFF7F-7426-42D1-B0EE-1D952A4F4BF2}" type="datetime1">
               <a:rPr lang="en-US" smtClean="0"/>
               <a:pPr lvl="0"/>
-              <a:t>10/28/2020</a:t>
+              <a:t>10/29/2020</a:t>
             </a:fld>
             <a:endParaRPr lang="en-US"/>
           </a:p>
@@ -3199,7 +3285,7 @@
             <a:fld id="{BC0AFF7F-7426-42D1-B0EE-1D952A4F4BF2}" type="datetime1">
               <a:rPr lang="en-US" smtClean="0"/>
               <a:pPr lvl="0"/>
-              <a:t>10/28/2020</a:t>
+              <a:t>10/29/2020</a:t>
             </a:fld>
             <a:endParaRPr lang="en-US"/>
           </a:p>
@@ -3621,7 +3707,7 @@
             <a:fld id="{BC0AFF7F-7426-42D1-B0EE-1D952A4F4BF2}" type="datetime1">
               <a:rPr lang="en-US" smtClean="0"/>
               <a:pPr lvl="0"/>
-              <a:t>10/28/2020</a:t>
+              <a:t>10/29/2020</a:t>
             </a:fld>
             <a:endParaRPr lang="en-US"/>
           </a:p>
@@ -3741,7 +3827,7 @@
             <a:fld id="{BC0AFF7F-7426-42D1-B0EE-1D952A4F4BF2}" type="datetime1">
               <a:rPr lang="en-US" smtClean="0"/>
               <a:pPr lvl="0"/>
-              <a:t>10/28/2020</a:t>
+              <a:t>10/29/2020</a:t>
             </a:fld>
             <a:endParaRPr lang="en-US"/>
           </a:p>
@@ -3839,7 +3925,7 @@
             <a:fld id="{BC0AFF7F-7426-42D1-B0EE-1D952A4F4BF2}" type="datetime1">
               <a:rPr lang="en-US" smtClean="0"/>
               <a:pPr lvl="0"/>
-              <a:t>10/28/2020</a:t>
+              <a:t>10/29/2020</a:t>
             </a:fld>
             <a:endParaRPr lang="en-US"/>
           </a:p>
@@ -4118,7 +4204,7 @@
             <a:fld id="{BC0AFF7F-7426-42D1-B0EE-1D952A4F4BF2}" type="datetime1">
               <a:rPr lang="en-US" smtClean="0"/>
               <a:pPr lvl="0"/>
-              <a:t>10/28/2020</a:t>
+              <a:t>10/29/2020</a:t>
             </a:fld>
             <a:endParaRPr lang="en-US"/>
           </a:p>
@@ -4289,7 +4375,7 @@
             <a:fld id="{3CE48FB0-A4B2-4AA8-8D2F-280CD559A140}" type="datetime1">
               <a:rPr lang="en-US" smtClean="0"/>
               <a:pPr lvl="0"/>
-              <a:t>10/28/2020</a:t>
+              <a:t>10/29/2020</a:t>
             </a:fld>
             <a:endParaRPr lang="en-US"/>
           </a:p>
@@ -4544,7 +4630,7 @@
             <a:fld id="{BC0AFF7F-7426-42D1-B0EE-1D952A4F4BF2}" type="datetime1">
               <a:rPr lang="en-US" smtClean="0"/>
               <a:pPr lvl="0"/>
-              <a:t>10/28/2020</a:t>
+              <a:t>10/29/2020</a:t>
             </a:fld>
             <a:endParaRPr lang="en-US"/>
           </a:p>
@@ -4715,7 +4801,7 @@
             <a:fld id="{BC0AFF7F-7426-42D1-B0EE-1D952A4F4BF2}" type="datetime1">
               <a:rPr lang="en-US" smtClean="0"/>
               <a:pPr lvl="0"/>
-              <a:t>10/28/2020</a:t>
+              <a:t>10/29/2020</a:t>
             </a:fld>
             <a:endParaRPr lang="en-US"/>
           </a:p>
@@ -4896,7 +4982,7 @@
             <a:fld id="{BC0AFF7F-7426-42D1-B0EE-1D952A4F4BF2}" type="datetime1">
               <a:rPr lang="en-US" smtClean="0"/>
               <a:pPr lvl="0"/>
-              <a:t>10/28/2020</a:t>
+              <a:t>10/29/2020</a:t>
             </a:fld>
             <a:endParaRPr lang="en-US"/>
           </a:p>
@@ -5144,7 +5230,7 @@
             <a:fld id="{3CE48FB0-A4B2-4AA8-8D2F-280CD559A140}" type="datetime1">
               <a:rPr lang="en-US" smtClean="0"/>
               <a:pPr lvl="0"/>
-              <a:t>10/28/2020</a:t>
+              <a:t>10/29/2020</a:t>
             </a:fld>
             <a:endParaRPr lang="en-US"/>
           </a:p>
@@ -5432,7 +5518,7 @@
             <a:fld id="{3CE48FB0-A4B2-4AA8-8D2F-280CD559A140}" type="datetime1">
               <a:rPr lang="en-US" smtClean="0"/>
               <a:pPr lvl="0"/>
-              <a:t>10/28/2020</a:t>
+              <a:t>10/29/2020</a:t>
             </a:fld>
             <a:endParaRPr lang="en-US"/>
           </a:p>
@@ -5859,7 +5945,7 @@
             <a:fld id="{3CE48FB0-A4B2-4AA8-8D2F-280CD559A140}" type="datetime1">
               <a:rPr lang="en-US" smtClean="0"/>
               <a:pPr lvl="0"/>
-              <a:t>10/28/2020</a:t>
+              <a:t>10/29/2020</a:t>
             </a:fld>
             <a:endParaRPr lang="en-US"/>
           </a:p>
@@ -5979,7 +6065,7 @@
             <a:fld id="{3CE48FB0-A4B2-4AA8-8D2F-280CD559A140}" type="datetime1">
               <a:rPr lang="en-US" smtClean="0"/>
               <a:pPr lvl="0"/>
-              <a:t>10/28/2020</a:t>
+              <a:t>10/29/2020</a:t>
             </a:fld>
             <a:endParaRPr lang="en-US"/>
           </a:p>
@@ -6077,7 +6163,7 @@
             <a:fld id="{3CE48FB0-A4B2-4AA8-8D2F-280CD559A140}" type="datetime1">
               <a:rPr lang="en-US" smtClean="0"/>
               <a:pPr lvl="0"/>
-              <a:t>10/28/2020</a:t>
+              <a:t>10/29/2020</a:t>
             </a:fld>
             <a:endParaRPr lang="en-US"/>
           </a:p>
@@ -6356,7 +6442,7 @@
             <a:fld id="{3CE48FB0-A4B2-4AA8-8D2F-280CD559A140}" type="datetime1">
               <a:rPr lang="en-US" smtClean="0"/>
               <a:pPr lvl="0"/>
-              <a:t>10/28/2020</a:t>
+              <a:t>10/29/2020</a:t>
             </a:fld>
             <a:endParaRPr lang="en-US"/>
           </a:p>
@@ -6611,7 +6697,7 @@
             <a:fld id="{3CE48FB0-A4B2-4AA8-8D2F-280CD559A140}" type="datetime1">
               <a:rPr lang="en-US" smtClean="0"/>
               <a:pPr lvl="0"/>
-              <a:t>10/28/2020</a:t>
+              <a:t>10/29/2020</a:t>
             </a:fld>
             <a:endParaRPr lang="en-US"/>
           </a:p>
@@ -6834,7 +6920,7 @@
             <a:fld id="{3CE48FB0-A4B2-4AA8-8D2F-280CD559A140}" type="datetime1">
               <a:rPr lang="en-US"/>
               <a:pPr lvl="0"/>
-              <a:t>10/28/2020</a:t>
+              <a:t>10/29/2020</a:t>
             </a:fld>
             <a:endParaRPr lang="en-US"/>
           </a:p>
@@ -7820,7 +7906,7 @@
             <a:fld id="{BC0AFF7F-7426-42D1-B0EE-1D952A4F4BF2}" type="datetime1">
               <a:rPr lang="en-US"/>
               <a:pPr lvl="0"/>
-              <a:t>10/28/2020</a:t>
+              <a:t>10/29/2020</a:t>
             </a:fld>
             <a:endParaRPr lang="en-US"/>
           </a:p>
@@ -8698,7 +8784,7 @@
           <p:cNvPr id="6" name="그룹 5">
             <a:extLst>
               <a:ext uri="{FF2B5EF4-FFF2-40B4-BE49-F238E27FC236}">
-                <a16:creationId xmlns:a16="http://schemas.microsoft.com/office/drawing/2014/main" xmlns="" id="{1E35DEBA-43E9-4C0F-B7FC-DD519698A9BD}"/>
+                <a16:creationId xmlns:a16="http://schemas.microsoft.com/office/drawing/2014/main" id="{1E35DEBA-43E9-4C0F-B7FC-DD519698A9BD}"/>
               </a:ext>
             </a:extLst>
           </p:cNvPr>
@@ -8718,7 +8804,7 @@
             <p:cNvPr id="4" name="말풍선: 타원형 3">
               <a:extLst>
                 <a:ext uri="{FF2B5EF4-FFF2-40B4-BE49-F238E27FC236}">
-                  <a16:creationId xmlns:a16="http://schemas.microsoft.com/office/drawing/2014/main" xmlns="" id="{4036751B-52EA-4114-8E93-A69AAA6B2087}"/>
+                  <a16:creationId xmlns:a16="http://schemas.microsoft.com/office/drawing/2014/main" id="{4036751B-52EA-4114-8E93-A69AAA6B2087}"/>
                 </a:ext>
               </a:extLst>
             </p:cNvPr>
@@ -8774,7 +8860,7 @@
             <p:cNvPr id="5" name="TextBox 4">
               <a:extLst>
                 <a:ext uri="{FF2B5EF4-FFF2-40B4-BE49-F238E27FC236}">
-                  <a16:creationId xmlns:a16="http://schemas.microsoft.com/office/drawing/2014/main" xmlns="" id="{102621BF-8FD7-4DA5-977E-DE8B482099CD}"/>
+                  <a16:creationId xmlns:a16="http://schemas.microsoft.com/office/drawing/2014/main" id="{102621BF-8FD7-4DA5-977E-DE8B482099CD}"/>
                 </a:ext>
               </a:extLst>
             </p:cNvPr>
@@ -8824,6 +8910,786 @@
 </file>
 
 <file path=ppt/slides/slide10.xml><?xml version="1.0" encoding="utf-8"?>
+<p:sld xmlns:a="http://schemas.openxmlformats.org/drawingml/2006/main" xmlns:r="http://schemas.openxmlformats.org/officeDocument/2006/relationships" xmlns:p="http://schemas.openxmlformats.org/presentationml/2006/main">
+  <p:cSld>
+    <p:spTree>
+      <p:nvGrpSpPr>
+        <p:cNvPr id="1" name=""/>
+        <p:cNvGrpSpPr/>
+        <p:nvPr/>
+      </p:nvGrpSpPr>
+      <p:grpSpPr>
+        <a:xfrm>
+          <a:off x="0" y="0"/>
+          <a:ext cx="0" cy="0"/>
+          <a:chOff x="0" y="0"/>
+          <a:chExt cx="0" cy="0"/>
+        </a:xfrm>
+      </p:grpSpPr>
+      <p:pic>
+        <p:nvPicPr>
+          <p:cNvPr id="6" name="그림 5">
+            <a:extLst>
+              <a:ext uri="{FF2B5EF4-FFF2-40B4-BE49-F238E27FC236}">
+                <a16:creationId xmlns:a16="http://schemas.microsoft.com/office/drawing/2014/main" id="{E1179556-964B-4E07-B182-4D60B4322A80}"/>
+              </a:ext>
+            </a:extLst>
+          </p:cNvPr>
+          <p:cNvPicPr>
+            <a:picLocks noChangeAspect="1"/>
+          </p:cNvPicPr>
+          <p:nvPr/>
+        </p:nvPicPr>
+        <p:blipFill rotWithShape="1">
+          <a:blip r:embed="rId3"/>
+          <a:srcRect b="36286"/>
+          <a:stretch/>
+        </p:blipFill>
+        <p:spPr>
+          <a:xfrm>
+            <a:off x="0" y="4553210"/>
+            <a:ext cx="9906000" cy="2107254"/>
+          </a:xfrm>
+          <a:prstGeom prst="rect">
+            <a:avLst/>
+          </a:prstGeom>
+          <a:ln>
+            <a:solidFill>
+              <a:srgbClr val="11264F"/>
+            </a:solidFill>
+          </a:ln>
+        </p:spPr>
+      </p:pic>
+      <p:grpSp>
+        <p:nvGrpSpPr>
+          <p:cNvPr id="10" name="그룹 9">
+            <a:extLst>
+              <a:ext uri="{FF2B5EF4-FFF2-40B4-BE49-F238E27FC236}">
+                <a16:creationId xmlns:a16="http://schemas.microsoft.com/office/drawing/2014/main" id="{6DBFD39B-C829-4D4A-8E94-3E8CCC4A1296}"/>
+              </a:ext>
+            </a:extLst>
+          </p:cNvPr>
+          <p:cNvGrpSpPr/>
+          <p:nvPr/>
+        </p:nvGrpSpPr>
+        <p:grpSpPr>
+          <a:xfrm>
+            <a:off x="0" y="1551025"/>
+            <a:ext cx="9906000" cy="1800200"/>
+            <a:chOff x="0" y="1844824"/>
+            <a:chExt cx="9906000" cy="1800200"/>
+          </a:xfrm>
+        </p:grpSpPr>
+        <p:pic>
+          <p:nvPicPr>
+            <p:cNvPr id="3" name="그림 2">
+              <a:extLst>
+                <a:ext uri="{FF2B5EF4-FFF2-40B4-BE49-F238E27FC236}">
+                  <a16:creationId xmlns:a16="http://schemas.microsoft.com/office/drawing/2014/main" id="{2C3A9987-D64D-4E29-A012-669C49D93BD3}"/>
+                </a:ext>
+              </a:extLst>
+            </p:cNvPr>
+            <p:cNvPicPr>
+              <a:picLocks noChangeAspect="1"/>
+            </p:cNvPicPr>
+            <p:nvPr/>
+          </p:nvPicPr>
+          <p:blipFill rotWithShape="1">
+            <a:blip r:embed="rId4"/>
+            <a:srcRect b="8892"/>
+            <a:stretch/>
+          </p:blipFill>
+          <p:spPr>
+            <a:xfrm>
+              <a:off x="0" y="1844824"/>
+              <a:ext cx="9906000" cy="1800200"/>
+            </a:xfrm>
+            <a:prstGeom prst="rect">
+              <a:avLst/>
+            </a:prstGeom>
+            <a:ln>
+              <a:solidFill>
+                <a:srgbClr val="11264F"/>
+              </a:solidFill>
+            </a:ln>
+          </p:spPr>
+        </p:pic>
+        <p:sp>
+          <p:nvSpPr>
+            <p:cNvPr id="9" name="직사각형 8">
+              <a:extLst>
+                <a:ext uri="{FF2B5EF4-FFF2-40B4-BE49-F238E27FC236}">
+                  <a16:creationId xmlns:a16="http://schemas.microsoft.com/office/drawing/2014/main" id="{93ED233C-CC5A-46A7-957C-E4CC43B64746}"/>
+                </a:ext>
+              </a:extLst>
+            </p:cNvPr>
+            <p:cNvSpPr/>
+            <p:nvPr/>
+          </p:nvSpPr>
+          <p:spPr>
+            <a:xfrm>
+              <a:off x="1447850" y="3307404"/>
+              <a:ext cx="1512168" cy="337620"/>
+            </a:xfrm>
+            <a:prstGeom prst="rect">
+              <a:avLst/>
+            </a:prstGeom>
+            <a:noFill/>
+            <a:ln>
+              <a:solidFill>
+                <a:srgbClr val="FF0000"/>
+              </a:solidFill>
+            </a:ln>
+          </p:spPr>
+          <p:style>
+            <a:lnRef idx="2">
+              <a:schemeClr val="accent1">
+                <a:shade val="50000"/>
+              </a:schemeClr>
+            </a:lnRef>
+            <a:fillRef idx="1">
+              <a:schemeClr val="accent1"/>
+            </a:fillRef>
+            <a:effectRef idx="0">
+              <a:schemeClr val="accent1"/>
+            </a:effectRef>
+            <a:fontRef idx="minor">
+              <a:schemeClr val="lt1"/>
+            </a:fontRef>
+          </p:style>
+          <p:txBody>
+            <a:bodyPr rtlCol="0" anchor="ctr"/>
+            <a:lstStyle/>
+            <a:p>
+              <a:pPr algn="ctr"/>
+              <a:endParaRPr lang="ko-KR" altLang="en-US" dirty="0"/>
+            </a:p>
+          </p:txBody>
+        </p:sp>
+      </p:grpSp>
+      <p:sp>
+        <p:nvSpPr>
+          <p:cNvPr id="13" name="TextBox 12">
+            <a:extLst>
+              <a:ext uri="{FF2B5EF4-FFF2-40B4-BE49-F238E27FC236}">
+                <a16:creationId xmlns:a16="http://schemas.microsoft.com/office/drawing/2014/main" id="{60DEF396-9EAC-495D-A199-BBB48A79C245}"/>
+              </a:ext>
+            </a:extLst>
+          </p:cNvPr>
+          <p:cNvSpPr txBox="1"/>
+          <p:nvPr/>
+        </p:nvSpPr>
+        <p:spPr>
+          <a:xfrm>
+            <a:off x="344488" y="1101380"/>
+            <a:ext cx="9217024" cy="323165"/>
+          </a:xfrm>
+          <a:prstGeom prst="rect">
+            <a:avLst/>
+          </a:prstGeom>
+          <a:noFill/>
+        </p:spPr>
+        <p:txBody>
+          <a:bodyPr wrap="square" rtlCol="0">
+            <a:spAutoFit/>
+          </a:bodyPr>
+          <a:lstStyle/>
+          <a:p>
+            <a:pPr latinLnBrk="1"/>
+            <a:r>
+              <a:rPr lang="en-US" altLang="ko-KR" sz="1500" b="1" dirty="0">
+                <a:solidFill>
+                  <a:srgbClr val="11264F"/>
+                </a:solidFill>
+              </a:rPr>
+              <a:t>1. 5_team3.sql : </a:t>
+            </a:r>
+            <a:r>
+              <a:rPr lang="ko-KR" altLang="en-US" sz="1500" b="1" dirty="0">
+                <a:solidFill>
+                  <a:srgbClr val="11264F"/>
+                </a:solidFill>
+              </a:rPr>
+              <a:t>학사관리시스템에 필요한 테이블이나 데이터에 대한 쿼리가 담긴 스크립트 파일</a:t>
+            </a:r>
+          </a:p>
+        </p:txBody>
+      </p:sp>
+      <p:sp>
+        <p:nvSpPr>
+          <p:cNvPr id="32" name="TextBox 31">
+            <a:extLst>
+              <a:ext uri="{FF2B5EF4-FFF2-40B4-BE49-F238E27FC236}">
+                <a16:creationId xmlns:a16="http://schemas.microsoft.com/office/drawing/2014/main" id="{68F47B68-6635-4563-A1BF-F5E30339444D}"/>
+              </a:ext>
+            </a:extLst>
+          </p:cNvPr>
+          <p:cNvSpPr txBox="1"/>
+          <p:nvPr/>
+        </p:nvSpPr>
+        <p:spPr>
+          <a:xfrm>
+            <a:off x="344488" y="3940448"/>
+            <a:ext cx="9217024" cy="553998"/>
+          </a:xfrm>
+          <a:prstGeom prst="rect">
+            <a:avLst/>
+          </a:prstGeom>
+          <a:noFill/>
+        </p:spPr>
+        <p:txBody>
+          <a:bodyPr wrap="square" rtlCol="0">
+            <a:spAutoFit/>
+          </a:bodyPr>
+          <a:lstStyle/>
+          <a:p>
+            <a:pPr latinLnBrk="1"/>
+            <a:r>
+              <a:rPr lang="en-US" altLang="ko-KR" sz="1500" b="1" dirty="0">
+                <a:solidFill>
+                  <a:srgbClr val="11264F"/>
+                </a:solidFill>
+              </a:rPr>
+              <a:t>2. </a:t>
+            </a:r>
+            <a:r>
+              <a:rPr lang="en-US" altLang="ko-KR" sz="1500" b="1" dirty="0" err="1">
+                <a:solidFill>
+                  <a:srgbClr val="11264F"/>
+                </a:solidFill>
+              </a:rPr>
+              <a:t>sql</a:t>
+            </a:r>
+            <a:r>
+              <a:rPr lang="ko-KR" altLang="en-US" sz="1500" b="1" dirty="0">
+                <a:solidFill>
+                  <a:srgbClr val="11264F"/>
+                </a:solidFill>
+              </a:rPr>
+              <a:t> 작성시트에 아래와 같이 입력하면 </a:t>
+            </a:r>
+            <a:r>
+              <a:rPr lang="en-US" altLang="ko-KR" sz="1500" b="1" dirty="0">
+                <a:solidFill>
+                  <a:srgbClr val="11264F"/>
+                </a:solidFill>
+              </a:rPr>
+              <a:t>5_team3_sql</a:t>
+            </a:r>
+            <a:r>
+              <a:rPr lang="ko-KR" altLang="en-US" sz="1500" b="1" dirty="0">
+                <a:solidFill>
+                  <a:srgbClr val="11264F"/>
+                </a:solidFill>
+              </a:rPr>
+              <a:t>에 있는 쿼리가 실행되어 테이블과 데이터가 삽입</a:t>
+            </a:r>
+            <a:endParaRPr lang="en-US" altLang="ko-KR" sz="1500" b="1" dirty="0">
+              <a:solidFill>
+                <a:srgbClr val="11264F"/>
+              </a:solidFill>
+            </a:endParaRPr>
+          </a:p>
+          <a:p>
+            <a:pPr latinLnBrk="1"/>
+            <a:r>
+              <a:rPr lang="en-US" altLang="ko-KR" sz="1500" b="1" dirty="0">
+                <a:solidFill>
+                  <a:srgbClr val="11264F"/>
+                </a:solidFill>
+              </a:rPr>
+              <a:t>@</a:t>
+            </a:r>
+            <a:r>
+              <a:rPr lang="ko-KR" altLang="en-US" sz="1500" b="1" dirty="0">
+                <a:solidFill>
+                  <a:srgbClr val="11264F"/>
+                </a:solidFill>
+              </a:rPr>
+              <a:t>파일위치</a:t>
+            </a:r>
+            <a:r>
+              <a:rPr lang="en-US" altLang="ko-KR" sz="1500" b="1" dirty="0">
+                <a:solidFill>
+                  <a:srgbClr val="11264F"/>
+                </a:solidFill>
+              </a:rPr>
+              <a:t>\5_team3.sql;</a:t>
+            </a:r>
+            <a:endParaRPr lang="ko-KR" altLang="en-US" sz="1500" b="1" dirty="0">
+              <a:solidFill>
+                <a:srgbClr val="FF0000"/>
+              </a:solidFill>
+            </a:endParaRPr>
+          </a:p>
+        </p:txBody>
+      </p:sp>
+      <p:grpSp>
+        <p:nvGrpSpPr>
+          <p:cNvPr id="15" name="그룹 14">
+            <a:extLst>
+              <a:ext uri="{FF2B5EF4-FFF2-40B4-BE49-F238E27FC236}">
+                <a16:creationId xmlns:a16="http://schemas.microsoft.com/office/drawing/2014/main" id="{FC249561-490A-4FD9-B2DB-AA2212643899}"/>
+              </a:ext>
+            </a:extLst>
+          </p:cNvPr>
+          <p:cNvGrpSpPr/>
+          <p:nvPr/>
+        </p:nvGrpSpPr>
+        <p:grpSpPr>
+          <a:xfrm>
+            <a:off x="0" y="188639"/>
+            <a:ext cx="9906000" cy="729947"/>
+            <a:chOff x="0" y="188639"/>
+            <a:chExt cx="9906000" cy="729947"/>
+          </a:xfrm>
+        </p:grpSpPr>
+        <p:sp>
+          <p:nvSpPr>
+            <p:cNvPr id="16" name="직사각형 15">
+              <a:extLst>
+                <a:ext uri="{FF2B5EF4-FFF2-40B4-BE49-F238E27FC236}">
+                  <a16:creationId xmlns:a16="http://schemas.microsoft.com/office/drawing/2014/main" id="{C7CCF394-501C-486F-AE45-DAD9D7A228DF}"/>
+                </a:ext>
+              </a:extLst>
+            </p:cNvPr>
+            <p:cNvSpPr/>
+            <p:nvPr/>
+          </p:nvSpPr>
+          <p:spPr>
+            <a:xfrm>
+              <a:off x="0" y="824266"/>
+              <a:ext cx="9906000" cy="94320"/>
+            </a:xfrm>
+            <a:prstGeom prst="rect">
+              <a:avLst/>
+            </a:prstGeom>
+            <a:solidFill>
+              <a:srgbClr val="11264F"/>
+            </a:solidFill>
+            <a:ln>
+              <a:noFill/>
+            </a:ln>
+          </p:spPr>
+          <p:style>
+            <a:lnRef idx="2">
+              <a:schemeClr val="accent1">
+                <a:shade val="50000"/>
+              </a:schemeClr>
+            </a:lnRef>
+            <a:fillRef idx="1">
+              <a:schemeClr val="accent1"/>
+            </a:fillRef>
+            <a:effectRef idx="0">
+              <a:schemeClr val="accent1"/>
+            </a:effectRef>
+            <a:fontRef idx="minor">
+              <a:schemeClr val="lt1"/>
+            </a:fontRef>
+          </p:style>
+          <p:txBody>
+            <a:bodyPr rtlCol="0" anchor="ctr"/>
+            <a:lstStyle/>
+            <a:p>
+              <a:pPr algn="ctr"/>
+              <a:endParaRPr lang="ko-KR" altLang="en-US">
+                <a:latin typeface="+mn-ea"/>
+              </a:endParaRPr>
+            </a:p>
+          </p:txBody>
+        </p:sp>
+        <p:sp>
+          <p:nvSpPr>
+            <p:cNvPr id="17" name="제목 1">
+              <a:extLst>
+                <a:ext uri="{FF2B5EF4-FFF2-40B4-BE49-F238E27FC236}">
+                  <a16:creationId xmlns:a16="http://schemas.microsoft.com/office/drawing/2014/main" id="{62331D72-3242-428E-A694-9ED07A6A88CE}"/>
+                </a:ext>
+              </a:extLst>
+            </p:cNvPr>
+            <p:cNvSpPr txBox="1">
+              <a:spLocks/>
+            </p:cNvSpPr>
+            <p:nvPr/>
+          </p:nvSpPr>
+          <p:spPr>
+            <a:xfrm>
+              <a:off x="3" y="188639"/>
+              <a:ext cx="8390175" cy="726759"/>
+            </a:xfrm>
+            <a:prstGeom prst="rect">
+              <a:avLst/>
+            </a:prstGeom>
+            <a:noFill/>
+            <a:ln>
+              <a:noFill/>
+            </a:ln>
+          </p:spPr>
+          <p:txBody>
+            <a:bodyPr vert="horz" wrap="square" lIns="90000" tIns="45000" rIns="90000" bIns="45000" anchor="ctr" anchorCtr="0"/>
+            <a:lstStyle>
+              <a:defPPr lvl="0">
+                <a:buSzPct val="45000"/>
+                <a:buFont typeface="StarSymbol"/>
+                <a:buNone/>
+                <a:defRPr/>
+              </a:defPPr>
+              <a:lvl1pPr lvl="0" algn="ctr" rtl="0" hangingPunct="1">
+                <a:spcBef>
+                  <a:spcPts val="0"/>
+                </a:spcBef>
+                <a:spcAft>
+                  <a:spcPts val="0"/>
+                </a:spcAft>
+                <a:buSzPct val="45000"/>
+                <a:buFont typeface="StarSymbol"/>
+                <a:buChar char="●"/>
+                <a:tabLst/>
+                <a:defRPr lang="ko-KR" sz="4400" b="0" i="0" u="none" strike="noStrike" kern="1200" spc="0">
+                  <a:ln>
+                    <a:noFill/>
+                  </a:ln>
+                  <a:solidFill>
+                    <a:srgbClr val="000000"/>
+                  </a:solidFill>
+                  <a:latin typeface="맑은 고딕" pitchFamily="18"/>
+                  <a:ea typeface="굴림" pitchFamily="2"/>
+                  <a:cs typeface="Arial" pitchFamily="2"/>
+                </a:defRPr>
+              </a:lvl1pPr>
+              <a:lvl2pPr lvl="1">
+                <a:buSzPct val="45000"/>
+                <a:buFont typeface="StarSymbol"/>
+                <a:buChar char="●"/>
+                <a:defRPr/>
+              </a:lvl2pPr>
+              <a:lvl3pPr lvl="2">
+                <a:buSzPct val="45000"/>
+                <a:buFont typeface="StarSymbol"/>
+                <a:buChar char="●"/>
+                <a:defRPr/>
+              </a:lvl3pPr>
+              <a:lvl4pPr lvl="3">
+                <a:buSzPct val="45000"/>
+                <a:buFont typeface="StarSymbol"/>
+                <a:buChar char="●"/>
+                <a:defRPr/>
+              </a:lvl4pPr>
+              <a:lvl5pPr lvl="4">
+                <a:buSzPct val="45000"/>
+                <a:buFont typeface="StarSymbol"/>
+                <a:buChar char="●"/>
+                <a:defRPr/>
+              </a:lvl5pPr>
+              <a:lvl6pPr lvl="5">
+                <a:buSzPct val="45000"/>
+                <a:buFont typeface="StarSymbol"/>
+                <a:buChar char="●"/>
+                <a:defRPr/>
+              </a:lvl6pPr>
+              <a:lvl7pPr lvl="6">
+                <a:buSzPct val="45000"/>
+                <a:buFont typeface="StarSymbol"/>
+                <a:buChar char="●"/>
+                <a:defRPr/>
+              </a:lvl7pPr>
+              <a:lvl8pPr lvl="7">
+                <a:buSzPct val="45000"/>
+                <a:buFont typeface="StarSymbol"/>
+                <a:buChar char="●"/>
+                <a:defRPr/>
+              </a:lvl8pPr>
+              <a:lvl9pPr lvl="8">
+                <a:buSzPct val="45000"/>
+                <a:buFont typeface="StarSymbol"/>
+                <a:buChar char="●"/>
+                <a:defRPr/>
+              </a:lvl9pPr>
+            </a:lstStyle>
+            <a:p>
+              <a:pPr algn="l" latinLnBrk="0">
+                <a:buFont typeface="StarSymbol"/>
+                <a:buNone/>
+              </a:pPr>
+              <a:r>
+                <a:rPr lang="ko-KR" altLang="en-US" sz="2000" b="1" dirty="0">
+                  <a:solidFill>
+                    <a:srgbClr val="11264F"/>
+                  </a:solidFill>
+                  <a:latin typeface="+mn-ea"/>
+                  <a:ea typeface="+mn-ea"/>
+                </a:rPr>
+                <a:t> </a:t>
+              </a:r>
+              <a:r>
+                <a:rPr lang="en-US" altLang="ko-KR" sz="2000" b="1" dirty="0">
+                  <a:solidFill>
+                    <a:srgbClr val="DDDDDD"/>
+                  </a:solidFill>
+                  <a:latin typeface="+mn-ea"/>
+                  <a:ea typeface="+mn-ea"/>
+                </a:rPr>
+                <a:t>01</a:t>
+              </a:r>
+              <a:r>
+                <a:rPr lang="en-US" altLang="ko-KR" sz="2000" b="1" dirty="0">
+                  <a:solidFill>
+                    <a:srgbClr val="11264F"/>
+                  </a:solidFill>
+                  <a:latin typeface="+mn-ea"/>
+                  <a:ea typeface="+mn-ea"/>
+                </a:rPr>
+                <a:t>  </a:t>
+              </a:r>
+              <a:r>
+                <a:rPr lang="en-US" altLang="ko-KR" sz="2000" b="1" dirty="0">
+                  <a:solidFill>
+                    <a:srgbClr val="DDDDDD"/>
+                  </a:solidFill>
+                  <a:latin typeface="+mn-ea"/>
+                  <a:ea typeface="+mn-ea"/>
+                </a:rPr>
+                <a:t>02</a:t>
+              </a:r>
+              <a:r>
+                <a:rPr lang="en-US" altLang="ko-KR" sz="2000" b="1" dirty="0">
+                  <a:solidFill>
+                    <a:schemeClr val="bg1">
+                      <a:lumMod val="75000"/>
+                    </a:schemeClr>
+                  </a:solidFill>
+                  <a:latin typeface="+mn-ea"/>
+                  <a:ea typeface="+mn-ea"/>
+                </a:rPr>
+                <a:t>  </a:t>
+              </a:r>
+              <a:r>
+                <a:rPr lang="en-US" altLang="ko-KR" sz="2000" b="1" dirty="0">
+                  <a:solidFill>
+                    <a:srgbClr val="11264F"/>
+                  </a:solidFill>
+                  <a:latin typeface="+mn-ea"/>
+                  <a:ea typeface="+mn-ea"/>
+                </a:rPr>
+                <a:t>03 </a:t>
+              </a:r>
+              <a:r>
+                <a:rPr lang="ko-KR" altLang="en-US" sz="2000" b="1" dirty="0">
+                  <a:solidFill>
+                    <a:srgbClr val="11264F"/>
+                  </a:solidFill>
+                  <a:latin typeface="+mn-ea"/>
+                  <a:ea typeface="+mn-ea"/>
+                </a:rPr>
+                <a:t>오라클 </a:t>
+              </a:r>
+              <a:r>
+                <a:rPr lang="en-US" altLang="ko-KR" sz="2000" b="1" dirty="0">
+                  <a:solidFill>
+                    <a:srgbClr val="11264F"/>
+                  </a:solidFill>
+                  <a:latin typeface="+mn-ea"/>
+                  <a:ea typeface="+mn-ea"/>
+                </a:rPr>
+                <a:t>– Data Import</a:t>
+              </a:r>
+              <a:endParaRPr lang="en-US" sz="2000" b="1" dirty="0">
+                <a:solidFill>
+                  <a:srgbClr val="11264F"/>
+                </a:solidFill>
+                <a:latin typeface="+mn-ea"/>
+                <a:ea typeface="+mn-ea"/>
+              </a:endParaRPr>
+            </a:p>
+          </p:txBody>
+        </p:sp>
+        <p:grpSp>
+          <p:nvGrpSpPr>
+            <p:cNvPr id="18" name="그룹 17">
+              <a:extLst>
+                <a:ext uri="{FF2B5EF4-FFF2-40B4-BE49-F238E27FC236}">
+                  <a16:creationId xmlns:a16="http://schemas.microsoft.com/office/drawing/2014/main" id="{2460607C-9F3C-4370-B151-DBB7A402454C}"/>
+                </a:ext>
+              </a:extLst>
+            </p:cNvPr>
+            <p:cNvGrpSpPr/>
+            <p:nvPr/>
+          </p:nvGrpSpPr>
+          <p:grpSpPr>
+            <a:xfrm>
+              <a:off x="8265368" y="497933"/>
+              <a:ext cx="1640632" cy="417466"/>
+              <a:chOff x="8265368" y="497933"/>
+              <a:chExt cx="1640632" cy="417466"/>
+            </a:xfrm>
+          </p:grpSpPr>
+          <p:sp>
+            <p:nvSpPr>
+              <p:cNvPr id="19" name="이등변 삼각형 18">
+                <a:extLst>
+                  <a:ext uri="{FF2B5EF4-FFF2-40B4-BE49-F238E27FC236}">
+                    <a16:creationId xmlns:a16="http://schemas.microsoft.com/office/drawing/2014/main" id="{8B67E8B0-D99B-4171-9609-8E2AC9B08B7F}"/>
+                  </a:ext>
+                </a:extLst>
+              </p:cNvPr>
+              <p:cNvSpPr/>
+              <p:nvPr/>
+            </p:nvSpPr>
+            <p:spPr>
+              <a:xfrm>
+                <a:off x="8265368" y="497933"/>
+                <a:ext cx="432048" cy="326333"/>
+              </a:xfrm>
+              <a:prstGeom prst="triangle">
+                <a:avLst/>
+              </a:prstGeom>
+              <a:solidFill>
+                <a:srgbClr val="11264F"/>
+              </a:solidFill>
+              <a:ln>
+                <a:noFill/>
+              </a:ln>
+            </p:spPr>
+            <p:style>
+              <a:lnRef idx="2">
+                <a:schemeClr val="accent1">
+                  <a:shade val="50000"/>
+                </a:schemeClr>
+              </a:lnRef>
+              <a:fillRef idx="1">
+                <a:schemeClr val="accent1"/>
+              </a:fillRef>
+              <a:effectRef idx="0">
+                <a:schemeClr val="accent1"/>
+              </a:effectRef>
+              <a:fontRef idx="minor">
+                <a:schemeClr val="lt1"/>
+              </a:fontRef>
+            </p:style>
+            <p:txBody>
+              <a:bodyPr rtlCol="0" anchor="ctr"/>
+              <a:lstStyle/>
+              <a:p>
+                <a:pPr algn="ctr"/>
+                <a:endParaRPr lang="ko-KR" altLang="en-US">
+                  <a:latin typeface="+mn-ea"/>
+                </a:endParaRPr>
+              </a:p>
+            </p:txBody>
+          </p:sp>
+          <p:sp>
+            <p:nvSpPr>
+              <p:cNvPr id="20" name="직사각형 19">
+                <a:extLst>
+                  <a:ext uri="{FF2B5EF4-FFF2-40B4-BE49-F238E27FC236}">
+                    <a16:creationId xmlns:a16="http://schemas.microsoft.com/office/drawing/2014/main" id="{A7B1B879-4C0A-4A4D-827B-426B0EA3F553}"/>
+                  </a:ext>
+                </a:extLst>
+              </p:cNvPr>
+              <p:cNvSpPr/>
+              <p:nvPr/>
+            </p:nvSpPr>
+            <p:spPr>
+              <a:xfrm>
+                <a:off x="8481392" y="497933"/>
+                <a:ext cx="1424608" cy="373493"/>
+              </a:xfrm>
+              <a:prstGeom prst="rect">
+                <a:avLst/>
+              </a:prstGeom>
+              <a:solidFill>
+                <a:srgbClr val="11264F"/>
+              </a:solidFill>
+              <a:ln>
+                <a:noFill/>
+              </a:ln>
+            </p:spPr>
+            <p:style>
+              <a:lnRef idx="2">
+                <a:schemeClr val="accent1">
+                  <a:shade val="50000"/>
+                </a:schemeClr>
+              </a:lnRef>
+              <a:fillRef idx="1">
+                <a:schemeClr val="accent1"/>
+              </a:fillRef>
+              <a:effectRef idx="0">
+                <a:schemeClr val="accent1"/>
+              </a:effectRef>
+              <a:fontRef idx="minor">
+                <a:schemeClr val="lt1"/>
+              </a:fontRef>
+            </p:style>
+            <p:txBody>
+              <a:bodyPr rtlCol="0" anchor="ctr"/>
+              <a:lstStyle/>
+              <a:p>
+                <a:pPr algn="ctr"/>
+                <a:endParaRPr lang="ko-KR" altLang="en-US">
+                  <a:latin typeface="+mn-ea"/>
+                </a:endParaRPr>
+              </a:p>
+            </p:txBody>
+          </p:sp>
+          <p:sp>
+            <p:nvSpPr>
+              <p:cNvPr id="21" name="직사각형 20">
+                <a:extLst>
+                  <a:ext uri="{FF2B5EF4-FFF2-40B4-BE49-F238E27FC236}">
+                    <a16:creationId xmlns:a16="http://schemas.microsoft.com/office/drawing/2014/main" id="{64FA6E9A-DFBC-4CF7-8637-64772A8FDFCD}"/>
+                  </a:ext>
+                </a:extLst>
+              </p:cNvPr>
+              <p:cNvSpPr/>
+              <p:nvPr/>
+            </p:nvSpPr>
+            <p:spPr>
+              <a:xfrm>
+                <a:off x="8711636" y="515289"/>
+                <a:ext cx="975267" cy="400110"/>
+              </a:xfrm>
+              <a:prstGeom prst="rect">
+                <a:avLst/>
+              </a:prstGeom>
+            </p:spPr>
+            <p:txBody>
+              <a:bodyPr wrap="none">
+                <a:spAutoFit/>
+              </a:bodyPr>
+              <a:lstStyle/>
+              <a:p>
+                <a:pPr latinLnBrk="0">
+                  <a:buFont typeface="StarSymbol"/>
+                  <a:buNone/>
+                </a:pPr>
+                <a:r>
+                  <a:rPr lang="en-US" altLang="ko-KR" b="1" dirty="0">
+                    <a:solidFill>
+                      <a:srgbClr val="FFCC00"/>
+                    </a:solidFill>
+                    <a:latin typeface="+mn-ea"/>
+                  </a:rPr>
+                  <a:t>Team3</a:t>
+                </a:r>
+              </a:p>
+            </p:txBody>
+          </p:sp>
+        </p:grpSp>
+      </p:grpSp>
+    </p:spTree>
+    <p:extLst>
+      <p:ext uri="{BB962C8B-B14F-4D97-AF65-F5344CB8AC3E}">
+        <p14:creationId xmlns:p14="http://schemas.microsoft.com/office/powerpoint/2010/main" val="544004880"/>
+      </p:ext>
+    </p:extLst>
+  </p:cSld>
+  <p:clrMapOvr>
+    <a:masterClrMapping/>
+  </p:clrMapOvr>
+</p:sld>
+</file>
+
+<file path=ppt/slides/slide11.xml><?xml version="1.0" encoding="utf-8"?>
 <p:sld xmlns:a="http://schemas.openxmlformats.org/drawingml/2006/main" xmlns:r="http://schemas.openxmlformats.org/officeDocument/2006/relationships" xmlns:p="http://schemas.openxmlformats.org/presentationml/2006/main">
   <p:cSld>
     <p:bg>
@@ -9399,7 +10265,7 @@
           <p:cNvPr id="2" name="직사각형 1">
             <a:extLst>
               <a:ext uri="{FF2B5EF4-FFF2-40B4-BE49-F238E27FC236}">
-                <a16:creationId xmlns:a16="http://schemas.microsoft.com/office/drawing/2014/main" xmlns="" id="{DC2CFA78-DBA4-46A4-AC44-DC100EB05FD8}"/>
+                <a16:creationId xmlns:a16="http://schemas.microsoft.com/office/drawing/2014/main" id="{DC2CFA78-DBA4-46A4-AC44-DC100EB05FD8}"/>
               </a:ext>
             </a:extLst>
           </p:cNvPr>
@@ -9573,69 +10439,12 @@
           </a:p>
         </p:txBody>
       </p:sp>
-      <p:sp>
-        <p:nvSpPr>
-          <p:cNvPr id="15" name="직사각형 14">
+      <p:grpSp>
+        <p:nvGrpSpPr>
+          <p:cNvPr id="3" name="그룹 2">
             <a:extLst>
               <a:ext uri="{FF2B5EF4-FFF2-40B4-BE49-F238E27FC236}">
-                <a16:creationId xmlns:a16="http://schemas.microsoft.com/office/drawing/2014/main" xmlns="" id="{08EFB4E0-B59B-4134-8AF0-73DAC9773A67}"/>
-              </a:ext>
-            </a:extLst>
-          </p:cNvPr>
-          <p:cNvSpPr/>
-          <p:nvPr/>
-        </p:nvSpPr>
-        <p:spPr>
-          <a:xfrm>
-            <a:off x="3238849" y="3918095"/>
-            <a:ext cx="1344794" cy="792088"/>
-          </a:xfrm>
-          <a:prstGeom prst="rect">
-            <a:avLst/>
-          </a:prstGeom>
-          <a:noFill/>
-          <a:ln>
-            <a:noFill/>
-          </a:ln>
-        </p:spPr>
-        <p:style>
-          <a:lnRef idx="2">
-            <a:schemeClr val="accent1">
-              <a:shade val="50000"/>
-            </a:schemeClr>
-          </a:lnRef>
-          <a:fillRef idx="1">
-            <a:schemeClr val="accent1"/>
-          </a:fillRef>
-          <a:effectRef idx="0">
-            <a:schemeClr val="accent1"/>
-          </a:effectRef>
-          <a:fontRef idx="minor">
-            <a:schemeClr val="lt1"/>
-          </a:fontRef>
-        </p:style>
-        <p:txBody>
-          <a:bodyPr rtlCol="0" anchor="ctr"/>
-          <a:lstStyle/>
-          <a:p>
-            <a:pPr algn="ctr"/>
-            <a:r>
-              <a:rPr lang="ko-KR" altLang="en-US" b="1" dirty="0">
-                <a:solidFill>
-                  <a:srgbClr val="11264F"/>
-                </a:solidFill>
-              </a:rPr>
-              <a:t>이클립스</a:t>
-            </a:r>
-          </a:p>
-        </p:txBody>
-      </p:sp>
-      <p:grpSp>
-        <p:nvGrpSpPr>
-          <p:cNvPr id="17" name="그룹 16">
-            <a:extLst>
-              <a:ext uri="{FF2B5EF4-FFF2-40B4-BE49-F238E27FC236}">
-                <a16:creationId xmlns:a16="http://schemas.microsoft.com/office/drawing/2014/main" xmlns="" id="{4224ACF3-DAE8-4EC3-AFA7-91F6C03E1FE1}"/>
+                <a16:creationId xmlns:a16="http://schemas.microsoft.com/office/drawing/2014/main" id="{6397C742-6FA2-460E-A5C0-D5FA5F796F93}"/>
               </a:ext>
             </a:extLst>
           </p:cNvPr>
@@ -9644,18 +10453,18 @@
         </p:nvGrpSpPr>
         <p:grpSpPr>
           <a:xfrm>
-            <a:off x="3458834" y="3126007"/>
-            <a:ext cx="2988332" cy="802840"/>
-            <a:chOff x="524508" y="2569831"/>
-            <a:chExt cx="2988332" cy="802840"/>
+            <a:off x="2194932" y="3126007"/>
+            <a:ext cx="5516136" cy="1584176"/>
+            <a:chOff x="2356751" y="3126007"/>
+            <a:chExt cx="5516136" cy="1584176"/>
           </a:xfrm>
         </p:grpSpPr>
         <p:sp>
           <p:nvSpPr>
-            <p:cNvPr id="18" name="직사각형 17">
+            <p:cNvPr id="9" name="직사각형 8">
               <a:extLst>
                 <a:ext uri="{FF2B5EF4-FFF2-40B4-BE49-F238E27FC236}">
-                  <a16:creationId xmlns:a16="http://schemas.microsoft.com/office/drawing/2014/main" xmlns="" id="{01FCAA3D-D988-4E3B-8D25-B08F3778434D}"/>
+                  <a16:creationId xmlns:a16="http://schemas.microsoft.com/office/drawing/2014/main" id="{5B72DDF2-DF1F-445B-AC6E-256DF305592E}"/>
                 </a:ext>
               </a:extLst>
             </p:cNvPr>
@@ -9664,8 +10473,8 @@
           </p:nvSpPr>
           <p:spPr>
             <a:xfrm>
-              <a:off x="524508" y="2569831"/>
-              <a:ext cx="900100" cy="792088"/>
+              <a:off x="2356751" y="3918095"/>
+              <a:ext cx="1344794" cy="792088"/>
             </a:xfrm>
             <a:prstGeom prst="rect">
               <a:avLst/>
@@ -9697,23 +10506,233 @@
             <a:p>
               <a:pPr algn="ctr"/>
               <a:r>
-                <a:rPr lang="en-US" altLang="ko-KR" sz="4400" b="1" dirty="0">
-                  <a:latin typeface="+mn-ea"/>
+                <a:rPr lang="ko-KR" altLang="en-US" b="1" dirty="0">
+                  <a:solidFill>
+                    <a:srgbClr val="11264F"/>
+                  </a:solidFill>
                 </a:rPr>
-                <a:t>01</a:t>
+                <a:t>다운</a:t>
               </a:r>
-              <a:endParaRPr lang="ko-KR" altLang="en-US" sz="4400" b="1" dirty="0">
-                <a:latin typeface="+mn-ea"/>
+              <a:endParaRPr lang="en-US" altLang="ko-KR" b="1" dirty="0">
+                <a:solidFill>
+                  <a:srgbClr val="11264F"/>
+                </a:solidFill>
               </a:endParaRPr>
+            </a:p>
+            <a:p>
+              <a:pPr algn="ctr"/>
+              <a:r>
+                <a:rPr lang="ko-KR" altLang="en-US" b="1" dirty="0">
+                  <a:solidFill>
+                    <a:srgbClr val="11264F"/>
+                  </a:solidFill>
+                </a:rPr>
+                <a:t>로드</a:t>
+              </a:r>
             </a:p>
           </p:txBody>
         </p:sp>
+        <p:grpSp>
+          <p:nvGrpSpPr>
+            <p:cNvPr id="10" name="그룹 9">
+              <a:extLst>
+                <a:ext uri="{FF2B5EF4-FFF2-40B4-BE49-F238E27FC236}">
+                  <a16:creationId xmlns:a16="http://schemas.microsoft.com/office/drawing/2014/main" id="{C6D7CF20-AD90-4E14-9E07-A43722DAF645}"/>
+                </a:ext>
+              </a:extLst>
+            </p:cNvPr>
+            <p:cNvGrpSpPr/>
+            <p:nvPr/>
+          </p:nvGrpSpPr>
+          <p:grpSpPr>
+            <a:xfrm>
+              <a:off x="2576736" y="3126007"/>
+              <a:ext cx="5076564" cy="802840"/>
+              <a:chOff x="524508" y="2569831"/>
+              <a:chExt cx="5076564" cy="802840"/>
+            </a:xfrm>
+          </p:grpSpPr>
+          <p:sp>
+            <p:nvSpPr>
+              <p:cNvPr id="11" name="직사각형 10">
+                <a:extLst>
+                  <a:ext uri="{FF2B5EF4-FFF2-40B4-BE49-F238E27FC236}">
+                    <a16:creationId xmlns:a16="http://schemas.microsoft.com/office/drawing/2014/main" id="{7BE09E9A-6AD7-498F-A6F7-0AD259F0F754}"/>
+                  </a:ext>
+                </a:extLst>
+              </p:cNvPr>
+              <p:cNvSpPr/>
+              <p:nvPr/>
+            </p:nvSpPr>
+            <p:spPr>
+              <a:xfrm>
+                <a:off x="524508" y="2569831"/>
+                <a:ext cx="900100" cy="792088"/>
+              </a:xfrm>
+              <a:prstGeom prst="rect">
+                <a:avLst/>
+              </a:prstGeom>
+              <a:noFill/>
+              <a:ln>
+                <a:noFill/>
+              </a:ln>
+            </p:spPr>
+            <p:style>
+              <a:lnRef idx="2">
+                <a:schemeClr val="accent1">
+                  <a:shade val="50000"/>
+                </a:schemeClr>
+              </a:lnRef>
+              <a:fillRef idx="1">
+                <a:schemeClr val="accent1"/>
+              </a:fillRef>
+              <a:effectRef idx="0">
+                <a:schemeClr val="accent1"/>
+              </a:effectRef>
+              <a:fontRef idx="minor">
+                <a:schemeClr val="lt1"/>
+              </a:fontRef>
+            </p:style>
+            <p:txBody>
+              <a:bodyPr rtlCol="0" anchor="ctr"/>
+              <a:lstStyle/>
+              <a:p>
+                <a:pPr algn="ctr"/>
+                <a:r>
+                  <a:rPr lang="en-US" altLang="ko-KR" sz="4400" b="1" dirty="0">
+                    <a:latin typeface="+mn-ea"/>
+                  </a:rPr>
+                  <a:t>01</a:t>
+                </a:r>
+                <a:endParaRPr lang="ko-KR" altLang="en-US" sz="4400" b="1" dirty="0">
+                  <a:latin typeface="+mn-ea"/>
+                </a:endParaRPr>
+              </a:p>
+            </p:txBody>
+          </p:sp>
+          <p:sp>
+            <p:nvSpPr>
+              <p:cNvPr id="12" name="직사각형 11">
+                <a:extLst>
+                  <a:ext uri="{FF2B5EF4-FFF2-40B4-BE49-F238E27FC236}">
+                    <a16:creationId xmlns:a16="http://schemas.microsoft.com/office/drawing/2014/main" id="{0640AC4E-4EB9-4BA5-A75E-F8E83E2E6CD0}"/>
+                  </a:ext>
+                </a:extLst>
+              </p:cNvPr>
+              <p:cNvSpPr/>
+              <p:nvPr/>
+            </p:nvSpPr>
+            <p:spPr>
+              <a:xfrm>
+                <a:off x="2612740" y="2580583"/>
+                <a:ext cx="900100" cy="792088"/>
+              </a:xfrm>
+              <a:prstGeom prst="rect">
+                <a:avLst/>
+              </a:prstGeom>
+              <a:noFill/>
+              <a:ln>
+                <a:noFill/>
+              </a:ln>
+            </p:spPr>
+            <p:style>
+              <a:lnRef idx="2">
+                <a:schemeClr val="accent1">
+                  <a:shade val="50000"/>
+                </a:schemeClr>
+              </a:lnRef>
+              <a:fillRef idx="1">
+                <a:schemeClr val="accent1"/>
+              </a:fillRef>
+              <a:effectRef idx="0">
+                <a:schemeClr val="accent1"/>
+              </a:effectRef>
+              <a:fontRef idx="minor">
+                <a:schemeClr val="lt1"/>
+              </a:fontRef>
+            </p:style>
+            <p:txBody>
+              <a:bodyPr rtlCol="0" anchor="ctr"/>
+              <a:lstStyle/>
+              <a:p>
+                <a:pPr algn="ctr"/>
+                <a:r>
+                  <a:rPr lang="en-US" altLang="ko-KR" sz="4400" b="1" dirty="0">
+                    <a:latin typeface="+mn-ea"/>
+                  </a:rPr>
+                  <a:t>02</a:t>
+                </a:r>
+                <a:endParaRPr lang="ko-KR" altLang="en-US" sz="4400" b="1" dirty="0">
+                  <a:latin typeface="+mn-ea"/>
+                </a:endParaRPr>
+              </a:p>
+            </p:txBody>
+          </p:sp>
+          <p:sp>
+            <p:nvSpPr>
+              <p:cNvPr id="13" name="직사각형 12">
+                <a:extLst>
+                  <a:ext uri="{FF2B5EF4-FFF2-40B4-BE49-F238E27FC236}">
+                    <a16:creationId xmlns:a16="http://schemas.microsoft.com/office/drawing/2014/main" id="{A44546EF-DF39-4314-850A-8B4492392F92}"/>
+                  </a:ext>
+                </a:extLst>
+              </p:cNvPr>
+              <p:cNvSpPr/>
+              <p:nvPr/>
+            </p:nvSpPr>
+            <p:spPr>
+              <a:xfrm>
+                <a:off x="4700972" y="2580583"/>
+                <a:ext cx="900100" cy="792088"/>
+              </a:xfrm>
+              <a:prstGeom prst="rect">
+                <a:avLst/>
+              </a:prstGeom>
+              <a:noFill/>
+              <a:ln>
+                <a:noFill/>
+              </a:ln>
+            </p:spPr>
+            <p:style>
+              <a:lnRef idx="2">
+                <a:schemeClr val="accent1">
+                  <a:shade val="50000"/>
+                </a:schemeClr>
+              </a:lnRef>
+              <a:fillRef idx="1">
+                <a:schemeClr val="accent1"/>
+              </a:fillRef>
+              <a:effectRef idx="0">
+                <a:schemeClr val="accent1"/>
+              </a:effectRef>
+              <a:fontRef idx="minor">
+                <a:schemeClr val="lt1"/>
+              </a:fontRef>
+            </p:style>
+            <p:txBody>
+              <a:bodyPr rtlCol="0" anchor="ctr"/>
+              <a:lstStyle/>
+              <a:p>
+                <a:pPr algn="ctr"/>
+                <a:r>
+                  <a:rPr lang="en-US" altLang="ko-KR" sz="4400" b="1" dirty="0">
+                    <a:latin typeface="+mn-ea"/>
+                  </a:rPr>
+                  <a:t>03</a:t>
+                </a:r>
+                <a:endParaRPr lang="ko-KR" altLang="en-US" sz="4400" b="1" dirty="0">
+                  <a:latin typeface="+mn-ea"/>
+                </a:endParaRPr>
+              </a:p>
+            </p:txBody>
+          </p:sp>
+        </p:grpSp>
         <p:sp>
           <p:nvSpPr>
-            <p:cNvPr id="19" name="직사각형 18">
+            <p:cNvPr id="20" name="직사각형 19">
               <a:extLst>
                 <a:ext uri="{FF2B5EF4-FFF2-40B4-BE49-F238E27FC236}">
-                  <a16:creationId xmlns:a16="http://schemas.microsoft.com/office/drawing/2014/main" xmlns="" id="{88F6368C-3EB0-4A02-A88B-CE411E97EF2A}"/>
+                  <a16:creationId xmlns:a16="http://schemas.microsoft.com/office/drawing/2014/main" id="{D60FB053-0103-4FD8-9202-548FA3A2670B}"/>
                 </a:ext>
               </a:extLst>
             </p:cNvPr>
@@ -9722,8 +10741,8 @@
           </p:nvSpPr>
           <p:spPr>
             <a:xfrm>
-              <a:off x="2612740" y="2580583"/>
-              <a:ext cx="900100" cy="792088"/>
+              <a:off x="4439174" y="3918095"/>
+              <a:ext cx="1344794" cy="792088"/>
             </a:xfrm>
             <a:prstGeom prst="rect">
               <a:avLst/>
@@ -9755,75 +10774,106 @@
             <a:p>
               <a:pPr algn="ctr"/>
               <a:r>
-                <a:rPr lang="en-US" altLang="ko-KR" sz="4400" b="1" dirty="0">
-                  <a:latin typeface="+mn-ea"/>
+                <a:rPr lang="ko-KR" altLang="en-US" b="1" dirty="0">
+                  <a:solidFill>
+                    <a:srgbClr val="11264F"/>
+                  </a:solidFill>
                 </a:rPr>
-                <a:t>02</a:t>
+                <a:t>이클립스</a:t>
               </a:r>
-              <a:endParaRPr lang="ko-KR" altLang="en-US" sz="4400" b="1" dirty="0">
-                <a:latin typeface="+mn-ea"/>
+              <a:endParaRPr lang="en-US" altLang="ko-KR" b="1" dirty="0">
+                <a:solidFill>
+                  <a:srgbClr val="11264F"/>
+                </a:solidFill>
               </a:endParaRPr>
+            </a:p>
+            <a:p>
+              <a:pPr algn="ctr"/>
+              <a:r>
+                <a:rPr lang="ko-KR" altLang="en-US" b="1" dirty="0">
+                  <a:solidFill>
+                    <a:srgbClr val="11264F"/>
+                  </a:solidFill>
+                </a:rPr>
+                <a:t>설정</a:t>
+              </a:r>
+            </a:p>
+          </p:txBody>
+        </p:sp>
+        <p:sp>
+          <p:nvSpPr>
+            <p:cNvPr id="21" name="직사각형 20">
+              <a:extLst>
+                <a:ext uri="{FF2B5EF4-FFF2-40B4-BE49-F238E27FC236}">
+                  <a16:creationId xmlns:a16="http://schemas.microsoft.com/office/drawing/2014/main" id="{88E1C020-D90D-400C-AB7F-89DA1F080296}"/>
+                </a:ext>
+              </a:extLst>
+            </p:cNvPr>
+            <p:cNvSpPr/>
+            <p:nvPr/>
+          </p:nvSpPr>
+          <p:spPr>
+            <a:xfrm>
+              <a:off x="6528093" y="3918095"/>
+              <a:ext cx="1344794" cy="792088"/>
+            </a:xfrm>
+            <a:prstGeom prst="rect">
+              <a:avLst/>
+            </a:prstGeom>
+            <a:noFill/>
+            <a:ln>
+              <a:noFill/>
+            </a:ln>
+          </p:spPr>
+          <p:style>
+            <a:lnRef idx="2">
+              <a:schemeClr val="accent1">
+                <a:shade val="50000"/>
+              </a:schemeClr>
+            </a:lnRef>
+            <a:fillRef idx="1">
+              <a:schemeClr val="accent1"/>
+            </a:fillRef>
+            <a:effectRef idx="0">
+              <a:schemeClr val="accent1"/>
+            </a:effectRef>
+            <a:fontRef idx="minor">
+              <a:schemeClr val="lt1"/>
+            </a:fontRef>
+          </p:style>
+          <p:txBody>
+            <a:bodyPr rtlCol="0" anchor="ctr"/>
+            <a:lstStyle/>
+            <a:p>
+              <a:pPr algn="ctr"/>
+              <a:r>
+                <a:rPr lang="ko-KR" altLang="en-US" b="1" dirty="0">
+                  <a:solidFill>
+                    <a:srgbClr val="11264F"/>
+                  </a:solidFill>
+                </a:rPr>
+                <a:t>오라클</a:t>
+              </a:r>
+              <a:endParaRPr lang="en-US" altLang="ko-KR" b="1" dirty="0">
+                <a:solidFill>
+                  <a:srgbClr val="11264F"/>
+                </a:solidFill>
+              </a:endParaRPr>
+            </a:p>
+            <a:p>
+              <a:pPr algn="ctr"/>
+              <a:r>
+                <a:rPr lang="ko-KR" altLang="en-US" b="1" dirty="0">
+                  <a:solidFill>
+                    <a:srgbClr val="11264F"/>
+                  </a:solidFill>
+                </a:rPr>
+                <a:t>설정</a:t>
+              </a:r>
             </a:p>
           </p:txBody>
         </p:sp>
       </p:grpSp>
-      <p:sp>
-        <p:nvSpPr>
-          <p:cNvPr id="23" name="직사각형 22">
-            <a:extLst>
-              <a:ext uri="{FF2B5EF4-FFF2-40B4-BE49-F238E27FC236}">
-                <a16:creationId xmlns:a16="http://schemas.microsoft.com/office/drawing/2014/main" xmlns="" id="{6FDDAB2E-B338-4146-8B44-B8527E2ED716}"/>
-              </a:ext>
-            </a:extLst>
-          </p:cNvPr>
-          <p:cNvSpPr/>
-          <p:nvPr/>
-        </p:nvSpPr>
-        <p:spPr>
-          <a:xfrm>
-            <a:off x="5321272" y="3918095"/>
-            <a:ext cx="1344794" cy="792088"/>
-          </a:xfrm>
-          <a:prstGeom prst="rect">
-            <a:avLst/>
-          </a:prstGeom>
-          <a:noFill/>
-          <a:ln>
-            <a:noFill/>
-          </a:ln>
-        </p:spPr>
-        <p:style>
-          <a:lnRef idx="2">
-            <a:schemeClr val="accent1">
-              <a:shade val="50000"/>
-            </a:schemeClr>
-          </a:lnRef>
-          <a:fillRef idx="1">
-            <a:schemeClr val="accent1"/>
-          </a:fillRef>
-          <a:effectRef idx="0">
-            <a:schemeClr val="accent1"/>
-          </a:effectRef>
-          <a:fontRef idx="minor">
-            <a:schemeClr val="lt1"/>
-          </a:fontRef>
-        </p:style>
-        <p:txBody>
-          <a:bodyPr rtlCol="0" anchor="ctr"/>
-          <a:lstStyle/>
-          <a:p>
-            <a:pPr algn="ctr"/>
-            <a:r>
-              <a:rPr lang="ko-KR" altLang="en-US" b="1" dirty="0">
-                <a:solidFill>
-                  <a:srgbClr val="11264F"/>
-                </a:solidFill>
-              </a:rPr>
-              <a:t>오라클</a:t>
-            </a:r>
-          </a:p>
-        </p:txBody>
-      </p:sp>
     </p:spTree>
     <p:extLst>
       <p:ext uri="{BB962C8B-B14F-4D97-AF65-F5344CB8AC3E}">
@@ -9838,6 +10888,1524 @@
 </file>
 
 <file path=ppt/slides/slide3.xml><?xml version="1.0" encoding="utf-8"?>
+<p:sld xmlns:a="http://schemas.openxmlformats.org/drawingml/2006/main" xmlns:r="http://schemas.openxmlformats.org/officeDocument/2006/relationships" xmlns:p="http://schemas.openxmlformats.org/presentationml/2006/main">
+  <p:cSld>
+    <p:spTree>
+      <p:nvGrpSpPr>
+        <p:cNvPr id="1" name=""/>
+        <p:cNvGrpSpPr/>
+        <p:nvPr/>
+      </p:nvGrpSpPr>
+      <p:grpSpPr>
+        <a:xfrm>
+          <a:off x="0" y="0"/>
+          <a:ext cx="0" cy="0"/>
+          <a:chOff x="0" y="0"/>
+          <a:chExt cx="0" cy="0"/>
+        </a:xfrm>
+      </p:grpSpPr>
+      <p:grpSp>
+        <p:nvGrpSpPr>
+          <p:cNvPr id="13" name="그룹 12">
+            <a:extLst>
+              <a:ext uri="{FF2B5EF4-FFF2-40B4-BE49-F238E27FC236}">
+                <a16:creationId xmlns:a16="http://schemas.microsoft.com/office/drawing/2014/main" id="{D5DC0CAD-3D03-4B34-8883-F99CAA088979}"/>
+              </a:ext>
+            </a:extLst>
+          </p:cNvPr>
+          <p:cNvGrpSpPr/>
+          <p:nvPr/>
+        </p:nvGrpSpPr>
+        <p:grpSpPr>
+          <a:xfrm>
+            <a:off x="2144688" y="1717327"/>
+            <a:ext cx="5616624" cy="722198"/>
+            <a:chOff x="2144688" y="2703007"/>
+            <a:chExt cx="5616624" cy="722198"/>
+          </a:xfrm>
+        </p:grpSpPr>
+        <p:sp>
+          <p:nvSpPr>
+            <p:cNvPr id="2" name="TextBox 1">
+              <a:extLst>
+                <a:ext uri="{FF2B5EF4-FFF2-40B4-BE49-F238E27FC236}">
+                  <a16:creationId xmlns:a16="http://schemas.microsoft.com/office/drawing/2014/main" id="{A52EBF5A-913C-4EFA-B0EE-3AB52538E2B7}"/>
+                </a:ext>
+              </a:extLst>
+            </p:cNvPr>
+            <p:cNvSpPr txBox="1"/>
+            <p:nvPr/>
+          </p:nvSpPr>
+          <p:spPr>
+            <a:xfrm>
+              <a:off x="3008784" y="2763301"/>
+              <a:ext cx="4752528" cy="615553"/>
+            </a:xfrm>
+            <a:prstGeom prst="rect">
+              <a:avLst/>
+            </a:prstGeom>
+            <a:noFill/>
+          </p:spPr>
+          <p:txBody>
+            <a:bodyPr wrap="square" rtlCol="0">
+              <a:spAutoFit/>
+            </a:bodyPr>
+            <a:lstStyle/>
+            <a:p>
+              <a:r>
+                <a:rPr lang="en-US" altLang="ko-KR" sz="1400" b="1" dirty="0">
+                  <a:solidFill>
+                    <a:srgbClr val="11264F"/>
+                  </a:solidFill>
+                </a:rPr>
+                <a:t>Team3 GitHub Site</a:t>
+              </a:r>
+            </a:p>
+            <a:p>
+              <a:r>
+                <a:rPr lang="en-US" altLang="ko-KR" b="1" dirty="0">
+                  <a:solidFill>
+                    <a:srgbClr val="11264F"/>
+                  </a:solidFill>
+                  <a:hlinkClick r:id="rId3">
+                    <a:extLst>
+                      <a:ext uri="{A12FA001-AC4F-418D-AE19-62706E023703}">
+                        <ahyp:hlinkClr xmlns:ahyp="http://schemas.microsoft.com/office/drawing/2018/hyperlinkcolor" val="tx"/>
+                      </a:ext>
+                    </a:extLst>
+                  </a:hlinkClick>
+                </a:rPr>
+                <a:t>https://github.com/ojiyeon/Team3_2</a:t>
+              </a:r>
+              <a:endParaRPr lang="ko-KR" altLang="en-US" b="1" dirty="0">
+                <a:solidFill>
+                  <a:srgbClr val="11264F"/>
+                </a:solidFill>
+              </a:endParaRPr>
+            </a:p>
+          </p:txBody>
+        </p:sp>
+        <p:pic>
+          <p:nvPicPr>
+            <p:cNvPr id="12" name="그림 11">
+              <a:extLst>
+                <a:ext uri="{FF2B5EF4-FFF2-40B4-BE49-F238E27FC236}">
+                  <a16:creationId xmlns:a16="http://schemas.microsoft.com/office/drawing/2014/main" id="{A9965C86-838B-44E9-A1B8-155941F2A08D}"/>
+                </a:ext>
+              </a:extLst>
+            </p:cNvPr>
+            <p:cNvPicPr>
+              <a:picLocks noChangeAspect="1"/>
+            </p:cNvPicPr>
+            <p:nvPr/>
+          </p:nvPicPr>
+          <p:blipFill>
+            <a:blip r:embed="rId4" cstate="print">
+              <a:extLst>
+                <a:ext uri="{28A0092B-C50C-407E-A947-70E740481C1C}">
+                  <a14:useLocalDpi xmlns:a14="http://schemas.microsoft.com/office/drawing/2010/main" val="0"/>
+                </a:ext>
+              </a:extLst>
+            </a:blip>
+            <a:stretch>
+              <a:fillRect/>
+            </a:stretch>
+          </p:blipFill>
+          <p:spPr>
+            <a:xfrm>
+              <a:off x="2144688" y="2703007"/>
+              <a:ext cx="722198" cy="722198"/>
+            </a:xfrm>
+            <a:prstGeom prst="rect">
+              <a:avLst/>
+            </a:prstGeom>
+          </p:spPr>
+        </p:pic>
+      </p:grpSp>
+      <p:grpSp>
+        <p:nvGrpSpPr>
+          <p:cNvPr id="7" name="그룹 6">
+            <a:extLst>
+              <a:ext uri="{FF2B5EF4-FFF2-40B4-BE49-F238E27FC236}">
+                <a16:creationId xmlns:a16="http://schemas.microsoft.com/office/drawing/2014/main" id="{2F3CB9BD-66F0-4405-B496-8750AA5425D0}"/>
+              </a:ext>
+            </a:extLst>
+          </p:cNvPr>
+          <p:cNvGrpSpPr/>
+          <p:nvPr/>
+        </p:nvGrpSpPr>
+        <p:grpSpPr>
+          <a:xfrm>
+            <a:off x="0" y="188639"/>
+            <a:ext cx="9906000" cy="729947"/>
+            <a:chOff x="0" y="188639"/>
+            <a:chExt cx="9906000" cy="729947"/>
+          </a:xfrm>
+        </p:grpSpPr>
+        <p:sp>
+          <p:nvSpPr>
+            <p:cNvPr id="8" name="직사각형 7">
+              <a:extLst>
+                <a:ext uri="{FF2B5EF4-FFF2-40B4-BE49-F238E27FC236}">
+                  <a16:creationId xmlns:a16="http://schemas.microsoft.com/office/drawing/2014/main" id="{C3A1D054-2CFF-41FA-8F57-B835E88896C9}"/>
+                </a:ext>
+              </a:extLst>
+            </p:cNvPr>
+            <p:cNvSpPr/>
+            <p:nvPr/>
+          </p:nvSpPr>
+          <p:spPr>
+            <a:xfrm>
+              <a:off x="0" y="824266"/>
+              <a:ext cx="9906000" cy="94320"/>
+            </a:xfrm>
+            <a:prstGeom prst="rect">
+              <a:avLst/>
+            </a:prstGeom>
+            <a:solidFill>
+              <a:srgbClr val="11264F"/>
+            </a:solidFill>
+            <a:ln>
+              <a:noFill/>
+            </a:ln>
+          </p:spPr>
+          <p:style>
+            <a:lnRef idx="2">
+              <a:schemeClr val="accent1">
+                <a:shade val="50000"/>
+              </a:schemeClr>
+            </a:lnRef>
+            <a:fillRef idx="1">
+              <a:schemeClr val="accent1"/>
+            </a:fillRef>
+            <a:effectRef idx="0">
+              <a:schemeClr val="accent1"/>
+            </a:effectRef>
+            <a:fontRef idx="minor">
+              <a:schemeClr val="lt1"/>
+            </a:fontRef>
+          </p:style>
+          <p:txBody>
+            <a:bodyPr rtlCol="0" anchor="ctr"/>
+            <a:lstStyle/>
+            <a:p>
+              <a:pPr algn="ctr"/>
+              <a:endParaRPr lang="ko-KR" altLang="en-US">
+                <a:latin typeface="+mn-ea"/>
+              </a:endParaRPr>
+            </a:p>
+          </p:txBody>
+        </p:sp>
+        <p:sp>
+          <p:nvSpPr>
+            <p:cNvPr id="9" name="제목 1">
+              <a:extLst>
+                <a:ext uri="{FF2B5EF4-FFF2-40B4-BE49-F238E27FC236}">
+                  <a16:creationId xmlns:a16="http://schemas.microsoft.com/office/drawing/2014/main" id="{076CA863-0C26-4AF2-8DCD-0E3B8F3F32D5}"/>
+                </a:ext>
+              </a:extLst>
+            </p:cNvPr>
+            <p:cNvSpPr txBox="1">
+              <a:spLocks/>
+            </p:cNvSpPr>
+            <p:nvPr/>
+          </p:nvSpPr>
+          <p:spPr>
+            <a:xfrm>
+              <a:off x="3" y="188639"/>
+              <a:ext cx="8390175" cy="726759"/>
+            </a:xfrm>
+            <a:prstGeom prst="rect">
+              <a:avLst/>
+            </a:prstGeom>
+            <a:noFill/>
+            <a:ln>
+              <a:noFill/>
+            </a:ln>
+          </p:spPr>
+          <p:txBody>
+            <a:bodyPr vert="horz" wrap="square" lIns="90000" tIns="45000" rIns="90000" bIns="45000" anchor="ctr" anchorCtr="0"/>
+            <a:lstStyle>
+              <a:defPPr lvl="0">
+                <a:buSzPct val="45000"/>
+                <a:buFont typeface="StarSymbol"/>
+                <a:buNone/>
+                <a:defRPr/>
+              </a:defPPr>
+              <a:lvl1pPr lvl="0" algn="ctr" rtl="0" hangingPunct="1">
+                <a:spcBef>
+                  <a:spcPts val="0"/>
+                </a:spcBef>
+                <a:spcAft>
+                  <a:spcPts val="0"/>
+                </a:spcAft>
+                <a:buSzPct val="45000"/>
+                <a:buFont typeface="StarSymbol"/>
+                <a:buChar char="●"/>
+                <a:tabLst/>
+                <a:defRPr lang="ko-KR" sz="4400" b="0" i="0" u="none" strike="noStrike" kern="1200" spc="0">
+                  <a:ln>
+                    <a:noFill/>
+                  </a:ln>
+                  <a:solidFill>
+                    <a:srgbClr val="000000"/>
+                  </a:solidFill>
+                  <a:latin typeface="맑은 고딕" pitchFamily="18"/>
+                  <a:ea typeface="굴림" pitchFamily="2"/>
+                  <a:cs typeface="Arial" pitchFamily="2"/>
+                </a:defRPr>
+              </a:lvl1pPr>
+              <a:lvl2pPr lvl="1">
+                <a:buSzPct val="45000"/>
+                <a:buFont typeface="StarSymbol"/>
+                <a:buChar char="●"/>
+                <a:defRPr/>
+              </a:lvl2pPr>
+              <a:lvl3pPr lvl="2">
+                <a:buSzPct val="45000"/>
+                <a:buFont typeface="StarSymbol"/>
+                <a:buChar char="●"/>
+                <a:defRPr/>
+              </a:lvl3pPr>
+              <a:lvl4pPr lvl="3">
+                <a:buSzPct val="45000"/>
+                <a:buFont typeface="StarSymbol"/>
+                <a:buChar char="●"/>
+                <a:defRPr/>
+              </a:lvl4pPr>
+              <a:lvl5pPr lvl="4">
+                <a:buSzPct val="45000"/>
+                <a:buFont typeface="StarSymbol"/>
+                <a:buChar char="●"/>
+                <a:defRPr/>
+              </a:lvl5pPr>
+              <a:lvl6pPr lvl="5">
+                <a:buSzPct val="45000"/>
+                <a:buFont typeface="StarSymbol"/>
+                <a:buChar char="●"/>
+                <a:defRPr/>
+              </a:lvl6pPr>
+              <a:lvl7pPr lvl="6">
+                <a:buSzPct val="45000"/>
+                <a:buFont typeface="StarSymbol"/>
+                <a:buChar char="●"/>
+                <a:defRPr/>
+              </a:lvl7pPr>
+              <a:lvl8pPr lvl="7">
+                <a:buSzPct val="45000"/>
+                <a:buFont typeface="StarSymbol"/>
+                <a:buChar char="●"/>
+                <a:defRPr/>
+              </a:lvl8pPr>
+              <a:lvl9pPr lvl="8">
+                <a:buSzPct val="45000"/>
+                <a:buFont typeface="StarSymbol"/>
+                <a:buChar char="●"/>
+                <a:defRPr/>
+              </a:lvl9pPr>
+            </a:lstStyle>
+            <a:p>
+              <a:pPr algn="l" latinLnBrk="0">
+                <a:buFont typeface="StarSymbol"/>
+                <a:buNone/>
+              </a:pPr>
+              <a:r>
+                <a:rPr lang="ko-KR" altLang="en-US" sz="2000" b="1" dirty="0">
+                  <a:solidFill>
+                    <a:srgbClr val="11264F"/>
+                  </a:solidFill>
+                  <a:latin typeface="+mn-ea"/>
+                  <a:ea typeface="+mn-ea"/>
+                </a:rPr>
+                <a:t> </a:t>
+              </a:r>
+              <a:r>
+                <a:rPr lang="en-US" altLang="ko-KR" sz="2000" b="1" dirty="0">
+                  <a:solidFill>
+                    <a:srgbClr val="11264F"/>
+                  </a:solidFill>
+                  <a:latin typeface="+mn-ea"/>
+                  <a:ea typeface="+mn-ea"/>
+                </a:rPr>
+                <a:t>01 </a:t>
+              </a:r>
+              <a:r>
+                <a:rPr lang="ko-KR" altLang="en-US" sz="2000" b="1" dirty="0">
+                  <a:solidFill>
+                    <a:srgbClr val="11264F"/>
+                  </a:solidFill>
+                  <a:latin typeface="+mn-ea"/>
+                  <a:ea typeface="+mn-ea"/>
+                </a:rPr>
+                <a:t>다운로드  </a:t>
+              </a:r>
+              <a:r>
+                <a:rPr lang="en-US" altLang="ko-KR" sz="2000" b="1" dirty="0">
+                  <a:solidFill>
+                    <a:schemeClr val="bg1">
+                      <a:lumMod val="75000"/>
+                    </a:schemeClr>
+                  </a:solidFill>
+                  <a:latin typeface="+mn-ea"/>
+                  <a:ea typeface="+mn-ea"/>
+                </a:rPr>
+                <a:t>02  03</a:t>
+              </a:r>
+              <a:endParaRPr lang="en-US" sz="2000" b="1" dirty="0">
+                <a:solidFill>
+                  <a:schemeClr val="bg1">
+                    <a:lumMod val="75000"/>
+                  </a:schemeClr>
+                </a:solidFill>
+                <a:latin typeface="+mn-ea"/>
+                <a:ea typeface="+mn-ea"/>
+              </a:endParaRPr>
+            </a:p>
+          </p:txBody>
+        </p:sp>
+        <p:grpSp>
+          <p:nvGrpSpPr>
+            <p:cNvPr id="10" name="그룹 9">
+              <a:extLst>
+                <a:ext uri="{FF2B5EF4-FFF2-40B4-BE49-F238E27FC236}">
+                  <a16:creationId xmlns:a16="http://schemas.microsoft.com/office/drawing/2014/main" id="{26B3D964-5075-40A8-8DEF-ACDD1EFB164C}"/>
+                </a:ext>
+              </a:extLst>
+            </p:cNvPr>
+            <p:cNvGrpSpPr/>
+            <p:nvPr/>
+          </p:nvGrpSpPr>
+          <p:grpSpPr>
+            <a:xfrm>
+              <a:off x="8265368" y="497933"/>
+              <a:ext cx="1640632" cy="417466"/>
+              <a:chOff x="8265368" y="497933"/>
+              <a:chExt cx="1640632" cy="417466"/>
+            </a:xfrm>
+          </p:grpSpPr>
+          <p:sp>
+            <p:nvSpPr>
+              <p:cNvPr id="11" name="이등변 삼각형 10">
+                <a:extLst>
+                  <a:ext uri="{FF2B5EF4-FFF2-40B4-BE49-F238E27FC236}">
+                    <a16:creationId xmlns:a16="http://schemas.microsoft.com/office/drawing/2014/main" id="{E5609107-4EF9-4A7B-89E3-51987509509B}"/>
+                  </a:ext>
+                </a:extLst>
+              </p:cNvPr>
+              <p:cNvSpPr/>
+              <p:nvPr/>
+            </p:nvSpPr>
+            <p:spPr>
+              <a:xfrm>
+                <a:off x="8265368" y="497933"/>
+                <a:ext cx="432048" cy="326333"/>
+              </a:xfrm>
+              <a:prstGeom prst="triangle">
+                <a:avLst/>
+              </a:prstGeom>
+              <a:solidFill>
+                <a:srgbClr val="11264F"/>
+              </a:solidFill>
+              <a:ln>
+                <a:noFill/>
+              </a:ln>
+            </p:spPr>
+            <p:style>
+              <a:lnRef idx="2">
+                <a:schemeClr val="accent1">
+                  <a:shade val="50000"/>
+                </a:schemeClr>
+              </a:lnRef>
+              <a:fillRef idx="1">
+                <a:schemeClr val="accent1"/>
+              </a:fillRef>
+              <a:effectRef idx="0">
+                <a:schemeClr val="accent1"/>
+              </a:effectRef>
+              <a:fontRef idx="minor">
+                <a:schemeClr val="lt1"/>
+              </a:fontRef>
+            </p:style>
+            <p:txBody>
+              <a:bodyPr rtlCol="0" anchor="ctr"/>
+              <a:lstStyle/>
+              <a:p>
+                <a:pPr algn="ctr"/>
+                <a:endParaRPr lang="ko-KR" altLang="en-US">
+                  <a:latin typeface="+mn-ea"/>
+                </a:endParaRPr>
+              </a:p>
+            </p:txBody>
+          </p:sp>
+          <p:sp>
+            <p:nvSpPr>
+              <p:cNvPr id="14" name="직사각형 13">
+                <a:extLst>
+                  <a:ext uri="{FF2B5EF4-FFF2-40B4-BE49-F238E27FC236}">
+                    <a16:creationId xmlns:a16="http://schemas.microsoft.com/office/drawing/2014/main" id="{8EE582F0-A04D-4C26-9EBC-92121CDE5FB3}"/>
+                  </a:ext>
+                </a:extLst>
+              </p:cNvPr>
+              <p:cNvSpPr/>
+              <p:nvPr/>
+            </p:nvSpPr>
+            <p:spPr>
+              <a:xfrm>
+                <a:off x="8481392" y="497933"/>
+                <a:ext cx="1424608" cy="373493"/>
+              </a:xfrm>
+              <a:prstGeom prst="rect">
+                <a:avLst/>
+              </a:prstGeom>
+              <a:solidFill>
+                <a:srgbClr val="11264F"/>
+              </a:solidFill>
+              <a:ln>
+                <a:noFill/>
+              </a:ln>
+            </p:spPr>
+            <p:style>
+              <a:lnRef idx="2">
+                <a:schemeClr val="accent1">
+                  <a:shade val="50000"/>
+                </a:schemeClr>
+              </a:lnRef>
+              <a:fillRef idx="1">
+                <a:schemeClr val="accent1"/>
+              </a:fillRef>
+              <a:effectRef idx="0">
+                <a:schemeClr val="accent1"/>
+              </a:effectRef>
+              <a:fontRef idx="minor">
+                <a:schemeClr val="lt1"/>
+              </a:fontRef>
+            </p:style>
+            <p:txBody>
+              <a:bodyPr rtlCol="0" anchor="ctr"/>
+              <a:lstStyle/>
+              <a:p>
+                <a:pPr algn="ctr"/>
+                <a:endParaRPr lang="ko-KR" altLang="en-US">
+                  <a:latin typeface="+mn-ea"/>
+                </a:endParaRPr>
+              </a:p>
+            </p:txBody>
+          </p:sp>
+          <p:sp>
+            <p:nvSpPr>
+              <p:cNvPr id="15" name="직사각형 14">
+                <a:extLst>
+                  <a:ext uri="{FF2B5EF4-FFF2-40B4-BE49-F238E27FC236}">
+                    <a16:creationId xmlns:a16="http://schemas.microsoft.com/office/drawing/2014/main" id="{994E467B-B017-416E-BF8F-2212C902D3F5}"/>
+                  </a:ext>
+                </a:extLst>
+              </p:cNvPr>
+              <p:cNvSpPr/>
+              <p:nvPr/>
+            </p:nvSpPr>
+            <p:spPr>
+              <a:xfrm>
+                <a:off x="8711636" y="515289"/>
+                <a:ext cx="975267" cy="400110"/>
+              </a:xfrm>
+              <a:prstGeom prst="rect">
+                <a:avLst/>
+              </a:prstGeom>
+            </p:spPr>
+            <p:txBody>
+              <a:bodyPr wrap="none">
+                <a:spAutoFit/>
+              </a:bodyPr>
+              <a:lstStyle/>
+              <a:p>
+                <a:pPr latinLnBrk="0">
+                  <a:buFont typeface="StarSymbol"/>
+                  <a:buNone/>
+                </a:pPr>
+                <a:r>
+                  <a:rPr lang="en-US" altLang="ko-KR" b="1" dirty="0">
+                    <a:solidFill>
+                      <a:srgbClr val="FFCC00"/>
+                    </a:solidFill>
+                    <a:latin typeface="+mn-ea"/>
+                  </a:rPr>
+                  <a:t>Team3</a:t>
+                </a:r>
+              </a:p>
+            </p:txBody>
+          </p:sp>
+        </p:grpSp>
+      </p:grpSp>
+      <p:sp>
+        <p:nvSpPr>
+          <p:cNvPr id="17" name="TextBox 16">
+            <a:extLst>
+              <a:ext uri="{FF2B5EF4-FFF2-40B4-BE49-F238E27FC236}">
+                <a16:creationId xmlns:a16="http://schemas.microsoft.com/office/drawing/2014/main" id="{F1E37B60-60CC-4FDA-B2F2-48509B887424}"/>
+              </a:ext>
+            </a:extLst>
+          </p:cNvPr>
+          <p:cNvSpPr txBox="1"/>
+          <p:nvPr/>
+        </p:nvSpPr>
+        <p:spPr>
+          <a:xfrm>
+            <a:off x="344488" y="1101380"/>
+            <a:ext cx="9217024" cy="323165"/>
+          </a:xfrm>
+          <a:prstGeom prst="rect">
+            <a:avLst/>
+          </a:prstGeom>
+          <a:noFill/>
+        </p:spPr>
+        <p:txBody>
+          <a:bodyPr wrap="square" rtlCol="0">
+            <a:spAutoFit/>
+          </a:bodyPr>
+          <a:lstStyle/>
+          <a:p>
+            <a:pPr latinLnBrk="1"/>
+            <a:r>
+              <a:rPr lang="en-US" altLang="ko-KR" sz="1500" b="1" dirty="0">
+                <a:solidFill>
+                  <a:srgbClr val="11264F"/>
+                </a:solidFill>
+              </a:rPr>
+              <a:t>1. </a:t>
+            </a:r>
+            <a:r>
+              <a:rPr lang="ko-KR" altLang="en-US" sz="1500" b="1" dirty="0">
+                <a:solidFill>
+                  <a:srgbClr val="11264F"/>
+                </a:solidFill>
+              </a:rPr>
+              <a:t>아래 사이트에 들어가 실행에 필요한 파일들을 다운</a:t>
+            </a:r>
+          </a:p>
+        </p:txBody>
+      </p:sp>
+      <p:grpSp>
+        <p:nvGrpSpPr>
+          <p:cNvPr id="39" name="그룹 38">
+            <a:extLst>
+              <a:ext uri="{FF2B5EF4-FFF2-40B4-BE49-F238E27FC236}">
+                <a16:creationId xmlns:a16="http://schemas.microsoft.com/office/drawing/2014/main" id="{F949D0B0-8A98-4F5F-B0BE-7DDBA7251062}"/>
+              </a:ext>
+            </a:extLst>
+          </p:cNvPr>
+          <p:cNvGrpSpPr/>
+          <p:nvPr/>
+        </p:nvGrpSpPr>
+        <p:grpSpPr>
+          <a:xfrm>
+            <a:off x="645661" y="2625003"/>
+            <a:ext cx="8614677" cy="4119394"/>
+            <a:chOff x="645661" y="2625003"/>
+            <a:chExt cx="8614677" cy="4119394"/>
+          </a:xfrm>
+        </p:grpSpPr>
+        <p:grpSp>
+          <p:nvGrpSpPr>
+            <p:cNvPr id="37" name="그룹 36">
+              <a:extLst>
+                <a:ext uri="{FF2B5EF4-FFF2-40B4-BE49-F238E27FC236}">
+                  <a16:creationId xmlns:a16="http://schemas.microsoft.com/office/drawing/2014/main" id="{F706E9EF-D97B-44A1-8FA0-4841BADFD0BC}"/>
+                </a:ext>
+              </a:extLst>
+            </p:cNvPr>
+            <p:cNvGrpSpPr/>
+            <p:nvPr/>
+          </p:nvGrpSpPr>
+          <p:grpSpPr>
+            <a:xfrm>
+              <a:off x="645661" y="2625003"/>
+              <a:ext cx="8614677" cy="4119394"/>
+              <a:chOff x="344488" y="2229640"/>
+              <a:chExt cx="9217024" cy="4407426"/>
+            </a:xfrm>
+          </p:grpSpPr>
+          <p:pic>
+            <p:nvPicPr>
+              <p:cNvPr id="34" name="그림 33">
+                <a:extLst>
+                  <a:ext uri="{FF2B5EF4-FFF2-40B4-BE49-F238E27FC236}">
+                    <a16:creationId xmlns:a16="http://schemas.microsoft.com/office/drawing/2014/main" id="{C1BA1B17-DD52-4C3E-9E14-027C1AD2BB9A}"/>
+                  </a:ext>
+                </a:extLst>
+              </p:cNvPr>
+              <p:cNvPicPr>
+                <a:picLocks noChangeAspect="1"/>
+              </p:cNvPicPr>
+              <p:nvPr/>
+            </p:nvPicPr>
+            <p:blipFill>
+              <a:blip r:embed="rId5"/>
+              <a:stretch>
+                <a:fillRect/>
+              </a:stretch>
+            </p:blipFill>
+            <p:spPr>
+              <a:xfrm>
+                <a:off x="590550" y="2229640"/>
+                <a:ext cx="8724900" cy="4162425"/>
+              </a:xfrm>
+              <a:prstGeom prst="rect">
+                <a:avLst/>
+              </a:prstGeom>
+            </p:spPr>
+          </p:pic>
+          <p:sp>
+            <p:nvSpPr>
+              <p:cNvPr id="36" name="TextBox 35">
+                <a:extLst>
+                  <a:ext uri="{FF2B5EF4-FFF2-40B4-BE49-F238E27FC236}">
+                    <a16:creationId xmlns:a16="http://schemas.microsoft.com/office/drawing/2014/main" id="{C7F2477A-ED19-4515-A69A-3C14F23D0987}"/>
+                  </a:ext>
+                </a:extLst>
+              </p:cNvPr>
+              <p:cNvSpPr txBox="1"/>
+              <p:nvPr/>
+            </p:nvSpPr>
+            <p:spPr>
+              <a:xfrm>
+                <a:off x="344488" y="6360067"/>
+                <a:ext cx="9217024" cy="276999"/>
+              </a:xfrm>
+              <a:prstGeom prst="rect">
+                <a:avLst/>
+              </a:prstGeom>
+              <a:noFill/>
+            </p:spPr>
+            <p:txBody>
+              <a:bodyPr wrap="square" rtlCol="0">
+                <a:spAutoFit/>
+              </a:bodyPr>
+              <a:lstStyle/>
+              <a:p>
+                <a:pPr algn="ctr" latinLnBrk="1"/>
+                <a:r>
+                  <a:rPr lang="en-US" altLang="ko-KR" sz="1200" b="1" dirty="0">
+                    <a:solidFill>
+                      <a:srgbClr val="11264F"/>
+                    </a:solidFill>
+                  </a:rPr>
+                  <a:t>ver.1</a:t>
+                </a:r>
+                <a:r>
+                  <a:rPr lang="ko-KR" altLang="en-US" sz="1200" b="1" dirty="0">
+                    <a:solidFill>
+                      <a:srgbClr val="11264F"/>
+                    </a:solidFill>
+                  </a:rPr>
+                  <a:t>은 게시글 작성 시 글자만 쓸 수 있고 </a:t>
+                </a:r>
+                <a:r>
+                  <a:rPr lang="en-US" altLang="ko-KR" sz="1200" b="1" dirty="0">
+                    <a:solidFill>
+                      <a:srgbClr val="11264F"/>
+                    </a:solidFill>
+                  </a:rPr>
+                  <a:t>ver.2</a:t>
+                </a:r>
+                <a:r>
+                  <a:rPr lang="ko-KR" altLang="en-US" sz="1200" b="1" dirty="0">
+                    <a:solidFill>
+                      <a:srgbClr val="11264F"/>
+                    </a:solidFill>
+                  </a:rPr>
+                  <a:t>는 </a:t>
+                </a:r>
+                <a:r>
+                  <a:rPr lang="en-US" altLang="ko-KR" sz="1200" b="1" dirty="0" err="1">
+                    <a:solidFill>
+                      <a:srgbClr val="11264F"/>
+                    </a:solidFill>
+                  </a:rPr>
+                  <a:t>summernote</a:t>
+                </a:r>
+                <a:r>
+                  <a:rPr lang="en-US" altLang="ko-KR" sz="1200" b="1" dirty="0">
+                    <a:solidFill>
+                      <a:srgbClr val="11264F"/>
+                    </a:solidFill>
+                  </a:rPr>
+                  <a:t> API</a:t>
+                </a:r>
+                <a:r>
+                  <a:rPr lang="ko-KR" altLang="en-US" sz="1200" b="1" dirty="0">
+                    <a:solidFill>
+                      <a:srgbClr val="11264F"/>
+                    </a:solidFill>
+                  </a:rPr>
+                  <a:t>를 이용하여 다양한 기능을 제공</a:t>
+                </a:r>
+                <a:endParaRPr lang="ko-KR" altLang="en-US" sz="1200" b="1" dirty="0">
+                  <a:solidFill>
+                    <a:srgbClr val="C00000"/>
+                  </a:solidFill>
+                </a:endParaRPr>
+              </a:p>
+            </p:txBody>
+          </p:sp>
+        </p:grpSp>
+        <p:sp>
+          <p:nvSpPr>
+            <p:cNvPr id="38" name="직사각형 37">
+              <a:extLst>
+                <a:ext uri="{FF2B5EF4-FFF2-40B4-BE49-F238E27FC236}">
+                  <a16:creationId xmlns:a16="http://schemas.microsoft.com/office/drawing/2014/main" id="{05BF14D3-BE0D-40DC-8459-29F3C596EC94}"/>
+                </a:ext>
+              </a:extLst>
+            </p:cNvPr>
+            <p:cNvSpPr/>
+            <p:nvPr/>
+          </p:nvSpPr>
+          <p:spPr>
+            <a:xfrm>
+              <a:off x="875642" y="4437112"/>
+              <a:ext cx="8154714" cy="2049041"/>
+            </a:xfrm>
+            <a:prstGeom prst="rect">
+              <a:avLst/>
+            </a:prstGeom>
+            <a:noFill/>
+            <a:ln>
+              <a:solidFill>
+                <a:srgbClr val="FF0000"/>
+              </a:solidFill>
+            </a:ln>
+          </p:spPr>
+          <p:style>
+            <a:lnRef idx="2">
+              <a:schemeClr val="accent1">
+                <a:shade val="50000"/>
+              </a:schemeClr>
+            </a:lnRef>
+            <a:fillRef idx="1">
+              <a:schemeClr val="accent1"/>
+            </a:fillRef>
+            <a:effectRef idx="0">
+              <a:schemeClr val="accent1"/>
+            </a:effectRef>
+            <a:fontRef idx="minor">
+              <a:schemeClr val="lt1"/>
+            </a:fontRef>
+          </p:style>
+          <p:txBody>
+            <a:bodyPr rtlCol="0" anchor="ctr"/>
+            <a:lstStyle/>
+            <a:p>
+              <a:pPr algn="ctr"/>
+              <a:endParaRPr lang="ko-KR" altLang="en-US"/>
+            </a:p>
+          </p:txBody>
+        </p:sp>
+      </p:grpSp>
+    </p:spTree>
+    <p:extLst>
+      <p:ext uri="{BB962C8B-B14F-4D97-AF65-F5344CB8AC3E}">
+        <p14:creationId xmlns:p14="http://schemas.microsoft.com/office/powerpoint/2010/main" val="4267727419"/>
+      </p:ext>
+    </p:extLst>
+  </p:cSld>
+  <p:clrMapOvr>
+    <a:masterClrMapping/>
+  </p:clrMapOvr>
+</p:sld>
+</file>
+
+<file path=ppt/slides/slide4.xml><?xml version="1.0" encoding="utf-8"?>
+<p:sld xmlns:a="http://schemas.openxmlformats.org/drawingml/2006/main" xmlns:r="http://schemas.openxmlformats.org/officeDocument/2006/relationships" xmlns:p="http://schemas.openxmlformats.org/presentationml/2006/main">
+  <p:cSld>
+    <p:spTree>
+      <p:nvGrpSpPr>
+        <p:cNvPr id="1" name=""/>
+        <p:cNvGrpSpPr/>
+        <p:nvPr/>
+      </p:nvGrpSpPr>
+      <p:grpSpPr>
+        <a:xfrm>
+          <a:off x="0" y="0"/>
+          <a:ext cx="0" cy="0"/>
+          <a:chOff x="0" y="0"/>
+          <a:chExt cx="0" cy="0"/>
+        </a:xfrm>
+      </p:grpSpPr>
+      <p:grpSp>
+        <p:nvGrpSpPr>
+          <p:cNvPr id="2" name="그룹 1">
+            <a:extLst>
+              <a:ext uri="{FF2B5EF4-FFF2-40B4-BE49-F238E27FC236}">
+                <a16:creationId xmlns:a16="http://schemas.microsoft.com/office/drawing/2014/main" id="{43BBD9B0-D64A-4A33-9E3F-1CA63307F088}"/>
+              </a:ext>
+            </a:extLst>
+          </p:cNvPr>
+          <p:cNvGrpSpPr/>
+          <p:nvPr/>
+        </p:nvGrpSpPr>
+        <p:grpSpPr>
+          <a:xfrm>
+            <a:off x="0" y="188639"/>
+            <a:ext cx="9906000" cy="729947"/>
+            <a:chOff x="0" y="188639"/>
+            <a:chExt cx="9906000" cy="729947"/>
+          </a:xfrm>
+        </p:grpSpPr>
+        <p:sp>
+          <p:nvSpPr>
+            <p:cNvPr id="3" name="직사각형 2">
+              <a:extLst>
+                <a:ext uri="{FF2B5EF4-FFF2-40B4-BE49-F238E27FC236}">
+                  <a16:creationId xmlns:a16="http://schemas.microsoft.com/office/drawing/2014/main" id="{7D89450B-96B1-4BBB-976B-049FE8097F6A}"/>
+                </a:ext>
+              </a:extLst>
+            </p:cNvPr>
+            <p:cNvSpPr/>
+            <p:nvPr/>
+          </p:nvSpPr>
+          <p:spPr>
+            <a:xfrm>
+              <a:off x="0" y="824266"/>
+              <a:ext cx="9906000" cy="94320"/>
+            </a:xfrm>
+            <a:prstGeom prst="rect">
+              <a:avLst/>
+            </a:prstGeom>
+            <a:solidFill>
+              <a:srgbClr val="11264F"/>
+            </a:solidFill>
+            <a:ln>
+              <a:noFill/>
+            </a:ln>
+          </p:spPr>
+          <p:style>
+            <a:lnRef idx="2">
+              <a:schemeClr val="accent1">
+                <a:shade val="50000"/>
+              </a:schemeClr>
+            </a:lnRef>
+            <a:fillRef idx="1">
+              <a:schemeClr val="accent1"/>
+            </a:fillRef>
+            <a:effectRef idx="0">
+              <a:schemeClr val="accent1"/>
+            </a:effectRef>
+            <a:fontRef idx="minor">
+              <a:schemeClr val="lt1"/>
+            </a:fontRef>
+          </p:style>
+          <p:txBody>
+            <a:bodyPr rtlCol="0" anchor="ctr"/>
+            <a:lstStyle/>
+            <a:p>
+              <a:pPr algn="ctr"/>
+              <a:endParaRPr lang="ko-KR" altLang="en-US">
+                <a:latin typeface="+mn-ea"/>
+              </a:endParaRPr>
+            </a:p>
+          </p:txBody>
+        </p:sp>
+        <p:sp>
+          <p:nvSpPr>
+            <p:cNvPr id="4" name="제목 1">
+              <a:extLst>
+                <a:ext uri="{FF2B5EF4-FFF2-40B4-BE49-F238E27FC236}">
+                  <a16:creationId xmlns:a16="http://schemas.microsoft.com/office/drawing/2014/main" id="{FEBA3AE5-2137-4095-95CC-8973C4F2B7CF}"/>
+                </a:ext>
+              </a:extLst>
+            </p:cNvPr>
+            <p:cNvSpPr txBox="1">
+              <a:spLocks/>
+            </p:cNvSpPr>
+            <p:nvPr/>
+          </p:nvSpPr>
+          <p:spPr>
+            <a:xfrm>
+              <a:off x="3" y="188639"/>
+              <a:ext cx="8390175" cy="726759"/>
+            </a:xfrm>
+            <a:prstGeom prst="rect">
+              <a:avLst/>
+            </a:prstGeom>
+            <a:noFill/>
+            <a:ln>
+              <a:noFill/>
+            </a:ln>
+          </p:spPr>
+          <p:txBody>
+            <a:bodyPr vert="horz" wrap="square" lIns="90000" tIns="45000" rIns="90000" bIns="45000" anchor="ctr" anchorCtr="0"/>
+            <a:lstStyle>
+              <a:defPPr lvl="0">
+                <a:buSzPct val="45000"/>
+                <a:buFont typeface="StarSymbol"/>
+                <a:buNone/>
+                <a:defRPr/>
+              </a:defPPr>
+              <a:lvl1pPr lvl="0" algn="ctr" rtl="0" hangingPunct="1">
+                <a:spcBef>
+                  <a:spcPts val="0"/>
+                </a:spcBef>
+                <a:spcAft>
+                  <a:spcPts val="0"/>
+                </a:spcAft>
+                <a:buSzPct val="45000"/>
+                <a:buFont typeface="StarSymbol"/>
+                <a:buChar char="●"/>
+                <a:tabLst/>
+                <a:defRPr lang="ko-KR" sz="4400" b="0" i="0" u="none" strike="noStrike" kern="1200" spc="0">
+                  <a:ln>
+                    <a:noFill/>
+                  </a:ln>
+                  <a:solidFill>
+                    <a:srgbClr val="000000"/>
+                  </a:solidFill>
+                  <a:latin typeface="맑은 고딕" pitchFamily="18"/>
+                  <a:ea typeface="굴림" pitchFamily="2"/>
+                  <a:cs typeface="Arial" pitchFamily="2"/>
+                </a:defRPr>
+              </a:lvl1pPr>
+              <a:lvl2pPr lvl="1">
+                <a:buSzPct val="45000"/>
+                <a:buFont typeface="StarSymbol"/>
+                <a:buChar char="●"/>
+                <a:defRPr/>
+              </a:lvl2pPr>
+              <a:lvl3pPr lvl="2">
+                <a:buSzPct val="45000"/>
+                <a:buFont typeface="StarSymbol"/>
+                <a:buChar char="●"/>
+                <a:defRPr/>
+              </a:lvl3pPr>
+              <a:lvl4pPr lvl="3">
+                <a:buSzPct val="45000"/>
+                <a:buFont typeface="StarSymbol"/>
+                <a:buChar char="●"/>
+                <a:defRPr/>
+              </a:lvl4pPr>
+              <a:lvl5pPr lvl="4">
+                <a:buSzPct val="45000"/>
+                <a:buFont typeface="StarSymbol"/>
+                <a:buChar char="●"/>
+                <a:defRPr/>
+              </a:lvl5pPr>
+              <a:lvl6pPr lvl="5">
+                <a:buSzPct val="45000"/>
+                <a:buFont typeface="StarSymbol"/>
+                <a:buChar char="●"/>
+                <a:defRPr/>
+              </a:lvl6pPr>
+              <a:lvl7pPr lvl="6">
+                <a:buSzPct val="45000"/>
+                <a:buFont typeface="StarSymbol"/>
+                <a:buChar char="●"/>
+                <a:defRPr/>
+              </a:lvl7pPr>
+              <a:lvl8pPr lvl="7">
+                <a:buSzPct val="45000"/>
+                <a:buFont typeface="StarSymbol"/>
+                <a:buChar char="●"/>
+                <a:defRPr/>
+              </a:lvl8pPr>
+              <a:lvl9pPr lvl="8">
+                <a:buSzPct val="45000"/>
+                <a:buFont typeface="StarSymbol"/>
+                <a:buChar char="●"/>
+                <a:defRPr/>
+              </a:lvl9pPr>
+            </a:lstStyle>
+            <a:p>
+              <a:pPr algn="l" latinLnBrk="0">
+                <a:buFont typeface="StarSymbol"/>
+                <a:buNone/>
+              </a:pPr>
+              <a:r>
+                <a:rPr lang="ko-KR" altLang="en-US" sz="2000" b="1" dirty="0">
+                  <a:solidFill>
+                    <a:srgbClr val="11264F"/>
+                  </a:solidFill>
+                  <a:latin typeface="+mn-ea"/>
+                  <a:ea typeface="+mn-ea"/>
+                </a:rPr>
+                <a:t> </a:t>
+              </a:r>
+              <a:r>
+                <a:rPr lang="en-US" altLang="ko-KR" sz="2000" b="1" dirty="0">
+                  <a:solidFill>
+                    <a:srgbClr val="11264F"/>
+                  </a:solidFill>
+                  <a:latin typeface="+mn-ea"/>
+                  <a:ea typeface="+mn-ea"/>
+                </a:rPr>
+                <a:t>01 </a:t>
+              </a:r>
+              <a:r>
+                <a:rPr lang="ko-KR" altLang="en-US" sz="2000" b="1" dirty="0">
+                  <a:solidFill>
+                    <a:srgbClr val="11264F"/>
+                  </a:solidFill>
+                  <a:latin typeface="+mn-ea"/>
+                  <a:ea typeface="+mn-ea"/>
+                </a:rPr>
+                <a:t>다운로드  </a:t>
+              </a:r>
+              <a:r>
+                <a:rPr lang="en-US" altLang="ko-KR" sz="2000" b="1" dirty="0">
+                  <a:solidFill>
+                    <a:schemeClr val="bg1">
+                      <a:lumMod val="75000"/>
+                    </a:schemeClr>
+                  </a:solidFill>
+                  <a:latin typeface="+mn-ea"/>
+                  <a:ea typeface="+mn-ea"/>
+                </a:rPr>
+                <a:t>02  03</a:t>
+              </a:r>
+              <a:endParaRPr lang="en-US" sz="2000" b="1" dirty="0">
+                <a:solidFill>
+                  <a:schemeClr val="bg1">
+                    <a:lumMod val="75000"/>
+                  </a:schemeClr>
+                </a:solidFill>
+                <a:latin typeface="+mn-ea"/>
+                <a:ea typeface="+mn-ea"/>
+              </a:endParaRPr>
+            </a:p>
+          </p:txBody>
+        </p:sp>
+        <p:grpSp>
+          <p:nvGrpSpPr>
+            <p:cNvPr id="5" name="그룹 4">
+              <a:extLst>
+                <a:ext uri="{FF2B5EF4-FFF2-40B4-BE49-F238E27FC236}">
+                  <a16:creationId xmlns:a16="http://schemas.microsoft.com/office/drawing/2014/main" id="{46C75AE8-53B9-42EB-81B6-ABA27844502F}"/>
+                </a:ext>
+              </a:extLst>
+            </p:cNvPr>
+            <p:cNvGrpSpPr/>
+            <p:nvPr/>
+          </p:nvGrpSpPr>
+          <p:grpSpPr>
+            <a:xfrm>
+              <a:off x="8265368" y="497933"/>
+              <a:ext cx="1640632" cy="417466"/>
+              <a:chOff x="8265368" y="497933"/>
+              <a:chExt cx="1640632" cy="417466"/>
+            </a:xfrm>
+          </p:grpSpPr>
+          <p:sp>
+            <p:nvSpPr>
+              <p:cNvPr id="6" name="이등변 삼각형 5">
+                <a:extLst>
+                  <a:ext uri="{FF2B5EF4-FFF2-40B4-BE49-F238E27FC236}">
+                    <a16:creationId xmlns:a16="http://schemas.microsoft.com/office/drawing/2014/main" id="{7980B4B7-DF2D-4D50-B5A0-D74C80749807}"/>
+                  </a:ext>
+                </a:extLst>
+              </p:cNvPr>
+              <p:cNvSpPr/>
+              <p:nvPr/>
+            </p:nvSpPr>
+            <p:spPr>
+              <a:xfrm>
+                <a:off x="8265368" y="497933"/>
+                <a:ext cx="432048" cy="326333"/>
+              </a:xfrm>
+              <a:prstGeom prst="triangle">
+                <a:avLst/>
+              </a:prstGeom>
+              <a:solidFill>
+                <a:srgbClr val="11264F"/>
+              </a:solidFill>
+              <a:ln>
+                <a:noFill/>
+              </a:ln>
+            </p:spPr>
+            <p:style>
+              <a:lnRef idx="2">
+                <a:schemeClr val="accent1">
+                  <a:shade val="50000"/>
+                </a:schemeClr>
+              </a:lnRef>
+              <a:fillRef idx="1">
+                <a:schemeClr val="accent1"/>
+              </a:fillRef>
+              <a:effectRef idx="0">
+                <a:schemeClr val="accent1"/>
+              </a:effectRef>
+              <a:fontRef idx="minor">
+                <a:schemeClr val="lt1"/>
+              </a:fontRef>
+            </p:style>
+            <p:txBody>
+              <a:bodyPr rtlCol="0" anchor="ctr"/>
+              <a:lstStyle/>
+              <a:p>
+                <a:pPr algn="ctr"/>
+                <a:endParaRPr lang="ko-KR" altLang="en-US">
+                  <a:latin typeface="+mn-ea"/>
+                </a:endParaRPr>
+              </a:p>
+            </p:txBody>
+          </p:sp>
+          <p:sp>
+            <p:nvSpPr>
+              <p:cNvPr id="7" name="직사각형 6">
+                <a:extLst>
+                  <a:ext uri="{FF2B5EF4-FFF2-40B4-BE49-F238E27FC236}">
+                    <a16:creationId xmlns:a16="http://schemas.microsoft.com/office/drawing/2014/main" id="{39D2F1EA-D8C1-4B63-BCED-FC7F9047BEDA}"/>
+                  </a:ext>
+                </a:extLst>
+              </p:cNvPr>
+              <p:cNvSpPr/>
+              <p:nvPr/>
+            </p:nvSpPr>
+            <p:spPr>
+              <a:xfrm>
+                <a:off x="8481392" y="497933"/>
+                <a:ext cx="1424608" cy="373493"/>
+              </a:xfrm>
+              <a:prstGeom prst="rect">
+                <a:avLst/>
+              </a:prstGeom>
+              <a:solidFill>
+                <a:srgbClr val="11264F"/>
+              </a:solidFill>
+              <a:ln>
+                <a:noFill/>
+              </a:ln>
+            </p:spPr>
+            <p:style>
+              <a:lnRef idx="2">
+                <a:schemeClr val="accent1">
+                  <a:shade val="50000"/>
+                </a:schemeClr>
+              </a:lnRef>
+              <a:fillRef idx="1">
+                <a:schemeClr val="accent1"/>
+              </a:fillRef>
+              <a:effectRef idx="0">
+                <a:schemeClr val="accent1"/>
+              </a:effectRef>
+              <a:fontRef idx="minor">
+                <a:schemeClr val="lt1"/>
+              </a:fontRef>
+            </p:style>
+            <p:txBody>
+              <a:bodyPr rtlCol="0" anchor="ctr"/>
+              <a:lstStyle/>
+              <a:p>
+                <a:pPr algn="ctr"/>
+                <a:endParaRPr lang="ko-KR" altLang="en-US">
+                  <a:latin typeface="+mn-ea"/>
+                </a:endParaRPr>
+              </a:p>
+            </p:txBody>
+          </p:sp>
+          <p:sp>
+            <p:nvSpPr>
+              <p:cNvPr id="8" name="직사각형 7">
+                <a:extLst>
+                  <a:ext uri="{FF2B5EF4-FFF2-40B4-BE49-F238E27FC236}">
+                    <a16:creationId xmlns:a16="http://schemas.microsoft.com/office/drawing/2014/main" id="{CFF7E70B-DFF3-45C1-AADD-A21AE9C0E464}"/>
+                  </a:ext>
+                </a:extLst>
+              </p:cNvPr>
+              <p:cNvSpPr/>
+              <p:nvPr/>
+            </p:nvSpPr>
+            <p:spPr>
+              <a:xfrm>
+                <a:off x="8711636" y="515289"/>
+                <a:ext cx="975267" cy="400110"/>
+              </a:xfrm>
+              <a:prstGeom prst="rect">
+                <a:avLst/>
+              </a:prstGeom>
+            </p:spPr>
+            <p:txBody>
+              <a:bodyPr wrap="none">
+                <a:spAutoFit/>
+              </a:bodyPr>
+              <a:lstStyle/>
+              <a:p>
+                <a:pPr latinLnBrk="0">
+                  <a:buFont typeface="StarSymbol"/>
+                  <a:buNone/>
+                </a:pPr>
+                <a:r>
+                  <a:rPr lang="en-US" altLang="ko-KR" b="1" dirty="0">
+                    <a:solidFill>
+                      <a:srgbClr val="FFCC00"/>
+                    </a:solidFill>
+                    <a:latin typeface="+mn-ea"/>
+                  </a:rPr>
+                  <a:t>Team3</a:t>
+                </a:r>
+              </a:p>
+            </p:txBody>
+          </p:sp>
+        </p:grpSp>
+      </p:grpSp>
+      <p:grpSp>
+        <p:nvGrpSpPr>
+          <p:cNvPr id="11" name="그룹 10">
+            <a:extLst>
+              <a:ext uri="{FF2B5EF4-FFF2-40B4-BE49-F238E27FC236}">
+                <a16:creationId xmlns:a16="http://schemas.microsoft.com/office/drawing/2014/main" id="{C1834ADF-949D-440B-A341-7A4E492E9182}"/>
+              </a:ext>
+            </a:extLst>
+          </p:cNvPr>
+          <p:cNvGrpSpPr/>
+          <p:nvPr/>
+        </p:nvGrpSpPr>
+        <p:grpSpPr>
+          <a:xfrm>
+            <a:off x="-1" y="1818186"/>
+            <a:ext cx="9906001" cy="3938434"/>
+            <a:chOff x="-1" y="1772816"/>
+            <a:chExt cx="9906001" cy="3938434"/>
+          </a:xfrm>
+        </p:grpSpPr>
+        <p:pic>
+          <p:nvPicPr>
+            <p:cNvPr id="9" name="그림 8">
+              <a:extLst>
+                <a:ext uri="{FF2B5EF4-FFF2-40B4-BE49-F238E27FC236}">
+                  <a16:creationId xmlns:a16="http://schemas.microsoft.com/office/drawing/2014/main" id="{7BDDA750-5FD8-49D6-9ADC-7C11355CC23F}"/>
+                </a:ext>
+              </a:extLst>
+            </p:cNvPr>
+            <p:cNvPicPr>
+              <a:picLocks noChangeAspect="1"/>
+            </p:cNvPicPr>
+            <p:nvPr/>
+          </p:nvPicPr>
+          <p:blipFill>
+            <a:blip r:embed="rId3"/>
+            <a:stretch>
+              <a:fillRect/>
+            </a:stretch>
+          </p:blipFill>
+          <p:spPr>
+            <a:xfrm>
+              <a:off x="-1" y="1772816"/>
+              <a:ext cx="9906001" cy="3938434"/>
+            </a:xfrm>
+            <a:prstGeom prst="rect">
+              <a:avLst/>
+            </a:prstGeom>
+          </p:spPr>
+        </p:pic>
+        <p:sp>
+          <p:nvSpPr>
+            <p:cNvPr id="10" name="직사각형 9">
+              <a:extLst>
+                <a:ext uri="{FF2B5EF4-FFF2-40B4-BE49-F238E27FC236}">
+                  <a16:creationId xmlns:a16="http://schemas.microsoft.com/office/drawing/2014/main" id="{2E8E767D-AE8E-44FD-A254-EFCDCDBA18AC}"/>
+                </a:ext>
+              </a:extLst>
+            </p:cNvPr>
+            <p:cNvSpPr/>
+            <p:nvPr/>
+          </p:nvSpPr>
+          <p:spPr>
+            <a:xfrm>
+              <a:off x="8390178" y="4797152"/>
+              <a:ext cx="883302" cy="432048"/>
+            </a:xfrm>
+            <a:prstGeom prst="rect">
+              <a:avLst/>
+            </a:prstGeom>
+            <a:noFill/>
+            <a:ln>
+              <a:solidFill>
+                <a:srgbClr val="FF0000"/>
+              </a:solidFill>
+            </a:ln>
+          </p:spPr>
+          <p:style>
+            <a:lnRef idx="2">
+              <a:schemeClr val="accent1">
+                <a:shade val="50000"/>
+              </a:schemeClr>
+            </a:lnRef>
+            <a:fillRef idx="1">
+              <a:schemeClr val="accent1"/>
+            </a:fillRef>
+            <a:effectRef idx="0">
+              <a:schemeClr val="accent1"/>
+            </a:effectRef>
+            <a:fontRef idx="minor">
+              <a:schemeClr val="lt1"/>
+            </a:fontRef>
+          </p:style>
+          <p:txBody>
+            <a:bodyPr rtlCol="0" anchor="ctr"/>
+            <a:lstStyle/>
+            <a:p>
+              <a:pPr algn="ctr"/>
+              <a:endParaRPr lang="ko-KR" altLang="en-US"/>
+            </a:p>
+          </p:txBody>
+        </p:sp>
+      </p:grpSp>
+      <p:sp>
+        <p:nvSpPr>
+          <p:cNvPr id="13" name="TextBox 12">
+            <a:extLst>
+              <a:ext uri="{FF2B5EF4-FFF2-40B4-BE49-F238E27FC236}">
+                <a16:creationId xmlns:a16="http://schemas.microsoft.com/office/drawing/2014/main" id="{61820591-4E9C-42E7-A111-B03C314C3ECB}"/>
+              </a:ext>
+            </a:extLst>
+          </p:cNvPr>
+          <p:cNvSpPr txBox="1"/>
+          <p:nvPr/>
+        </p:nvSpPr>
+        <p:spPr>
+          <a:xfrm>
+            <a:off x="344488" y="1101380"/>
+            <a:ext cx="9217024" cy="323165"/>
+          </a:xfrm>
+          <a:prstGeom prst="rect">
+            <a:avLst/>
+          </a:prstGeom>
+          <a:noFill/>
+        </p:spPr>
+        <p:txBody>
+          <a:bodyPr wrap="square" rtlCol="0">
+            <a:spAutoFit/>
+          </a:bodyPr>
+          <a:lstStyle/>
+          <a:p>
+            <a:pPr latinLnBrk="1"/>
+            <a:r>
+              <a:rPr lang="en-US" altLang="ko-KR" sz="1500" b="1" dirty="0">
+                <a:solidFill>
+                  <a:srgbClr val="11264F"/>
+                </a:solidFill>
+              </a:rPr>
+              <a:t>2. </a:t>
+            </a:r>
+            <a:r>
+              <a:rPr lang="ko-KR" altLang="en-US" sz="1500" b="1" dirty="0">
+                <a:solidFill>
+                  <a:srgbClr val="11264F"/>
+                </a:solidFill>
+              </a:rPr>
+              <a:t>다운받을 파일을 누르면 아래와 같은 화면이 나오며 </a:t>
+            </a:r>
+            <a:r>
+              <a:rPr lang="en-US" altLang="ko-KR" sz="1500" b="1" dirty="0">
+                <a:solidFill>
+                  <a:srgbClr val="11264F"/>
+                </a:solidFill>
+              </a:rPr>
+              <a:t>Download</a:t>
+            </a:r>
+            <a:r>
+              <a:rPr lang="ko-KR" altLang="en-US" sz="1500" b="1" dirty="0">
+                <a:solidFill>
+                  <a:srgbClr val="11264F"/>
+                </a:solidFill>
+              </a:rPr>
+              <a:t>를 누르면 내컴퓨터에 저장됨</a:t>
+            </a:r>
+            <a:endParaRPr lang="en-US" altLang="ko-KR" sz="1500" b="1" dirty="0">
+              <a:solidFill>
+                <a:srgbClr val="11264F"/>
+              </a:solidFill>
+            </a:endParaRPr>
+          </a:p>
+        </p:txBody>
+      </p:sp>
+      <p:pic>
+        <p:nvPicPr>
+          <p:cNvPr id="14" name="그림 13">
+            <a:extLst>
+              <a:ext uri="{FF2B5EF4-FFF2-40B4-BE49-F238E27FC236}">
+                <a16:creationId xmlns:a16="http://schemas.microsoft.com/office/drawing/2014/main" id="{53C7F734-A574-47E9-A47B-AE0A1FFED3D2}"/>
+              </a:ext>
+            </a:extLst>
+          </p:cNvPr>
+          <p:cNvPicPr>
+            <a:picLocks noChangeAspect="1"/>
+          </p:cNvPicPr>
+          <p:nvPr/>
+        </p:nvPicPr>
+        <p:blipFill>
+          <a:blip r:embed="rId4"/>
+          <a:stretch>
+            <a:fillRect/>
+          </a:stretch>
+        </p:blipFill>
+        <p:spPr>
+          <a:xfrm>
+            <a:off x="3584848" y="4286456"/>
+            <a:ext cx="4322653" cy="2406005"/>
+          </a:xfrm>
+          <a:prstGeom prst="rect">
+            <a:avLst/>
+          </a:prstGeom>
+        </p:spPr>
+      </p:pic>
+      <p:cxnSp>
+        <p:nvCxnSpPr>
+          <p:cNvPr id="18" name="직선 화살표 연결선 17">
+            <a:extLst>
+              <a:ext uri="{FF2B5EF4-FFF2-40B4-BE49-F238E27FC236}">
+                <a16:creationId xmlns:a16="http://schemas.microsoft.com/office/drawing/2014/main" id="{F1986DBA-CFC5-4058-8FBA-492AF172510F}"/>
+              </a:ext>
+            </a:extLst>
+          </p:cNvPr>
+          <p:cNvCxnSpPr>
+            <a:cxnSpLocks/>
+            <a:stCxn id="10" idx="1"/>
+          </p:cNvCxnSpPr>
+          <p:nvPr/>
+        </p:nvCxnSpPr>
+        <p:spPr>
+          <a:xfrm flipH="1">
+            <a:off x="7907501" y="5058546"/>
+            <a:ext cx="482677" cy="108012"/>
+          </a:xfrm>
+          <a:prstGeom prst="straightConnector1">
+            <a:avLst/>
+          </a:prstGeom>
+          <a:ln w="28575">
+            <a:solidFill>
+              <a:srgbClr val="FF0000"/>
+            </a:solidFill>
+            <a:tailEnd type="triangle"/>
+          </a:ln>
+        </p:spPr>
+        <p:style>
+          <a:lnRef idx="1">
+            <a:schemeClr val="accent1"/>
+          </a:lnRef>
+          <a:fillRef idx="0">
+            <a:schemeClr val="accent1"/>
+          </a:fillRef>
+          <a:effectRef idx="0">
+            <a:schemeClr val="accent1"/>
+          </a:effectRef>
+          <a:fontRef idx="minor">
+            <a:schemeClr val="tx1"/>
+          </a:fontRef>
+        </p:style>
+      </p:cxnSp>
+    </p:spTree>
+    <p:extLst>
+      <p:ext uri="{BB962C8B-B14F-4D97-AF65-F5344CB8AC3E}">
+        <p14:creationId xmlns:p14="http://schemas.microsoft.com/office/powerpoint/2010/main" val="3030557361"/>
+      </p:ext>
+    </p:extLst>
+  </p:cSld>
+  <p:clrMapOvr>
+    <a:masterClrMapping/>
+  </p:clrMapOvr>
+</p:sld>
+</file>
+
+<file path=ppt/slides/slide5.xml><?xml version="1.0" encoding="utf-8"?>
 <p:sld xmlns:a="http://schemas.openxmlformats.org/drawingml/2006/main" xmlns:r="http://schemas.openxmlformats.org/officeDocument/2006/relationships" xmlns:p="http://schemas.openxmlformats.org/presentationml/2006/main">
   <p:cSld>
     <p:spTree>
@@ -10036,12 +12604,34 @@
               <a:r>
                 <a:rPr lang="en-US" altLang="ko-KR" sz="2000" b="1" dirty="0">
                   <a:solidFill>
+                    <a:srgbClr val="DDDDDD"/>
+                  </a:solidFill>
+                  <a:latin typeface="+mn-ea"/>
+                  <a:ea typeface="+mn-ea"/>
+                </a:rPr>
+                <a:t>01</a:t>
+              </a:r>
+              <a:r>
+                <a:rPr lang="en-US" altLang="ko-KR" sz="2000" b="1" dirty="0">
+                  <a:solidFill>
                     <a:srgbClr val="11264F"/>
                   </a:solidFill>
                   <a:latin typeface="+mn-ea"/>
                   <a:ea typeface="+mn-ea"/>
                 </a:rPr>
-                <a:t>01 </a:t>
+                <a:t>  02</a:t>
+              </a:r>
+              <a:r>
+                <a:rPr lang="en-US" altLang="ko-KR" sz="2000" b="1" dirty="0">
+                  <a:solidFill>
+                    <a:schemeClr val="bg1">
+                      <a:lumMod val="75000"/>
+                    </a:schemeClr>
+                  </a:solidFill>
+                  <a:latin typeface="+mn-ea"/>
+                  <a:ea typeface="+mn-ea"/>
+                </a:rPr>
+                <a:t> </a:t>
               </a:r>
               <a:r>
                 <a:rPr lang="ko-KR" altLang="en-US" sz="2000" b="1" dirty="0">
@@ -10073,7 +12663,7 @@
                   <a:latin typeface="+mn-ea"/>
                   <a:ea typeface="+mn-ea"/>
                 </a:rPr>
-                <a:t>02</a:t>
+                <a:t>03</a:t>
               </a:r>
               <a:endParaRPr lang="en-US" sz="2000" b="1" dirty="0">
                 <a:solidFill>
@@ -10241,7 +12831,7 @@
           <p:cNvPr id="41" name="그림 40">
             <a:extLst>
               <a:ext uri="{FF2B5EF4-FFF2-40B4-BE49-F238E27FC236}">
-                <a16:creationId xmlns:a16="http://schemas.microsoft.com/office/drawing/2014/main" xmlns="" id="{B8BE3C7F-B39A-4130-88C3-BFD585115CC5}"/>
+                <a16:creationId xmlns:a16="http://schemas.microsoft.com/office/drawing/2014/main" id="{B8BE3C7F-B39A-4130-88C3-BFD585115CC5}"/>
               </a:ext>
             </a:extLst>
           </p:cNvPr>
@@ -10276,7 +12866,7 @@
           <p:cNvPr id="44" name="그림 43">
             <a:extLst>
               <a:ext uri="{FF2B5EF4-FFF2-40B4-BE49-F238E27FC236}">
-                <a16:creationId xmlns:a16="http://schemas.microsoft.com/office/drawing/2014/main" xmlns="" id="{8F6688E9-4057-48B5-81DC-71758C7DC44D}"/>
+                <a16:creationId xmlns:a16="http://schemas.microsoft.com/office/drawing/2014/main" id="{8F6688E9-4057-48B5-81DC-71758C7DC44D}"/>
               </a:ext>
             </a:extLst>
           </p:cNvPr>
@@ -10293,7 +12883,7 @@
         </p:blipFill>
         <p:spPr>
           <a:xfrm>
-            <a:off x="4953000" y="1681364"/>
+            <a:off x="4953000" y="1710671"/>
             <a:ext cx="4033371" cy="4284476"/>
           </a:xfrm>
           <a:prstGeom prst="rect">
@@ -10311,7 +12901,7 @@
           <p:cNvPr id="56" name="TextBox 55">
             <a:extLst>
               <a:ext uri="{FF2B5EF4-FFF2-40B4-BE49-F238E27FC236}">
-                <a16:creationId xmlns:a16="http://schemas.microsoft.com/office/drawing/2014/main" xmlns="" id="{1A384241-A3FF-4CDE-813C-7EAAEE54DD45}"/>
+                <a16:creationId xmlns:a16="http://schemas.microsoft.com/office/drawing/2014/main" id="{1A384241-A3FF-4CDE-813C-7EAAEE54DD45}"/>
               </a:ext>
             </a:extLst>
           </p:cNvPr>
@@ -10375,7 +12965,7 @@
           <p:cNvPr id="58" name="TextBox 57">
             <a:extLst>
               <a:ext uri="{FF2B5EF4-FFF2-40B4-BE49-F238E27FC236}">
-                <a16:creationId xmlns:a16="http://schemas.microsoft.com/office/drawing/2014/main" xmlns="" id="{86807C37-6F6F-4911-AE79-F838F3D6BD37}"/>
+                <a16:creationId xmlns:a16="http://schemas.microsoft.com/office/drawing/2014/main" id="{86807C37-6F6F-4911-AE79-F838F3D6BD37}"/>
               </a:ext>
             </a:extLst>
           </p:cNvPr>
@@ -10431,7 +13021,7 @@
 </p:sld>
 </file>
 
-<file path=ppt/slides/slide4.xml><?xml version="1.0" encoding="utf-8"?>
+<file path=ppt/slides/slide6.xml><?xml version="1.0" encoding="utf-8"?>
 <p:sld xmlns:a="http://schemas.openxmlformats.org/drawingml/2006/main" xmlns:r="http://schemas.openxmlformats.org/officeDocument/2006/relationships" xmlns:p="http://schemas.openxmlformats.org/presentationml/2006/main">
   <p:cSld>
     <p:spTree>
@@ -10453,7 +13043,7 @@
           <p:cNvPr id="2" name="그림 1">
             <a:extLst>
               <a:ext uri="{FF2B5EF4-FFF2-40B4-BE49-F238E27FC236}">
-                <a16:creationId xmlns:a16="http://schemas.microsoft.com/office/drawing/2014/main" xmlns="" id="{C550C18B-DADD-4B30-9B0F-DB777490F52D}"/>
+                <a16:creationId xmlns:a16="http://schemas.microsoft.com/office/drawing/2014/main" id="{C550C18B-DADD-4B30-9B0F-DB777490F52D}"/>
               </a:ext>
             </a:extLst>
           </p:cNvPr>
@@ -10483,7 +13073,7 @@
           <p:cNvPr id="9" name="그룹 8">
             <a:extLst>
               <a:ext uri="{FF2B5EF4-FFF2-40B4-BE49-F238E27FC236}">
-                <a16:creationId xmlns:a16="http://schemas.microsoft.com/office/drawing/2014/main" xmlns="" id="{177BA621-630C-4E02-941B-76EBF50EDC71}"/>
+                <a16:creationId xmlns:a16="http://schemas.microsoft.com/office/drawing/2014/main" id="{177BA621-630C-4E02-941B-76EBF50EDC71}"/>
               </a:ext>
             </a:extLst>
           </p:cNvPr>
@@ -10492,7 +13082,7 @@
         </p:nvGrpSpPr>
         <p:grpSpPr>
           <a:xfrm>
-            <a:off x="4664968" y="1701328"/>
+            <a:off x="4664968" y="2132856"/>
             <a:ext cx="4953000" cy="2759224"/>
             <a:chOff x="3730572" y="3014079"/>
             <a:chExt cx="6143033" cy="3526915"/>
@@ -10503,7 +13093,7 @@
             <p:cNvPr id="7" name="그림 6">
               <a:extLst>
                 <a:ext uri="{FF2B5EF4-FFF2-40B4-BE49-F238E27FC236}">
-                  <a16:creationId xmlns:a16="http://schemas.microsoft.com/office/drawing/2014/main" xmlns="" id="{B7BC5FCC-4DAE-4106-9344-BA07970AA004}"/>
+                  <a16:creationId xmlns:a16="http://schemas.microsoft.com/office/drawing/2014/main" id="{B7BC5FCC-4DAE-4106-9344-BA07970AA004}"/>
                 </a:ext>
               </a:extLst>
             </p:cNvPr>
@@ -10533,7 +13123,7 @@
             <p:cNvPr id="8" name="직사각형 7">
               <a:extLst>
                 <a:ext uri="{FF2B5EF4-FFF2-40B4-BE49-F238E27FC236}">
-                  <a16:creationId xmlns:a16="http://schemas.microsoft.com/office/drawing/2014/main" xmlns="" id="{2FE1D9EF-1DE9-4E70-9FFA-9874BB75D7A8}"/>
+                  <a16:creationId xmlns:a16="http://schemas.microsoft.com/office/drawing/2014/main" id="{2FE1D9EF-1DE9-4E70-9FFA-9874BB75D7A8}"/>
                 </a:ext>
               </a:extLst>
             </p:cNvPr>
@@ -10586,7 +13176,7 @@
           <p:cNvPr id="14" name="TextBox 13">
             <a:extLst>
               <a:ext uri="{FF2B5EF4-FFF2-40B4-BE49-F238E27FC236}">
-                <a16:creationId xmlns:a16="http://schemas.microsoft.com/office/drawing/2014/main" xmlns="" id="{7C18D962-6ED0-422C-87F7-003B393B071A}"/>
+                <a16:creationId xmlns:a16="http://schemas.microsoft.com/office/drawing/2014/main" id="{7C18D962-6ED0-422C-87F7-003B393B071A}"/>
               </a:ext>
             </a:extLst>
           </p:cNvPr>
@@ -10650,7 +13240,7 @@
           <p:cNvPr id="15" name="TextBox 14">
             <a:extLst>
               <a:ext uri="{FF2B5EF4-FFF2-40B4-BE49-F238E27FC236}">
-                <a16:creationId xmlns:a16="http://schemas.microsoft.com/office/drawing/2014/main" xmlns="" id="{346A606B-B5AC-4BED-932D-F2BD5FAA4ABA}"/>
+                <a16:creationId xmlns:a16="http://schemas.microsoft.com/office/drawing/2014/main" id="{346A606B-B5AC-4BED-932D-F2BD5FAA4ABA}"/>
               </a:ext>
             </a:extLst>
           </p:cNvPr>
@@ -10724,10 +13314,10 @@
       </p:sp>
       <p:grpSp>
         <p:nvGrpSpPr>
-          <p:cNvPr id="53" name="그룹 52">
+          <p:cNvPr id="16" name="그룹 15">
             <a:extLst>
               <a:ext uri="{FF2B5EF4-FFF2-40B4-BE49-F238E27FC236}">
-                <a16:creationId xmlns:a16="http://schemas.microsoft.com/office/drawing/2014/main" xmlns="" id="{8DEF6E9B-EDCA-4C2A-BE66-475BA1698808}"/>
+                <a16:creationId xmlns:a16="http://schemas.microsoft.com/office/drawing/2014/main" id="{51532586-26A6-4708-AD5C-968725A67EEB}"/>
               </a:ext>
             </a:extLst>
           </p:cNvPr>
@@ -10744,10 +13334,10 @@
         </p:grpSpPr>
         <p:sp>
           <p:nvSpPr>
-            <p:cNvPr id="54" name="직사각형 53">
+            <p:cNvPr id="17" name="직사각형 16">
               <a:extLst>
                 <a:ext uri="{FF2B5EF4-FFF2-40B4-BE49-F238E27FC236}">
-                  <a16:creationId xmlns:a16="http://schemas.microsoft.com/office/drawing/2014/main" xmlns="" id="{BC729360-BDEC-4436-A08A-1D43150F62CC}"/>
+                  <a16:creationId xmlns:a16="http://schemas.microsoft.com/office/drawing/2014/main" id="{2F23E712-E9CE-4F8A-820A-CEE4B4A85C0B}"/>
                 </a:ext>
               </a:extLst>
             </p:cNvPr>
@@ -10798,10 +13388,10 @@
         </p:sp>
         <p:sp>
           <p:nvSpPr>
-            <p:cNvPr id="55" name="제목 1">
+            <p:cNvPr id="18" name="제목 1">
               <a:extLst>
                 <a:ext uri="{FF2B5EF4-FFF2-40B4-BE49-F238E27FC236}">
-                  <a16:creationId xmlns:a16="http://schemas.microsoft.com/office/drawing/2014/main" xmlns="" id="{A2663D3F-32C8-4DAB-963A-0B4099F77292}"/>
+                  <a16:creationId xmlns:a16="http://schemas.microsoft.com/office/drawing/2014/main" id="{0A812D39-323D-4A91-847B-5F6B6ECB5C0F}"/>
                 </a:ext>
               </a:extLst>
             </p:cNvPr>
@@ -10922,12 +13512,34 @@
               <a:r>
                 <a:rPr lang="en-US" altLang="ko-KR" sz="2000" b="1" dirty="0">
                   <a:solidFill>
+                    <a:srgbClr val="DDDDDD"/>
+                  </a:solidFill>
+                  <a:latin typeface="+mn-ea"/>
+                  <a:ea typeface="+mn-ea"/>
+                </a:rPr>
+                <a:t>01</a:t>
+              </a:r>
+              <a:r>
+                <a:rPr lang="en-US" altLang="ko-KR" sz="2000" b="1" dirty="0">
+                  <a:solidFill>
                     <a:srgbClr val="11264F"/>
                   </a:solidFill>
                   <a:latin typeface="+mn-ea"/>
                   <a:ea typeface="+mn-ea"/>
                 </a:rPr>
-                <a:t>01 </a:t>
+                <a:t>  02</a:t>
+              </a:r>
+              <a:r>
+                <a:rPr lang="en-US" altLang="ko-KR" sz="2000" b="1" dirty="0">
+                  <a:solidFill>
+                    <a:schemeClr val="bg1">
+                      <a:lumMod val="75000"/>
+                    </a:schemeClr>
+                  </a:solidFill>
+                  <a:latin typeface="+mn-ea"/>
+                  <a:ea typeface="+mn-ea"/>
+                </a:rPr>
+                <a:t> </a:t>
               </a:r>
               <a:r>
                 <a:rPr lang="ko-KR" altLang="en-US" sz="2000" b="1" dirty="0">
@@ -10959,7 +13571,7 @@
                   <a:latin typeface="+mn-ea"/>
                   <a:ea typeface="+mn-ea"/>
                 </a:rPr>
-                <a:t>02</a:t>
+                <a:t>03</a:t>
               </a:r>
               <a:endParaRPr lang="en-US" sz="2000" b="1" dirty="0">
                 <a:solidFill>
@@ -10975,10 +13587,10 @@
         </p:sp>
         <p:grpSp>
           <p:nvGrpSpPr>
-            <p:cNvPr id="56" name="그룹 55">
+            <p:cNvPr id="19" name="그룹 18">
               <a:extLst>
                 <a:ext uri="{FF2B5EF4-FFF2-40B4-BE49-F238E27FC236}">
-                  <a16:creationId xmlns:a16="http://schemas.microsoft.com/office/drawing/2014/main" xmlns="" id="{ADB40229-E365-4DB2-AFD3-D2F93B0D6272}"/>
+                  <a16:creationId xmlns:a16="http://schemas.microsoft.com/office/drawing/2014/main" id="{C4C750D1-E637-4350-9DF4-A34BE1746183}"/>
                 </a:ext>
               </a:extLst>
             </p:cNvPr>
@@ -10995,10 +13607,10 @@
           </p:grpSpPr>
           <p:sp>
             <p:nvSpPr>
-              <p:cNvPr id="57" name="이등변 삼각형 56">
+              <p:cNvPr id="20" name="이등변 삼각형 19">
                 <a:extLst>
                   <a:ext uri="{FF2B5EF4-FFF2-40B4-BE49-F238E27FC236}">
-                    <a16:creationId xmlns:a16="http://schemas.microsoft.com/office/drawing/2014/main" xmlns="" id="{B247566E-773F-4CBD-9F55-6BF595220F42}"/>
+                    <a16:creationId xmlns:a16="http://schemas.microsoft.com/office/drawing/2014/main" id="{1E851001-7869-4D33-8B15-1408D021846E}"/>
                   </a:ext>
                 </a:extLst>
               </p:cNvPr>
@@ -11049,10 +13661,10 @@
           </p:sp>
           <p:sp>
             <p:nvSpPr>
-              <p:cNvPr id="58" name="직사각형 57">
+              <p:cNvPr id="21" name="직사각형 20">
                 <a:extLst>
                   <a:ext uri="{FF2B5EF4-FFF2-40B4-BE49-F238E27FC236}">
-                    <a16:creationId xmlns:a16="http://schemas.microsoft.com/office/drawing/2014/main" xmlns="" id="{39E7FCFD-6AD3-46F7-BCF4-5529F977A0F1}"/>
+                    <a16:creationId xmlns:a16="http://schemas.microsoft.com/office/drawing/2014/main" id="{2DAF459E-7D40-4A39-8BAD-F3086B1C0E1F}"/>
                   </a:ext>
                 </a:extLst>
               </p:cNvPr>
@@ -11103,10 +13715,10 @@
           </p:sp>
           <p:sp>
             <p:nvSpPr>
-              <p:cNvPr id="59" name="직사각형 58">
+              <p:cNvPr id="22" name="직사각형 21">
                 <a:extLst>
                   <a:ext uri="{FF2B5EF4-FFF2-40B4-BE49-F238E27FC236}">
-                    <a16:creationId xmlns:a16="http://schemas.microsoft.com/office/drawing/2014/main" xmlns="" id="{A42CA307-85BB-4963-B77D-D214A8F41A27}"/>
+                    <a16:creationId xmlns:a16="http://schemas.microsoft.com/office/drawing/2014/main" id="{7EA3F4C3-FFB4-4773-9BBC-C3F9880BE339}"/>
                   </a:ext>
                 </a:extLst>
               </p:cNvPr>
@@ -11159,7 +13771,7 @@
 </p:sld>
 </file>
 
-<file path=ppt/slides/slide5.xml><?xml version="1.0" encoding="utf-8"?>
+<file path=ppt/slides/slide7.xml><?xml version="1.0" encoding="utf-8"?>
 <p:sld xmlns:a="http://schemas.openxmlformats.org/drawingml/2006/main" xmlns:r="http://schemas.openxmlformats.org/officeDocument/2006/relationships" xmlns:p="http://schemas.openxmlformats.org/presentationml/2006/main">
   <p:cSld>
     <p:spTree>
@@ -11181,7 +13793,7 @@
           <p:cNvPr id="13" name="TextBox 12">
             <a:extLst>
               <a:ext uri="{FF2B5EF4-FFF2-40B4-BE49-F238E27FC236}">
-                <a16:creationId xmlns:a16="http://schemas.microsoft.com/office/drawing/2014/main" xmlns="" id="{C5A2756D-5C19-4155-BF42-378BD47D3CF1}"/>
+                <a16:creationId xmlns:a16="http://schemas.microsoft.com/office/drawing/2014/main" id="{C5A2756D-5C19-4155-BF42-378BD47D3CF1}"/>
               </a:ext>
             </a:extLst>
           </p:cNvPr>
@@ -11356,7 +13968,7 @@
           <p:cNvPr id="18" name="그룹 17">
             <a:extLst>
               <a:ext uri="{FF2B5EF4-FFF2-40B4-BE49-F238E27FC236}">
-                <a16:creationId xmlns:a16="http://schemas.microsoft.com/office/drawing/2014/main" xmlns="" id="{786C06FE-CCA5-41B1-94E1-F6C39534F116}"/>
+                <a16:creationId xmlns:a16="http://schemas.microsoft.com/office/drawing/2014/main" id="{786C06FE-CCA5-41B1-94E1-F6C39534F116}"/>
               </a:ext>
             </a:extLst>
           </p:cNvPr>
@@ -11376,7 +13988,7 @@
             <p:cNvPr id="3" name="그림 2">
               <a:extLst>
                 <a:ext uri="{FF2B5EF4-FFF2-40B4-BE49-F238E27FC236}">
-                  <a16:creationId xmlns:a16="http://schemas.microsoft.com/office/drawing/2014/main" xmlns="" id="{0A0CBED6-384C-4759-91C2-3EE23F971AC6}"/>
+                  <a16:creationId xmlns:a16="http://schemas.microsoft.com/office/drawing/2014/main" id="{0A0CBED6-384C-4759-91C2-3EE23F971AC6}"/>
                 </a:ext>
               </a:extLst>
             </p:cNvPr>
@@ -11406,7 +14018,7 @@
             <p:cNvPr id="17" name="TextBox 16">
               <a:extLst>
                 <a:ext uri="{FF2B5EF4-FFF2-40B4-BE49-F238E27FC236}">
-                  <a16:creationId xmlns:a16="http://schemas.microsoft.com/office/drawing/2014/main" xmlns="" id="{81B0CDFE-8C63-494E-87A8-9AB803C21D69}"/>
+                  <a16:creationId xmlns:a16="http://schemas.microsoft.com/office/drawing/2014/main" id="{81B0CDFE-8C63-494E-87A8-9AB803C21D69}"/>
                 </a:ext>
               </a:extLst>
             </p:cNvPr>
@@ -11455,7 +14067,7 @@
           <p:cNvPr id="22" name="그룹 21">
             <a:extLst>
               <a:ext uri="{FF2B5EF4-FFF2-40B4-BE49-F238E27FC236}">
-                <a16:creationId xmlns:a16="http://schemas.microsoft.com/office/drawing/2014/main" xmlns="" id="{CE2EDAE3-BC71-4B49-A96C-57F614B0EF80}"/>
+                <a16:creationId xmlns:a16="http://schemas.microsoft.com/office/drawing/2014/main" id="{CE2EDAE3-BC71-4B49-A96C-57F614B0EF80}"/>
               </a:ext>
             </a:extLst>
           </p:cNvPr>
@@ -11475,7 +14087,7 @@
             <p:cNvPr id="19" name="그룹 18">
               <a:extLst>
                 <a:ext uri="{FF2B5EF4-FFF2-40B4-BE49-F238E27FC236}">
-                  <a16:creationId xmlns:a16="http://schemas.microsoft.com/office/drawing/2014/main" xmlns="" id="{51DC08F2-4193-4210-8849-AA5E6A09F09C}"/>
+                  <a16:creationId xmlns:a16="http://schemas.microsoft.com/office/drawing/2014/main" id="{51DC08F2-4193-4210-8849-AA5E6A09F09C}"/>
                 </a:ext>
               </a:extLst>
             </p:cNvPr>
@@ -11495,7 +14107,7 @@
               <p:cNvPr id="20" name="그림 19">
                 <a:extLst>
                   <a:ext uri="{FF2B5EF4-FFF2-40B4-BE49-F238E27FC236}">
-                    <a16:creationId xmlns:a16="http://schemas.microsoft.com/office/drawing/2014/main" xmlns="" id="{228A02C3-30CC-4523-9CA5-CE6A34B640AF}"/>
+                    <a16:creationId xmlns:a16="http://schemas.microsoft.com/office/drawing/2014/main" id="{228A02C3-30CC-4523-9CA5-CE6A34B640AF}"/>
                   </a:ext>
                 </a:extLst>
               </p:cNvPr>
@@ -11525,7 +14137,7 @@
               <p:cNvPr id="21" name="직사각형 20">
                 <a:extLst>
                   <a:ext uri="{FF2B5EF4-FFF2-40B4-BE49-F238E27FC236}">
-                    <a16:creationId xmlns:a16="http://schemas.microsoft.com/office/drawing/2014/main" xmlns="" id="{06920AAD-144F-49E0-917C-657C9D2F08F7}"/>
+                    <a16:creationId xmlns:a16="http://schemas.microsoft.com/office/drawing/2014/main" id="{06920AAD-144F-49E0-917C-657C9D2F08F7}"/>
                   </a:ext>
                 </a:extLst>
               </p:cNvPr>
@@ -11578,7 +14190,7 @@
             <p:cNvPr id="30" name="TextBox 29">
               <a:extLst>
                 <a:ext uri="{FF2B5EF4-FFF2-40B4-BE49-F238E27FC236}">
-                  <a16:creationId xmlns:a16="http://schemas.microsoft.com/office/drawing/2014/main" xmlns="" id="{3107A09C-FEDE-405E-A73C-CB2ABF4FE031}"/>
+                  <a16:creationId xmlns:a16="http://schemas.microsoft.com/office/drawing/2014/main" id="{3107A09C-FEDE-405E-A73C-CB2ABF4FE031}"/>
                 </a:ext>
               </a:extLst>
             </p:cNvPr>
@@ -11627,7 +14239,7 @@
           <p:cNvPr id="16" name="그룹 15">
             <a:extLst>
               <a:ext uri="{FF2B5EF4-FFF2-40B4-BE49-F238E27FC236}">
-                <a16:creationId xmlns:a16="http://schemas.microsoft.com/office/drawing/2014/main" xmlns="" id="{3C51FF6E-8B2D-4F80-B915-938D4A71B67F}"/>
+                <a16:creationId xmlns:a16="http://schemas.microsoft.com/office/drawing/2014/main" id="{3C51FF6E-8B2D-4F80-B915-938D4A71B67F}"/>
               </a:ext>
             </a:extLst>
           </p:cNvPr>
@@ -11647,7 +14259,7 @@
             <p:cNvPr id="14" name="그림 13">
               <a:extLst>
                 <a:ext uri="{FF2B5EF4-FFF2-40B4-BE49-F238E27FC236}">
-                  <a16:creationId xmlns:a16="http://schemas.microsoft.com/office/drawing/2014/main" xmlns="" id="{30530146-4BC9-4B82-AAF1-E05C7B9D0ADD}"/>
+                  <a16:creationId xmlns:a16="http://schemas.microsoft.com/office/drawing/2014/main" id="{30530146-4BC9-4B82-AAF1-E05C7B9D0ADD}"/>
                 </a:ext>
               </a:extLst>
             </p:cNvPr>
@@ -11677,7 +14289,7 @@
             <p:cNvPr id="15" name="직사각형 14">
               <a:extLst>
                 <a:ext uri="{FF2B5EF4-FFF2-40B4-BE49-F238E27FC236}">
-                  <a16:creationId xmlns:a16="http://schemas.microsoft.com/office/drawing/2014/main" xmlns="" id="{ACA2DB97-ADBF-4515-8D52-E90958D04FA9}"/>
+                  <a16:creationId xmlns:a16="http://schemas.microsoft.com/office/drawing/2014/main" id="{ACA2DB97-ADBF-4515-8D52-E90958D04FA9}"/>
                 </a:ext>
               </a:extLst>
             </p:cNvPr>
@@ -11727,10 +14339,10 @@
       </p:grpSp>
       <p:grpSp>
         <p:nvGrpSpPr>
-          <p:cNvPr id="53" name="그룹 52">
+          <p:cNvPr id="23" name="그룹 22">
             <a:extLst>
               <a:ext uri="{FF2B5EF4-FFF2-40B4-BE49-F238E27FC236}">
-                <a16:creationId xmlns:a16="http://schemas.microsoft.com/office/drawing/2014/main" xmlns="" id="{760752C7-5C49-4FC2-97BF-1CD4EFF57F1B}"/>
+                <a16:creationId xmlns:a16="http://schemas.microsoft.com/office/drawing/2014/main" id="{E3C3A0AB-148A-4427-B24C-A237D3ED19CE}"/>
               </a:ext>
             </a:extLst>
           </p:cNvPr>
@@ -11747,10 +14359,10 @@
         </p:grpSpPr>
         <p:sp>
           <p:nvSpPr>
-            <p:cNvPr id="54" name="직사각형 53">
+            <p:cNvPr id="24" name="직사각형 23">
               <a:extLst>
                 <a:ext uri="{FF2B5EF4-FFF2-40B4-BE49-F238E27FC236}">
-                  <a16:creationId xmlns:a16="http://schemas.microsoft.com/office/drawing/2014/main" xmlns="" id="{094ADD95-97A9-4840-B20D-0E1060E2B3FB}"/>
+                  <a16:creationId xmlns:a16="http://schemas.microsoft.com/office/drawing/2014/main" id="{3BF88287-CAF4-4DE3-8D40-C1A11406CA5B}"/>
                 </a:ext>
               </a:extLst>
             </p:cNvPr>
@@ -11801,10 +14413,10 @@
         </p:sp>
         <p:sp>
           <p:nvSpPr>
-            <p:cNvPr id="55" name="제목 1">
+            <p:cNvPr id="25" name="제목 1">
               <a:extLst>
                 <a:ext uri="{FF2B5EF4-FFF2-40B4-BE49-F238E27FC236}">
-                  <a16:creationId xmlns:a16="http://schemas.microsoft.com/office/drawing/2014/main" xmlns="" id="{0C62F6D4-6ACE-4392-BB21-610A02AC9523}"/>
+                  <a16:creationId xmlns:a16="http://schemas.microsoft.com/office/drawing/2014/main" id="{47499B87-2074-45CC-895C-E9E7CFB4E862}"/>
                 </a:ext>
               </a:extLst>
             </p:cNvPr>
@@ -11925,12 +14537,34 @@
               <a:r>
                 <a:rPr lang="en-US" altLang="ko-KR" sz="2000" b="1" dirty="0">
                   <a:solidFill>
+                    <a:srgbClr val="DDDDDD"/>
+                  </a:solidFill>
+                  <a:latin typeface="+mn-ea"/>
+                  <a:ea typeface="+mn-ea"/>
+                </a:rPr>
+                <a:t>01</a:t>
+              </a:r>
+              <a:r>
+                <a:rPr lang="en-US" altLang="ko-KR" sz="2000" b="1" dirty="0">
+                  <a:solidFill>
                     <a:srgbClr val="11264F"/>
                   </a:solidFill>
                   <a:latin typeface="+mn-ea"/>
                   <a:ea typeface="+mn-ea"/>
                 </a:rPr>
-                <a:t>01 </a:t>
+                <a:t>  02</a:t>
+              </a:r>
+              <a:r>
+                <a:rPr lang="en-US" altLang="ko-KR" sz="2000" b="1" dirty="0">
+                  <a:solidFill>
+                    <a:schemeClr val="bg1">
+                      <a:lumMod val="75000"/>
+                    </a:schemeClr>
+                  </a:solidFill>
+                  <a:latin typeface="+mn-ea"/>
+                  <a:ea typeface="+mn-ea"/>
+                </a:rPr>
+                <a:t> </a:t>
               </a:r>
               <a:r>
                 <a:rPr lang="ko-KR" altLang="en-US" sz="2000" b="1" dirty="0">
@@ -11960,17 +14594,7 @@
                   <a:latin typeface="+mn-ea"/>
                   <a:ea typeface="+mn-ea"/>
                 </a:rPr>
-                <a:t>등록</a:t>
-              </a:r>
-              <a:r>
-                <a:rPr lang="en-US" altLang="ko-KR" sz="2000" b="1" dirty="0">
-                  <a:solidFill>
-                    <a:srgbClr val="11264F"/>
-                  </a:solidFill>
-                  <a:latin typeface="+mn-ea"/>
-                  <a:ea typeface="+mn-ea"/>
-                </a:rPr>
-                <a:t>  </a:t>
+                <a:t>등록  </a:t>
               </a:r>
               <a:r>
                 <a:rPr lang="en-US" altLang="ko-KR" sz="2000" b="1" dirty="0">
@@ -11982,17 +14606,26 @@
                   <a:latin typeface="+mn-ea"/>
                   <a:ea typeface="+mn-ea"/>
                 </a:rPr>
-                <a:t>02</a:t>
+                <a:t>03</a:t>
               </a:r>
+              <a:endParaRPr lang="en-US" sz="2000" b="1" dirty="0">
+                <a:solidFill>
+                  <a:schemeClr val="bg1">
+                    <a:lumMod val="75000"/>
+                  </a:schemeClr>
+                </a:solidFill>
+                <a:latin typeface="+mn-ea"/>
+                <a:ea typeface="+mn-ea"/>
+              </a:endParaRPr>
             </a:p>
           </p:txBody>
         </p:sp>
         <p:grpSp>
           <p:nvGrpSpPr>
-            <p:cNvPr id="56" name="그룹 55">
+            <p:cNvPr id="26" name="그룹 25">
               <a:extLst>
                 <a:ext uri="{FF2B5EF4-FFF2-40B4-BE49-F238E27FC236}">
-                  <a16:creationId xmlns:a16="http://schemas.microsoft.com/office/drawing/2014/main" xmlns="" id="{78EF075B-A44C-4209-A51C-EDCEFABD142F}"/>
+                  <a16:creationId xmlns:a16="http://schemas.microsoft.com/office/drawing/2014/main" id="{525737E0-D411-4A96-84EB-16A1E61780F7}"/>
                 </a:ext>
               </a:extLst>
             </p:cNvPr>
@@ -12009,10 +14642,10 @@
           </p:grpSpPr>
           <p:sp>
             <p:nvSpPr>
-              <p:cNvPr id="57" name="이등변 삼각형 56">
+              <p:cNvPr id="27" name="이등변 삼각형 26">
                 <a:extLst>
                   <a:ext uri="{FF2B5EF4-FFF2-40B4-BE49-F238E27FC236}">
-                    <a16:creationId xmlns:a16="http://schemas.microsoft.com/office/drawing/2014/main" xmlns="" id="{AD56D67C-86D2-4806-87BE-47899648F49A}"/>
+                    <a16:creationId xmlns:a16="http://schemas.microsoft.com/office/drawing/2014/main" id="{17ED45A6-E1EB-4821-A15C-3A19075822D5}"/>
                   </a:ext>
                 </a:extLst>
               </p:cNvPr>
@@ -12063,10 +14696,10 @@
           </p:sp>
           <p:sp>
             <p:nvSpPr>
-              <p:cNvPr id="58" name="직사각형 57">
+              <p:cNvPr id="28" name="직사각형 27">
                 <a:extLst>
                   <a:ext uri="{FF2B5EF4-FFF2-40B4-BE49-F238E27FC236}">
-                    <a16:creationId xmlns:a16="http://schemas.microsoft.com/office/drawing/2014/main" xmlns="" id="{BF3223E5-D344-4FDE-9AE5-D6D9C293A6D1}"/>
+                    <a16:creationId xmlns:a16="http://schemas.microsoft.com/office/drawing/2014/main" id="{FCADC508-A00A-4C6E-9011-273B1488D347}"/>
                   </a:ext>
                 </a:extLst>
               </p:cNvPr>
@@ -12117,10 +14750,10 @@
           </p:sp>
           <p:sp>
             <p:nvSpPr>
-              <p:cNvPr id="59" name="직사각형 58">
+              <p:cNvPr id="29" name="직사각형 28">
                 <a:extLst>
                   <a:ext uri="{FF2B5EF4-FFF2-40B4-BE49-F238E27FC236}">
-                    <a16:creationId xmlns:a16="http://schemas.microsoft.com/office/drawing/2014/main" xmlns="" id="{4114F9B7-1B9B-4646-BE22-FB6256A93E96}"/>
+                    <a16:creationId xmlns:a16="http://schemas.microsoft.com/office/drawing/2014/main" id="{825C1287-215D-4C57-A95B-0FC49D9A7EBC}"/>
                   </a:ext>
                 </a:extLst>
               </p:cNvPr>
@@ -12173,7 +14806,7 @@
 </p:sld>
 </file>
 
-<file path=ppt/slides/slide6.xml><?xml version="1.0" encoding="utf-8"?>
+<file path=ppt/slides/slide8.xml><?xml version="1.0" encoding="utf-8"?>
 <p:sld xmlns:a="http://schemas.openxmlformats.org/drawingml/2006/main" xmlns:r="http://schemas.openxmlformats.org/officeDocument/2006/relationships" xmlns:p="http://schemas.openxmlformats.org/presentationml/2006/main">
   <p:cSld>
     <p:spTree>
@@ -12195,7 +14828,7 @@
           <p:cNvPr id="6" name="그룹 5">
             <a:extLst>
               <a:ext uri="{FF2B5EF4-FFF2-40B4-BE49-F238E27FC236}">
-                <a16:creationId xmlns:a16="http://schemas.microsoft.com/office/drawing/2014/main" xmlns="" id="{49134D97-49E9-4385-9F25-B236DEC1CEF0}"/>
+                <a16:creationId xmlns:a16="http://schemas.microsoft.com/office/drawing/2014/main" id="{49134D97-49E9-4385-9F25-B236DEC1CEF0}"/>
               </a:ext>
             </a:extLst>
           </p:cNvPr>
@@ -12215,7 +14848,7 @@
             <p:cNvPr id="2" name="그림 1">
               <a:extLst>
                 <a:ext uri="{FF2B5EF4-FFF2-40B4-BE49-F238E27FC236}">
-                  <a16:creationId xmlns:a16="http://schemas.microsoft.com/office/drawing/2014/main" xmlns="" id="{C2536E77-39B7-4CC3-A9C9-24B5EEAC2CE6}"/>
+                  <a16:creationId xmlns:a16="http://schemas.microsoft.com/office/drawing/2014/main" id="{C2536E77-39B7-4CC3-A9C9-24B5EEAC2CE6}"/>
                 </a:ext>
               </a:extLst>
             </p:cNvPr>
@@ -12245,7 +14878,7 @@
             <p:cNvPr id="5" name="직사각형 4">
               <a:extLst>
                 <a:ext uri="{FF2B5EF4-FFF2-40B4-BE49-F238E27FC236}">
-                  <a16:creationId xmlns:a16="http://schemas.microsoft.com/office/drawing/2014/main" xmlns="" id="{36ED35FF-1B04-44BD-A58C-CD591A331752}"/>
+                  <a16:creationId xmlns:a16="http://schemas.microsoft.com/office/drawing/2014/main" id="{36ED35FF-1B04-44BD-A58C-CD591A331752}"/>
                 </a:ext>
               </a:extLst>
             </p:cNvPr>
@@ -12293,12 +14926,458 @@
           </p:txBody>
         </p:sp>
       </p:grpSp>
+      <p:sp>
+        <p:nvSpPr>
+          <p:cNvPr id="8" name="TextBox 7">
+            <a:extLst>
+              <a:ext uri="{FF2B5EF4-FFF2-40B4-BE49-F238E27FC236}">
+                <a16:creationId xmlns:a16="http://schemas.microsoft.com/office/drawing/2014/main" id="{7552B7C5-5A1E-493D-A6EC-51B3EBDEDBDC}"/>
+              </a:ext>
+            </a:extLst>
+          </p:cNvPr>
+          <p:cNvSpPr txBox="1"/>
+          <p:nvPr/>
+        </p:nvSpPr>
+        <p:spPr>
+          <a:xfrm>
+            <a:off x="344488" y="1101380"/>
+            <a:ext cx="9217024" cy="1323439"/>
+          </a:xfrm>
+          <a:prstGeom prst="rect">
+            <a:avLst/>
+          </a:prstGeom>
+          <a:noFill/>
+        </p:spPr>
+        <p:txBody>
+          <a:bodyPr wrap="square" rtlCol="0">
+            <a:spAutoFit/>
+          </a:bodyPr>
+          <a:lstStyle/>
+          <a:p>
+            <a:pPr latinLnBrk="1"/>
+            <a:r>
+              <a:rPr lang="en-US" altLang="ko-KR" sz="1500" b="1" dirty="0">
+                <a:solidFill>
+                  <a:srgbClr val="11264F"/>
+                </a:solidFill>
+              </a:rPr>
+              <a:t>6. </a:t>
+            </a:r>
+            <a:r>
+              <a:rPr lang="ko-KR" altLang="en-US" sz="1500" b="1" dirty="0">
+                <a:solidFill>
+                  <a:srgbClr val="11264F"/>
+                </a:solidFill>
+              </a:rPr>
+              <a:t>오라클 </a:t>
+            </a:r>
+            <a:r>
+              <a:rPr lang="en-US" altLang="ko-KR" sz="1500" b="1" dirty="0">
+                <a:solidFill>
+                  <a:srgbClr val="11264F"/>
+                </a:solidFill>
+              </a:rPr>
+              <a:t>DBCP </a:t>
+            </a:r>
+            <a:r>
+              <a:rPr lang="ko-KR" altLang="en-US" sz="1500" b="1" dirty="0">
+                <a:solidFill>
+                  <a:srgbClr val="11264F"/>
+                </a:solidFill>
+              </a:rPr>
+              <a:t>방식을 사용하기 위해 해당 프로젝트 </a:t>
+            </a:r>
+            <a:r>
+              <a:rPr lang="en-US" altLang="ko-KR" sz="1500" b="1" dirty="0">
+                <a:solidFill>
+                  <a:srgbClr val="11264F"/>
+                </a:solidFill>
+              </a:rPr>
+              <a:t>Context</a:t>
+            </a:r>
+            <a:r>
+              <a:rPr lang="ko-KR" altLang="en-US" sz="1500" b="1" dirty="0">
+                <a:solidFill>
+                  <a:srgbClr val="11264F"/>
+                </a:solidFill>
+              </a:rPr>
+              <a:t>내에 설정</a:t>
+            </a:r>
+            <a:endParaRPr lang="en-US" altLang="ko-KR" sz="1500" b="1" dirty="0">
+              <a:solidFill>
+                <a:srgbClr val="11264F"/>
+              </a:solidFill>
+            </a:endParaRPr>
+          </a:p>
+          <a:p>
+            <a:pPr latinLnBrk="1"/>
+            <a:r>
+              <a:rPr lang="en-US" altLang="ko-KR" sz="1500" b="1" i="0" u="none" dirty="0">
+                <a:solidFill>
+                  <a:srgbClr val="11264F"/>
+                </a:solidFill>
+                <a:latin typeface="+mn-lt"/>
+                <a:ea typeface="+mn-ea"/>
+                <a:cs typeface="+mn-cs"/>
+              </a:rPr>
+              <a:t>&lt;Resource auth="Container" </a:t>
+            </a:r>
+            <a:r>
+              <a:rPr lang="en-US" altLang="ko-KR" sz="1500" b="1" i="0" u="none" dirty="0" err="1">
+                <a:solidFill>
+                  <a:srgbClr val="11264F"/>
+                </a:solidFill>
+                <a:latin typeface="+mn-lt"/>
+                <a:ea typeface="+mn-ea"/>
+                <a:cs typeface="+mn-cs"/>
+              </a:rPr>
+              <a:t>driverClassName</a:t>
+            </a:r>
+            <a:r>
+              <a:rPr lang="en-US" altLang="ko-KR" sz="1500" b="1" i="0" u="none" dirty="0">
+                <a:solidFill>
+                  <a:srgbClr val="11264F"/>
+                </a:solidFill>
+                <a:latin typeface="+mn-lt"/>
+                <a:ea typeface="+mn-ea"/>
+                <a:cs typeface="+mn-cs"/>
+              </a:rPr>
+              <a:t>="</a:t>
+            </a:r>
+            <a:r>
+              <a:rPr lang="en-US" altLang="ko-KR" sz="1500" b="1" i="0" u="none" dirty="0" err="1">
+                <a:solidFill>
+                  <a:srgbClr val="11264F"/>
+                </a:solidFill>
+                <a:latin typeface="+mn-lt"/>
+                <a:ea typeface="+mn-ea"/>
+                <a:cs typeface="+mn-cs"/>
+              </a:rPr>
+              <a:t>oracle.jdbc.driver.OracleDriver</a:t>
+            </a:r>
+            <a:r>
+              <a:rPr lang="en-US" altLang="ko-KR" sz="1500" b="1" i="0" u="none" dirty="0">
+                <a:solidFill>
+                  <a:srgbClr val="11264F"/>
+                </a:solidFill>
+                <a:latin typeface="+mn-lt"/>
+                <a:ea typeface="+mn-ea"/>
+                <a:cs typeface="+mn-cs"/>
+              </a:rPr>
+              <a:t>" </a:t>
+            </a:r>
+            <a:r>
+              <a:rPr lang="en-US" altLang="ko-KR" sz="1500" b="1" i="0" u="none" dirty="0" err="1">
+                <a:solidFill>
+                  <a:srgbClr val="11264F"/>
+                </a:solidFill>
+                <a:latin typeface="+mn-lt"/>
+                <a:ea typeface="+mn-ea"/>
+                <a:cs typeface="+mn-cs"/>
+              </a:rPr>
+              <a:t>maxActive</a:t>
+            </a:r>
+            <a:r>
+              <a:rPr lang="en-US" altLang="ko-KR" sz="1500" b="1" i="0" u="none" dirty="0">
+                <a:solidFill>
+                  <a:srgbClr val="11264F"/>
+                </a:solidFill>
+                <a:latin typeface="+mn-lt"/>
+                <a:ea typeface="+mn-ea"/>
+                <a:cs typeface="+mn-cs"/>
+              </a:rPr>
+              <a:t>="100" </a:t>
+            </a:r>
+            <a:r>
+              <a:rPr lang="en-US" altLang="ko-KR" sz="1500" b="1" i="0" u="none" dirty="0" err="1">
+                <a:solidFill>
+                  <a:srgbClr val="11264F"/>
+                </a:solidFill>
+                <a:latin typeface="+mn-lt"/>
+                <a:ea typeface="+mn-ea"/>
+                <a:cs typeface="+mn-cs"/>
+              </a:rPr>
+              <a:t>maxIdle</a:t>
+            </a:r>
+            <a:r>
+              <a:rPr lang="en-US" altLang="ko-KR" sz="1500" b="1" i="0" u="none" dirty="0">
+                <a:solidFill>
+                  <a:srgbClr val="11264F"/>
+                </a:solidFill>
+                <a:latin typeface="+mn-lt"/>
+                <a:ea typeface="+mn-ea"/>
+                <a:cs typeface="+mn-cs"/>
+              </a:rPr>
+              <a:t>="30" </a:t>
+            </a:r>
+            <a:r>
+              <a:rPr lang="en-US" altLang="ko-KR" sz="1500" b="1" i="0" u="none" dirty="0" err="1">
+                <a:solidFill>
+                  <a:srgbClr val="11264F"/>
+                </a:solidFill>
+                <a:latin typeface="+mn-lt"/>
+                <a:ea typeface="+mn-ea"/>
+                <a:cs typeface="+mn-cs"/>
+              </a:rPr>
+              <a:t>maxWait</a:t>
+            </a:r>
+            <a:r>
+              <a:rPr lang="en-US" altLang="ko-KR" sz="1500" b="1" i="0" u="none" dirty="0">
+                <a:solidFill>
+                  <a:srgbClr val="11264F"/>
+                </a:solidFill>
+                <a:latin typeface="+mn-lt"/>
+                <a:ea typeface="+mn-ea"/>
+                <a:cs typeface="+mn-cs"/>
+              </a:rPr>
+              <a:t>="10000" name="</a:t>
+            </a:r>
+            <a:r>
+              <a:rPr lang="en-US" altLang="ko-KR" sz="1500" b="1" i="0" u="none" dirty="0" err="1">
+                <a:solidFill>
+                  <a:srgbClr val="11264F"/>
+                </a:solidFill>
+                <a:latin typeface="+mn-lt"/>
+                <a:ea typeface="+mn-ea"/>
+                <a:cs typeface="+mn-cs"/>
+              </a:rPr>
+              <a:t>jdbc</a:t>
+            </a:r>
+            <a:r>
+              <a:rPr lang="en-US" altLang="ko-KR" sz="1500" b="1" i="0" u="none" dirty="0">
+                <a:solidFill>
+                  <a:srgbClr val="11264F"/>
+                </a:solidFill>
+                <a:latin typeface="+mn-lt"/>
+                <a:ea typeface="+mn-ea"/>
+                <a:cs typeface="+mn-cs"/>
+              </a:rPr>
+              <a:t>/oracle" password="team3" type="</a:t>
+            </a:r>
+            <a:r>
+              <a:rPr lang="en-US" altLang="ko-KR" sz="1500" b="1" i="0" u="none" dirty="0" err="1">
+                <a:solidFill>
+                  <a:srgbClr val="11264F"/>
+                </a:solidFill>
+                <a:latin typeface="+mn-lt"/>
+                <a:ea typeface="+mn-ea"/>
+                <a:cs typeface="+mn-cs"/>
+              </a:rPr>
+              <a:t>javax.sql.DataSource</a:t>
+            </a:r>
+            <a:r>
+              <a:rPr lang="en-US" altLang="ko-KR" sz="1500" b="1" i="0" u="none" dirty="0">
+                <a:solidFill>
+                  <a:srgbClr val="11264F"/>
+                </a:solidFill>
+                <a:latin typeface="+mn-lt"/>
+                <a:ea typeface="+mn-ea"/>
+                <a:cs typeface="+mn-cs"/>
+              </a:rPr>
+              <a:t>" </a:t>
+            </a:r>
+            <a:r>
+              <a:rPr lang="en-US" altLang="ko-KR" sz="1500" b="1" i="0" u="none" dirty="0" err="1">
+                <a:solidFill>
+                  <a:srgbClr val="11264F"/>
+                </a:solidFill>
+                <a:latin typeface="+mn-lt"/>
+                <a:ea typeface="+mn-ea"/>
+                <a:cs typeface="+mn-cs"/>
+              </a:rPr>
+              <a:t>url</a:t>
+            </a:r>
+            <a:r>
+              <a:rPr lang="en-US" altLang="ko-KR" sz="1500" b="1" i="0" u="none" dirty="0">
+                <a:solidFill>
+                  <a:srgbClr val="11264F"/>
+                </a:solidFill>
+                <a:latin typeface="+mn-lt"/>
+                <a:ea typeface="+mn-ea"/>
+                <a:cs typeface="+mn-cs"/>
+              </a:rPr>
+              <a:t>="</a:t>
+            </a:r>
+            <a:r>
+              <a:rPr lang="en-US" altLang="ko-KR" sz="1500" b="1" i="0" u="none" dirty="0" err="1">
+                <a:solidFill>
+                  <a:srgbClr val="11264F"/>
+                </a:solidFill>
+                <a:latin typeface="+mn-lt"/>
+                <a:ea typeface="+mn-ea"/>
+                <a:cs typeface="+mn-cs"/>
+              </a:rPr>
+              <a:t>jdbc:oracle:thin</a:t>
+            </a:r>
+            <a:r>
+              <a:rPr lang="en-US" altLang="ko-KR" sz="1500" b="1" i="0" u="none" dirty="0">
+                <a:solidFill>
+                  <a:srgbClr val="11264F"/>
+                </a:solidFill>
+                <a:latin typeface="+mn-lt"/>
+                <a:ea typeface="+mn-ea"/>
+                <a:cs typeface="+mn-cs"/>
+              </a:rPr>
+              <a:t>:@localhost:1521:orcl" username="team3"/&gt; </a:t>
+            </a:r>
+          </a:p>
+          <a:p>
+            <a:pPr latinLnBrk="1"/>
+            <a:endParaRPr lang="en-US" altLang="ko-KR" sz="500" b="1" i="0" u="none" dirty="0">
+              <a:solidFill>
+                <a:srgbClr val="11264F"/>
+              </a:solidFill>
+              <a:latin typeface="+mn-lt"/>
+              <a:ea typeface="+mn-ea"/>
+              <a:cs typeface="+mn-cs"/>
+            </a:endParaRPr>
+          </a:p>
+          <a:p>
+            <a:pPr latinLnBrk="1"/>
+            <a:r>
+              <a:rPr lang="en-US" altLang="ko-KR" sz="1500" b="1" dirty="0">
+                <a:solidFill>
+                  <a:srgbClr val="FF0000"/>
+                </a:solidFill>
+              </a:rPr>
+              <a:t>* username</a:t>
+            </a:r>
+            <a:r>
+              <a:rPr lang="ko-KR" altLang="en-US" sz="1500" b="1" dirty="0">
+                <a:solidFill>
+                  <a:srgbClr val="FF0000"/>
+                </a:solidFill>
+              </a:rPr>
+              <a:t>과 </a:t>
+            </a:r>
+            <a:r>
+              <a:rPr lang="en-US" altLang="ko-KR" sz="1500" b="1" dirty="0">
+                <a:solidFill>
+                  <a:srgbClr val="FF0000"/>
+                </a:solidFill>
+              </a:rPr>
+              <a:t>password</a:t>
+            </a:r>
+            <a:r>
+              <a:rPr lang="ko-KR" altLang="en-US" sz="1500" b="1" dirty="0">
+                <a:solidFill>
+                  <a:srgbClr val="FF0000"/>
+                </a:solidFill>
+              </a:rPr>
+              <a:t>는 자신의 오라클 아이디와 비밀번호에 맞게 수정 </a:t>
+            </a:r>
+          </a:p>
+        </p:txBody>
+      </p:sp>
       <p:grpSp>
         <p:nvGrpSpPr>
-          <p:cNvPr id="35" name="그룹 34">
+          <p:cNvPr id="46" name="그룹 45">
             <a:extLst>
               <a:ext uri="{FF2B5EF4-FFF2-40B4-BE49-F238E27FC236}">
-                <a16:creationId xmlns:a16="http://schemas.microsoft.com/office/drawing/2014/main" xmlns="" id="{BCA03FFC-18F6-4B46-B3D3-93F803E027D0}"/>
+                <a16:creationId xmlns:a16="http://schemas.microsoft.com/office/drawing/2014/main" id="{05797723-4A32-45A2-9CD6-872AB64A7EFA}"/>
+              </a:ext>
+            </a:extLst>
+          </p:cNvPr>
+          <p:cNvGrpSpPr/>
+          <p:nvPr/>
+        </p:nvGrpSpPr>
+        <p:grpSpPr>
+          <a:xfrm>
+            <a:off x="6663658" y="2958965"/>
+            <a:ext cx="3057525" cy="1390650"/>
+            <a:chOff x="6663658" y="2082415"/>
+            <a:chExt cx="3057525" cy="1390650"/>
+          </a:xfrm>
+        </p:grpSpPr>
+        <p:pic>
+          <p:nvPicPr>
+            <p:cNvPr id="47" name="그림 46">
+              <a:extLst>
+                <a:ext uri="{FF2B5EF4-FFF2-40B4-BE49-F238E27FC236}">
+                  <a16:creationId xmlns:a16="http://schemas.microsoft.com/office/drawing/2014/main" id="{F9FB2E71-7794-4E2A-BF54-6C1272666D8F}"/>
+                </a:ext>
+              </a:extLst>
+            </p:cNvPr>
+            <p:cNvPicPr>
+              <a:picLocks noChangeAspect="1"/>
+            </p:cNvPicPr>
+            <p:nvPr/>
+          </p:nvPicPr>
+          <p:blipFill>
+            <a:blip r:embed="rId4"/>
+            <a:stretch>
+              <a:fillRect/>
+            </a:stretch>
+          </p:blipFill>
+          <p:spPr>
+            <a:xfrm>
+              <a:off x="6663658" y="2082415"/>
+              <a:ext cx="3057525" cy="1390650"/>
+            </a:xfrm>
+            <a:prstGeom prst="rect">
+              <a:avLst/>
+            </a:prstGeom>
+          </p:spPr>
+        </p:pic>
+        <p:sp>
+          <p:nvSpPr>
+            <p:cNvPr id="52" name="직사각형 51">
+              <a:extLst>
+                <a:ext uri="{FF2B5EF4-FFF2-40B4-BE49-F238E27FC236}">
+                  <a16:creationId xmlns:a16="http://schemas.microsoft.com/office/drawing/2014/main" id="{7AABFB41-5444-4BEB-8484-6611AD149678}"/>
+                </a:ext>
+              </a:extLst>
+            </p:cNvPr>
+            <p:cNvSpPr/>
+            <p:nvPr/>
+          </p:nvSpPr>
+          <p:spPr>
+            <a:xfrm>
+              <a:off x="7041232" y="2924944"/>
+              <a:ext cx="1348946" cy="216024"/>
+            </a:xfrm>
+            <a:prstGeom prst="rect">
+              <a:avLst/>
+            </a:prstGeom>
+            <a:noFill/>
+            <a:ln>
+              <a:solidFill>
+                <a:srgbClr val="FF0000"/>
+              </a:solidFill>
+            </a:ln>
+          </p:spPr>
+          <p:style>
+            <a:lnRef idx="2">
+              <a:schemeClr val="accent1">
+                <a:shade val="50000"/>
+              </a:schemeClr>
+            </a:lnRef>
+            <a:fillRef idx="1">
+              <a:schemeClr val="accent1"/>
+            </a:fillRef>
+            <a:effectRef idx="0">
+              <a:schemeClr val="accent1"/>
+            </a:effectRef>
+            <a:fontRef idx="minor">
+              <a:schemeClr val="lt1"/>
+            </a:fontRef>
+          </p:style>
+          <p:txBody>
+            <a:bodyPr rtlCol="0" anchor="ctr"/>
+            <a:lstStyle/>
+            <a:p>
+              <a:pPr algn="ctr"/>
+              <a:endParaRPr lang="ko-KR" altLang="en-US" dirty="0"/>
+            </a:p>
+          </p:txBody>
+        </p:sp>
+      </p:grpSp>
+      <p:grpSp>
+        <p:nvGrpSpPr>
+          <p:cNvPr id="23" name="그룹 22">
+            <a:extLst>
+              <a:ext uri="{FF2B5EF4-FFF2-40B4-BE49-F238E27FC236}">
+                <a16:creationId xmlns:a16="http://schemas.microsoft.com/office/drawing/2014/main" id="{023DD029-42DD-45DC-9C78-6EFA4A173051}"/>
               </a:ext>
             </a:extLst>
           </p:cNvPr>
@@ -12315,10 +15394,10 @@
         </p:grpSpPr>
         <p:sp>
           <p:nvSpPr>
-            <p:cNvPr id="36" name="직사각형 35">
+            <p:cNvPr id="24" name="직사각형 23">
               <a:extLst>
                 <a:ext uri="{FF2B5EF4-FFF2-40B4-BE49-F238E27FC236}">
-                  <a16:creationId xmlns:a16="http://schemas.microsoft.com/office/drawing/2014/main" xmlns="" id="{0D22E3E5-EC07-4F02-ACBD-AFBEC1197B42}"/>
+                  <a16:creationId xmlns:a16="http://schemas.microsoft.com/office/drawing/2014/main" id="{909FA7F2-4249-4662-A2F8-37D4517716F6}"/>
                 </a:ext>
               </a:extLst>
             </p:cNvPr>
@@ -12369,10 +15448,10 @@
         </p:sp>
         <p:sp>
           <p:nvSpPr>
-            <p:cNvPr id="37" name="제목 1">
+            <p:cNvPr id="25" name="제목 1">
               <a:extLst>
                 <a:ext uri="{FF2B5EF4-FFF2-40B4-BE49-F238E27FC236}">
-                  <a16:creationId xmlns:a16="http://schemas.microsoft.com/office/drawing/2014/main" xmlns="" id="{B74B44BD-96B1-4FE2-94D0-156E5559C903}"/>
+                  <a16:creationId xmlns:a16="http://schemas.microsoft.com/office/drawing/2014/main" id="{A42505D8-3FA0-4D9A-893B-E9FF2B080EB8}"/>
                 </a:ext>
               </a:extLst>
             </p:cNvPr>
@@ -12493,12 +15572,34 @@
               <a:r>
                 <a:rPr lang="en-US" altLang="ko-KR" sz="2000" b="1" dirty="0">
                   <a:solidFill>
+                    <a:srgbClr val="DDDDDD"/>
+                  </a:solidFill>
+                  <a:latin typeface="+mn-ea"/>
+                  <a:ea typeface="+mn-ea"/>
+                </a:rPr>
+                <a:t>01</a:t>
+              </a:r>
+              <a:r>
+                <a:rPr lang="en-US" altLang="ko-KR" sz="2000" b="1" dirty="0">
+                  <a:solidFill>
                     <a:srgbClr val="11264F"/>
                   </a:solidFill>
                   <a:latin typeface="+mn-ea"/>
                   <a:ea typeface="+mn-ea"/>
                 </a:rPr>
-                <a:t>01 </a:t>
+                <a:t>  02</a:t>
+              </a:r>
+              <a:r>
+                <a:rPr lang="en-US" altLang="ko-KR" sz="2000" b="1" dirty="0">
+                  <a:solidFill>
+                    <a:schemeClr val="bg1">
+                      <a:lumMod val="75000"/>
+                    </a:schemeClr>
+                  </a:solidFill>
+                  <a:latin typeface="+mn-ea"/>
+                  <a:ea typeface="+mn-ea"/>
+                </a:rPr>
+                <a:t> </a:t>
               </a:r>
               <a:r>
                 <a:rPr lang="ko-KR" altLang="en-US" sz="2000" b="1" dirty="0">
@@ -12528,17 +15629,7 @@
                   <a:latin typeface="+mn-ea"/>
                   <a:ea typeface="+mn-ea"/>
                 </a:rPr>
-                <a:t>설정</a:t>
-              </a:r>
-              <a:r>
-                <a:rPr lang="en-US" altLang="ko-KR" sz="2000" b="1" dirty="0">
-                  <a:solidFill>
-                    <a:srgbClr val="11264F"/>
-                  </a:solidFill>
-                  <a:latin typeface="+mn-ea"/>
-                  <a:ea typeface="+mn-ea"/>
-                </a:rPr>
-                <a:t>  </a:t>
+                <a:t>설정  </a:t>
               </a:r>
               <a:r>
                 <a:rPr lang="en-US" altLang="ko-KR" sz="2000" b="1" dirty="0">
@@ -12550,7 +15641,7 @@
                   <a:latin typeface="+mn-ea"/>
                   <a:ea typeface="+mn-ea"/>
                 </a:rPr>
-                <a:t>02</a:t>
+                <a:t>03</a:t>
               </a:r>
               <a:endParaRPr lang="en-US" sz="2000" b="1" dirty="0">
                 <a:solidFill>
@@ -12566,10 +15657,10 @@
         </p:sp>
         <p:grpSp>
           <p:nvGrpSpPr>
-            <p:cNvPr id="38" name="그룹 37">
+            <p:cNvPr id="26" name="그룹 25">
               <a:extLst>
                 <a:ext uri="{FF2B5EF4-FFF2-40B4-BE49-F238E27FC236}">
-                  <a16:creationId xmlns:a16="http://schemas.microsoft.com/office/drawing/2014/main" xmlns="" id="{50B3332D-0F8A-443C-BC5D-69CBE0EF9382}"/>
+                  <a16:creationId xmlns:a16="http://schemas.microsoft.com/office/drawing/2014/main" id="{0D374E5B-D01C-4ED2-B56B-D5E27AF6D233}"/>
                 </a:ext>
               </a:extLst>
             </p:cNvPr>
@@ -12586,10 +15677,10 @@
           </p:grpSpPr>
           <p:sp>
             <p:nvSpPr>
-              <p:cNvPr id="39" name="이등변 삼각형 38">
+              <p:cNvPr id="27" name="이등변 삼각형 26">
                 <a:extLst>
                   <a:ext uri="{FF2B5EF4-FFF2-40B4-BE49-F238E27FC236}">
-                    <a16:creationId xmlns:a16="http://schemas.microsoft.com/office/drawing/2014/main" xmlns="" id="{893B8B89-8A66-4AA5-B8DD-0F617DFF5605}"/>
+                    <a16:creationId xmlns:a16="http://schemas.microsoft.com/office/drawing/2014/main" id="{5AD61AE9-6B6C-4C36-B40D-8C6D5363F525}"/>
                   </a:ext>
                 </a:extLst>
               </p:cNvPr>
@@ -12640,10 +15731,10 @@
           </p:sp>
           <p:sp>
             <p:nvSpPr>
-              <p:cNvPr id="41" name="직사각형 40">
+              <p:cNvPr id="28" name="직사각형 27">
                 <a:extLst>
                   <a:ext uri="{FF2B5EF4-FFF2-40B4-BE49-F238E27FC236}">
-                    <a16:creationId xmlns:a16="http://schemas.microsoft.com/office/drawing/2014/main" xmlns="" id="{A446E445-ECE3-4D77-B0F3-C9B7A91A565A}"/>
+                    <a16:creationId xmlns:a16="http://schemas.microsoft.com/office/drawing/2014/main" id="{00DB18D9-1EA1-4288-947E-54B5A0421E70}"/>
                   </a:ext>
                 </a:extLst>
               </p:cNvPr>
@@ -12694,10 +15785,10 @@
           </p:sp>
           <p:sp>
             <p:nvSpPr>
-              <p:cNvPr id="42" name="직사각형 41">
+              <p:cNvPr id="29" name="직사각형 28">
                 <a:extLst>
                   <a:ext uri="{FF2B5EF4-FFF2-40B4-BE49-F238E27FC236}">
-                    <a16:creationId xmlns:a16="http://schemas.microsoft.com/office/drawing/2014/main" xmlns="" id="{0B66C435-83E7-49FA-BF45-7236D325E650}"/>
+                    <a16:creationId xmlns:a16="http://schemas.microsoft.com/office/drawing/2014/main" id="{B3E23448-4C84-42CA-AE87-2ADEBB364CF5}"/>
                   </a:ext>
                 </a:extLst>
               </p:cNvPr>
@@ -12737,452 +15828,6 @@
           </p:sp>
         </p:grpSp>
       </p:grpSp>
-      <p:sp>
-        <p:nvSpPr>
-          <p:cNvPr id="8" name="TextBox 7">
-            <a:extLst>
-              <a:ext uri="{FF2B5EF4-FFF2-40B4-BE49-F238E27FC236}">
-                <a16:creationId xmlns:a16="http://schemas.microsoft.com/office/drawing/2014/main" xmlns="" id="{7552B7C5-5A1E-493D-A6EC-51B3EBDEDBDC}"/>
-              </a:ext>
-            </a:extLst>
-          </p:cNvPr>
-          <p:cNvSpPr txBox="1"/>
-          <p:nvPr/>
-        </p:nvSpPr>
-        <p:spPr>
-          <a:xfrm>
-            <a:off x="344488" y="1101380"/>
-            <a:ext cx="9217024" cy="1323439"/>
-          </a:xfrm>
-          <a:prstGeom prst="rect">
-            <a:avLst/>
-          </a:prstGeom>
-          <a:noFill/>
-        </p:spPr>
-        <p:txBody>
-          <a:bodyPr wrap="square" rtlCol="0">
-            <a:spAutoFit/>
-          </a:bodyPr>
-          <a:lstStyle/>
-          <a:p>
-            <a:pPr latinLnBrk="1"/>
-            <a:r>
-              <a:rPr lang="en-US" altLang="ko-KR" sz="1500" b="1" dirty="0">
-                <a:solidFill>
-                  <a:srgbClr val="11264F"/>
-                </a:solidFill>
-              </a:rPr>
-              <a:t>6. </a:t>
-            </a:r>
-            <a:r>
-              <a:rPr lang="ko-KR" altLang="en-US" sz="1500" b="1" dirty="0">
-                <a:solidFill>
-                  <a:srgbClr val="11264F"/>
-                </a:solidFill>
-              </a:rPr>
-              <a:t>오라클 </a:t>
-            </a:r>
-            <a:r>
-              <a:rPr lang="en-US" altLang="ko-KR" sz="1500" b="1" dirty="0">
-                <a:solidFill>
-                  <a:srgbClr val="11264F"/>
-                </a:solidFill>
-              </a:rPr>
-              <a:t>DBCP </a:t>
-            </a:r>
-            <a:r>
-              <a:rPr lang="ko-KR" altLang="en-US" sz="1500" b="1" dirty="0">
-                <a:solidFill>
-                  <a:srgbClr val="11264F"/>
-                </a:solidFill>
-              </a:rPr>
-              <a:t>방식을 사용하기 위해 해당 프로젝트 </a:t>
-            </a:r>
-            <a:r>
-              <a:rPr lang="en-US" altLang="ko-KR" sz="1500" b="1" dirty="0">
-                <a:solidFill>
-                  <a:srgbClr val="11264F"/>
-                </a:solidFill>
-              </a:rPr>
-              <a:t>Context</a:t>
-            </a:r>
-            <a:r>
-              <a:rPr lang="ko-KR" altLang="en-US" sz="1500" b="1" dirty="0">
-                <a:solidFill>
-                  <a:srgbClr val="11264F"/>
-                </a:solidFill>
-              </a:rPr>
-              <a:t>내에 설정</a:t>
-            </a:r>
-            <a:endParaRPr lang="en-US" altLang="ko-KR" sz="1500" b="1" dirty="0">
-              <a:solidFill>
-                <a:srgbClr val="11264F"/>
-              </a:solidFill>
-            </a:endParaRPr>
-          </a:p>
-          <a:p>
-            <a:pPr latinLnBrk="1"/>
-            <a:r>
-              <a:rPr lang="en-US" altLang="ko-KR" sz="1500" b="1" i="0" u="none" dirty="0">
-                <a:solidFill>
-                  <a:srgbClr val="11264F"/>
-                </a:solidFill>
-                <a:latin typeface="+mn-lt"/>
-                <a:ea typeface="+mn-ea"/>
-                <a:cs typeface="+mn-cs"/>
-              </a:rPr>
-              <a:t>&lt;Resource auth="Container" </a:t>
-            </a:r>
-            <a:r>
-              <a:rPr lang="en-US" altLang="ko-KR" sz="1500" b="1" i="0" u="none" dirty="0" err="1">
-                <a:solidFill>
-                  <a:srgbClr val="11264F"/>
-                </a:solidFill>
-                <a:latin typeface="+mn-lt"/>
-                <a:ea typeface="+mn-ea"/>
-                <a:cs typeface="+mn-cs"/>
-              </a:rPr>
-              <a:t>driverClassName</a:t>
-            </a:r>
-            <a:r>
-              <a:rPr lang="en-US" altLang="ko-KR" sz="1500" b="1" i="0" u="none" dirty="0">
-                <a:solidFill>
-                  <a:srgbClr val="11264F"/>
-                </a:solidFill>
-                <a:latin typeface="+mn-lt"/>
-                <a:ea typeface="+mn-ea"/>
-                <a:cs typeface="+mn-cs"/>
-              </a:rPr>
-              <a:t>="</a:t>
-            </a:r>
-            <a:r>
-              <a:rPr lang="en-US" altLang="ko-KR" sz="1500" b="1" i="0" u="none" dirty="0" err="1">
-                <a:solidFill>
-                  <a:srgbClr val="11264F"/>
-                </a:solidFill>
-                <a:latin typeface="+mn-lt"/>
-                <a:ea typeface="+mn-ea"/>
-                <a:cs typeface="+mn-cs"/>
-              </a:rPr>
-              <a:t>oracle.jdbc.driver.OracleDriver</a:t>
-            </a:r>
-            <a:r>
-              <a:rPr lang="en-US" altLang="ko-KR" sz="1500" b="1" i="0" u="none" dirty="0">
-                <a:solidFill>
-                  <a:srgbClr val="11264F"/>
-                </a:solidFill>
-                <a:latin typeface="+mn-lt"/>
-                <a:ea typeface="+mn-ea"/>
-                <a:cs typeface="+mn-cs"/>
-              </a:rPr>
-              <a:t>" </a:t>
-            </a:r>
-            <a:r>
-              <a:rPr lang="en-US" altLang="ko-KR" sz="1500" b="1" i="0" u="none" dirty="0" err="1">
-                <a:solidFill>
-                  <a:srgbClr val="11264F"/>
-                </a:solidFill>
-                <a:latin typeface="+mn-lt"/>
-                <a:ea typeface="+mn-ea"/>
-                <a:cs typeface="+mn-cs"/>
-              </a:rPr>
-              <a:t>maxActive</a:t>
-            </a:r>
-            <a:r>
-              <a:rPr lang="en-US" altLang="ko-KR" sz="1500" b="1" i="0" u="none" dirty="0">
-                <a:solidFill>
-                  <a:srgbClr val="11264F"/>
-                </a:solidFill>
-                <a:latin typeface="+mn-lt"/>
-                <a:ea typeface="+mn-ea"/>
-                <a:cs typeface="+mn-cs"/>
-              </a:rPr>
-              <a:t>="100" </a:t>
-            </a:r>
-            <a:r>
-              <a:rPr lang="en-US" altLang="ko-KR" sz="1500" b="1" i="0" u="none" dirty="0" err="1">
-                <a:solidFill>
-                  <a:srgbClr val="11264F"/>
-                </a:solidFill>
-                <a:latin typeface="+mn-lt"/>
-                <a:ea typeface="+mn-ea"/>
-                <a:cs typeface="+mn-cs"/>
-              </a:rPr>
-              <a:t>maxIdle</a:t>
-            </a:r>
-            <a:r>
-              <a:rPr lang="en-US" altLang="ko-KR" sz="1500" b="1" i="0" u="none" dirty="0">
-                <a:solidFill>
-                  <a:srgbClr val="11264F"/>
-                </a:solidFill>
-                <a:latin typeface="+mn-lt"/>
-                <a:ea typeface="+mn-ea"/>
-                <a:cs typeface="+mn-cs"/>
-              </a:rPr>
-              <a:t>="30" </a:t>
-            </a:r>
-            <a:r>
-              <a:rPr lang="en-US" altLang="ko-KR" sz="1500" b="1" i="0" u="none" dirty="0" err="1">
-                <a:solidFill>
-                  <a:srgbClr val="11264F"/>
-                </a:solidFill>
-                <a:latin typeface="+mn-lt"/>
-                <a:ea typeface="+mn-ea"/>
-                <a:cs typeface="+mn-cs"/>
-              </a:rPr>
-              <a:t>maxWait</a:t>
-            </a:r>
-            <a:r>
-              <a:rPr lang="en-US" altLang="ko-KR" sz="1500" b="1" i="0" u="none" dirty="0">
-                <a:solidFill>
-                  <a:srgbClr val="11264F"/>
-                </a:solidFill>
-                <a:latin typeface="+mn-lt"/>
-                <a:ea typeface="+mn-ea"/>
-                <a:cs typeface="+mn-cs"/>
-              </a:rPr>
-              <a:t>="10000" name="</a:t>
-            </a:r>
-            <a:r>
-              <a:rPr lang="en-US" altLang="ko-KR" sz="1500" b="1" i="0" u="none" dirty="0" err="1">
-                <a:solidFill>
-                  <a:srgbClr val="11264F"/>
-                </a:solidFill>
-                <a:latin typeface="+mn-lt"/>
-                <a:ea typeface="+mn-ea"/>
-                <a:cs typeface="+mn-cs"/>
-              </a:rPr>
-              <a:t>jdbc</a:t>
-            </a:r>
-            <a:r>
-              <a:rPr lang="en-US" altLang="ko-KR" sz="1500" b="1" i="0" u="none" dirty="0">
-                <a:solidFill>
-                  <a:srgbClr val="11264F"/>
-                </a:solidFill>
-                <a:latin typeface="+mn-lt"/>
-                <a:ea typeface="+mn-ea"/>
-                <a:cs typeface="+mn-cs"/>
-              </a:rPr>
-              <a:t>/oracle" password="team3" type="</a:t>
-            </a:r>
-            <a:r>
-              <a:rPr lang="en-US" altLang="ko-KR" sz="1500" b="1" i="0" u="none" dirty="0" err="1">
-                <a:solidFill>
-                  <a:srgbClr val="11264F"/>
-                </a:solidFill>
-                <a:latin typeface="+mn-lt"/>
-                <a:ea typeface="+mn-ea"/>
-                <a:cs typeface="+mn-cs"/>
-              </a:rPr>
-              <a:t>javax.sql.DataSource</a:t>
-            </a:r>
-            <a:r>
-              <a:rPr lang="en-US" altLang="ko-KR" sz="1500" b="1" i="0" u="none" dirty="0">
-                <a:solidFill>
-                  <a:srgbClr val="11264F"/>
-                </a:solidFill>
-                <a:latin typeface="+mn-lt"/>
-                <a:ea typeface="+mn-ea"/>
-                <a:cs typeface="+mn-cs"/>
-              </a:rPr>
-              <a:t>" </a:t>
-            </a:r>
-            <a:r>
-              <a:rPr lang="en-US" altLang="ko-KR" sz="1500" b="1" i="0" u="none" dirty="0" err="1">
-                <a:solidFill>
-                  <a:srgbClr val="11264F"/>
-                </a:solidFill>
-                <a:latin typeface="+mn-lt"/>
-                <a:ea typeface="+mn-ea"/>
-                <a:cs typeface="+mn-cs"/>
-              </a:rPr>
-              <a:t>url</a:t>
-            </a:r>
-            <a:r>
-              <a:rPr lang="en-US" altLang="ko-KR" sz="1500" b="1" i="0" u="none" dirty="0">
-                <a:solidFill>
-                  <a:srgbClr val="11264F"/>
-                </a:solidFill>
-                <a:latin typeface="+mn-lt"/>
-                <a:ea typeface="+mn-ea"/>
-                <a:cs typeface="+mn-cs"/>
-              </a:rPr>
-              <a:t>="</a:t>
-            </a:r>
-            <a:r>
-              <a:rPr lang="en-US" altLang="ko-KR" sz="1500" b="1" i="0" u="none" dirty="0" err="1">
-                <a:solidFill>
-                  <a:srgbClr val="11264F"/>
-                </a:solidFill>
-                <a:latin typeface="+mn-lt"/>
-                <a:ea typeface="+mn-ea"/>
-                <a:cs typeface="+mn-cs"/>
-              </a:rPr>
-              <a:t>jdbc:oracle:thin</a:t>
-            </a:r>
-            <a:r>
-              <a:rPr lang="en-US" altLang="ko-KR" sz="1500" b="1" i="0" u="none" dirty="0">
-                <a:solidFill>
-                  <a:srgbClr val="11264F"/>
-                </a:solidFill>
-                <a:latin typeface="+mn-lt"/>
-                <a:ea typeface="+mn-ea"/>
-                <a:cs typeface="+mn-cs"/>
-              </a:rPr>
-              <a:t>:@localhost:1521:orcl" username="team3"/&gt; </a:t>
-            </a:r>
-          </a:p>
-          <a:p>
-            <a:pPr latinLnBrk="1"/>
-            <a:endParaRPr lang="en-US" altLang="ko-KR" sz="500" b="1" i="0" u="none" dirty="0">
-              <a:solidFill>
-                <a:srgbClr val="11264F"/>
-              </a:solidFill>
-              <a:latin typeface="+mn-lt"/>
-              <a:ea typeface="+mn-ea"/>
-              <a:cs typeface="+mn-cs"/>
-            </a:endParaRPr>
-          </a:p>
-          <a:p>
-            <a:pPr latinLnBrk="1"/>
-            <a:r>
-              <a:rPr lang="en-US" altLang="ko-KR" sz="1500" b="1" dirty="0">
-                <a:solidFill>
-                  <a:srgbClr val="FF0000"/>
-                </a:solidFill>
-              </a:rPr>
-              <a:t>* username</a:t>
-            </a:r>
-            <a:r>
-              <a:rPr lang="ko-KR" altLang="en-US" sz="1500" b="1" dirty="0">
-                <a:solidFill>
-                  <a:srgbClr val="FF0000"/>
-                </a:solidFill>
-              </a:rPr>
-              <a:t>과 </a:t>
-            </a:r>
-            <a:r>
-              <a:rPr lang="en-US" altLang="ko-KR" sz="1500" b="1" dirty="0">
-                <a:solidFill>
-                  <a:srgbClr val="FF0000"/>
-                </a:solidFill>
-              </a:rPr>
-              <a:t>password</a:t>
-            </a:r>
-            <a:r>
-              <a:rPr lang="ko-KR" altLang="en-US" sz="1500" b="1" dirty="0">
-                <a:solidFill>
-                  <a:srgbClr val="FF0000"/>
-                </a:solidFill>
-              </a:rPr>
-              <a:t>는 자신의 오라클 아이디와 비밀번호에 맞게 수정 </a:t>
-            </a:r>
-          </a:p>
-        </p:txBody>
-      </p:sp>
-      <p:grpSp>
-        <p:nvGrpSpPr>
-          <p:cNvPr id="46" name="그룹 45">
-            <a:extLst>
-              <a:ext uri="{FF2B5EF4-FFF2-40B4-BE49-F238E27FC236}">
-                <a16:creationId xmlns:a16="http://schemas.microsoft.com/office/drawing/2014/main" xmlns="" id="{05797723-4A32-45A2-9CD6-872AB64A7EFA}"/>
-              </a:ext>
-            </a:extLst>
-          </p:cNvPr>
-          <p:cNvGrpSpPr/>
-          <p:nvPr/>
-        </p:nvGrpSpPr>
-        <p:grpSpPr>
-          <a:xfrm>
-            <a:off x="6663658" y="2958965"/>
-            <a:ext cx="3057525" cy="1390650"/>
-            <a:chOff x="6663658" y="2082415"/>
-            <a:chExt cx="3057525" cy="1390650"/>
-          </a:xfrm>
-        </p:grpSpPr>
-        <p:pic>
-          <p:nvPicPr>
-            <p:cNvPr id="47" name="그림 46">
-              <a:extLst>
-                <a:ext uri="{FF2B5EF4-FFF2-40B4-BE49-F238E27FC236}">
-                  <a16:creationId xmlns:a16="http://schemas.microsoft.com/office/drawing/2014/main" xmlns="" id="{F9FB2E71-7794-4E2A-BF54-6C1272666D8F}"/>
-                </a:ext>
-              </a:extLst>
-            </p:cNvPr>
-            <p:cNvPicPr>
-              <a:picLocks noChangeAspect="1"/>
-            </p:cNvPicPr>
-            <p:nvPr/>
-          </p:nvPicPr>
-          <p:blipFill>
-            <a:blip r:embed="rId4"/>
-            <a:stretch>
-              <a:fillRect/>
-            </a:stretch>
-          </p:blipFill>
-          <p:spPr>
-            <a:xfrm>
-              <a:off x="6663658" y="2082415"/>
-              <a:ext cx="3057525" cy="1390650"/>
-            </a:xfrm>
-            <a:prstGeom prst="rect">
-              <a:avLst/>
-            </a:prstGeom>
-          </p:spPr>
-        </p:pic>
-        <p:sp>
-          <p:nvSpPr>
-            <p:cNvPr id="52" name="직사각형 51">
-              <a:extLst>
-                <a:ext uri="{FF2B5EF4-FFF2-40B4-BE49-F238E27FC236}">
-                  <a16:creationId xmlns:a16="http://schemas.microsoft.com/office/drawing/2014/main" xmlns="" id="{7AABFB41-5444-4BEB-8484-6611AD149678}"/>
-                </a:ext>
-              </a:extLst>
-            </p:cNvPr>
-            <p:cNvSpPr/>
-            <p:nvPr/>
-          </p:nvSpPr>
-          <p:spPr>
-            <a:xfrm>
-              <a:off x="7041232" y="2924944"/>
-              <a:ext cx="1348946" cy="216024"/>
-            </a:xfrm>
-            <a:prstGeom prst="rect">
-              <a:avLst/>
-            </a:prstGeom>
-            <a:noFill/>
-            <a:ln>
-              <a:solidFill>
-                <a:srgbClr val="FF0000"/>
-              </a:solidFill>
-            </a:ln>
-          </p:spPr>
-          <p:style>
-            <a:lnRef idx="2">
-              <a:schemeClr val="accent1">
-                <a:shade val="50000"/>
-              </a:schemeClr>
-            </a:lnRef>
-            <a:fillRef idx="1">
-              <a:schemeClr val="accent1"/>
-            </a:fillRef>
-            <a:effectRef idx="0">
-              <a:schemeClr val="accent1"/>
-            </a:effectRef>
-            <a:fontRef idx="minor">
-              <a:schemeClr val="lt1"/>
-            </a:fontRef>
-          </p:style>
-          <p:txBody>
-            <a:bodyPr rtlCol="0" anchor="ctr"/>
-            <a:lstStyle/>
-            <a:p>
-              <a:pPr algn="ctr"/>
-              <a:endParaRPr lang="ko-KR" altLang="en-US" dirty="0"/>
-            </a:p>
-          </p:txBody>
-        </p:sp>
-      </p:grpSp>
     </p:spTree>
     <p:extLst>
       <p:ext uri="{BB962C8B-B14F-4D97-AF65-F5344CB8AC3E}">
@@ -13196,7 +15841,7 @@
 </p:sld>
 </file>
 
-<file path=ppt/slides/slide7.xml><?xml version="1.0" encoding="utf-8"?>
+<file path=ppt/slides/slide9.xml><?xml version="1.0" encoding="utf-8"?>
 <p:sld xmlns:a="http://schemas.openxmlformats.org/drawingml/2006/main" xmlns:r="http://schemas.openxmlformats.org/officeDocument/2006/relationships" xmlns:p="http://schemas.openxmlformats.org/presentationml/2006/main">
   <p:cSld>
     <p:spTree>
@@ -13218,7 +15863,7 @@
           <p:cNvPr id="7" name="그림 6">
             <a:extLst>
               <a:ext uri="{FF2B5EF4-FFF2-40B4-BE49-F238E27FC236}">
-                <a16:creationId xmlns:a16="http://schemas.microsoft.com/office/drawing/2014/main" xmlns="" id="{4080F042-9E10-4B8F-90FE-B73873EF20CA}"/>
+                <a16:creationId xmlns:a16="http://schemas.microsoft.com/office/drawing/2014/main" id="{4080F042-9E10-4B8F-90FE-B73873EF20CA}"/>
               </a:ext>
             </a:extLst>
           </p:cNvPr>
@@ -13248,7 +15893,7 @@
           <p:cNvPr id="8" name="TextBox 7">
             <a:extLst>
               <a:ext uri="{FF2B5EF4-FFF2-40B4-BE49-F238E27FC236}">
-                <a16:creationId xmlns:a16="http://schemas.microsoft.com/office/drawing/2014/main" xmlns="" id="{902D13D8-6138-4FE4-8D22-4ACDB86554E1}"/>
+                <a16:creationId xmlns:a16="http://schemas.microsoft.com/office/drawing/2014/main" id="{902D13D8-6138-4FE4-8D22-4ACDB86554E1}"/>
               </a:ext>
             </a:extLst>
           </p:cNvPr>
@@ -13445,10 +16090,10 @@
       </p:sp>
       <p:grpSp>
         <p:nvGrpSpPr>
-          <p:cNvPr id="17" name="그룹 16">
+          <p:cNvPr id="11" name="그룹 10">
             <a:extLst>
               <a:ext uri="{FF2B5EF4-FFF2-40B4-BE49-F238E27FC236}">
-                <a16:creationId xmlns:a16="http://schemas.microsoft.com/office/drawing/2014/main" xmlns="" id="{BA12588A-BB9B-4FE1-B440-EA4EE68F96F6}"/>
+                <a16:creationId xmlns:a16="http://schemas.microsoft.com/office/drawing/2014/main" id="{7DCE129A-4E56-4BB1-A30F-F31FEE69DF35}"/>
               </a:ext>
             </a:extLst>
           </p:cNvPr>
@@ -13465,10 +16110,10 @@
         </p:grpSpPr>
         <p:sp>
           <p:nvSpPr>
-            <p:cNvPr id="18" name="직사각형 17">
+            <p:cNvPr id="12" name="직사각형 11">
               <a:extLst>
                 <a:ext uri="{FF2B5EF4-FFF2-40B4-BE49-F238E27FC236}">
-                  <a16:creationId xmlns:a16="http://schemas.microsoft.com/office/drawing/2014/main" xmlns="" id="{6DC25C22-5EB6-4812-8E29-258DAF3959C7}"/>
+                  <a16:creationId xmlns:a16="http://schemas.microsoft.com/office/drawing/2014/main" id="{DD9C3021-FB89-41E5-95D7-611349D5BB64}"/>
                 </a:ext>
               </a:extLst>
             </p:cNvPr>
@@ -13519,10 +16164,10 @@
         </p:sp>
         <p:sp>
           <p:nvSpPr>
-            <p:cNvPr id="19" name="제목 1">
+            <p:cNvPr id="13" name="제목 1">
               <a:extLst>
                 <a:ext uri="{FF2B5EF4-FFF2-40B4-BE49-F238E27FC236}">
-                  <a16:creationId xmlns:a16="http://schemas.microsoft.com/office/drawing/2014/main" xmlns="" id="{C81F722D-4B48-4A95-A641-3D56FBE60117}"/>
+                  <a16:creationId xmlns:a16="http://schemas.microsoft.com/office/drawing/2014/main" id="{220D6916-D4DC-4763-82CC-92309465EA89}"/>
                 </a:ext>
               </a:extLst>
             </p:cNvPr>
@@ -13643,12 +16288,34 @@
               <a:r>
                 <a:rPr lang="en-US" altLang="ko-KR" sz="2000" b="1" dirty="0">
                   <a:solidFill>
+                    <a:srgbClr val="DDDDDD"/>
+                  </a:solidFill>
+                  <a:latin typeface="+mn-ea"/>
+                  <a:ea typeface="+mn-ea"/>
+                </a:rPr>
+                <a:t>01</a:t>
+              </a:r>
+              <a:r>
+                <a:rPr lang="en-US" altLang="ko-KR" sz="2000" b="1" dirty="0">
+                  <a:solidFill>
                     <a:srgbClr val="11264F"/>
                   </a:solidFill>
                   <a:latin typeface="+mn-ea"/>
                   <a:ea typeface="+mn-ea"/>
                 </a:rPr>
-                <a:t>01 </a:t>
+                <a:t>  02</a:t>
+              </a:r>
+              <a:r>
+                <a:rPr lang="en-US" altLang="ko-KR" sz="2000" b="1" dirty="0">
+                  <a:solidFill>
+                    <a:schemeClr val="bg1">
+                      <a:lumMod val="75000"/>
+                    </a:schemeClr>
+                  </a:solidFill>
+                  <a:latin typeface="+mn-ea"/>
+                  <a:ea typeface="+mn-ea"/>
+                </a:rPr>
+                <a:t> </a:t>
               </a:r>
               <a:r>
                 <a:rPr lang="ko-KR" altLang="en-US" sz="2000" b="1" dirty="0">
@@ -13690,7 +16357,7 @@
                   <a:latin typeface="+mn-ea"/>
                   <a:ea typeface="+mn-ea"/>
                 </a:rPr>
-                <a:t>02</a:t>
+                <a:t>03</a:t>
               </a:r>
               <a:endParaRPr lang="en-US" sz="2000" b="1" dirty="0">
                 <a:solidFill>
@@ -13706,10 +16373,10 @@
         </p:sp>
         <p:grpSp>
           <p:nvGrpSpPr>
-            <p:cNvPr id="20" name="그룹 19">
+            <p:cNvPr id="14" name="그룹 13">
               <a:extLst>
                 <a:ext uri="{FF2B5EF4-FFF2-40B4-BE49-F238E27FC236}">
-                  <a16:creationId xmlns:a16="http://schemas.microsoft.com/office/drawing/2014/main" xmlns="" id="{6DEA7B62-5DEE-4EE9-A8EB-E3A373FDC016}"/>
+                  <a16:creationId xmlns:a16="http://schemas.microsoft.com/office/drawing/2014/main" id="{A5A195F8-3B2C-441C-96CA-1BF278BAB17D}"/>
                 </a:ext>
               </a:extLst>
             </p:cNvPr>
@@ -13726,10 +16393,10 @@
           </p:grpSpPr>
           <p:sp>
             <p:nvSpPr>
-              <p:cNvPr id="21" name="이등변 삼각형 20">
+              <p:cNvPr id="15" name="이등변 삼각형 14">
                 <a:extLst>
                   <a:ext uri="{FF2B5EF4-FFF2-40B4-BE49-F238E27FC236}">
-                    <a16:creationId xmlns:a16="http://schemas.microsoft.com/office/drawing/2014/main" xmlns="" id="{1D75FF35-DF76-4C2A-A720-005470377A80}"/>
+                    <a16:creationId xmlns:a16="http://schemas.microsoft.com/office/drawing/2014/main" id="{EF2B13C9-7693-4A0C-A1FE-A347E57E74C7}"/>
                   </a:ext>
                 </a:extLst>
               </p:cNvPr>
@@ -13780,10 +16447,10 @@
           </p:sp>
           <p:sp>
             <p:nvSpPr>
-              <p:cNvPr id="22" name="직사각형 21">
+              <p:cNvPr id="16" name="직사각형 15">
                 <a:extLst>
                   <a:ext uri="{FF2B5EF4-FFF2-40B4-BE49-F238E27FC236}">
-                    <a16:creationId xmlns:a16="http://schemas.microsoft.com/office/drawing/2014/main" xmlns="" id="{A4BD2A69-33B3-4865-9710-719F50992A4B}"/>
+                    <a16:creationId xmlns:a16="http://schemas.microsoft.com/office/drawing/2014/main" id="{86057FEC-1C0E-4332-941A-479B9DE68AC1}"/>
                   </a:ext>
                 </a:extLst>
               </p:cNvPr>
@@ -13834,10 +16501,10 @@
           </p:sp>
           <p:sp>
             <p:nvSpPr>
-              <p:cNvPr id="23" name="직사각형 22">
+              <p:cNvPr id="24" name="직사각형 23">
                 <a:extLst>
                   <a:ext uri="{FF2B5EF4-FFF2-40B4-BE49-F238E27FC236}">
-                    <a16:creationId xmlns:a16="http://schemas.microsoft.com/office/drawing/2014/main" xmlns="" id="{F7FFE4C3-D2BB-4179-91BF-B1B6D13E0D10}"/>
+                    <a16:creationId xmlns:a16="http://schemas.microsoft.com/office/drawing/2014/main" id="{86025ABD-CD1F-4E5F-9F7F-0528F46696FC}"/>
                   </a:ext>
                 </a:extLst>
               </p:cNvPr>
@@ -13881,1029 +16548,6 @@
     <p:extLst>
       <p:ext uri="{BB962C8B-B14F-4D97-AF65-F5344CB8AC3E}">
         <p14:creationId xmlns:p14="http://schemas.microsoft.com/office/powerpoint/2010/main" val="3435446412"/>
-      </p:ext>
-    </p:extLst>
-  </p:cSld>
-  <p:clrMapOvr>
-    <a:masterClrMapping/>
-  </p:clrMapOvr>
-</p:sld>
-</file>
-
-<file path=ppt/slides/slide8.xml><?xml version="1.0" encoding="utf-8"?>
-<p:sld xmlns:a="http://schemas.openxmlformats.org/drawingml/2006/main" xmlns:r="http://schemas.openxmlformats.org/officeDocument/2006/relationships" xmlns:p="http://schemas.openxmlformats.org/presentationml/2006/main">
-  <p:cSld>
-    <p:spTree>
-      <p:nvGrpSpPr>
-        <p:cNvPr id="1" name=""/>
-        <p:cNvGrpSpPr/>
-        <p:nvPr/>
-      </p:nvGrpSpPr>
-      <p:grpSpPr>
-        <a:xfrm>
-          <a:off x="0" y="0"/>
-          <a:ext cx="0" cy="0"/>
-          <a:chOff x="0" y="0"/>
-          <a:chExt cx="0" cy="0"/>
-        </a:xfrm>
-      </p:grpSpPr>
-      <p:pic>
-        <p:nvPicPr>
-          <p:cNvPr id="6" name="그림 5">
-            <a:extLst>
-              <a:ext uri="{FF2B5EF4-FFF2-40B4-BE49-F238E27FC236}">
-                <a16:creationId xmlns:a16="http://schemas.microsoft.com/office/drawing/2014/main" xmlns="" id="{E1179556-964B-4E07-B182-4D60B4322A80}"/>
-              </a:ext>
-            </a:extLst>
-          </p:cNvPr>
-          <p:cNvPicPr>
-            <a:picLocks noChangeAspect="1"/>
-          </p:cNvPicPr>
-          <p:nvPr/>
-        </p:nvPicPr>
-        <p:blipFill rotWithShape="1">
-          <a:blip r:embed="rId3"/>
-          <a:srcRect b="36286"/>
-          <a:stretch/>
-        </p:blipFill>
-        <p:spPr>
-          <a:xfrm>
-            <a:off x="0" y="4553210"/>
-            <a:ext cx="9906000" cy="2107254"/>
-          </a:xfrm>
-          <a:prstGeom prst="rect">
-            <a:avLst/>
-          </a:prstGeom>
-          <a:ln>
-            <a:solidFill>
-              <a:srgbClr val="11264F"/>
-            </a:solidFill>
-          </a:ln>
-        </p:spPr>
-      </p:pic>
-      <p:grpSp>
-        <p:nvGrpSpPr>
-          <p:cNvPr id="10" name="그룹 9">
-            <a:extLst>
-              <a:ext uri="{FF2B5EF4-FFF2-40B4-BE49-F238E27FC236}">
-                <a16:creationId xmlns:a16="http://schemas.microsoft.com/office/drawing/2014/main" xmlns="" id="{6DBFD39B-C829-4D4A-8E94-3E8CCC4A1296}"/>
-              </a:ext>
-            </a:extLst>
-          </p:cNvPr>
-          <p:cNvGrpSpPr/>
-          <p:nvPr/>
-        </p:nvGrpSpPr>
-        <p:grpSpPr>
-          <a:xfrm>
-            <a:off x="0" y="1551025"/>
-            <a:ext cx="9906000" cy="1800200"/>
-            <a:chOff x="0" y="1844824"/>
-            <a:chExt cx="9906000" cy="1800200"/>
-          </a:xfrm>
-        </p:grpSpPr>
-        <p:pic>
-          <p:nvPicPr>
-            <p:cNvPr id="3" name="그림 2">
-              <a:extLst>
-                <a:ext uri="{FF2B5EF4-FFF2-40B4-BE49-F238E27FC236}">
-                  <a16:creationId xmlns:a16="http://schemas.microsoft.com/office/drawing/2014/main" xmlns="" id="{2C3A9987-D64D-4E29-A012-669C49D93BD3}"/>
-                </a:ext>
-              </a:extLst>
-            </p:cNvPr>
-            <p:cNvPicPr>
-              <a:picLocks noChangeAspect="1"/>
-            </p:cNvPicPr>
-            <p:nvPr/>
-          </p:nvPicPr>
-          <p:blipFill rotWithShape="1">
-            <a:blip r:embed="rId4"/>
-            <a:srcRect b="8892"/>
-            <a:stretch/>
-          </p:blipFill>
-          <p:spPr>
-            <a:xfrm>
-              <a:off x="0" y="1844824"/>
-              <a:ext cx="9906000" cy="1800200"/>
-            </a:xfrm>
-            <a:prstGeom prst="rect">
-              <a:avLst/>
-            </a:prstGeom>
-            <a:ln>
-              <a:solidFill>
-                <a:srgbClr val="11264F"/>
-              </a:solidFill>
-            </a:ln>
-          </p:spPr>
-        </p:pic>
-        <p:sp>
-          <p:nvSpPr>
-            <p:cNvPr id="9" name="직사각형 8">
-              <a:extLst>
-                <a:ext uri="{FF2B5EF4-FFF2-40B4-BE49-F238E27FC236}">
-                  <a16:creationId xmlns:a16="http://schemas.microsoft.com/office/drawing/2014/main" xmlns="" id="{93ED233C-CC5A-46A7-957C-E4CC43B64746}"/>
-                </a:ext>
-              </a:extLst>
-            </p:cNvPr>
-            <p:cNvSpPr/>
-            <p:nvPr/>
-          </p:nvSpPr>
-          <p:spPr>
-            <a:xfrm>
-              <a:off x="1447850" y="3307404"/>
-              <a:ext cx="1512168" cy="337620"/>
-            </a:xfrm>
-            <a:prstGeom prst="rect">
-              <a:avLst/>
-            </a:prstGeom>
-            <a:noFill/>
-            <a:ln>
-              <a:solidFill>
-                <a:srgbClr val="FF0000"/>
-              </a:solidFill>
-            </a:ln>
-          </p:spPr>
-          <p:style>
-            <a:lnRef idx="2">
-              <a:schemeClr val="accent1">
-                <a:shade val="50000"/>
-              </a:schemeClr>
-            </a:lnRef>
-            <a:fillRef idx="1">
-              <a:schemeClr val="accent1"/>
-            </a:fillRef>
-            <a:effectRef idx="0">
-              <a:schemeClr val="accent1"/>
-            </a:effectRef>
-            <a:fontRef idx="minor">
-              <a:schemeClr val="lt1"/>
-            </a:fontRef>
-          </p:style>
-          <p:txBody>
-            <a:bodyPr rtlCol="0" anchor="ctr"/>
-            <a:lstStyle/>
-            <a:p>
-              <a:pPr algn="ctr"/>
-              <a:endParaRPr lang="ko-KR" altLang="en-US" dirty="0"/>
-            </a:p>
-          </p:txBody>
-        </p:sp>
-      </p:grpSp>
-      <p:grpSp>
-        <p:nvGrpSpPr>
-          <p:cNvPr id="23" name="그룹 22">
-            <a:extLst>
-              <a:ext uri="{FF2B5EF4-FFF2-40B4-BE49-F238E27FC236}">
-                <a16:creationId xmlns:a16="http://schemas.microsoft.com/office/drawing/2014/main" xmlns="" id="{7FAC8393-563B-418C-BEFF-09FC20CE0D51}"/>
-              </a:ext>
-            </a:extLst>
-          </p:cNvPr>
-          <p:cNvGrpSpPr/>
-          <p:nvPr/>
-        </p:nvGrpSpPr>
-        <p:grpSpPr>
-          <a:xfrm>
-            <a:off x="0" y="188639"/>
-            <a:ext cx="9906000" cy="729947"/>
-            <a:chOff x="0" y="188639"/>
-            <a:chExt cx="9906000" cy="729947"/>
-          </a:xfrm>
-        </p:grpSpPr>
-        <p:sp>
-          <p:nvSpPr>
-            <p:cNvPr id="24" name="직사각형 23">
-              <a:extLst>
-                <a:ext uri="{FF2B5EF4-FFF2-40B4-BE49-F238E27FC236}">
-                  <a16:creationId xmlns:a16="http://schemas.microsoft.com/office/drawing/2014/main" xmlns="" id="{6DC10676-AFA7-4919-8098-F90CEB0093D7}"/>
-                </a:ext>
-              </a:extLst>
-            </p:cNvPr>
-            <p:cNvSpPr/>
-            <p:nvPr/>
-          </p:nvSpPr>
-          <p:spPr>
-            <a:xfrm>
-              <a:off x="0" y="824266"/>
-              <a:ext cx="9906000" cy="94320"/>
-            </a:xfrm>
-            <a:prstGeom prst="rect">
-              <a:avLst/>
-            </a:prstGeom>
-            <a:solidFill>
-              <a:srgbClr val="11264F"/>
-            </a:solidFill>
-            <a:ln>
-              <a:noFill/>
-            </a:ln>
-          </p:spPr>
-          <p:style>
-            <a:lnRef idx="2">
-              <a:schemeClr val="accent1">
-                <a:shade val="50000"/>
-              </a:schemeClr>
-            </a:lnRef>
-            <a:fillRef idx="1">
-              <a:schemeClr val="accent1"/>
-            </a:fillRef>
-            <a:effectRef idx="0">
-              <a:schemeClr val="accent1"/>
-            </a:effectRef>
-            <a:fontRef idx="minor">
-              <a:schemeClr val="lt1"/>
-            </a:fontRef>
-          </p:style>
-          <p:txBody>
-            <a:bodyPr rtlCol="0" anchor="ctr"/>
-            <a:lstStyle/>
-            <a:p>
-              <a:pPr algn="ctr"/>
-              <a:endParaRPr lang="ko-KR" altLang="en-US">
-                <a:latin typeface="+mn-ea"/>
-              </a:endParaRPr>
-            </a:p>
-          </p:txBody>
-        </p:sp>
-        <p:sp>
-          <p:nvSpPr>
-            <p:cNvPr id="25" name="제목 1">
-              <a:extLst>
-                <a:ext uri="{FF2B5EF4-FFF2-40B4-BE49-F238E27FC236}">
-                  <a16:creationId xmlns:a16="http://schemas.microsoft.com/office/drawing/2014/main" xmlns="" id="{2A0BFE42-5891-41B3-A036-C0789212DC2F}"/>
-                </a:ext>
-              </a:extLst>
-            </p:cNvPr>
-            <p:cNvSpPr txBox="1">
-              <a:spLocks/>
-            </p:cNvSpPr>
-            <p:nvPr/>
-          </p:nvSpPr>
-          <p:spPr>
-            <a:xfrm>
-              <a:off x="3" y="188639"/>
-              <a:ext cx="8390175" cy="726759"/>
-            </a:xfrm>
-            <a:prstGeom prst="rect">
-              <a:avLst/>
-            </a:prstGeom>
-            <a:noFill/>
-            <a:ln>
-              <a:noFill/>
-            </a:ln>
-          </p:spPr>
-          <p:txBody>
-            <a:bodyPr vert="horz" wrap="square" lIns="90000" tIns="45000" rIns="90000" bIns="45000" anchor="ctr" anchorCtr="0"/>
-            <a:lstStyle>
-              <a:defPPr lvl="0">
-                <a:buSzPct val="45000"/>
-                <a:buFont typeface="StarSymbol"/>
-                <a:buNone/>
-                <a:defRPr/>
-              </a:defPPr>
-              <a:lvl1pPr lvl="0" algn="ctr" rtl="0" hangingPunct="1">
-                <a:spcBef>
-                  <a:spcPts val="0"/>
-                </a:spcBef>
-                <a:spcAft>
-                  <a:spcPts val="0"/>
-                </a:spcAft>
-                <a:buSzPct val="45000"/>
-                <a:buFont typeface="StarSymbol"/>
-                <a:buChar char="●"/>
-                <a:tabLst/>
-                <a:defRPr lang="ko-KR" sz="4400" b="0" i="0" u="none" strike="noStrike" kern="1200" spc="0">
-                  <a:ln>
-                    <a:noFill/>
-                  </a:ln>
-                  <a:solidFill>
-                    <a:srgbClr val="000000"/>
-                  </a:solidFill>
-                  <a:latin typeface="맑은 고딕" pitchFamily="18"/>
-                  <a:ea typeface="굴림" pitchFamily="2"/>
-                  <a:cs typeface="Arial" pitchFamily="2"/>
-                </a:defRPr>
-              </a:lvl1pPr>
-              <a:lvl2pPr lvl="1">
-                <a:buSzPct val="45000"/>
-                <a:buFont typeface="StarSymbol"/>
-                <a:buChar char="●"/>
-                <a:defRPr/>
-              </a:lvl2pPr>
-              <a:lvl3pPr lvl="2">
-                <a:buSzPct val="45000"/>
-                <a:buFont typeface="StarSymbol"/>
-                <a:buChar char="●"/>
-                <a:defRPr/>
-              </a:lvl3pPr>
-              <a:lvl4pPr lvl="3">
-                <a:buSzPct val="45000"/>
-                <a:buFont typeface="StarSymbol"/>
-                <a:buChar char="●"/>
-                <a:defRPr/>
-              </a:lvl4pPr>
-              <a:lvl5pPr lvl="4">
-                <a:buSzPct val="45000"/>
-                <a:buFont typeface="StarSymbol"/>
-                <a:buChar char="●"/>
-                <a:defRPr/>
-              </a:lvl5pPr>
-              <a:lvl6pPr lvl="5">
-                <a:buSzPct val="45000"/>
-                <a:buFont typeface="StarSymbol"/>
-                <a:buChar char="●"/>
-                <a:defRPr/>
-              </a:lvl6pPr>
-              <a:lvl7pPr lvl="6">
-                <a:buSzPct val="45000"/>
-                <a:buFont typeface="StarSymbol"/>
-                <a:buChar char="●"/>
-                <a:defRPr/>
-              </a:lvl7pPr>
-              <a:lvl8pPr lvl="7">
-                <a:buSzPct val="45000"/>
-                <a:buFont typeface="StarSymbol"/>
-                <a:buChar char="●"/>
-                <a:defRPr/>
-              </a:lvl8pPr>
-              <a:lvl9pPr lvl="8">
-                <a:buSzPct val="45000"/>
-                <a:buFont typeface="StarSymbol"/>
-                <a:buChar char="●"/>
-                <a:defRPr/>
-              </a:lvl9pPr>
-            </a:lstStyle>
-            <a:p>
-              <a:pPr algn="l" latinLnBrk="0">
-                <a:buFont typeface="StarSymbol"/>
-                <a:buNone/>
-              </a:pPr>
-              <a:r>
-                <a:rPr lang="ko-KR" altLang="en-US" sz="2000" b="1" dirty="0">
-                  <a:solidFill>
-                    <a:srgbClr val="11264F"/>
-                  </a:solidFill>
-                  <a:latin typeface="+mn-ea"/>
-                  <a:ea typeface="+mn-ea"/>
-                </a:rPr>
-                <a:t> </a:t>
-              </a:r>
-              <a:r>
-                <a:rPr lang="en-US" altLang="ko-KR" sz="2000" b="1" dirty="0">
-                  <a:solidFill>
-                    <a:schemeClr val="bg1">
-                      <a:lumMod val="75000"/>
-                    </a:schemeClr>
-                  </a:solidFill>
-                  <a:latin typeface="+mn-ea"/>
-                  <a:ea typeface="+mn-ea"/>
-                </a:rPr>
-                <a:t>01</a:t>
-              </a:r>
-              <a:r>
-                <a:rPr lang="en-US" altLang="ko-KR" sz="2000" b="1" dirty="0">
-                  <a:solidFill>
-                    <a:srgbClr val="11264F"/>
-                  </a:solidFill>
-                  <a:latin typeface="+mn-ea"/>
-                  <a:ea typeface="+mn-ea"/>
-                </a:rPr>
-                <a:t>  02 </a:t>
-              </a:r>
-              <a:r>
-                <a:rPr lang="ko-KR" altLang="en-US" sz="2000" b="1" dirty="0">
-                  <a:solidFill>
-                    <a:srgbClr val="11264F"/>
-                  </a:solidFill>
-                  <a:latin typeface="+mn-ea"/>
-                  <a:ea typeface="+mn-ea"/>
-                </a:rPr>
-                <a:t>오라클 </a:t>
-              </a:r>
-              <a:r>
-                <a:rPr lang="en-US" altLang="ko-KR" sz="2000" b="1" dirty="0">
-                  <a:solidFill>
-                    <a:srgbClr val="11264F"/>
-                  </a:solidFill>
-                  <a:latin typeface="+mn-ea"/>
-                  <a:ea typeface="+mn-ea"/>
-                </a:rPr>
-                <a:t>- Data Import</a:t>
-              </a:r>
-              <a:endParaRPr lang="en-US" sz="2000" b="1" dirty="0">
-                <a:solidFill>
-                  <a:schemeClr val="bg1">
-                    <a:lumMod val="75000"/>
-                  </a:schemeClr>
-                </a:solidFill>
-                <a:latin typeface="+mn-ea"/>
-                <a:ea typeface="+mn-ea"/>
-              </a:endParaRPr>
-            </a:p>
-          </p:txBody>
-        </p:sp>
-        <p:grpSp>
-          <p:nvGrpSpPr>
-            <p:cNvPr id="26" name="그룹 25">
-              <a:extLst>
-                <a:ext uri="{FF2B5EF4-FFF2-40B4-BE49-F238E27FC236}">
-                  <a16:creationId xmlns:a16="http://schemas.microsoft.com/office/drawing/2014/main" xmlns="" id="{CF670AC7-9B38-4339-B12F-7C6ED3D29482}"/>
-                </a:ext>
-              </a:extLst>
-            </p:cNvPr>
-            <p:cNvGrpSpPr/>
-            <p:nvPr/>
-          </p:nvGrpSpPr>
-          <p:grpSpPr>
-            <a:xfrm>
-              <a:off x="8265368" y="497933"/>
-              <a:ext cx="1640632" cy="417466"/>
-              <a:chOff x="8265368" y="497933"/>
-              <a:chExt cx="1640632" cy="417466"/>
-            </a:xfrm>
-          </p:grpSpPr>
-          <p:sp>
-            <p:nvSpPr>
-              <p:cNvPr id="27" name="이등변 삼각형 26">
-                <a:extLst>
-                  <a:ext uri="{FF2B5EF4-FFF2-40B4-BE49-F238E27FC236}">
-                    <a16:creationId xmlns:a16="http://schemas.microsoft.com/office/drawing/2014/main" xmlns="" id="{F04592E1-168A-4AD5-856D-2AA4CFB83F3C}"/>
-                  </a:ext>
-                </a:extLst>
-              </p:cNvPr>
-              <p:cNvSpPr/>
-              <p:nvPr/>
-            </p:nvSpPr>
-            <p:spPr>
-              <a:xfrm>
-                <a:off x="8265368" y="497933"/>
-                <a:ext cx="432048" cy="326333"/>
-              </a:xfrm>
-              <a:prstGeom prst="triangle">
-                <a:avLst/>
-              </a:prstGeom>
-              <a:solidFill>
-                <a:srgbClr val="11264F"/>
-              </a:solidFill>
-              <a:ln>
-                <a:noFill/>
-              </a:ln>
-            </p:spPr>
-            <p:style>
-              <a:lnRef idx="2">
-                <a:schemeClr val="accent1">
-                  <a:shade val="50000"/>
-                </a:schemeClr>
-              </a:lnRef>
-              <a:fillRef idx="1">
-                <a:schemeClr val="accent1"/>
-              </a:fillRef>
-              <a:effectRef idx="0">
-                <a:schemeClr val="accent1"/>
-              </a:effectRef>
-              <a:fontRef idx="minor">
-                <a:schemeClr val="lt1"/>
-              </a:fontRef>
-            </p:style>
-            <p:txBody>
-              <a:bodyPr rtlCol="0" anchor="ctr"/>
-              <a:lstStyle/>
-              <a:p>
-                <a:pPr algn="ctr"/>
-                <a:endParaRPr lang="ko-KR" altLang="en-US">
-                  <a:latin typeface="+mn-ea"/>
-                </a:endParaRPr>
-              </a:p>
-            </p:txBody>
-          </p:sp>
-          <p:sp>
-            <p:nvSpPr>
-              <p:cNvPr id="28" name="직사각형 27">
-                <a:extLst>
-                  <a:ext uri="{FF2B5EF4-FFF2-40B4-BE49-F238E27FC236}">
-                    <a16:creationId xmlns:a16="http://schemas.microsoft.com/office/drawing/2014/main" xmlns="" id="{7EF9529F-4C3C-465C-8818-EE64707F7F64}"/>
-                  </a:ext>
-                </a:extLst>
-              </p:cNvPr>
-              <p:cNvSpPr/>
-              <p:nvPr/>
-            </p:nvSpPr>
-            <p:spPr>
-              <a:xfrm>
-                <a:off x="8481392" y="497933"/>
-                <a:ext cx="1424608" cy="373493"/>
-              </a:xfrm>
-              <a:prstGeom prst="rect">
-                <a:avLst/>
-              </a:prstGeom>
-              <a:solidFill>
-                <a:srgbClr val="11264F"/>
-              </a:solidFill>
-              <a:ln>
-                <a:noFill/>
-              </a:ln>
-            </p:spPr>
-            <p:style>
-              <a:lnRef idx="2">
-                <a:schemeClr val="accent1">
-                  <a:shade val="50000"/>
-                </a:schemeClr>
-              </a:lnRef>
-              <a:fillRef idx="1">
-                <a:schemeClr val="accent1"/>
-              </a:fillRef>
-              <a:effectRef idx="0">
-                <a:schemeClr val="accent1"/>
-              </a:effectRef>
-              <a:fontRef idx="minor">
-                <a:schemeClr val="lt1"/>
-              </a:fontRef>
-            </p:style>
-            <p:txBody>
-              <a:bodyPr rtlCol="0" anchor="ctr"/>
-              <a:lstStyle/>
-              <a:p>
-                <a:pPr algn="ctr"/>
-                <a:endParaRPr lang="ko-KR" altLang="en-US">
-                  <a:latin typeface="+mn-ea"/>
-                </a:endParaRPr>
-              </a:p>
-            </p:txBody>
-          </p:sp>
-          <p:sp>
-            <p:nvSpPr>
-              <p:cNvPr id="30" name="직사각형 29">
-                <a:extLst>
-                  <a:ext uri="{FF2B5EF4-FFF2-40B4-BE49-F238E27FC236}">
-                    <a16:creationId xmlns:a16="http://schemas.microsoft.com/office/drawing/2014/main" xmlns="" id="{1FFB07C4-BEEA-4C34-BD07-4DF2FC57F351}"/>
-                  </a:ext>
-                </a:extLst>
-              </p:cNvPr>
-              <p:cNvSpPr/>
-              <p:nvPr/>
-            </p:nvSpPr>
-            <p:spPr>
-              <a:xfrm>
-                <a:off x="8711636" y="515289"/>
-                <a:ext cx="975267" cy="400110"/>
-              </a:xfrm>
-              <a:prstGeom prst="rect">
-                <a:avLst/>
-              </a:prstGeom>
-            </p:spPr>
-            <p:txBody>
-              <a:bodyPr wrap="none">
-                <a:spAutoFit/>
-              </a:bodyPr>
-              <a:lstStyle/>
-              <a:p>
-                <a:pPr latinLnBrk="0">
-                  <a:buFont typeface="StarSymbol"/>
-                  <a:buNone/>
-                </a:pPr>
-                <a:r>
-                  <a:rPr lang="en-US" altLang="ko-KR" b="1" dirty="0">
-                    <a:solidFill>
-                      <a:srgbClr val="FFCC00"/>
-                    </a:solidFill>
-                    <a:latin typeface="+mn-ea"/>
-                  </a:rPr>
-                  <a:t>Team3</a:t>
-                </a:r>
-              </a:p>
-            </p:txBody>
-          </p:sp>
-        </p:grpSp>
-      </p:grpSp>
-      <p:sp>
-        <p:nvSpPr>
-          <p:cNvPr id="13" name="TextBox 12">
-            <a:extLst>
-              <a:ext uri="{FF2B5EF4-FFF2-40B4-BE49-F238E27FC236}">
-                <a16:creationId xmlns:a16="http://schemas.microsoft.com/office/drawing/2014/main" xmlns="" id="{60DEF396-9EAC-495D-A199-BBB48A79C245}"/>
-              </a:ext>
-            </a:extLst>
-          </p:cNvPr>
-          <p:cNvSpPr txBox="1"/>
-          <p:nvPr/>
-        </p:nvSpPr>
-        <p:spPr>
-          <a:xfrm>
-            <a:off x="344488" y="1101380"/>
-            <a:ext cx="9217024" cy="323165"/>
-          </a:xfrm>
-          <a:prstGeom prst="rect">
-            <a:avLst/>
-          </a:prstGeom>
-          <a:noFill/>
-        </p:spPr>
-        <p:txBody>
-          <a:bodyPr wrap="square" rtlCol="0">
-            <a:spAutoFit/>
-          </a:bodyPr>
-          <a:lstStyle/>
-          <a:p>
-            <a:pPr latinLnBrk="1"/>
-            <a:r>
-              <a:rPr lang="en-US" altLang="ko-KR" sz="1500" b="1" dirty="0">
-                <a:solidFill>
-                  <a:srgbClr val="11264F"/>
-                </a:solidFill>
-              </a:rPr>
-              <a:t>1. 5_team3.sql : </a:t>
-            </a:r>
-            <a:r>
-              <a:rPr lang="ko-KR" altLang="en-US" sz="1500" b="1" dirty="0">
-                <a:solidFill>
-                  <a:srgbClr val="11264F"/>
-                </a:solidFill>
-              </a:rPr>
-              <a:t>학사관리시스템에 필요한 테이블이나 데이터에 대한 쿼리가 담긴 스크립트 파일</a:t>
-            </a:r>
-          </a:p>
-        </p:txBody>
-      </p:sp>
-      <p:sp>
-        <p:nvSpPr>
-          <p:cNvPr id="32" name="TextBox 31">
-            <a:extLst>
-              <a:ext uri="{FF2B5EF4-FFF2-40B4-BE49-F238E27FC236}">
-                <a16:creationId xmlns:a16="http://schemas.microsoft.com/office/drawing/2014/main" xmlns="" id="{68F47B68-6635-4563-A1BF-F5E30339444D}"/>
-              </a:ext>
-            </a:extLst>
-          </p:cNvPr>
-          <p:cNvSpPr txBox="1"/>
-          <p:nvPr/>
-        </p:nvSpPr>
-        <p:spPr>
-          <a:xfrm>
-            <a:off x="344488" y="3940448"/>
-            <a:ext cx="9217024" cy="553998"/>
-          </a:xfrm>
-          <a:prstGeom prst="rect">
-            <a:avLst/>
-          </a:prstGeom>
-          <a:noFill/>
-        </p:spPr>
-        <p:txBody>
-          <a:bodyPr wrap="square" rtlCol="0">
-            <a:spAutoFit/>
-          </a:bodyPr>
-          <a:lstStyle/>
-          <a:p>
-            <a:pPr latinLnBrk="1"/>
-            <a:r>
-              <a:rPr lang="en-US" altLang="ko-KR" sz="1500" b="1" dirty="0">
-                <a:solidFill>
-                  <a:srgbClr val="11264F"/>
-                </a:solidFill>
-              </a:rPr>
-              <a:t>2. </a:t>
-            </a:r>
-            <a:r>
-              <a:rPr lang="en-US" altLang="ko-KR" sz="1500" b="1" dirty="0" err="1">
-                <a:solidFill>
-                  <a:srgbClr val="11264F"/>
-                </a:solidFill>
-              </a:rPr>
-              <a:t>sql</a:t>
-            </a:r>
-            <a:r>
-              <a:rPr lang="ko-KR" altLang="en-US" sz="1500" b="1" dirty="0">
-                <a:solidFill>
-                  <a:srgbClr val="11264F"/>
-                </a:solidFill>
-              </a:rPr>
-              <a:t> 작성시트에 아래와 같이 입력하면 </a:t>
-            </a:r>
-            <a:r>
-              <a:rPr lang="en-US" altLang="ko-KR" sz="1500" b="1" dirty="0">
-                <a:solidFill>
-                  <a:srgbClr val="11264F"/>
-                </a:solidFill>
-              </a:rPr>
-              <a:t>5_team3_sql</a:t>
-            </a:r>
-            <a:r>
-              <a:rPr lang="ko-KR" altLang="en-US" sz="1500" b="1" dirty="0">
-                <a:solidFill>
-                  <a:srgbClr val="11264F"/>
-                </a:solidFill>
-              </a:rPr>
-              <a:t>에 있는 쿼리가 실행되어 테이블과 데이터가 삽입</a:t>
-            </a:r>
-            <a:endParaRPr lang="en-US" altLang="ko-KR" sz="1500" b="1" dirty="0">
-              <a:solidFill>
-                <a:srgbClr val="11264F"/>
-              </a:solidFill>
-            </a:endParaRPr>
-          </a:p>
-          <a:p>
-            <a:pPr latinLnBrk="1"/>
-            <a:r>
-              <a:rPr lang="en-US" altLang="ko-KR" sz="1500" b="1" dirty="0">
-                <a:solidFill>
-                  <a:srgbClr val="11264F"/>
-                </a:solidFill>
-              </a:rPr>
-              <a:t>@</a:t>
-            </a:r>
-            <a:r>
-              <a:rPr lang="ko-KR" altLang="en-US" sz="1500" b="1" dirty="0">
-                <a:solidFill>
-                  <a:srgbClr val="11264F"/>
-                </a:solidFill>
-              </a:rPr>
-              <a:t>파일위치</a:t>
-            </a:r>
-            <a:r>
-              <a:rPr lang="en-US" altLang="ko-KR" sz="1500" b="1" dirty="0">
-                <a:solidFill>
-                  <a:srgbClr val="11264F"/>
-                </a:solidFill>
-              </a:rPr>
-              <a:t>\5_team3.sql;</a:t>
-            </a:r>
-            <a:endParaRPr lang="ko-KR" altLang="en-US" sz="1500" b="1" dirty="0">
-              <a:solidFill>
-                <a:srgbClr val="FF0000"/>
-              </a:solidFill>
-            </a:endParaRPr>
-          </a:p>
-        </p:txBody>
-      </p:sp>
-    </p:spTree>
-    <p:extLst>
-      <p:ext uri="{BB962C8B-B14F-4D97-AF65-F5344CB8AC3E}">
-        <p14:creationId xmlns:p14="http://schemas.microsoft.com/office/powerpoint/2010/main" val="544004880"/>
-      </p:ext>
-    </p:extLst>
-  </p:cSld>
-  <p:clrMapOvr>
-    <a:masterClrMapping/>
-  </p:clrMapOvr>
-</p:sld>
-</file>
-
-<file path=ppt/slides/slide9.xml><?xml version="1.0" encoding="utf-8"?>
-<p:sld xmlns:a="http://schemas.openxmlformats.org/drawingml/2006/main" xmlns:r="http://schemas.openxmlformats.org/officeDocument/2006/relationships" xmlns:p="http://schemas.openxmlformats.org/presentationml/2006/main">
-  <p:cSld>
-    <p:spTree>
-      <p:nvGrpSpPr>
-        <p:cNvPr id="1" name=""/>
-        <p:cNvGrpSpPr/>
-        <p:nvPr/>
-      </p:nvGrpSpPr>
-      <p:grpSpPr>
-        <a:xfrm>
-          <a:off x="0" y="0"/>
-          <a:ext cx="0" cy="0"/>
-          <a:chOff x="0" y="0"/>
-          <a:chExt cx="0" cy="0"/>
-        </a:xfrm>
-      </p:grpSpPr>
-      <p:grpSp>
-        <p:nvGrpSpPr>
-          <p:cNvPr id="13" name="그룹 12">
-            <a:extLst>
-              <a:ext uri="{FF2B5EF4-FFF2-40B4-BE49-F238E27FC236}">
-                <a16:creationId xmlns:a16="http://schemas.microsoft.com/office/drawing/2014/main" xmlns="" id="{D5DC0CAD-3D03-4B34-8883-F99CAA088979}"/>
-              </a:ext>
-            </a:extLst>
-          </p:cNvPr>
-          <p:cNvGrpSpPr/>
-          <p:nvPr/>
-        </p:nvGrpSpPr>
-        <p:grpSpPr>
-          <a:xfrm>
-            <a:off x="2144688" y="764704"/>
-            <a:ext cx="5616624" cy="722198"/>
-            <a:chOff x="2144688" y="2703007"/>
-            <a:chExt cx="5616624" cy="722198"/>
-          </a:xfrm>
-        </p:grpSpPr>
-        <p:sp>
-          <p:nvSpPr>
-            <p:cNvPr id="2" name="TextBox 1">
-              <a:extLst>
-                <a:ext uri="{FF2B5EF4-FFF2-40B4-BE49-F238E27FC236}">
-                  <a16:creationId xmlns:a16="http://schemas.microsoft.com/office/drawing/2014/main" xmlns="" id="{A52EBF5A-913C-4EFA-B0EE-3AB52538E2B7}"/>
-                </a:ext>
-              </a:extLst>
-            </p:cNvPr>
-            <p:cNvSpPr txBox="1"/>
-            <p:nvPr/>
-          </p:nvSpPr>
-          <p:spPr>
-            <a:xfrm>
-              <a:off x="3008784" y="2763301"/>
-              <a:ext cx="4752528" cy="615553"/>
-            </a:xfrm>
-            <a:prstGeom prst="rect">
-              <a:avLst/>
-            </a:prstGeom>
-            <a:noFill/>
-          </p:spPr>
-          <p:txBody>
-            <a:bodyPr wrap="square" rtlCol="0">
-              <a:spAutoFit/>
-            </a:bodyPr>
-            <a:lstStyle/>
-            <a:p>
-              <a:r>
-                <a:rPr lang="en-US" altLang="ko-KR" sz="1400" b="1" dirty="0">
-                  <a:solidFill>
-                    <a:srgbClr val="11264F"/>
-                  </a:solidFill>
-                </a:rPr>
-                <a:t>Team3 GitHub Site</a:t>
-              </a:r>
-            </a:p>
-            <a:p>
-              <a:r>
-                <a:rPr lang="en-US" altLang="ko-KR" b="1" dirty="0">
-                  <a:solidFill>
-                    <a:srgbClr val="11264F"/>
-                  </a:solidFill>
-                  <a:hlinkClick r:id="rId3">
-                    <a:extLst>
-                      <a:ext uri="{A12FA001-AC4F-418D-AE19-62706E023703}">
-                        <ahyp:hlinkClr xmlns:ahyp="http://schemas.microsoft.com/office/drawing/2018/hyperlinkcolor" xmlns="" val="tx"/>
-                      </a:ext>
-                    </a:extLst>
-                  </a:hlinkClick>
-                </a:rPr>
-                <a:t>https://github.com/ojiyeon/Team3_2</a:t>
-              </a:r>
-              <a:endParaRPr lang="ko-KR" altLang="en-US" b="1" dirty="0">
-                <a:solidFill>
-                  <a:srgbClr val="11264F"/>
-                </a:solidFill>
-              </a:endParaRPr>
-            </a:p>
-          </p:txBody>
-        </p:sp>
-        <p:pic>
-          <p:nvPicPr>
-            <p:cNvPr id="12" name="그림 11">
-              <a:extLst>
-                <a:ext uri="{FF2B5EF4-FFF2-40B4-BE49-F238E27FC236}">
-                  <a16:creationId xmlns:a16="http://schemas.microsoft.com/office/drawing/2014/main" xmlns="" id="{A9965C86-838B-44E9-A1B8-155941F2A08D}"/>
-                </a:ext>
-              </a:extLst>
-            </p:cNvPr>
-            <p:cNvPicPr>
-              <a:picLocks noChangeAspect="1"/>
-            </p:cNvPicPr>
-            <p:nvPr/>
-          </p:nvPicPr>
-          <p:blipFill>
-            <a:blip r:embed="rId4" cstate="print">
-              <a:extLst>
-                <a:ext uri="{28A0092B-C50C-407E-A947-70E740481C1C}">
-                  <a14:useLocalDpi xmlns:a14="http://schemas.microsoft.com/office/drawing/2010/main" val="0"/>
-                </a:ext>
-              </a:extLst>
-            </a:blip>
-            <a:stretch>
-              <a:fillRect/>
-            </a:stretch>
-          </p:blipFill>
-          <p:spPr>
-            <a:xfrm>
-              <a:off x="2144688" y="2703007"/>
-              <a:ext cx="722198" cy="722198"/>
-            </a:xfrm>
-            <a:prstGeom prst="rect">
-              <a:avLst/>
-            </a:prstGeom>
-          </p:spPr>
-        </p:pic>
-      </p:grpSp>
-      <p:pic>
-        <p:nvPicPr>
-          <p:cNvPr id="4" name="그림 3">
-            <a:extLst>
-              <a:ext uri="{FF2B5EF4-FFF2-40B4-BE49-F238E27FC236}">
-                <a16:creationId xmlns:a16="http://schemas.microsoft.com/office/drawing/2014/main" xmlns="" id="{DCFF5221-02AC-4960-A429-FA2032CCBE1D}"/>
-              </a:ext>
-            </a:extLst>
-          </p:cNvPr>
-          <p:cNvPicPr>
-            <a:picLocks noChangeAspect="1"/>
-          </p:cNvPicPr>
-          <p:nvPr/>
-        </p:nvPicPr>
-        <p:blipFill>
-          <a:blip r:embed="rId5"/>
-          <a:stretch>
-            <a:fillRect/>
-          </a:stretch>
-        </p:blipFill>
-        <p:spPr>
-          <a:xfrm>
-            <a:off x="661987" y="1949921"/>
-            <a:ext cx="8582025" cy="4143375"/>
-          </a:xfrm>
-          <a:prstGeom prst="rect">
-            <a:avLst/>
-          </a:prstGeom>
-        </p:spPr>
-      </p:pic>
-      <p:sp>
-        <p:nvSpPr>
-          <p:cNvPr id="5" name="TextBox 4">
-            <a:extLst>
-              <a:ext uri="{FF2B5EF4-FFF2-40B4-BE49-F238E27FC236}">
-                <a16:creationId xmlns:a16="http://schemas.microsoft.com/office/drawing/2014/main" xmlns="" id="{EFDDB296-5407-44AA-9FDD-C17C6A0D8040}"/>
-              </a:ext>
-            </a:extLst>
-          </p:cNvPr>
-          <p:cNvSpPr txBox="1"/>
-          <p:nvPr/>
-        </p:nvSpPr>
-        <p:spPr>
-          <a:xfrm>
-            <a:off x="344488" y="6135696"/>
-            <a:ext cx="9217024" cy="323165"/>
-          </a:xfrm>
-          <a:prstGeom prst="rect">
-            <a:avLst/>
-          </a:prstGeom>
-          <a:noFill/>
-        </p:spPr>
-        <p:txBody>
-          <a:bodyPr wrap="square" rtlCol="0">
-            <a:spAutoFit/>
-          </a:bodyPr>
-          <a:lstStyle/>
-          <a:p>
-            <a:pPr algn="ctr" latinLnBrk="1"/>
-            <a:r>
-              <a:rPr lang="en-US" altLang="ko-KR" sz="1500" b="1" dirty="0">
-                <a:solidFill>
-                  <a:srgbClr val="11264F"/>
-                </a:solidFill>
-              </a:rPr>
-              <a:t>ver.1</a:t>
-            </a:r>
-            <a:r>
-              <a:rPr lang="ko-KR" altLang="en-US" sz="1500" b="1" dirty="0">
-                <a:solidFill>
-                  <a:srgbClr val="11264F"/>
-                </a:solidFill>
-              </a:rPr>
-              <a:t>은 게시글 작성 시 글자만 쓸 수 있고 </a:t>
-            </a:r>
-            <a:r>
-              <a:rPr lang="en-US" altLang="ko-KR" sz="1500" b="1" dirty="0">
-                <a:solidFill>
-                  <a:srgbClr val="11264F"/>
-                </a:solidFill>
-              </a:rPr>
-              <a:t>ver.2</a:t>
-            </a:r>
-            <a:r>
-              <a:rPr lang="ko-KR" altLang="en-US" sz="1500" b="1" dirty="0">
-                <a:solidFill>
-                  <a:srgbClr val="11264F"/>
-                </a:solidFill>
-              </a:rPr>
-              <a:t>는 </a:t>
-            </a:r>
-            <a:r>
-              <a:rPr lang="en-US" altLang="ko-KR" sz="1500" b="1" dirty="0" err="1">
-                <a:solidFill>
-                  <a:srgbClr val="11264F"/>
-                </a:solidFill>
-              </a:rPr>
-              <a:t>summernote</a:t>
-            </a:r>
-            <a:r>
-              <a:rPr lang="en-US" altLang="ko-KR" sz="1500" b="1" dirty="0">
-                <a:solidFill>
-                  <a:srgbClr val="11264F"/>
-                </a:solidFill>
-              </a:rPr>
-              <a:t> API</a:t>
-            </a:r>
-            <a:r>
-              <a:rPr lang="ko-KR" altLang="en-US" sz="1500" b="1" dirty="0">
-                <a:solidFill>
-                  <a:srgbClr val="11264F"/>
-                </a:solidFill>
-              </a:rPr>
-              <a:t>를 이용하여 다양한 기능을 제공</a:t>
-            </a:r>
-            <a:endParaRPr lang="ko-KR" altLang="en-US" sz="1500" b="1" dirty="0">
-              <a:solidFill>
-                <a:srgbClr val="C00000"/>
-              </a:solidFill>
-            </a:endParaRPr>
-          </a:p>
-        </p:txBody>
-      </p:sp>
-    </p:spTree>
-    <p:extLst>
-      <p:ext uri="{BB962C8B-B14F-4D97-AF65-F5344CB8AC3E}">
-        <p14:creationId xmlns:p14="http://schemas.microsoft.com/office/powerpoint/2010/main" val="457299255"/>
       </p:ext>
     </p:extLst>
   </p:cSld>

--- a/1_Team3_메뉴얼.pptx
+++ b/1_Team3_메뉴얼.pptx
@@ -6,23 +6,24 @@
     <p:sldMasterId id="2147483660" r:id="rId2"/>
   </p:sldMasterIdLst>
   <p:notesMasterIdLst>
-    <p:notesMasterId r:id="rId14"/>
+    <p:notesMasterId r:id="rId15"/>
   </p:notesMasterIdLst>
   <p:handoutMasterIdLst>
-    <p:handoutMasterId r:id="rId15"/>
+    <p:handoutMasterId r:id="rId16"/>
   </p:handoutMasterIdLst>
   <p:sldIdLst>
     <p:sldId id="293" r:id="rId3"/>
-    <p:sldId id="303" r:id="rId4"/>
-    <p:sldId id="313" r:id="rId5"/>
-    <p:sldId id="314" r:id="rId6"/>
-    <p:sldId id="296" r:id="rId7"/>
-    <p:sldId id="306" r:id="rId8"/>
-    <p:sldId id="307" r:id="rId9"/>
-    <p:sldId id="308" r:id="rId10"/>
-    <p:sldId id="310" r:id="rId11"/>
-    <p:sldId id="305" r:id="rId12"/>
-    <p:sldId id="299" r:id="rId13"/>
+    <p:sldId id="315" r:id="rId4"/>
+    <p:sldId id="316" r:id="rId5"/>
+    <p:sldId id="313" r:id="rId6"/>
+    <p:sldId id="314" r:id="rId7"/>
+    <p:sldId id="305" r:id="rId8"/>
+    <p:sldId id="296" r:id="rId9"/>
+    <p:sldId id="306" r:id="rId10"/>
+    <p:sldId id="307" r:id="rId11"/>
+    <p:sldId id="308" r:id="rId12"/>
+    <p:sldId id="310" r:id="rId13"/>
+    <p:sldId id="299" r:id="rId14"/>
   </p:sldIdLst>
   <p:sldSz cx="9906000" cy="6858000" type="A4"/>
   <p:notesSz cx="6858000" cy="9144000"/>
@@ -839,6 +840,124 @@
         <p:nvSpPr>
           <p:cNvPr id="2" name="슬라이드 이미지 개체 틀 1"/>
           <p:cNvSpPr>
+            <a:spLocks noGrp="1" noRot="1" noChangeAspect="1" noResize="1"/>
+          </p:cNvSpPr>
+          <p:nvPr>
+            <p:ph type="sldImg"/>
+          </p:nvPr>
+        </p:nvSpPr>
+        <p:spPr>
+          <a:xfrm>
+            <a:off x="952500" y="685800"/>
+            <a:ext cx="4953000" cy="3429000"/>
+          </a:xfrm>
+          <a:solidFill>
+            <a:schemeClr val="accent1"/>
+          </a:solidFill>
+          <a:ln w="25400">
+            <a:solidFill>
+              <a:schemeClr val="accent1">
+                <a:shade val="50000"/>
+              </a:schemeClr>
+            </a:solidFill>
+            <a:prstDash val="solid"/>
+          </a:ln>
+        </p:spPr>
+      </p:sp>
+      <p:sp>
+        <p:nvSpPr>
+          <p:cNvPr id="3" name="슬라이드 노트 개체 틀 2"/>
+          <p:cNvSpPr txBox="1">
+            <a:spLocks noGrp="1"/>
+          </p:cNvSpPr>
+          <p:nvPr>
+            <p:ph type="body" sz="quarter" idx="1"/>
+          </p:nvPr>
+        </p:nvSpPr>
+        <p:spPr>
+          <a:xfrm>
+            <a:off x="685799" y="4343400"/>
+            <a:ext cx="5486040" cy="4114440"/>
+          </a:xfrm>
+        </p:spPr>
+        <p:txBody>
+          <a:bodyPr wrap="square" lIns="90000" tIns="45000" rIns="90000" bIns="45000" anchor="t"/>
+          <a:lstStyle/>
+          <a:p>
+            <a:pPr lvl="0"/>
+            <a:endParaRPr lang="en-US" dirty="0"/>
+          </a:p>
+        </p:txBody>
+      </p:sp>
+      <p:sp>
+        <p:nvSpPr>
+          <p:cNvPr id="4" name="슬라이드 번호 개체 틀 3"/>
+          <p:cNvSpPr txBox="1">
+            <a:spLocks noGrp="1"/>
+          </p:cNvSpPr>
+          <p:nvPr>
+            <p:ph type="sldNum" sz="quarter" idx="8"/>
+          </p:nvPr>
+        </p:nvSpPr>
+        <p:spPr>
+          <a:xfrm>
+            <a:off x="3884759" y="8685360"/>
+            <a:ext cx="2971440" cy="456839"/>
+          </a:xfrm>
+        </p:spPr>
+        <p:txBody>
+          <a:bodyPr wrap="square" lIns="90000" tIns="45000" rIns="90000" bIns="45000" anchor="t"/>
+          <a:lstStyle/>
+          <a:p>
+            <a:pPr lvl="0" algn="l" hangingPunct="1"/>
+            <a:fld id="{0A4E6295-089B-4F6B-B67B-D01FCF13AFD8}" type="slidenum">
+              <a:t>11</a:t>
+            </a:fld>
+            <a:endParaRPr lang="en-US" sz="1800">
+              <a:solidFill>
+                <a:srgbClr val="000000"/>
+              </a:solidFill>
+              <a:latin typeface="+mn-lt" pitchFamily="18"/>
+              <a:ea typeface="+mn-ea" pitchFamily="2"/>
+              <a:cs typeface="+mn-cs" pitchFamily="2"/>
+            </a:endParaRPr>
+          </a:p>
+        </p:txBody>
+      </p:sp>
+    </p:spTree>
+    <p:extLst>
+      <p:ext uri="{BB962C8B-B14F-4D97-AF65-F5344CB8AC3E}">
+        <p14:creationId xmlns:p14="http://schemas.microsoft.com/office/powerpoint/2010/main" val="3634174380"/>
+      </p:ext>
+    </p:extLst>
+  </p:cSld>
+  <p:clrMapOvr>
+    <a:masterClrMapping/>
+  </p:clrMapOvr>
+</p:notes>
+</file>
+
+<file path=ppt/notesSlides/notesSlide11.xml><?xml version="1.0" encoding="utf-8"?>
+<p:notes xmlns:a="http://schemas.openxmlformats.org/drawingml/2006/main" xmlns:r="http://schemas.openxmlformats.org/officeDocument/2006/relationships" xmlns:p="http://schemas.openxmlformats.org/presentationml/2006/main">
+  <p:cSld>
+    <p:spTree>
+      <p:nvGrpSpPr>
+        <p:cNvPr id="1" name=""/>
+        <p:cNvGrpSpPr/>
+        <p:nvPr/>
+      </p:nvGrpSpPr>
+      <p:grpSpPr>
+        <a:xfrm>
+          <a:off x="0" y="0"/>
+          <a:ext cx="0" cy="0"/>
+          <a:chOff x="0" y="0"/>
+          <a:chExt cx="0" cy="0"/>
+        </a:xfrm>
+      </p:grpSpPr>
+      <p:sp>
+        <p:nvSpPr>
+          <p:cNvPr id="2" name="슬라이드 이미지 개체 틀 1"/>
+          <p:cNvSpPr>
             <a:spLocks noGrp="1" noRot="1" noChangeAspect="1"/>
           </p:cNvSpPr>
           <p:nvPr>
@@ -915,7 +1034,7 @@
             <a:pPr lvl="0"/>
             <a:fld id="{D18D7664-14FA-449D-8BB7-BC47658399D5}" type="slidenum">
               <a:rPr lang="en-US" altLang="ko-KR" smtClean="0"/>
-              <a:t>11</a:t>
+              <a:t>12</a:t>
             </a:fld>
             <a:endParaRPr lang="ko-KR" altLang="en-US"/>
           </a:p>
@@ -1009,7 +1128,7 @@
     </p:spTree>
     <p:extLst>
       <p:ext uri="{BB962C8B-B14F-4D97-AF65-F5344CB8AC3E}">
-        <p14:creationId xmlns:p14="http://schemas.microsoft.com/office/powerpoint/2010/main" val="3510689616"/>
+        <p14:creationId xmlns:p14="http://schemas.microsoft.com/office/powerpoint/2010/main" val="1383145346"/>
       </p:ext>
     </p:extLst>
   </p:cSld>
@@ -1094,7 +1213,7 @@
     </p:spTree>
     <p:extLst>
       <p:ext uri="{BB962C8B-B14F-4D97-AF65-F5344CB8AC3E}">
-        <p14:creationId xmlns:p14="http://schemas.microsoft.com/office/powerpoint/2010/main" val="1569004942"/>
+        <p14:creationId xmlns:p14="http://schemas.microsoft.com/office/powerpoint/2010/main" val="3510689616"/>
       </p:ext>
     </p:extLst>
   </p:cSld>
@@ -1125,91 +1244,63 @@
         <p:nvSpPr>
           <p:cNvPr id="2" name="슬라이드 이미지 개체 틀 1"/>
           <p:cNvSpPr>
-            <a:spLocks noGrp="1" noRot="1" noChangeAspect="1" noResize="1"/>
+            <a:spLocks noGrp="1" noRot="1" noChangeAspect="1"/>
           </p:cNvSpPr>
           <p:nvPr>
             <p:ph type="sldImg"/>
           </p:nvPr>
         </p:nvSpPr>
-        <p:spPr>
-          <a:xfrm>
-            <a:off x="952500" y="685800"/>
-            <a:ext cx="4953000" cy="3429000"/>
-          </a:xfrm>
-          <a:solidFill>
-            <a:schemeClr val="accent1"/>
-          </a:solidFill>
-          <a:ln w="25400">
-            <a:solidFill>
-              <a:schemeClr val="accent1">
-                <a:shade val="50000"/>
-              </a:schemeClr>
-            </a:solidFill>
-            <a:prstDash val="solid"/>
-          </a:ln>
-        </p:spPr>
+        <p:spPr/>
       </p:sp>
       <p:sp>
         <p:nvSpPr>
           <p:cNvPr id="3" name="슬라이드 노트 개체 틀 2"/>
-          <p:cNvSpPr txBox="1">
+          <p:cNvSpPr>
             <a:spLocks noGrp="1"/>
           </p:cNvSpPr>
           <p:nvPr>
-            <p:ph type="body" sz="quarter" idx="1"/>
+            <p:ph type="body" idx="1"/>
           </p:nvPr>
         </p:nvSpPr>
-        <p:spPr>
-          <a:xfrm>
-            <a:off x="685799" y="4343400"/>
-            <a:ext cx="5486040" cy="4114440"/>
-          </a:xfrm>
-        </p:spPr>
+        <p:spPr/>
         <p:txBody>
-          <a:bodyPr wrap="square" lIns="90000" tIns="45000" rIns="90000" bIns="45000" anchor="t"/>
+          <a:bodyPr/>
           <a:lstStyle/>
           <a:p>
-            <a:pPr lvl="0"/>
-            <a:endParaRPr lang="en-US" dirty="0"/>
+            <a:endParaRPr lang="ko-KR" altLang="en-US" dirty="0"/>
           </a:p>
         </p:txBody>
       </p:sp>
       <p:sp>
         <p:nvSpPr>
           <p:cNvPr id="4" name="슬라이드 번호 개체 틀 3"/>
-          <p:cNvSpPr txBox="1">
+          <p:cNvSpPr>
             <a:spLocks noGrp="1"/>
           </p:cNvSpPr>
           <p:nvPr>
-            <p:ph type="sldNum" sz="quarter" idx="8"/>
+            <p:ph type="sldNum" sz="quarter" idx="5"/>
           </p:nvPr>
         </p:nvSpPr>
-        <p:spPr>
-          <a:xfrm>
-            <a:off x="3884759" y="8685360"/>
-            <a:ext cx="2971440" cy="456839"/>
-          </a:xfrm>
-        </p:spPr>
+        <p:spPr/>
         <p:txBody>
-          <a:bodyPr wrap="square" lIns="90000" tIns="45000" rIns="90000" bIns="45000" anchor="t"/>
+          <a:bodyPr/>
           <a:lstStyle/>
           <a:p>
-            <a:pPr lvl="0" algn="l" hangingPunct="1"/>
-            <a:fld id="{0A4E6295-089B-4F6B-B67B-D01FCF13AFD8}" type="slidenum">
+            <a:pPr lvl="0"/>
+            <a:fld id="{D18D7664-14FA-449D-8BB7-BC47658399D5}" type="slidenum">
+              <a:rPr lang="en-US" altLang="ko-KR" smtClean="0"/>
               <a:t>5</a:t>
             </a:fld>
-            <a:endParaRPr lang="en-US" sz="1800">
-              <a:solidFill>
-                <a:srgbClr val="000000"/>
-              </a:solidFill>
-              <a:latin typeface="+mn-lt" pitchFamily="18"/>
-              <a:ea typeface="+mn-ea" pitchFamily="2"/>
-              <a:cs typeface="+mn-cs" pitchFamily="2"/>
-            </a:endParaRPr>
+            <a:endParaRPr lang="ko-KR" altLang="en-US"/>
           </a:p>
         </p:txBody>
       </p:sp>
     </p:spTree>
+    <p:extLst>
+      <p:ext uri="{BB962C8B-B14F-4D97-AF65-F5344CB8AC3E}">
+        <p14:creationId xmlns:p14="http://schemas.microsoft.com/office/powerpoint/2010/main" val="1569004942"/>
+      </p:ext>
+    </p:extLst>
   </p:cSld>
   <p:clrMapOvr>
     <a:masterClrMapping/>
@@ -1325,7 +1416,7 @@
     </p:spTree>
     <p:extLst>
       <p:ext uri="{BB962C8B-B14F-4D97-AF65-F5344CB8AC3E}">
-        <p14:creationId xmlns:p14="http://schemas.microsoft.com/office/powerpoint/2010/main" val="795399149"/>
+        <p14:creationId xmlns:p14="http://schemas.microsoft.com/office/powerpoint/2010/main" val="2304067464"/>
       </p:ext>
     </p:extLst>
   </p:cSld>
@@ -1441,11 +1532,6 @@
         </p:txBody>
       </p:sp>
     </p:spTree>
-    <p:extLst>
-      <p:ext uri="{BB962C8B-B14F-4D97-AF65-F5344CB8AC3E}">
-        <p14:creationId xmlns:p14="http://schemas.microsoft.com/office/powerpoint/2010/main" val="2045545927"/>
-      </p:ext>
-    </p:extLst>
   </p:cSld>
   <p:clrMapOvr>
     <a:masterClrMapping/>
@@ -1561,7 +1647,7 @@
     </p:spTree>
     <p:extLst>
       <p:ext uri="{BB962C8B-B14F-4D97-AF65-F5344CB8AC3E}">
-        <p14:creationId xmlns:p14="http://schemas.microsoft.com/office/powerpoint/2010/main" val="396791059"/>
+        <p14:creationId xmlns:p14="http://schemas.microsoft.com/office/powerpoint/2010/main" val="795399149"/>
       </p:ext>
     </p:extLst>
   </p:cSld>
@@ -1679,7 +1765,7 @@
     </p:spTree>
     <p:extLst>
       <p:ext uri="{BB962C8B-B14F-4D97-AF65-F5344CB8AC3E}">
-        <p14:creationId xmlns:p14="http://schemas.microsoft.com/office/powerpoint/2010/main" val="3634174380"/>
+        <p14:creationId xmlns:p14="http://schemas.microsoft.com/office/powerpoint/2010/main" val="2045545927"/>
       </p:ext>
     </p:extLst>
   </p:cSld>
@@ -1797,7 +1883,7 @@
     </p:spTree>
     <p:extLst>
       <p:ext uri="{BB962C8B-B14F-4D97-AF65-F5344CB8AC3E}">
-        <p14:creationId xmlns:p14="http://schemas.microsoft.com/office/powerpoint/2010/main" val="2304067464"/>
+        <p14:creationId xmlns:p14="http://schemas.microsoft.com/office/powerpoint/2010/main" val="396791059"/>
       </p:ext>
     </p:extLst>
   </p:cSld>
@@ -8926,46 +9012,12 @@
           <a:chExt cx="0" cy="0"/>
         </a:xfrm>
       </p:grpSpPr>
-      <p:pic>
-        <p:nvPicPr>
-          <p:cNvPr id="6" name="그림 5">
+      <p:grpSp>
+        <p:nvGrpSpPr>
+          <p:cNvPr id="6" name="그룹 5">
             <a:extLst>
               <a:ext uri="{FF2B5EF4-FFF2-40B4-BE49-F238E27FC236}">
-                <a16:creationId xmlns:a16="http://schemas.microsoft.com/office/drawing/2014/main" id="{E1179556-964B-4E07-B182-4D60B4322A80}"/>
-              </a:ext>
-            </a:extLst>
-          </p:cNvPr>
-          <p:cNvPicPr>
-            <a:picLocks noChangeAspect="1"/>
-          </p:cNvPicPr>
-          <p:nvPr/>
-        </p:nvPicPr>
-        <p:blipFill rotWithShape="1">
-          <a:blip r:embed="rId3"/>
-          <a:srcRect b="36286"/>
-          <a:stretch/>
-        </p:blipFill>
-        <p:spPr>
-          <a:xfrm>
-            <a:off x="0" y="4553210"/>
-            <a:ext cx="9906000" cy="2107254"/>
-          </a:xfrm>
-          <a:prstGeom prst="rect">
-            <a:avLst/>
-          </a:prstGeom>
-          <a:ln>
-            <a:solidFill>
-              <a:srgbClr val="11264F"/>
-            </a:solidFill>
-          </a:ln>
-        </p:spPr>
-      </p:pic>
-      <p:grpSp>
-        <p:nvGrpSpPr>
-          <p:cNvPr id="10" name="그룹 9">
-            <a:extLst>
-              <a:ext uri="{FF2B5EF4-FFF2-40B4-BE49-F238E27FC236}">
-                <a16:creationId xmlns:a16="http://schemas.microsoft.com/office/drawing/2014/main" id="{6DBFD39B-C829-4D4A-8E94-3E8CCC4A1296}"/>
+                <a16:creationId xmlns:a16="http://schemas.microsoft.com/office/drawing/2014/main" id="{49134D97-49E9-4385-9F25-B236DEC1CEF0}"/>
               </a:ext>
             </a:extLst>
           </p:cNvPr>
@@ -8974,18 +9026,18 @@
         </p:nvGrpSpPr>
         <p:grpSpPr>
           <a:xfrm>
-            <a:off x="0" y="1551025"/>
-            <a:ext cx="9906000" cy="1800200"/>
-            <a:chOff x="0" y="1844824"/>
-            <a:chExt cx="9906000" cy="1800200"/>
+            <a:off x="0" y="3933056"/>
+            <a:ext cx="9906000" cy="2000435"/>
+            <a:chOff x="0" y="2428782"/>
+            <a:chExt cx="9906000" cy="2000435"/>
           </a:xfrm>
         </p:grpSpPr>
         <p:pic>
           <p:nvPicPr>
-            <p:cNvPr id="3" name="그림 2">
+            <p:cNvPr id="2" name="그림 1">
               <a:extLst>
                 <a:ext uri="{FF2B5EF4-FFF2-40B4-BE49-F238E27FC236}">
-                  <a16:creationId xmlns:a16="http://schemas.microsoft.com/office/drawing/2014/main" id="{2C3A9987-D64D-4E29-A012-669C49D93BD3}"/>
+                  <a16:creationId xmlns:a16="http://schemas.microsoft.com/office/drawing/2014/main" id="{C2536E77-39B7-4CC3-A9C9-24B5EEAC2CE6}"/>
                 </a:ext>
               </a:extLst>
             </p:cNvPr>
@@ -8994,32 +9046,28 @@
             </p:cNvPicPr>
             <p:nvPr/>
           </p:nvPicPr>
-          <p:blipFill rotWithShape="1">
-            <a:blip r:embed="rId4"/>
-            <a:srcRect b="8892"/>
-            <a:stretch/>
+          <p:blipFill>
+            <a:blip r:embed="rId3"/>
+            <a:stretch>
+              <a:fillRect/>
+            </a:stretch>
           </p:blipFill>
           <p:spPr>
             <a:xfrm>
-              <a:off x="0" y="1844824"/>
-              <a:ext cx="9906000" cy="1800200"/>
+              <a:off x="0" y="2428782"/>
+              <a:ext cx="9906000" cy="2000435"/>
             </a:xfrm>
             <a:prstGeom prst="rect">
               <a:avLst/>
             </a:prstGeom>
-            <a:ln>
-              <a:solidFill>
-                <a:srgbClr val="11264F"/>
-              </a:solidFill>
-            </a:ln>
           </p:spPr>
         </p:pic>
         <p:sp>
           <p:nvSpPr>
-            <p:cNvPr id="9" name="직사각형 8">
+            <p:cNvPr id="5" name="직사각형 4">
               <a:extLst>
                 <a:ext uri="{FF2B5EF4-FFF2-40B4-BE49-F238E27FC236}">
-                  <a16:creationId xmlns:a16="http://schemas.microsoft.com/office/drawing/2014/main" id="{93ED233C-CC5A-46A7-957C-E4CC43B64746}"/>
+                  <a16:creationId xmlns:a16="http://schemas.microsoft.com/office/drawing/2014/main" id="{36ED35FF-1B04-44BD-A58C-CD591A331752}"/>
                 </a:ext>
               </a:extLst>
             </p:cNvPr>
@@ -9028,8 +9076,454 @@
           </p:nvSpPr>
           <p:spPr>
             <a:xfrm>
-              <a:off x="1447850" y="3307404"/>
-              <a:ext cx="1512168" cy="337620"/>
+              <a:off x="488504" y="3861048"/>
+              <a:ext cx="9417496" cy="504056"/>
+            </a:xfrm>
+            <a:prstGeom prst="rect">
+              <a:avLst/>
+            </a:prstGeom>
+            <a:noFill/>
+            <a:ln>
+              <a:solidFill>
+                <a:srgbClr val="FF0000"/>
+              </a:solidFill>
+            </a:ln>
+          </p:spPr>
+          <p:style>
+            <a:lnRef idx="2">
+              <a:schemeClr val="accent1">
+                <a:shade val="50000"/>
+              </a:schemeClr>
+            </a:lnRef>
+            <a:fillRef idx="1">
+              <a:schemeClr val="accent1"/>
+            </a:fillRef>
+            <a:effectRef idx="0">
+              <a:schemeClr val="accent1"/>
+            </a:effectRef>
+            <a:fontRef idx="minor">
+              <a:schemeClr val="lt1"/>
+            </a:fontRef>
+          </p:style>
+          <p:txBody>
+            <a:bodyPr rtlCol="0" anchor="ctr"/>
+            <a:lstStyle/>
+            <a:p>
+              <a:pPr algn="ctr"/>
+              <a:endParaRPr lang="ko-KR" altLang="en-US"/>
+            </a:p>
+          </p:txBody>
+        </p:sp>
+      </p:grpSp>
+      <p:sp>
+        <p:nvSpPr>
+          <p:cNvPr id="8" name="TextBox 7">
+            <a:extLst>
+              <a:ext uri="{FF2B5EF4-FFF2-40B4-BE49-F238E27FC236}">
+                <a16:creationId xmlns:a16="http://schemas.microsoft.com/office/drawing/2014/main" id="{7552B7C5-5A1E-493D-A6EC-51B3EBDEDBDC}"/>
+              </a:ext>
+            </a:extLst>
+          </p:cNvPr>
+          <p:cNvSpPr txBox="1"/>
+          <p:nvPr/>
+        </p:nvSpPr>
+        <p:spPr>
+          <a:xfrm>
+            <a:off x="344488" y="1101380"/>
+            <a:ext cx="9217024" cy="1323439"/>
+          </a:xfrm>
+          <a:prstGeom prst="rect">
+            <a:avLst/>
+          </a:prstGeom>
+          <a:noFill/>
+        </p:spPr>
+        <p:txBody>
+          <a:bodyPr wrap="square" rtlCol="0">
+            <a:spAutoFit/>
+          </a:bodyPr>
+          <a:lstStyle/>
+          <a:p>
+            <a:pPr latinLnBrk="1"/>
+            <a:r>
+              <a:rPr lang="en-US" altLang="ko-KR" sz="1500" b="1" dirty="0">
+                <a:solidFill>
+                  <a:srgbClr val="11264F"/>
+                </a:solidFill>
+              </a:rPr>
+              <a:t>6. </a:t>
+            </a:r>
+            <a:r>
+              <a:rPr lang="ko-KR" altLang="en-US" sz="1500" b="1" dirty="0">
+                <a:solidFill>
+                  <a:srgbClr val="11264F"/>
+                </a:solidFill>
+              </a:rPr>
+              <a:t>오라클 </a:t>
+            </a:r>
+            <a:r>
+              <a:rPr lang="en-US" altLang="ko-KR" sz="1500" b="1" dirty="0">
+                <a:solidFill>
+                  <a:srgbClr val="11264F"/>
+                </a:solidFill>
+              </a:rPr>
+              <a:t>DBCP </a:t>
+            </a:r>
+            <a:r>
+              <a:rPr lang="ko-KR" altLang="en-US" sz="1500" b="1" dirty="0">
+                <a:solidFill>
+                  <a:srgbClr val="11264F"/>
+                </a:solidFill>
+              </a:rPr>
+              <a:t>방식을 사용하기 위해 해당 프로젝트 </a:t>
+            </a:r>
+            <a:r>
+              <a:rPr lang="en-US" altLang="ko-KR" sz="1500" b="1" dirty="0">
+                <a:solidFill>
+                  <a:srgbClr val="11264F"/>
+                </a:solidFill>
+              </a:rPr>
+              <a:t>Context</a:t>
+            </a:r>
+            <a:r>
+              <a:rPr lang="ko-KR" altLang="en-US" sz="1500" b="1" dirty="0">
+                <a:solidFill>
+                  <a:srgbClr val="11264F"/>
+                </a:solidFill>
+              </a:rPr>
+              <a:t>내에 설정</a:t>
+            </a:r>
+            <a:endParaRPr lang="en-US" altLang="ko-KR" sz="1500" b="1" dirty="0">
+              <a:solidFill>
+                <a:srgbClr val="11264F"/>
+              </a:solidFill>
+            </a:endParaRPr>
+          </a:p>
+          <a:p>
+            <a:pPr latinLnBrk="1"/>
+            <a:r>
+              <a:rPr lang="en-US" altLang="ko-KR" sz="1500" b="1" i="0" u="none" dirty="0">
+                <a:solidFill>
+                  <a:srgbClr val="11264F"/>
+                </a:solidFill>
+                <a:latin typeface="+mn-lt"/>
+                <a:ea typeface="+mn-ea"/>
+                <a:cs typeface="+mn-cs"/>
+              </a:rPr>
+              <a:t>&lt;Resource auth="Container" </a:t>
+            </a:r>
+            <a:r>
+              <a:rPr lang="en-US" altLang="ko-KR" sz="1500" b="1" i="0" u="none" dirty="0" err="1">
+                <a:solidFill>
+                  <a:srgbClr val="11264F"/>
+                </a:solidFill>
+                <a:latin typeface="+mn-lt"/>
+                <a:ea typeface="+mn-ea"/>
+                <a:cs typeface="+mn-cs"/>
+              </a:rPr>
+              <a:t>driverClassName</a:t>
+            </a:r>
+            <a:r>
+              <a:rPr lang="en-US" altLang="ko-KR" sz="1500" b="1" i="0" u="none" dirty="0">
+                <a:solidFill>
+                  <a:srgbClr val="11264F"/>
+                </a:solidFill>
+                <a:latin typeface="+mn-lt"/>
+                <a:ea typeface="+mn-ea"/>
+                <a:cs typeface="+mn-cs"/>
+              </a:rPr>
+              <a:t>="</a:t>
+            </a:r>
+            <a:r>
+              <a:rPr lang="en-US" altLang="ko-KR" sz="1500" b="1" i="0" u="none" dirty="0" err="1">
+                <a:solidFill>
+                  <a:srgbClr val="11264F"/>
+                </a:solidFill>
+                <a:latin typeface="+mn-lt"/>
+                <a:ea typeface="+mn-ea"/>
+                <a:cs typeface="+mn-cs"/>
+              </a:rPr>
+              <a:t>oracle.jdbc.driver.OracleDriver</a:t>
+            </a:r>
+            <a:r>
+              <a:rPr lang="en-US" altLang="ko-KR" sz="1500" b="1" i="0" u="none" dirty="0">
+                <a:solidFill>
+                  <a:srgbClr val="11264F"/>
+                </a:solidFill>
+                <a:latin typeface="+mn-lt"/>
+                <a:ea typeface="+mn-ea"/>
+                <a:cs typeface="+mn-cs"/>
+              </a:rPr>
+              <a:t>" </a:t>
+            </a:r>
+            <a:r>
+              <a:rPr lang="en-US" altLang="ko-KR" sz="1500" b="1" i="0" u="none" dirty="0" err="1">
+                <a:solidFill>
+                  <a:srgbClr val="11264F"/>
+                </a:solidFill>
+                <a:latin typeface="+mn-lt"/>
+                <a:ea typeface="+mn-ea"/>
+                <a:cs typeface="+mn-cs"/>
+              </a:rPr>
+              <a:t>maxActive</a:t>
+            </a:r>
+            <a:r>
+              <a:rPr lang="en-US" altLang="ko-KR" sz="1500" b="1" i="0" u="none" dirty="0">
+                <a:solidFill>
+                  <a:srgbClr val="11264F"/>
+                </a:solidFill>
+                <a:latin typeface="+mn-lt"/>
+                <a:ea typeface="+mn-ea"/>
+                <a:cs typeface="+mn-cs"/>
+              </a:rPr>
+              <a:t>="100" </a:t>
+            </a:r>
+            <a:r>
+              <a:rPr lang="en-US" altLang="ko-KR" sz="1500" b="1" i="0" u="none" dirty="0" err="1">
+                <a:solidFill>
+                  <a:srgbClr val="11264F"/>
+                </a:solidFill>
+                <a:latin typeface="+mn-lt"/>
+                <a:ea typeface="+mn-ea"/>
+                <a:cs typeface="+mn-cs"/>
+              </a:rPr>
+              <a:t>maxIdle</a:t>
+            </a:r>
+            <a:r>
+              <a:rPr lang="en-US" altLang="ko-KR" sz="1500" b="1" i="0" u="none" dirty="0">
+                <a:solidFill>
+                  <a:srgbClr val="11264F"/>
+                </a:solidFill>
+                <a:latin typeface="+mn-lt"/>
+                <a:ea typeface="+mn-ea"/>
+                <a:cs typeface="+mn-cs"/>
+              </a:rPr>
+              <a:t>="30" </a:t>
+            </a:r>
+            <a:r>
+              <a:rPr lang="en-US" altLang="ko-KR" sz="1500" b="1" i="0" u="none" dirty="0" err="1">
+                <a:solidFill>
+                  <a:srgbClr val="11264F"/>
+                </a:solidFill>
+                <a:latin typeface="+mn-lt"/>
+                <a:ea typeface="+mn-ea"/>
+                <a:cs typeface="+mn-cs"/>
+              </a:rPr>
+              <a:t>maxWait</a:t>
+            </a:r>
+            <a:r>
+              <a:rPr lang="en-US" altLang="ko-KR" sz="1500" b="1" i="0" u="none" dirty="0">
+                <a:solidFill>
+                  <a:srgbClr val="11264F"/>
+                </a:solidFill>
+                <a:latin typeface="+mn-lt"/>
+                <a:ea typeface="+mn-ea"/>
+                <a:cs typeface="+mn-cs"/>
+              </a:rPr>
+              <a:t>="10000" name="</a:t>
+            </a:r>
+            <a:r>
+              <a:rPr lang="en-US" altLang="ko-KR" sz="1500" b="1" i="0" u="none" dirty="0" err="1">
+                <a:solidFill>
+                  <a:srgbClr val="11264F"/>
+                </a:solidFill>
+                <a:latin typeface="+mn-lt"/>
+                <a:ea typeface="+mn-ea"/>
+                <a:cs typeface="+mn-cs"/>
+              </a:rPr>
+              <a:t>jdbc</a:t>
+            </a:r>
+            <a:r>
+              <a:rPr lang="en-US" altLang="ko-KR" sz="1500" b="1" i="0" u="none" dirty="0">
+                <a:solidFill>
+                  <a:srgbClr val="11264F"/>
+                </a:solidFill>
+                <a:latin typeface="+mn-lt"/>
+                <a:ea typeface="+mn-ea"/>
+                <a:cs typeface="+mn-cs"/>
+              </a:rPr>
+              <a:t>/oracle" password="team3" type="</a:t>
+            </a:r>
+            <a:r>
+              <a:rPr lang="en-US" altLang="ko-KR" sz="1500" b="1" i="0" u="none" dirty="0" err="1">
+                <a:solidFill>
+                  <a:srgbClr val="11264F"/>
+                </a:solidFill>
+                <a:latin typeface="+mn-lt"/>
+                <a:ea typeface="+mn-ea"/>
+                <a:cs typeface="+mn-cs"/>
+              </a:rPr>
+              <a:t>javax.sql.DataSource</a:t>
+            </a:r>
+            <a:r>
+              <a:rPr lang="en-US" altLang="ko-KR" sz="1500" b="1" i="0" u="none" dirty="0">
+                <a:solidFill>
+                  <a:srgbClr val="11264F"/>
+                </a:solidFill>
+                <a:latin typeface="+mn-lt"/>
+                <a:ea typeface="+mn-ea"/>
+                <a:cs typeface="+mn-cs"/>
+              </a:rPr>
+              <a:t>" </a:t>
+            </a:r>
+            <a:r>
+              <a:rPr lang="en-US" altLang="ko-KR" sz="1500" b="1" i="0" u="none" dirty="0" err="1">
+                <a:solidFill>
+                  <a:srgbClr val="11264F"/>
+                </a:solidFill>
+                <a:latin typeface="+mn-lt"/>
+                <a:ea typeface="+mn-ea"/>
+                <a:cs typeface="+mn-cs"/>
+              </a:rPr>
+              <a:t>url</a:t>
+            </a:r>
+            <a:r>
+              <a:rPr lang="en-US" altLang="ko-KR" sz="1500" b="1" i="0" u="none" dirty="0">
+                <a:solidFill>
+                  <a:srgbClr val="11264F"/>
+                </a:solidFill>
+                <a:latin typeface="+mn-lt"/>
+                <a:ea typeface="+mn-ea"/>
+                <a:cs typeface="+mn-cs"/>
+              </a:rPr>
+              <a:t>="</a:t>
+            </a:r>
+            <a:r>
+              <a:rPr lang="en-US" altLang="ko-KR" sz="1500" b="1" i="0" u="none" dirty="0" err="1">
+                <a:solidFill>
+                  <a:srgbClr val="11264F"/>
+                </a:solidFill>
+                <a:latin typeface="+mn-lt"/>
+                <a:ea typeface="+mn-ea"/>
+                <a:cs typeface="+mn-cs"/>
+              </a:rPr>
+              <a:t>jdbc:oracle:thin</a:t>
+            </a:r>
+            <a:r>
+              <a:rPr lang="en-US" altLang="ko-KR" sz="1500" b="1" i="0" u="none" dirty="0">
+                <a:solidFill>
+                  <a:srgbClr val="11264F"/>
+                </a:solidFill>
+                <a:latin typeface="+mn-lt"/>
+                <a:ea typeface="+mn-ea"/>
+                <a:cs typeface="+mn-cs"/>
+              </a:rPr>
+              <a:t>:@localhost:1521:orcl" username="team3"/&gt; </a:t>
+            </a:r>
+          </a:p>
+          <a:p>
+            <a:pPr latinLnBrk="1"/>
+            <a:endParaRPr lang="en-US" altLang="ko-KR" sz="500" b="1" i="0" u="none" dirty="0">
+              <a:solidFill>
+                <a:srgbClr val="11264F"/>
+              </a:solidFill>
+              <a:latin typeface="+mn-lt"/>
+              <a:ea typeface="+mn-ea"/>
+              <a:cs typeface="+mn-cs"/>
+            </a:endParaRPr>
+          </a:p>
+          <a:p>
+            <a:pPr latinLnBrk="1"/>
+            <a:r>
+              <a:rPr lang="en-US" altLang="ko-KR" sz="1500" b="1" dirty="0">
+                <a:solidFill>
+                  <a:srgbClr val="FF0000"/>
+                </a:solidFill>
+              </a:rPr>
+              <a:t>* username</a:t>
+            </a:r>
+            <a:r>
+              <a:rPr lang="ko-KR" altLang="en-US" sz="1500" b="1" dirty="0">
+                <a:solidFill>
+                  <a:srgbClr val="FF0000"/>
+                </a:solidFill>
+              </a:rPr>
+              <a:t>과 </a:t>
+            </a:r>
+            <a:r>
+              <a:rPr lang="en-US" altLang="ko-KR" sz="1500" b="1" dirty="0">
+                <a:solidFill>
+                  <a:srgbClr val="FF0000"/>
+                </a:solidFill>
+              </a:rPr>
+              <a:t>password</a:t>
+            </a:r>
+            <a:r>
+              <a:rPr lang="ko-KR" altLang="en-US" sz="1500" b="1" dirty="0">
+                <a:solidFill>
+                  <a:srgbClr val="FF0000"/>
+                </a:solidFill>
+              </a:rPr>
+              <a:t>는 자신의 오라클 아이디와 비밀번호에 맞게 수정 </a:t>
+            </a:r>
+          </a:p>
+        </p:txBody>
+      </p:sp>
+      <p:grpSp>
+        <p:nvGrpSpPr>
+          <p:cNvPr id="46" name="그룹 45">
+            <a:extLst>
+              <a:ext uri="{FF2B5EF4-FFF2-40B4-BE49-F238E27FC236}">
+                <a16:creationId xmlns:a16="http://schemas.microsoft.com/office/drawing/2014/main" id="{05797723-4A32-45A2-9CD6-872AB64A7EFA}"/>
+              </a:ext>
+            </a:extLst>
+          </p:cNvPr>
+          <p:cNvGrpSpPr/>
+          <p:nvPr/>
+        </p:nvGrpSpPr>
+        <p:grpSpPr>
+          <a:xfrm>
+            <a:off x="6663658" y="2958965"/>
+            <a:ext cx="3057525" cy="1390650"/>
+            <a:chOff x="6663658" y="2082415"/>
+            <a:chExt cx="3057525" cy="1390650"/>
+          </a:xfrm>
+        </p:grpSpPr>
+        <p:pic>
+          <p:nvPicPr>
+            <p:cNvPr id="47" name="그림 46">
+              <a:extLst>
+                <a:ext uri="{FF2B5EF4-FFF2-40B4-BE49-F238E27FC236}">
+                  <a16:creationId xmlns:a16="http://schemas.microsoft.com/office/drawing/2014/main" id="{F9FB2E71-7794-4E2A-BF54-6C1272666D8F}"/>
+                </a:ext>
+              </a:extLst>
+            </p:cNvPr>
+            <p:cNvPicPr>
+              <a:picLocks noChangeAspect="1"/>
+            </p:cNvPicPr>
+            <p:nvPr/>
+          </p:nvPicPr>
+          <p:blipFill>
+            <a:blip r:embed="rId4"/>
+            <a:stretch>
+              <a:fillRect/>
+            </a:stretch>
+          </p:blipFill>
+          <p:spPr>
+            <a:xfrm>
+              <a:off x="6663658" y="2082415"/>
+              <a:ext cx="3057525" cy="1390650"/>
+            </a:xfrm>
+            <a:prstGeom prst="rect">
+              <a:avLst/>
+            </a:prstGeom>
+          </p:spPr>
+        </p:pic>
+        <p:sp>
+          <p:nvSpPr>
+            <p:cNvPr id="52" name="직사각형 51">
+              <a:extLst>
+                <a:ext uri="{FF2B5EF4-FFF2-40B4-BE49-F238E27FC236}">
+                  <a16:creationId xmlns:a16="http://schemas.microsoft.com/office/drawing/2014/main" id="{7AABFB41-5444-4BEB-8484-6611AD149678}"/>
+                </a:ext>
+              </a:extLst>
+            </p:cNvPr>
+            <p:cNvSpPr/>
+            <p:nvPr/>
+          </p:nvSpPr>
+          <p:spPr>
+            <a:xfrm>
+              <a:off x="7041232" y="2924944"/>
+              <a:ext cx="1348946" cy="216024"/>
             </a:xfrm>
             <a:prstGeom prst="rect">
               <a:avLst/>
@@ -9067,169 +9561,12 @@
           </p:txBody>
         </p:sp>
       </p:grpSp>
-      <p:sp>
-        <p:nvSpPr>
-          <p:cNvPr id="13" name="TextBox 12">
+      <p:grpSp>
+        <p:nvGrpSpPr>
+          <p:cNvPr id="23" name="그룹 22">
             <a:extLst>
               <a:ext uri="{FF2B5EF4-FFF2-40B4-BE49-F238E27FC236}">
-                <a16:creationId xmlns:a16="http://schemas.microsoft.com/office/drawing/2014/main" id="{60DEF396-9EAC-495D-A199-BBB48A79C245}"/>
-              </a:ext>
-            </a:extLst>
-          </p:cNvPr>
-          <p:cNvSpPr txBox="1"/>
-          <p:nvPr/>
-        </p:nvSpPr>
-        <p:spPr>
-          <a:xfrm>
-            <a:off x="344488" y="1101380"/>
-            <a:ext cx="9217024" cy="323165"/>
-          </a:xfrm>
-          <a:prstGeom prst="rect">
-            <a:avLst/>
-          </a:prstGeom>
-          <a:noFill/>
-        </p:spPr>
-        <p:txBody>
-          <a:bodyPr wrap="square" rtlCol="0">
-            <a:spAutoFit/>
-          </a:bodyPr>
-          <a:lstStyle/>
-          <a:p>
-            <a:pPr latinLnBrk="1"/>
-            <a:r>
-              <a:rPr lang="en-US" altLang="ko-KR" sz="1500" b="1" dirty="0">
-                <a:solidFill>
-                  <a:srgbClr val="11264F"/>
-                </a:solidFill>
-              </a:rPr>
-              <a:t>1. 5_team3.sql : </a:t>
-            </a:r>
-            <a:r>
-              <a:rPr lang="ko-KR" altLang="en-US" sz="1500" b="1" dirty="0">
-                <a:solidFill>
-                  <a:srgbClr val="11264F"/>
-                </a:solidFill>
-              </a:rPr>
-              <a:t>학사관리시스템에 필요한 테이블이나 데이터에 대한 쿼리가 담긴 스크립트 파일</a:t>
-            </a:r>
-          </a:p>
-        </p:txBody>
-      </p:sp>
-      <p:sp>
-        <p:nvSpPr>
-          <p:cNvPr id="32" name="TextBox 31">
-            <a:extLst>
-              <a:ext uri="{FF2B5EF4-FFF2-40B4-BE49-F238E27FC236}">
-                <a16:creationId xmlns:a16="http://schemas.microsoft.com/office/drawing/2014/main" id="{68F47B68-6635-4563-A1BF-F5E30339444D}"/>
-              </a:ext>
-            </a:extLst>
-          </p:cNvPr>
-          <p:cNvSpPr txBox="1"/>
-          <p:nvPr/>
-        </p:nvSpPr>
-        <p:spPr>
-          <a:xfrm>
-            <a:off x="344488" y="3940448"/>
-            <a:ext cx="9217024" cy="553998"/>
-          </a:xfrm>
-          <a:prstGeom prst="rect">
-            <a:avLst/>
-          </a:prstGeom>
-          <a:noFill/>
-        </p:spPr>
-        <p:txBody>
-          <a:bodyPr wrap="square" rtlCol="0">
-            <a:spAutoFit/>
-          </a:bodyPr>
-          <a:lstStyle/>
-          <a:p>
-            <a:pPr latinLnBrk="1"/>
-            <a:r>
-              <a:rPr lang="en-US" altLang="ko-KR" sz="1500" b="1" dirty="0">
-                <a:solidFill>
-                  <a:srgbClr val="11264F"/>
-                </a:solidFill>
-              </a:rPr>
-              <a:t>2. </a:t>
-            </a:r>
-            <a:r>
-              <a:rPr lang="en-US" altLang="ko-KR" sz="1500" b="1" dirty="0" err="1">
-                <a:solidFill>
-                  <a:srgbClr val="11264F"/>
-                </a:solidFill>
-              </a:rPr>
-              <a:t>sql</a:t>
-            </a:r>
-            <a:r>
-              <a:rPr lang="ko-KR" altLang="en-US" sz="1500" b="1" dirty="0">
-                <a:solidFill>
-                  <a:srgbClr val="11264F"/>
-                </a:solidFill>
-              </a:rPr>
-              <a:t> 작성시트에 아래와 같이 입력하면 </a:t>
-            </a:r>
-            <a:r>
-              <a:rPr lang="en-US" altLang="ko-KR" sz="1500" b="1" dirty="0">
-                <a:solidFill>
-                  <a:srgbClr val="11264F"/>
-                </a:solidFill>
-              </a:rPr>
-              <a:t>5_team3_sql</a:t>
-            </a:r>
-            <a:r>
-              <a:rPr lang="ko-KR" altLang="en-US" sz="1500" b="1" dirty="0">
-                <a:solidFill>
-                  <a:srgbClr val="11264F"/>
-                </a:solidFill>
-              </a:rPr>
-              <a:t>에 있는 쿼리가 실행되어 테이블과 데이터가 삽입</a:t>
-            </a:r>
-            <a:endParaRPr lang="en-US" altLang="ko-KR" sz="1500" b="1" dirty="0">
-              <a:solidFill>
-                <a:srgbClr val="11264F"/>
-              </a:solidFill>
-            </a:endParaRPr>
-          </a:p>
-          <a:p>
-            <a:pPr latinLnBrk="1"/>
-            <a:r>
-              <a:rPr lang="en-US" altLang="ko-KR" sz="1500" b="1" dirty="0">
-                <a:solidFill>
-                  <a:srgbClr val="11264F"/>
-                </a:solidFill>
-              </a:rPr>
-              <a:t>@</a:t>
-            </a:r>
-            <a:r>
-              <a:rPr lang="ko-KR" altLang="en-US" sz="1500" b="1" dirty="0">
-                <a:solidFill>
-                  <a:srgbClr val="11264F"/>
-                </a:solidFill>
-              </a:rPr>
-              <a:t>파일위치</a:t>
-            </a:r>
-            <a:r>
-              <a:rPr lang="en-US" altLang="ko-KR" sz="1500" b="1" dirty="0">
-                <a:solidFill>
-                  <a:srgbClr val="11264F"/>
-                </a:solidFill>
-              </a:rPr>
-              <a:t>\5_team3.sql;</a:t>
-            </a:r>
-            <a:endParaRPr lang="ko-KR" altLang="en-US" sz="1500" b="1" dirty="0">
-              <a:solidFill>
-                <a:srgbClr val="FF0000"/>
-              </a:solidFill>
-            </a:endParaRPr>
-          </a:p>
-        </p:txBody>
-      </p:sp>
-      <p:grpSp>
-        <p:nvGrpSpPr>
-          <p:cNvPr id="15" name="그룹 14">
-            <a:extLst>
-              <a:ext uri="{FF2B5EF4-FFF2-40B4-BE49-F238E27FC236}">
-                <a16:creationId xmlns:a16="http://schemas.microsoft.com/office/drawing/2014/main" id="{FC249561-490A-4FD9-B2DB-AA2212643899}"/>
+                <a16:creationId xmlns:a16="http://schemas.microsoft.com/office/drawing/2014/main" id="{023DD029-42DD-45DC-9C78-6EFA4A173051}"/>
               </a:ext>
             </a:extLst>
           </p:cNvPr>
@@ -9246,10 +9583,10 @@
         </p:grpSpPr>
         <p:sp>
           <p:nvSpPr>
-            <p:cNvPr id="16" name="직사각형 15">
+            <p:cNvPr id="24" name="직사각형 23">
               <a:extLst>
                 <a:ext uri="{FF2B5EF4-FFF2-40B4-BE49-F238E27FC236}">
-                  <a16:creationId xmlns:a16="http://schemas.microsoft.com/office/drawing/2014/main" id="{C7CCF394-501C-486F-AE45-DAD9D7A228DF}"/>
+                  <a16:creationId xmlns:a16="http://schemas.microsoft.com/office/drawing/2014/main" id="{909FA7F2-4249-4662-A2F8-37D4517716F6}"/>
                 </a:ext>
               </a:extLst>
             </p:cNvPr>
@@ -9300,10 +9637,10 @@
         </p:sp>
         <p:sp>
           <p:nvSpPr>
-            <p:cNvPr id="17" name="제목 1">
+            <p:cNvPr id="25" name="제목 1">
               <a:extLst>
                 <a:ext uri="{FF2B5EF4-FFF2-40B4-BE49-F238E27FC236}">
-                  <a16:creationId xmlns:a16="http://schemas.microsoft.com/office/drawing/2014/main" id="{62331D72-3242-428E-A694-9ED07A6A88CE}"/>
+                  <a16:creationId xmlns:a16="http://schemas.microsoft.com/office/drawing/2014/main" id="{A42505D8-3FA0-4D9A-893B-E9FF2B080EB8}"/>
                 </a:ext>
               </a:extLst>
             </p:cNvPr>
@@ -9429,7 +9766,7 @@
                   <a:latin typeface="+mn-ea"/>
                   <a:ea typeface="+mn-ea"/>
                 </a:rPr>
-                <a:t>01</a:t>
+                <a:t>01  02  03</a:t>
               </a:r>
               <a:r>
                 <a:rPr lang="en-US" altLang="ko-KR" sz="2000" b="1" dirty="0">
@@ -9439,17 +9776,7 @@
                   <a:latin typeface="+mn-ea"/>
                   <a:ea typeface="+mn-ea"/>
                 </a:rPr>
-                <a:t>  </a:t>
-              </a:r>
-              <a:r>
-                <a:rPr lang="en-US" altLang="ko-KR" sz="2000" b="1" dirty="0">
-                  <a:solidFill>
-                    <a:srgbClr val="DDDDDD"/>
-                  </a:solidFill>
-                  <a:latin typeface="+mn-ea"/>
-                  <a:ea typeface="+mn-ea"/>
-                </a:rPr>
-                <a:t>02</a:t>
+                <a:t>  04</a:t>
               </a:r>
               <a:r>
                 <a:rPr lang="en-US" altLang="ko-KR" sz="2000" b="1" dirty="0">
@@ -9461,7 +9788,17 @@
                   <a:latin typeface="+mn-ea"/>
                   <a:ea typeface="+mn-ea"/>
                 </a:rPr>
-                <a:t>  </a:t>
+                <a:t> </a:t>
+              </a:r>
+              <a:r>
+                <a:rPr lang="ko-KR" altLang="en-US" sz="2000" b="1" dirty="0">
+                  <a:solidFill>
+                    <a:srgbClr val="11264F"/>
+                  </a:solidFill>
+                  <a:latin typeface="+mn-ea"/>
+                  <a:ea typeface="+mn-ea"/>
+                </a:rPr>
+                <a:t>이클립스 </a:t>
               </a:r>
               <a:r>
                 <a:rPr lang="en-US" altLang="ko-KR" sz="2000" b="1" dirty="0">
@@ -9471,7 +9808,7 @@
                   <a:latin typeface="+mn-ea"/>
                   <a:ea typeface="+mn-ea"/>
                 </a:rPr>
-                <a:t>03 </a:t>
+                <a:t>– DBCP </a:t>
               </a:r>
               <a:r>
                 <a:rPr lang="ko-KR" altLang="en-US" sz="2000" b="1" dirty="0">
@@ -9481,21 +9818,13 @@
                   <a:latin typeface="+mn-ea"/>
                   <a:ea typeface="+mn-ea"/>
                 </a:rPr>
-                <a:t>오라클 </a:t>
-              </a:r>
-              <a:r>
-                <a:rPr lang="en-US" altLang="ko-KR" sz="2000" b="1" dirty="0">
-                  <a:solidFill>
-                    <a:srgbClr val="11264F"/>
-                  </a:solidFill>
-                  <a:latin typeface="+mn-ea"/>
-                  <a:ea typeface="+mn-ea"/>
-                </a:rPr>
-                <a:t>– Data Import</a:t>
+                <a:t>설정</a:t>
               </a:r>
               <a:endParaRPr lang="en-US" sz="2000" b="1" dirty="0">
                 <a:solidFill>
-                  <a:srgbClr val="11264F"/>
+                  <a:schemeClr val="bg1">
+                    <a:lumMod val="75000"/>
+                  </a:schemeClr>
                 </a:solidFill>
                 <a:latin typeface="+mn-ea"/>
                 <a:ea typeface="+mn-ea"/>
@@ -9505,10 +9834,10 @@
         </p:sp>
         <p:grpSp>
           <p:nvGrpSpPr>
-            <p:cNvPr id="18" name="그룹 17">
+            <p:cNvPr id="26" name="그룹 25">
               <a:extLst>
                 <a:ext uri="{FF2B5EF4-FFF2-40B4-BE49-F238E27FC236}">
-                  <a16:creationId xmlns:a16="http://schemas.microsoft.com/office/drawing/2014/main" id="{2460607C-9F3C-4370-B151-DBB7A402454C}"/>
+                  <a16:creationId xmlns:a16="http://schemas.microsoft.com/office/drawing/2014/main" id="{0D374E5B-D01C-4ED2-B56B-D5E27AF6D233}"/>
                 </a:ext>
               </a:extLst>
             </p:cNvPr>
@@ -9525,10 +9854,10 @@
           </p:grpSpPr>
           <p:sp>
             <p:nvSpPr>
-              <p:cNvPr id="19" name="이등변 삼각형 18">
+              <p:cNvPr id="27" name="이등변 삼각형 26">
                 <a:extLst>
                   <a:ext uri="{FF2B5EF4-FFF2-40B4-BE49-F238E27FC236}">
-                    <a16:creationId xmlns:a16="http://schemas.microsoft.com/office/drawing/2014/main" id="{8B67E8B0-D99B-4171-9609-8E2AC9B08B7F}"/>
+                    <a16:creationId xmlns:a16="http://schemas.microsoft.com/office/drawing/2014/main" id="{5AD61AE9-6B6C-4C36-B40D-8C6D5363F525}"/>
                   </a:ext>
                 </a:extLst>
               </p:cNvPr>
@@ -9579,10 +9908,10 @@
           </p:sp>
           <p:sp>
             <p:nvSpPr>
-              <p:cNvPr id="20" name="직사각형 19">
+              <p:cNvPr id="28" name="직사각형 27">
                 <a:extLst>
                   <a:ext uri="{FF2B5EF4-FFF2-40B4-BE49-F238E27FC236}">
-                    <a16:creationId xmlns:a16="http://schemas.microsoft.com/office/drawing/2014/main" id="{A7B1B879-4C0A-4A4D-827B-426B0EA3F553}"/>
+                    <a16:creationId xmlns:a16="http://schemas.microsoft.com/office/drawing/2014/main" id="{00DB18D9-1EA1-4288-947E-54B5A0421E70}"/>
                   </a:ext>
                 </a:extLst>
               </p:cNvPr>
@@ -9633,10 +9962,10 @@
           </p:sp>
           <p:sp>
             <p:nvSpPr>
-              <p:cNvPr id="21" name="직사각형 20">
+              <p:cNvPr id="29" name="직사각형 28">
                 <a:extLst>
                   <a:ext uri="{FF2B5EF4-FFF2-40B4-BE49-F238E27FC236}">
-                    <a16:creationId xmlns:a16="http://schemas.microsoft.com/office/drawing/2014/main" id="{64FA6E9A-DFBC-4CF7-8637-64772A8FDFCD}"/>
+                    <a16:creationId xmlns:a16="http://schemas.microsoft.com/office/drawing/2014/main" id="{B3E23448-4C84-42CA-AE87-2ADEBB364CF5}"/>
                   </a:ext>
                 </a:extLst>
               </p:cNvPr>
@@ -9679,7 +10008,7 @@
     </p:spTree>
     <p:extLst>
       <p:ext uri="{BB962C8B-B14F-4D97-AF65-F5344CB8AC3E}">
-        <p14:creationId xmlns:p14="http://schemas.microsoft.com/office/powerpoint/2010/main" val="544004880"/>
+        <p14:creationId xmlns:p14="http://schemas.microsoft.com/office/powerpoint/2010/main" val="3137505136"/>
       </p:ext>
     </p:extLst>
   </p:cSld>
@@ -9690,6 +10019,662 @@
 </file>
 
 <file path=ppt/slides/slide11.xml><?xml version="1.0" encoding="utf-8"?>
+<p:sld xmlns:a="http://schemas.openxmlformats.org/drawingml/2006/main" xmlns:r="http://schemas.openxmlformats.org/officeDocument/2006/relationships" xmlns:p="http://schemas.openxmlformats.org/presentationml/2006/main">
+  <p:cSld>
+    <p:spTree>
+      <p:nvGrpSpPr>
+        <p:cNvPr id="1" name=""/>
+        <p:cNvGrpSpPr/>
+        <p:nvPr/>
+      </p:nvGrpSpPr>
+      <p:grpSpPr>
+        <a:xfrm>
+          <a:off x="0" y="0"/>
+          <a:ext cx="0" cy="0"/>
+          <a:chOff x="0" y="0"/>
+          <a:chExt cx="0" cy="0"/>
+        </a:xfrm>
+      </p:grpSpPr>
+      <p:pic>
+        <p:nvPicPr>
+          <p:cNvPr id="7" name="그림 6">
+            <a:extLst>
+              <a:ext uri="{FF2B5EF4-FFF2-40B4-BE49-F238E27FC236}">
+                <a16:creationId xmlns:a16="http://schemas.microsoft.com/office/drawing/2014/main" id="{4080F042-9E10-4B8F-90FE-B73873EF20CA}"/>
+              </a:ext>
+            </a:extLst>
+          </p:cNvPr>
+          <p:cNvPicPr>
+            <a:picLocks noChangeAspect="1"/>
+          </p:cNvPicPr>
+          <p:nvPr/>
+        </p:nvPicPr>
+        <p:blipFill>
+          <a:blip r:embed="rId3"/>
+          <a:stretch>
+            <a:fillRect/>
+          </a:stretch>
+        </p:blipFill>
+        <p:spPr>
+          <a:xfrm>
+            <a:off x="964332" y="2204864"/>
+            <a:ext cx="7977336" cy="4293096"/>
+          </a:xfrm>
+          <a:prstGeom prst="rect">
+            <a:avLst/>
+          </a:prstGeom>
+        </p:spPr>
+      </p:pic>
+      <p:sp>
+        <p:nvSpPr>
+          <p:cNvPr id="8" name="TextBox 7">
+            <a:extLst>
+              <a:ext uri="{FF2B5EF4-FFF2-40B4-BE49-F238E27FC236}">
+                <a16:creationId xmlns:a16="http://schemas.microsoft.com/office/drawing/2014/main" id="{902D13D8-6138-4FE4-8D22-4ACDB86554E1}"/>
+              </a:ext>
+            </a:extLst>
+          </p:cNvPr>
+          <p:cNvSpPr txBox="1"/>
+          <p:nvPr/>
+        </p:nvSpPr>
+        <p:spPr>
+          <a:xfrm>
+            <a:off x="344488" y="1101380"/>
+            <a:ext cx="9217024" cy="861774"/>
+          </a:xfrm>
+          <a:prstGeom prst="rect">
+            <a:avLst/>
+          </a:prstGeom>
+          <a:noFill/>
+        </p:spPr>
+        <p:txBody>
+          <a:bodyPr wrap="square" rtlCol="0">
+            <a:spAutoFit/>
+          </a:bodyPr>
+          <a:lstStyle/>
+          <a:p>
+            <a:pPr latinLnBrk="1"/>
+            <a:r>
+              <a:rPr lang="en-US" altLang="ko-KR" sz="1500" b="1" dirty="0">
+                <a:solidFill>
+                  <a:srgbClr val="11264F"/>
+                </a:solidFill>
+              </a:rPr>
+              <a:t>7. </a:t>
+            </a:r>
+            <a:r>
+              <a:rPr lang="ko-KR" altLang="en-US" sz="1500" b="1" dirty="0">
+                <a:solidFill>
+                  <a:srgbClr val="11264F"/>
+                </a:solidFill>
+              </a:rPr>
+              <a:t>위의 세팅을 하고 </a:t>
+            </a:r>
+            <a:r>
+              <a:rPr lang="en-US" altLang="ko-KR" sz="1500" b="1" dirty="0" err="1">
+                <a:solidFill>
+                  <a:srgbClr val="11264F"/>
+                </a:solidFill>
+              </a:rPr>
+              <a:t>login.jsp</a:t>
+            </a:r>
+            <a:r>
+              <a:rPr lang="ko-KR" altLang="en-US" sz="1500" b="1" dirty="0">
+                <a:solidFill>
+                  <a:srgbClr val="11264F"/>
+                </a:solidFill>
+              </a:rPr>
+              <a:t>를 켜서 </a:t>
+            </a:r>
+            <a:r>
+              <a:rPr lang="en-US" altLang="ko-KR" sz="1500" b="1" dirty="0">
+                <a:solidFill>
+                  <a:srgbClr val="11264F"/>
+                </a:solidFill>
+              </a:rPr>
+              <a:t>Ctrl + F11</a:t>
+            </a:r>
+            <a:r>
+              <a:rPr lang="ko-KR" altLang="en-US" sz="1500" b="1" dirty="0">
+                <a:solidFill>
+                  <a:srgbClr val="11264F"/>
+                </a:solidFill>
+              </a:rPr>
+              <a:t>을 눌러 실행하면 아래와 같은 화면이 출력</a:t>
+            </a:r>
+            <a:endParaRPr lang="en-US" altLang="ko-KR" sz="1500" b="1" dirty="0">
+              <a:solidFill>
+                <a:srgbClr val="11264F"/>
+              </a:solidFill>
+            </a:endParaRPr>
+          </a:p>
+          <a:p>
+            <a:pPr latinLnBrk="1"/>
+            <a:endParaRPr lang="en-US" altLang="ko-KR" sz="500" b="1" dirty="0">
+              <a:solidFill>
+                <a:srgbClr val="11264F"/>
+              </a:solidFill>
+            </a:endParaRPr>
+          </a:p>
+          <a:p>
+            <a:pPr latinLnBrk="1"/>
+            <a:r>
+              <a:rPr lang="ko-KR" altLang="en-US" sz="1500" b="1" dirty="0">
+                <a:solidFill>
+                  <a:srgbClr val="C00000"/>
+                </a:solidFill>
+              </a:rPr>
+              <a:t>관리자</a:t>
+            </a:r>
+            <a:r>
+              <a:rPr lang="en-US" altLang="ko-KR" sz="1500" b="1" dirty="0">
+                <a:solidFill>
+                  <a:srgbClr val="C00000"/>
+                </a:solidFill>
+              </a:rPr>
+              <a:t> </a:t>
+            </a:r>
+            <a:r>
+              <a:rPr lang="ko-KR" altLang="en-US" sz="1500" b="1" dirty="0">
+                <a:solidFill>
+                  <a:srgbClr val="C00000"/>
+                </a:solidFill>
+              </a:rPr>
+              <a:t>계정</a:t>
+            </a:r>
+            <a:r>
+              <a:rPr lang="en-US" altLang="ko-KR" sz="1500" b="1" dirty="0">
+                <a:solidFill>
+                  <a:srgbClr val="C00000"/>
+                </a:solidFill>
+              </a:rPr>
+              <a:t>)  11111111  /  test</a:t>
+            </a:r>
+          </a:p>
+          <a:p>
+            <a:pPr latinLnBrk="1"/>
+            <a:r>
+              <a:rPr lang="ko-KR" altLang="en-US" sz="1500" b="1" dirty="0">
+                <a:solidFill>
+                  <a:srgbClr val="C00000"/>
+                </a:solidFill>
+              </a:rPr>
+              <a:t>학생 계정</a:t>
+            </a:r>
+            <a:r>
+              <a:rPr lang="en-US" altLang="ko-KR" sz="1500" b="1" dirty="0">
+                <a:solidFill>
+                  <a:srgbClr val="C00000"/>
+                </a:solidFill>
+              </a:rPr>
+              <a:t>)  20201350  /  test</a:t>
+            </a:r>
+            <a:endParaRPr lang="ko-KR" altLang="en-US" sz="1500" b="1" dirty="0">
+              <a:solidFill>
+                <a:srgbClr val="C00000"/>
+              </a:solidFill>
+            </a:endParaRPr>
+          </a:p>
+        </p:txBody>
+      </p:sp>
+      <p:grpSp>
+        <p:nvGrpSpPr>
+          <p:cNvPr id="11" name="그룹 10">
+            <a:extLst>
+              <a:ext uri="{FF2B5EF4-FFF2-40B4-BE49-F238E27FC236}">
+                <a16:creationId xmlns:a16="http://schemas.microsoft.com/office/drawing/2014/main" id="{7DCE129A-4E56-4BB1-A30F-F31FEE69DF35}"/>
+              </a:ext>
+            </a:extLst>
+          </p:cNvPr>
+          <p:cNvGrpSpPr/>
+          <p:nvPr/>
+        </p:nvGrpSpPr>
+        <p:grpSpPr>
+          <a:xfrm>
+            <a:off x="0" y="188639"/>
+            <a:ext cx="9906000" cy="729947"/>
+            <a:chOff x="0" y="188639"/>
+            <a:chExt cx="9906000" cy="729947"/>
+          </a:xfrm>
+        </p:grpSpPr>
+        <p:sp>
+          <p:nvSpPr>
+            <p:cNvPr id="12" name="직사각형 11">
+              <a:extLst>
+                <a:ext uri="{FF2B5EF4-FFF2-40B4-BE49-F238E27FC236}">
+                  <a16:creationId xmlns:a16="http://schemas.microsoft.com/office/drawing/2014/main" id="{DD9C3021-FB89-41E5-95D7-611349D5BB64}"/>
+                </a:ext>
+              </a:extLst>
+            </p:cNvPr>
+            <p:cNvSpPr/>
+            <p:nvPr/>
+          </p:nvSpPr>
+          <p:spPr>
+            <a:xfrm>
+              <a:off x="0" y="824266"/>
+              <a:ext cx="9906000" cy="94320"/>
+            </a:xfrm>
+            <a:prstGeom prst="rect">
+              <a:avLst/>
+            </a:prstGeom>
+            <a:solidFill>
+              <a:srgbClr val="11264F"/>
+            </a:solidFill>
+            <a:ln>
+              <a:noFill/>
+            </a:ln>
+          </p:spPr>
+          <p:style>
+            <a:lnRef idx="2">
+              <a:schemeClr val="accent1">
+                <a:shade val="50000"/>
+              </a:schemeClr>
+            </a:lnRef>
+            <a:fillRef idx="1">
+              <a:schemeClr val="accent1"/>
+            </a:fillRef>
+            <a:effectRef idx="0">
+              <a:schemeClr val="accent1"/>
+            </a:effectRef>
+            <a:fontRef idx="minor">
+              <a:schemeClr val="lt1"/>
+            </a:fontRef>
+          </p:style>
+          <p:txBody>
+            <a:bodyPr rtlCol="0" anchor="ctr"/>
+            <a:lstStyle/>
+            <a:p>
+              <a:pPr algn="ctr"/>
+              <a:endParaRPr lang="ko-KR" altLang="en-US">
+                <a:latin typeface="+mn-ea"/>
+              </a:endParaRPr>
+            </a:p>
+          </p:txBody>
+        </p:sp>
+        <p:sp>
+          <p:nvSpPr>
+            <p:cNvPr id="13" name="제목 1">
+              <a:extLst>
+                <a:ext uri="{FF2B5EF4-FFF2-40B4-BE49-F238E27FC236}">
+                  <a16:creationId xmlns:a16="http://schemas.microsoft.com/office/drawing/2014/main" id="{220D6916-D4DC-4763-82CC-92309465EA89}"/>
+                </a:ext>
+              </a:extLst>
+            </p:cNvPr>
+            <p:cNvSpPr txBox="1">
+              <a:spLocks/>
+            </p:cNvSpPr>
+            <p:nvPr/>
+          </p:nvSpPr>
+          <p:spPr>
+            <a:xfrm>
+              <a:off x="3" y="188639"/>
+              <a:ext cx="8390175" cy="726759"/>
+            </a:xfrm>
+            <a:prstGeom prst="rect">
+              <a:avLst/>
+            </a:prstGeom>
+            <a:noFill/>
+            <a:ln>
+              <a:noFill/>
+            </a:ln>
+          </p:spPr>
+          <p:txBody>
+            <a:bodyPr vert="horz" wrap="square" lIns="90000" tIns="45000" rIns="90000" bIns="45000" anchor="ctr" anchorCtr="0"/>
+            <a:lstStyle>
+              <a:defPPr lvl="0">
+                <a:buSzPct val="45000"/>
+                <a:buFont typeface="StarSymbol"/>
+                <a:buNone/>
+                <a:defRPr/>
+              </a:defPPr>
+              <a:lvl1pPr lvl="0" algn="ctr" rtl="0" hangingPunct="1">
+                <a:spcBef>
+                  <a:spcPts val="0"/>
+                </a:spcBef>
+                <a:spcAft>
+                  <a:spcPts val="0"/>
+                </a:spcAft>
+                <a:buSzPct val="45000"/>
+                <a:buFont typeface="StarSymbol"/>
+                <a:buChar char="●"/>
+                <a:tabLst/>
+                <a:defRPr lang="ko-KR" sz="4400" b="0" i="0" u="none" strike="noStrike" kern="1200" spc="0">
+                  <a:ln>
+                    <a:noFill/>
+                  </a:ln>
+                  <a:solidFill>
+                    <a:srgbClr val="000000"/>
+                  </a:solidFill>
+                  <a:latin typeface="맑은 고딕" pitchFamily="18"/>
+                  <a:ea typeface="굴림" pitchFamily="2"/>
+                  <a:cs typeface="Arial" pitchFamily="2"/>
+                </a:defRPr>
+              </a:lvl1pPr>
+              <a:lvl2pPr lvl="1">
+                <a:buSzPct val="45000"/>
+                <a:buFont typeface="StarSymbol"/>
+                <a:buChar char="●"/>
+                <a:defRPr/>
+              </a:lvl2pPr>
+              <a:lvl3pPr lvl="2">
+                <a:buSzPct val="45000"/>
+                <a:buFont typeface="StarSymbol"/>
+                <a:buChar char="●"/>
+                <a:defRPr/>
+              </a:lvl3pPr>
+              <a:lvl4pPr lvl="3">
+                <a:buSzPct val="45000"/>
+                <a:buFont typeface="StarSymbol"/>
+                <a:buChar char="●"/>
+                <a:defRPr/>
+              </a:lvl4pPr>
+              <a:lvl5pPr lvl="4">
+                <a:buSzPct val="45000"/>
+                <a:buFont typeface="StarSymbol"/>
+                <a:buChar char="●"/>
+                <a:defRPr/>
+              </a:lvl5pPr>
+              <a:lvl6pPr lvl="5">
+                <a:buSzPct val="45000"/>
+                <a:buFont typeface="StarSymbol"/>
+                <a:buChar char="●"/>
+                <a:defRPr/>
+              </a:lvl6pPr>
+              <a:lvl7pPr lvl="6">
+                <a:buSzPct val="45000"/>
+                <a:buFont typeface="StarSymbol"/>
+                <a:buChar char="●"/>
+                <a:defRPr/>
+              </a:lvl7pPr>
+              <a:lvl8pPr lvl="7">
+                <a:buSzPct val="45000"/>
+                <a:buFont typeface="StarSymbol"/>
+                <a:buChar char="●"/>
+                <a:defRPr/>
+              </a:lvl8pPr>
+              <a:lvl9pPr lvl="8">
+                <a:buSzPct val="45000"/>
+                <a:buFont typeface="StarSymbol"/>
+                <a:buChar char="●"/>
+                <a:defRPr/>
+              </a:lvl9pPr>
+            </a:lstStyle>
+            <a:p>
+              <a:pPr algn="l" latinLnBrk="0">
+                <a:buFont typeface="StarSymbol"/>
+                <a:buNone/>
+              </a:pPr>
+              <a:r>
+                <a:rPr lang="ko-KR" altLang="en-US" sz="2000" b="1" dirty="0">
+                  <a:solidFill>
+                    <a:srgbClr val="11264F"/>
+                  </a:solidFill>
+                  <a:latin typeface="+mn-ea"/>
+                  <a:ea typeface="+mn-ea"/>
+                </a:rPr>
+                <a:t> </a:t>
+              </a:r>
+              <a:r>
+                <a:rPr lang="en-US" altLang="ko-KR" sz="2000" b="1" dirty="0">
+                  <a:solidFill>
+                    <a:srgbClr val="DDDDDD"/>
+                  </a:solidFill>
+                  <a:latin typeface="+mn-ea"/>
+                  <a:ea typeface="+mn-ea"/>
+                </a:rPr>
+                <a:t>01  02  03</a:t>
+              </a:r>
+              <a:r>
+                <a:rPr lang="en-US" altLang="ko-KR" sz="2000" b="1" dirty="0">
+                  <a:solidFill>
+                    <a:srgbClr val="11264F"/>
+                  </a:solidFill>
+                  <a:latin typeface="+mn-ea"/>
+                  <a:ea typeface="+mn-ea"/>
+                </a:rPr>
+                <a:t>  04</a:t>
+              </a:r>
+              <a:r>
+                <a:rPr lang="en-US" altLang="ko-KR" sz="2000" b="1" dirty="0">
+                  <a:solidFill>
+                    <a:schemeClr val="bg1">
+                      <a:lumMod val="75000"/>
+                    </a:schemeClr>
+                  </a:solidFill>
+                  <a:latin typeface="+mn-ea"/>
+                  <a:ea typeface="+mn-ea"/>
+                </a:rPr>
+                <a:t> </a:t>
+              </a:r>
+              <a:r>
+                <a:rPr lang="ko-KR" altLang="en-US" sz="2000" b="1" dirty="0">
+                  <a:solidFill>
+                    <a:srgbClr val="11264F"/>
+                  </a:solidFill>
+                  <a:latin typeface="+mn-ea"/>
+                  <a:ea typeface="+mn-ea"/>
+                </a:rPr>
+                <a:t>이클립스 </a:t>
+              </a:r>
+              <a:r>
+                <a:rPr lang="en-US" altLang="ko-KR" sz="2000" b="1" dirty="0">
+                  <a:solidFill>
+                    <a:srgbClr val="11264F"/>
+                  </a:solidFill>
+                  <a:latin typeface="+mn-ea"/>
+                  <a:ea typeface="+mn-ea"/>
+                </a:rPr>
+                <a:t>– </a:t>
+              </a:r>
+              <a:r>
+                <a:rPr lang="ko-KR" altLang="en-US" sz="2000" b="1" dirty="0">
+                  <a:solidFill>
+                    <a:srgbClr val="11264F"/>
+                  </a:solidFill>
+                  <a:latin typeface="+mn-ea"/>
+                  <a:ea typeface="+mn-ea"/>
+                </a:rPr>
+                <a:t>실행</a:t>
+              </a:r>
+              <a:endParaRPr lang="en-US" sz="2000" b="1" dirty="0">
+                <a:solidFill>
+                  <a:schemeClr val="bg1">
+                    <a:lumMod val="75000"/>
+                  </a:schemeClr>
+                </a:solidFill>
+                <a:latin typeface="+mn-ea"/>
+                <a:ea typeface="+mn-ea"/>
+              </a:endParaRPr>
+            </a:p>
+          </p:txBody>
+        </p:sp>
+        <p:grpSp>
+          <p:nvGrpSpPr>
+            <p:cNvPr id="14" name="그룹 13">
+              <a:extLst>
+                <a:ext uri="{FF2B5EF4-FFF2-40B4-BE49-F238E27FC236}">
+                  <a16:creationId xmlns:a16="http://schemas.microsoft.com/office/drawing/2014/main" id="{A5A195F8-3B2C-441C-96CA-1BF278BAB17D}"/>
+                </a:ext>
+              </a:extLst>
+            </p:cNvPr>
+            <p:cNvGrpSpPr/>
+            <p:nvPr/>
+          </p:nvGrpSpPr>
+          <p:grpSpPr>
+            <a:xfrm>
+              <a:off x="8265368" y="497933"/>
+              <a:ext cx="1640632" cy="417466"/>
+              <a:chOff x="8265368" y="497933"/>
+              <a:chExt cx="1640632" cy="417466"/>
+            </a:xfrm>
+          </p:grpSpPr>
+          <p:sp>
+            <p:nvSpPr>
+              <p:cNvPr id="15" name="이등변 삼각형 14">
+                <a:extLst>
+                  <a:ext uri="{FF2B5EF4-FFF2-40B4-BE49-F238E27FC236}">
+                    <a16:creationId xmlns:a16="http://schemas.microsoft.com/office/drawing/2014/main" id="{EF2B13C9-7693-4A0C-A1FE-A347E57E74C7}"/>
+                  </a:ext>
+                </a:extLst>
+              </p:cNvPr>
+              <p:cNvSpPr/>
+              <p:nvPr/>
+            </p:nvSpPr>
+            <p:spPr>
+              <a:xfrm>
+                <a:off x="8265368" y="497933"/>
+                <a:ext cx="432048" cy="326333"/>
+              </a:xfrm>
+              <a:prstGeom prst="triangle">
+                <a:avLst/>
+              </a:prstGeom>
+              <a:solidFill>
+                <a:srgbClr val="11264F"/>
+              </a:solidFill>
+              <a:ln>
+                <a:noFill/>
+              </a:ln>
+            </p:spPr>
+            <p:style>
+              <a:lnRef idx="2">
+                <a:schemeClr val="accent1">
+                  <a:shade val="50000"/>
+                </a:schemeClr>
+              </a:lnRef>
+              <a:fillRef idx="1">
+                <a:schemeClr val="accent1"/>
+              </a:fillRef>
+              <a:effectRef idx="0">
+                <a:schemeClr val="accent1"/>
+              </a:effectRef>
+              <a:fontRef idx="minor">
+                <a:schemeClr val="lt1"/>
+              </a:fontRef>
+            </p:style>
+            <p:txBody>
+              <a:bodyPr rtlCol="0" anchor="ctr"/>
+              <a:lstStyle/>
+              <a:p>
+                <a:pPr algn="ctr"/>
+                <a:endParaRPr lang="ko-KR" altLang="en-US">
+                  <a:latin typeface="+mn-ea"/>
+                </a:endParaRPr>
+              </a:p>
+            </p:txBody>
+          </p:sp>
+          <p:sp>
+            <p:nvSpPr>
+              <p:cNvPr id="16" name="직사각형 15">
+                <a:extLst>
+                  <a:ext uri="{FF2B5EF4-FFF2-40B4-BE49-F238E27FC236}">
+                    <a16:creationId xmlns:a16="http://schemas.microsoft.com/office/drawing/2014/main" id="{86057FEC-1C0E-4332-941A-479B9DE68AC1}"/>
+                  </a:ext>
+                </a:extLst>
+              </p:cNvPr>
+              <p:cNvSpPr/>
+              <p:nvPr/>
+            </p:nvSpPr>
+            <p:spPr>
+              <a:xfrm>
+                <a:off x="8481392" y="497933"/>
+                <a:ext cx="1424608" cy="373493"/>
+              </a:xfrm>
+              <a:prstGeom prst="rect">
+                <a:avLst/>
+              </a:prstGeom>
+              <a:solidFill>
+                <a:srgbClr val="11264F"/>
+              </a:solidFill>
+              <a:ln>
+                <a:noFill/>
+              </a:ln>
+            </p:spPr>
+            <p:style>
+              <a:lnRef idx="2">
+                <a:schemeClr val="accent1">
+                  <a:shade val="50000"/>
+                </a:schemeClr>
+              </a:lnRef>
+              <a:fillRef idx="1">
+                <a:schemeClr val="accent1"/>
+              </a:fillRef>
+              <a:effectRef idx="0">
+                <a:schemeClr val="accent1"/>
+              </a:effectRef>
+              <a:fontRef idx="minor">
+                <a:schemeClr val="lt1"/>
+              </a:fontRef>
+            </p:style>
+            <p:txBody>
+              <a:bodyPr rtlCol="0" anchor="ctr"/>
+              <a:lstStyle/>
+              <a:p>
+                <a:pPr algn="ctr"/>
+                <a:endParaRPr lang="ko-KR" altLang="en-US">
+                  <a:latin typeface="+mn-ea"/>
+                </a:endParaRPr>
+              </a:p>
+            </p:txBody>
+          </p:sp>
+          <p:sp>
+            <p:nvSpPr>
+              <p:cNvPr id="24" name="직사각형 23">
+                <a:extLst>
+                  <a:ext uri="{FF2B5EF4-FFF2-40B4-BE49-F238E27FC236}">
+                    <a16:creationId xmlns:a16="http://schemas.microsoft.com/office/drawing/2014/main" id="{86025ABD-CD1F-4E5F-9F7F-0528F46696FC}"/>
+                  </a:ext>
+                </a:extLst>
+              </p:cNvPr>
+              <p:cNvSpPr/>
+              <p:nvPr/>
+            </p:nvSpPr>
+            <p:spPr>
+              <a:xfrm>
+                <a:off x="8711636" y="515289"/>
+                <a:ext cx="975267" cy="400110"/>
+              </a:xfrm>
+              <a:prstGeom prst="rect">
+                <a:avLst/>
+              </a:prstGeom>
+            </p:spPr>
+            <p:txBody>
+              <a:bodyPr wrap="none">
+                <a:spAutoFit/>
+              </a:bodyPr>
+              <a:lstStyle/>
+              <a:p>
+                <a:pPr latinLnBrk="0">
+                  <a:buFont typeface="StarSymbol"/>
+                  <a:buNone/>
+                </a:pPr>
+                <a:r>
+                  <a:rPr lang="en-US" altLang="ko-KR" b="1" dirty="0">
+                    <a:solidFill>
+                      <a:srgbClr val="FFCC00"/>
+                    </a:solidFill>
+                    <a:latin typeface="+mn-ea"/>
+                  </a:rPr>
+                  <a:t>Team3</a:t>
+                </a:r>
+              </a:p>
+            </p:txBody>
+          </p:sp>
+        </p:grpSp>
+      </p:grpSp>
+    </p:spTree>
+    <p:extLst>
+      <p:ext uri="{BB962C8B-B14F-4D97-AF65-F5344CB8AC3E}">
+        <p14:creationId xmlns:p14="http://schemas.microsoft.com/office/powerpoint/2010/main" val="3435446412"/>
+      </p:ext>
+    </p:extLst>
+  </p:cSld>
+  <p:clrMapOvr>
+    <a:masterClrMapping/>
+  </p:clrMapOvr>
+</p:sld>
+</file>
+
+<file path=ppt/slides/slide12.xml><?xml version="1.0" encoding="utf-8"?>
 <p:sld xmlns:a="http://schemas.openxmlformats.org/drawingml/2006/main" xmlns:r="http://schemas.openxmlformats.org/officeDocument/2006/relationships" xmlns:p="http://schemas.openxmlformats.org/presentationml/2006/main">
   <p:cSld>
     <p:bg>
@@ -10274,7 +11259,7 @@
         </p:nvSpPr>
         <p:spPr>
           <a:xfrm>
-            <a:off x="0" y="3714357"/>
+            <a:off x="0" y="3717032"/>
             <a:ext cx="9906000" cy="3140968"/>
           </a:xfrm>
           <a:prstGeom prst="rect">
@@ -10441,10 +11426,10 @@
       </p:sp>
       <p:grpSp>
         <p:nvGrpSpPr>
-          <p:cNvPr id="3" name="그룹 2">
+          <p:cNvPr id="7" name="그룹 6">
             <a:extLst>
               <a:ext uri="{FF2B5EF4-FFF2-40B4-BE49-F238E27FC236}">
-                <a16:creationId xmlns:a16="http://schemas.microsoft.com/office/drawing/2014/main" id="{6397C742-6FA2-460E-A5C0-D5FA5F796F93}"/>
+                <a16:creationId xmlns:a16="http://schemas.microsoft.com/office/drawing/2014/main" id="{8570CA57-1BC1-4865-9867-9269665C79A4}"/>
               </a:ext>
             </a:extLst>
           </p:cNvPr>
@@ -10453,27 +11438,21 @@
         </p:nvGrpSpPr>
         <p:grpSpPr>
           <a:xfrm>
-            <a:off x="2194932" y="3126007"/>
-            <a:ext cx="5516136" cy="1584176"/>
-            <a:chOff x="2356751" y="3126007"/>
-            <a:chExt cx="5516136" cy="1584176"/>
+            <a:off x="1177349" y="3126007"/>
+            <a:ext cx="7551301" cy="2455975"/>
+            <a:chOff x="248155" y="3126007"/>
+            <a:chExt cx="7551301" cy="2455975"/>
           </a:xfrm>
         </p:grpSpPr>
         <p:sp>
           <p:nvSpPr>
-            <p:cNvPr id="9" name="직사각형 8">
-              <a:extLst>
-                <a:ext uri="{FF2B5EF4-FFF2-40B4-BE49-F238E27FC236}">
-                  <a16:creationId xmlns:a16="http://schemas.microsoft.com/office/drawing/2014/main" id="{5B72DDF2-DF1F-445B-AC6E-256DF305592E}"/>
-                </a:ext>
-              </a:extLst>
-            </p:cNvPr>
+            <p:cNvPr id="16" name="직사각형 15"/>
             <p:cNvSpPr/>
             <p:nvPr/>
           </p:nvSpPr>
           <p:spPr>
             <a:xfrm>
-              <a:off x="2356751" y="3918095"/>
+              <a:off x="248155" y="3918095"/>
               <a:ext cx="1344794" cy="792088"/>
             </a:xfrm>
             <a:prstGeom prst="rect">
@@ -10511,7 +11490,7 @@
                     <a:srgbClr val="11264F"/>
                   </a:solidFill>
                 </a:rPr>
-                <a:t>다운</a:t>
+                <a:t>구성</a:t>
               </a:r>
               <a:endParaRPr lang="en-US" altLang="ko-KR" b="1" dirty="0">
                 <a:solidFill>
@@ -10527,17 +11506,17 @@
                     <a:srgbClr val="11264F"/>
                   </a:solidFill>
                 </a:rPr>
-                <a:t>로드</a:t>
+                <a:t>요소</a:t>
               </a:r>
             </a:p>
           </p:txBody>
         </p:sp>
         <p:grpSp>
           <p:nvGrpSpPr>
-            <p:cNvPr id="10" name="그룹 9">
+            <p:cNvPr id="11" name="그룹 10">
               <a:extLst>
                 <a:ext uri="{FF2B5EF4-FFF2-40B4-BE49-F238E27FC236}">
-                  <a16:creationId xmlns:a16="http://schemas.microsoft.com/office/drawing/2014/main" id="{C6D7CF20-AD90-4E14-9E07-A43722DAF645}"/>
+                  <a16:creationId xmlns:a16="http://schemas.microsoft.com/office/drawing/2014/main" id="{41F71488-951C-4640-A2DF-3210856D896C}"/>
                 </a:ext>
               </a:extLst>
             </p:cNvPr>
@@ -10546,18 +11525,18 @@
           </p:nvGrpSpPr>
           <p:grpSpPr>
             <a:xfrm>
-              <a:off x="2576736" y="3126007"/>
-              <a:ext cx="5076564" cy="802840"/>
+              <a:off x="468140" y="3126007"/>
+              <a:ext cx="7020780" cy="802840"/>
               <a:chOff x="524508" y="2569831"/>
-              <a:chExt cx="5076564" cy="802840"/>
+              <a:chExt cx="7020780" cy="802840"/>
             </a:xfrm>
           </p:grpSpPr>
           <p:sp>
             <p:nvSpPr>
-              <p:cNvPr id="11" name="직사각형 10">
+              <p:cNvPr id="24" name="직사각형 23">
                 <a:extLst>
                   <a:ext uri="{FF2B5EF4-FFF2-40B4-BE49-F238E27FC236}">
-                    <a16:creationId xmlns:a16="http://schemas.microsoft.com/office/drawing/2014/main" id="{7BE09E9A-6AD7-498F-A6F7-0AD259F0F754}"/>
+                    <a16:creationId xmlns:a16="http://schemas.microsoft.com/office/drawing/2014/main" id="{1CFF6496-D382-4056-AAF0-3497BB9FE71B}"/>
                   </a:ext>
                 </a:extLst>
               </p:cNvPr>
@@ -10612,10 +11591,10 @@
           </p:sp>
           <p:sp>
             <p:nvSpPr>
-              <p:cNvPr id="12" name="직사각형 11">
+              <p:cNvPr id="25" name="직사각형 24">
                 <a:extLst>
                   <a:ext uri="{FF2B5EF4-FFF2-40B4-BE49-F238E27FC236}">
-                    <a16:creationId xmlns:a16="http://schemas.microsoft.com/office/drawing/2014/main" id="{0640AC4E-4EB9-4BA5-A75E-F8E83E2E6CD0}"/>
+                    <a16:creationId xmlns:a16="http://schemas.microsoft.com/office/drawing/2014/main" id="{E2D96F90-22C1-4A0C-AC8D-FC3AA8A047D4}"/>
                   </a:ext>
                 </a:extLst>
               </p:cNvPr>
@@ -10670,10 +11649,10 @@
           </p:sp>
           <p:sp>
             <p:nvSpPr>
-              <p:cNvPr id="13" name="직사각형 12">
+              <p:cNvPr id="26" name="직사각형 25">
                 <a:extLst>
                   <a:ext uri="{FF2B5EF4-FFF2-40B4-BE49-F238E27FC236}">
-                    <a16:creationId xmlns:a16="http://schemas.microsoft.com/office/drawing/2014/main" id="{A44546EF-DF39-4314-850A-8B4492392F92}"/>
+                    <a16:creationId xmlns:a16="http://schemas.microsoft.com/office/drawing/2014/main" id="{0C489BF5-2657-4CAA-936B-3B6BB9CC6F7E}"/>
                   </a:ext>
                 </a:extLst>
               </p:cNvPr>
@@ -10726,13 +11705,71 @@
               </a:p>
             </p:txBody>
           </p:sp>
+          <p:sp>
+            <p:nvSpPr>
+              <p:cNvPr id="28" name="직사각형 27">
+                <a:extLst>
+                  <a:ext uri="{FF2B5EF4-FFF2-40B4-BE49-F238E27FC236}">
+                    <a16:creationId xmlns:a16="http://schemas.microsoft.com/office/drawing/2014/main" id="{E889A12F-2DD4-443D-86E0-10DBC5C2E4FA}"/>
+                  </a:ext>
+                </a:extLst>
+              </p:cNvPr>
+              <p:cNvSpPr/>
+              <p:nvPr/>
+            </p:nvSpPr>
+            <p:spPr>
+              <a:xfrm>
+                <a:off x="6645188" y="2580583"/>
+                <a:ext cx="900100" cy="792088"/>
+              </a:xfrm>
+              <a:prstGeom prst="rect">
+                <a:avLst/>
+              </a:prstGeom>
+              <a:noFill/>
+              <a:ln>
+                <a:noFill/>
+              </a:ln>
+            </p:spPr>
+            <p:style>
+              <a:lnRef idx="2">
+                <a:schemeClr val="accent1">
+                  <a:shade val="50000"/>
+                </a:schemeClr>
+              </a:lnRef>
+              <a:fillRef idx="1">
+                <a:schemeClr val="accent1"/>
+              </a:fillRef>
+              <a:effectRef idx="0">
+                <a:schemeClr val="accent1"/>
+              </a:effectRef>
+              <a:fontRef idx="minor">
+                <a:schemeClr val="lt1"/>
+              </a:fontRef>
+            </p:style>
+            <p:txBody>
+              <a:bodyPr rtlCol="0" anchor="ctr"/>
+              <a:lstStyle/>
+              <a:p>
+                <a:pPr algn="ctr"/>
+                <a:r>
+                  <a:rPr lang="en-US" altLang="ko-KR" sz="4400" b="1" dirty="0">
+                    <a:latin typeface="+mn-ea"/>
+                  </a:rPr>
+                  <a:t>04</a:t>
+                </a:r>
+                <a:endParaRPr lang="ko-KR" altLang="en-US" sz="4400" b="1" dirty="0">
+                  <a:latin typeface="+mn-ea"/>
+                </a:endParaRPr>
+              </a:p>
+            </p:txBody>
+          </p:sp>
         </p:grpSp>
         <p:sp>
           <p:nvSpPr>
-            <p:cNvPr id="20" name="직사각형 19">
+            <p:cNvPr id="31" name="직사각형 30">
               <a:extLst>
                 <a:ext uri="{FF2B5EF4-FFF2-40B4-BE49-F238E27FC236}">
-                  <a16:creationId xmlns:a16="http://schemas.microsoft.com/office/drawing/2014/main" id="{D60FB053-0103-4FD8-9202-548FA3A2670B}"/>
+                  <a16:creationId xmlns:a16="http://schemas.microsoft.com/office/drawing/2014/main" id="{457729FA-518D-49FA-AF62-4CDB349CE9F2}"/>
                 </a:ext>
               </a:extLst>
             </p:cNvPr>
@@ -10741,7 +11778,158 @@
           </p:nvSpPr>
           <p:spPr>
             <a:xfrm>
-              <a:off x="4439174" y="3918095"/>
+              <a:off x="2330578" y="3918095"/>
+              <a:ext cx="1344794" cy="792088"/>
+            </a:xfrm>
+            <a:prstGeom prst="rect">
+              <a:avLst/>
+            </a:prstGeom>
+            <a:noFill/>
+            <a:ln>
+              <a:noFill/>
+            </a:ln>
+          </p:spPr>
+          <p:style>
+            <a:lnRef idx="2">
+              <a:schemeClr val="accent1">
+                <a:shade val="50000"/>
+              </a:schemeClr>
+            </a:lnRef>
+            <a:fillRef idx="1">
+              <a:schemeClr val="accent1"/>
+            </a:fillRef>
+            <a:effectRef idx="0">
+              <a:schemeClr val="accent1"/>
+            </a:effectRef>
+            <a:fontRef idx="minor">
+              <a:schemeClr val="lt1"/>
+            </a:fontRef>
+          </p:style>
+          <p:txBody>
+            <a:bodyPr rtlCol="0" anchor="ctr"/>
+            <a:lstStyle/>
+            <a:p>
+              <a:pPr algn="ctr"/>
+              <a:r>
+                <a:rPr lang="ko-KR" altLang="en-US" b="1" dirty="0">
+                  <a:solidFill>
+                    <a:srgbClr val="11264F"/>
+                  </a:solidFill>
+                </a:rPr>
+                <a:t>다운</a:t>
+              </a:r>
+              <a:endParaRPr lang="en-US" altLang="ko-KR" b="1" dirty="0">
+                <a:solidFill>
+                  <a:srgbClr val="11264F"/>
+                </a:solidFill>
+              </a:endParaRPr>
+            </a:p>
+            <a:p>
+              <a:pPr algn="ctr"/>
+              <a:r>
+                <a:rPr lang="ko-KR" altLang="en-US" b="1" dirty="0">
+                  <a:solidFill>
+                    <a:srgbClr val="11264F"/>
+                  </a:solidFill>
+                </a:rPr>
+                <a:t>로드</a:t>
+              </a:r>
+              <a:endParaRPr lang="en-US" altLang="ko-KR" b="1" dirty="0">
+                <a:solidFill>
+                  <a:srgbClr val="11264F"/>
+                </a:solidFill>
+              </a:endParaRPr>
+            </a:p>
+          </p:txBody>
+        </p:sp>
+        <p:sp>
+          <p:nvSpPr>
+            <p:cNvPr id="32" name="직사각형 31">
+              <a:extLst>
+                <a:ext uri="{FF2B5EF4-FFF2-40B4-BE49-F238E27FC236}">
+                  <a16:creationId xmlns:a16="http://schemas.microsoft.com/office/drawing/2014/main" id="{3C959EF0-A51C-4A03-817D-347B6D1A3D32}"/>
+                </a:ext>
+              </a:extLst>
+            </p:cNvPr>
+            <p:cNvSpPr/>
+            <p:nvPr/>
+          </p:nvSpPr>
+          <p:spPr>
+            <a:xfrm>
+              <a:off x="4419497" y="3918095"/>
+              <a:ext cx="1344794" cy="792088"/>
+            </a:xfrm>
+            <a:prstGeom prst="rect">
+              <a:avLst/>
+            </a:prstGeom>
+            <a:noFill/>
+            <a:ln>
+              <a:noFill/>
+            </a:ln>
+          </p:spPr>
+          <p:style>
+            <a:lnRef idx="2">
+              <a:schemeClr val="accent1">
+                <a:shade val="50000"/>
+              </a:schemeClr>
+            </a:lnRef>
+            <a:fillRef idx="1">
+              <a:schemeClr val="accent1"/>
+            </a:fillRef>
+            <a:effectRef idx="0">
+              <a:schemeClr val="accent1"/>
+            </a:effectRef>
+            <a:fontRef idx="minor">
+              <a:schemeClr val="lt1"/>
+            </a:fontRef>
+          </p:style>
+          <p:txBody>
+            <a:bodyPr rtlCol="0" anchor="ctr"/>
+            <a:lstStyle/>
+            <a:p>
+              <a:pPr algn="ctr"/>
+              <a:r>
+                <a:rPr lang="ko-KR" altLang="en-US" b="1" dirty="0">
+                  <a:solidFill>
+                    <a:srgbClr val="11264F"/>
+                  </a:solidFill>
+                </a:rPr>
+                <a:t>오라클</a:t>
+              </a:r>
+              <a:endParaRPr lang="en-US" altLang="ko-KR" b="1" dirty="0">
+                <a:solidFill>
+                  <a:srgbClr val="11264F"/>
+                </a:solidFill>
+              </a:endParaRPr>
+            </a:p>
+            <a:p>
+              <a:pPr algn="ctr"/>
+              <a:r>
+                <a:rPr lang="ko-KR" altLang="en-US" b="1" dirty="0">
+                  <a:solidFill>
+                    <a:srgbClr val="11264F"/>
+                  </a:solidFill>
+                </a:rPr>
+                <a:t>설정</a:t>
+              </a:r>
+            </a:p>
+          </p:txBody>
+        </p:sp>
+        <p:sp>
+          <p:nvSpPr>
+            <p:cNvPr id="35" name="직사각형 34">
+              <a:extLst>
+                <a:ext uri="{FF2B5EF4-FFF2-40B4-BE49-F238E27FC236}">
+                  <a16:creationId xmlns:a16="http://schemas.microsoft.com/office/drawing/2014/main" id="{BFF583E8-E2C7-4A06-BC66-FEE79835682D}"/>
+                </a:ext>
+              </a:extLst>
+            </p:cNvPr>
+            <p:cNvSpPr/>
+            <p:nvPr/>
+          </p:nvSpPr>
+          <p:spPr>
+            <a:xfrm>
+              <a:off x="6366274" y="3918095"/>
               <a:ext cx="1344794" cy="792088"/>
             </a:xfrm>
             <a:prstGeom prst="rect">
@@ -10802,10 +11990,153 @@
         </p:sp>
         <p:sp>
           <p:nvSpPr>
-            <p:cNvPr id="21" name="직사각형 20">
+            <p:cNvPr id="5" name="TextBox 4">
               <a:extLst>
                 <a:ext uri="{FF2B5EF4-FFF2-40B4-BE49-F238E27FC236}">
-                  <a16:creationId xmlns:a16="http://schemas.microsoft.com/office/drawing/2014/main" id="{88E1C020-D90D-400C-AB7F-89DA1F080296}"/>
+                  <a16:creationId xmlns:a16="http://schemas.microsoft.com/office/drawing/2014/main" id="{FE4980F9-8001-4CFD-8D6C-DB968BFD67AD}"/>
+                </a:ext>
+              </a:extLst>
+            </p:cNvPr>
+            <p:cNvSpPr txBox="1"/>
+            <p:nvPr/>
+          </p:nvSpPr>
+          <p:spPr>
+            <a:xfrm>
+              <a:off x="6277886" y="4797152"/>
+              <a:ext cx="1521570" cy="784830"/>
+            </a:xfrm>
+            <a:prstGeom prst="rect">
+              <a:avLst/>
+            </a:prstGeom>
+            <a:noFill/>
+          </p:spPr>
+          <p:txBody>
+            <a:bodyPr wrap="none" rtlCol="0">
+              <a:spAutoFit/>
+            </a:bodyPr>
+            <a:lstStyle/>
+            <a:p>
+              <a:r>
+                <a:rPr lang="en-US" altLang="ko-KR" sz="1500" dirty="0"/>
+                <a:t>1. File Import</a:t>
+              </a:r>
+            </a:p>
+            <a:p>
+              <a:r>
+                <a:rPr lang="en-US" altLang="ko-KR" sz="1500" dirty="0"/>
+                <a:t>2. Context </a:t>
+              </a:r>
+              <a:r>
+                <a:rPr lang="ko-KR" altLang="en-US" sz="1500" dirty="0"/>
+                <a:t>등록</a:t>
+              </a:r>
+              <a:endParaRPr lang="en-US" altLang="ko-KR" sz="1500" dirty="0"/>
+            </a:p>
+            <a:p>
+              <a:r>
+                <a:rPr lang="en-US" altLang="ko-KR" sz="1500" dirty="0"/>
+                <a:t>3. DBCP</a:t>
+              </a:r>
+              <a:r>
+                <a:rPr lang="ko-KR" altLang="en-US" sz="1500" dirty="0"/>
+                <a:t> 설정</a:t>
+              </a:r>
+              <a:endParaRPr lang="en-US" altLang="ko-KR" sz="1500" dirty="0"/>
+            </a:p>
+          </p:txBody>
+        </p:sp>
+        <p:sp>
+          <p:nvSpPr>
+            <p:cNvPr id="6" name="TextBox 5">
+              <a:extLst>
+                <a:ext uri="{FF2B5EF4-FFF2-40B4-BE49-F238E27FC236}">
+                  <a16:creationId xmlns:a16="http://schemas.microsoft.com/office/drawing/2014/main" id="{D5BAE0C4-0B22-4FB8-BC3D-38CB1E4FF3C3}"/>
+                </a:ext>
+              </a:extLst>
+            </p:cNvPr>
+            <p:cNvSpPr txBox="1"/>
+            <p:nvPr/>
+          </p:nvSpPr>
+          <p:spPr>
+            <a:xfrm>
+              <a:off x="4361758" y="4797152"/>
+              <a:ext cx="1460272" cy="323165"/>
+            </a:xfrm>
+            <a:prstGeom prst="rect">
+              <a:avLst/>
+            </a:prstGeom>
+            <a:noFill/>
+          </p:spPr>
+          <p:txBody>
+            <a:bodyPr wrap="none" rtlCol="0">
+              <a:spAutoFit/>
+            </a:bodyPr>
+            <a:lstStyle/>
+            <a:p>
+              <a:r>
+                <a:rPr lang="en-US" altLang="ko-KR" sz="1500" dirty="0"/>
+                <a:t>1. Data Import</a:t>
+              </a:r>
+            </a:p>
+          </p:txBody>
+        </p:sp>
+      </p:grpSp>
+    </p:spTree>
+    <p:extLst>
+      <p:ext uri="{BB962C8B-B14F-4D97-AF65-F5344CB8AC3E}">
+        <p14:creationId xmlns:p14="http://schemas.microsoft.com/office/powerpoint/2010/main" val="2763819803"/>
+      </p:ext>
+    </p:extLst>
+  </p:cSld>
+  <p:clrMapOvr>
+    <a:masterClrMapping/>
+  </p:clrMapOvr>
+</p:sld>
+</file>
+
+<file path=ppt/slides/slide3.xml><?xml version="1.0" encoding="utf-8"?>
+<p:sld xmlns:a="http://schemas.openxmlformats.org/drawingml/2006/main" xmlns:r="http://schemas.openxmlformats.org/officeDocument/2006/relationships" xmlns:p="http://schemas.openxmlformats.org/presentationml/2006/main">
+  <p:cSld>
+    <p:spTree>
+      <p:nvGrpSpPr>
+        <p:cNvPr id="1" name=""/>
+        <p:cNvGrpSpPr/>
+        <p:nvPr/>
+      </p:nvGrpSpPr>
+      <p:grpSpPr>
+        <a:xfrm>
+          <a:off x="0" y="0"/>
+          <a:ext cx="0" cy="0"/>
+          <a:chOff x="0" y="0"/>
+          <a:chExt cx="0" cy="0"/>
+        </a:xfrm>
+      </p:grpSpPr>
+      <p:grpSp>
+        <p:nvGrpSpPr>
+          <p:cNvPr id="7" name="그룹 6">
+            <a:extLst>
+              <a:ext uri="{FF2B5EF4-FFF2-40B4-BE49-F238E27FC236}">
+                <a16:creationId xmlns:a16="http://schemas.microsoft.com/office/drawing/2014/main" id="{2F3CB9BD-66F0-4405-B496-8750AA5425D0}"/>
+              </a:ext>
+            </a:extLst>
+          </p:cNvPr>
+          <p:cNvGrpSpPr/>
+          <p:nvPr/>
+        </p:nvGrpSpPr>
+        <p:grpSpPr>
+          <a:xfrm>
+            <a:off x="0" y="188639"/>
+            <a:ext cx="9906000" cy="729947"/>
+            <a:chOff x="0" y="188639"/>
+            <a:chExt cx="9906000" cy="729947"/>
+          </a:xfrm>
+        </p:grpSpPr>
+        <p:sp>
+          <p:nvSpPr>
+            <p:cNvPr id="8" name="직사각형 7">
+              <a:extLst>
+                <a:ext uri="{FF2B5EF4-FFF2-40B4-BE49-F238E27FC236}">
+                  <a16:creationId xmlns:a16="http://schemas.microsoft.com/office/drawing/2014/main" id="{C3A1D054-2CFF-41FA-8F57-B835E88896C9}"/>
                 </a:ext>
               </a:extLst>
             </p:cNvPr>
@@ -10814,13 +12145,15 @@
           </p:nvSpPr>
           <p:spPr>
             <a:xfrm>
-              <a:off x="6528093" y="3918095"/>
-              <a:ext cx="1344794" cy="792088"/>
+              <a:off x="0" y="824266"/>
+              <a:ext cx="9906000" cy="94320"/>
             </a:xfrm>
             <a:prstGeom prst="rect">
               <a:avLst/>
             </a:prstGeom>
-            <a:noFill/>
+            <a:solidFill>
+              <a:srgbClr val="11264F"/>
+            </a:solidFill>
             <a:ln>
               <a:noFill/>
             </a:ln>
@@ -10846,38 +12179,1403 @@
             <a:lstStyle/>
             <a:p>
               <a:pPr algn="ctr"/>
+              <a:endParaRPr lang="ko-KR" altLang="en-US">
+                <a:latin typeface="+mn-ea"/>
+              </a:endParaRPr>
+            </a:p>
+          </p:txBody>
+        </p:sp>
+        <p:sp>
+          <p:nvSpPr>
+            <p:cNvPr id="9" name="제목 1">
+              <a:extLst>
+                <a:ext uri="{FF2B5EF4-FFF2-40B4-BE49-F238E27FC236}">
+                  <a16:creationId xmlns:a16="http://schemas.microsoft.com/office/drawing/2014/main" id="{076CA863-0C26-4AF2-8DCD-0E3B8F3F32D5}"/>
+                </a:ext>
+              </a:extLst>
+            </p:cNvPr>
+            <p:cNvSpPr txBox="1">
+              <a:spLocks/>
+            </p:cNvSpPr>
+            <p:nvPr/>
+          </p:nvSpPr>
+          <p:spPr>
+            <a:xfrm>
+              <a:off x="3" y="188639"/>
+              <a:ext cx="8390175" cy="726759"/>
+            </a:xfrm>
+            <a:prstGeom prst="rect">
+              <a:avLst/>
+            </a:prstGeom>
+            <a:noFill/>
+            <a:ln>
+              <a:noFill/>
+            </a:ln>
+          </p:spPr>
+          <p:txBody>
+            <a:bodyPr vert="horz" wrap="square" lIns="90000" tIns="45000" rIns="90000" bIns="45000" anchor="ctr" anchorCtr="0"/>
+            <a:lstStyle>
+              <a:defPPr lvl="0">
+                <a:buSzPct val="45000"/>
+                <a:buFont typeface="StarSymbol"/>
+                <a:buNone/>
+                <a:defRPr/>
+              </a:defPPr>
+              <a:lvl1pPr lvl="0" algn="ctr" rtl="0" hangingPunct="1">
+                <a:spcBef>
+                  <a:spcPts val="0"/>
+                </a:spcBef>
+                <a:spcAft>
+                  <a:spcPts val="0"/>
+                </a:spcAft>
+                <a:buSzPct val="45000"/>
+                <a:buFont typeface="StarSymbol"/>
+                <a:buChar char="●"/>
+                <a:tabLst/>
+                <a:defRPr lang="ko-KR" sz="4400" b="0" i="0" u="none" strike="noStrike" kern="1200" spc="0">
+                  <a:ln>
+                    <a:noFill/>
+                  </a:ln>
+                  <a:solidFill>
+                    <a:srgbClr val="000000"/>
+                  </a:solidFill>
+                  <a:latin typeface="맑은 고딕" pitchFamily="18"/>
+                  <a:ea typeface="굴림" pitchFamily="2"/>
+                  <a:cs typeface="Arial" pitchFamily="2"/>
+                </a:defRPr>
+              </a:lvl1pPr>
+              <a:lvl2pPr lvl="1">
+                <a:buSzPct val="45000"/>
+                <a:buFont typeface="StarSymbol"/>
+                <a:buChar char="●"/>
+                <a:defRPr/>
+              </a:lvl2pPr>
+              <a:lvl3pPr lvl="2">
+                <a:buSzPct val="45000"/>
+                <a:buFont typeface="StarSymbol"/>
+                <a:buChar char="●"/>
+                <a:defRPr/>
+              </a:lvl3pPr>
+              <a:lvl4pPr lvl="3">
+                <a:buSzPct val="45000"/>
+                <a:buFont typeface="StarSymbol"/>
+                <a:buChar char="●"/>
+                <a:defRPr/>
+              </a:lvl4pPr>
+              <a:lvl5pPr lvl="4">
+                <a:buSzPct val="45000"/>
+                <a:buFont typeface="StarSymbol"/>
+                <a:buChar char="●"/>
+                <a:defRPr/>
+              </a:lvl5pPr>
+              <a:lvl6pPr lvl="5">
+                <a:buSzPct val="45000"/>
+                <a:buFont typeface="StarSymbol"/>
+                <a:buChar char="●"/>
+                <a:defRPr/>
+              </a:lvl6pPr>
+              <a:lvl7pPr lvl="6">
+                <a:buSzPct val="45000"/>
+                <a:buFont typeface="StarSymbol"/>
+                <a:buChar char="●"/>
+                <a:defRPr/>
+              </a:lvl7pPr>
+              <a:lvl8pPr lvl="7">
+                <a:buSzPct val="45000"/>
+                <a:buFont typeface="StarSymbol"/>
+                <a:buChar char="●"/>
+                <a:defRPr/>
+              </a:lvl8pPr>
+              <a:lvl9pPr lvl="8">
+                <a:buSzPct val="45000"/>
+                <a:buFont typeface="StarSymbol"/>
+                <a:buChar char="●"/>
+                <a:defRPr/>
+              </a:lvl9pPr>
+            </a:lstStyle>
+            <a:p>
+              <a:pPr algn="l" latinLnBrk="0">
+                <a:buFont typeface="StarSymbol"/>
+                <a:buNone/>
+              </a:pPr>
               <a:r>
-                <a:rPr lang="ko-KR" altLang="en-US" b="1" dirty="0">
+                <a:rPr lang="ko-KR" altLang="en-US" sz="2000" b="1" dirty="0">
                   <a:solidFill>
                     <a:srgbClr val="11264F"/>
                   </a:solidFill>
+                  <a:latin typeface="+mn-ea"/>
+                  <a:ea typeface="+mn-ea"/>
                 </a:rPr>
-                <a:t>오라클</a:t>
+                <a:t> </a:t>
               </a:r>
-              <a:endParaRPr lang="en-US" altLang="ko-KR" b="1" dirty="0">
-                <a:solidFill>
-                  <a:srgbClr val="11264F"/>
-                </a:solidFill>
-              </a:endParaRPr>
-            </a:p>
-            <a:p>
-              <a:pPr algn="ctr"/>
               <a:r>
-                <a:rPr lang="ko-KR" altLang="en-US" b="1" dirty="0">
+                <a:rPr lang="en-US" altLang="ko-KR" sz="2000" b="1" dirty="0">
                   <a:solidFill>
                     <a:srgbClr val="11264F"/>
                   </a:solidFill>
+                  <a:latin typeface="+mn-ea"/>
+                  <a:ea typeface="+mn-ea"/>
                 </a:rPr>
-                <a:t>설정</a:t>
+                <a:t>01 </a:t>
               </a:r>
+              <a:r>
+                <a:rPr lang="ko-KR" altLang="en-US" sz="2000" b="1" dirty="0">
+                  <a:solidFill>
+                    <a:srgbClr val="11264F"/>
+                  </a:solidFill>
+                  <a:latin typeface="+mn-ea"/>
+                  <a:ea typeface="+mn-ea"/>
+                </a:rPr>
+                <a:t>구성요소  </a:t>
+              </a:r>
+              <a:r>
+                <a:rPr lang="en-US" altLang="ko-KR" sz="2000" b="1" dirty="0">
+                  <a:solidFill>
+                    <a:schemeClr val="bg1">
+                      <a:lumMod val="75000"/>
+                    </a:schemeClr>
+                  </a:solidFill>
+                  <a:latin typeface="+mn-ea"/>
+                  <a:ea typeface="+mn-ea"/>
+                </a:rPr>
+                <a:t>02  03  04</a:t>
+              </a:r>
+              <a:endParaRPr lang="en-US" sz="2000" b="1" dirty="0">
+                <a:solidFill>
+                  <a:schemeClr val="bg1">
+                    <a:lumMod val="75000"/>
+                  </a:schemeClr>
+                </a:solidFill>
+                <a:latin typeface="+mn-ea"/>
+                <a:ea typeface="+mn-ea"/>
+              </a:endParaRPr>
             </a:p>
           </p:txBody>
         </p:sp>
+        <p:grpSp>
+          <p:nvGrpSpPr>
+            <p:cNvPr id="10" name="그룹 9">
+              <a:extLst>
+                <a:ext uri="{FF2B5EF4-FFF2-40B4-BE49-F238E27FC236}">
+                  <a16:creationId xmlns:a16="http://schemas.microsoft.com/office/drawing/2014/main" id="{26B3D964-5075-40A8-8DEF-ACDD1EFB164C}"/>
+                </a:ext>
+              </a:extLst>
+            </p:cNvPr>
+            <p:cNvGrpSpPr/>
+            <p:nvPr/>
+          </p:nvGrpSpPr>
+          <p:grpSpPr>
+            <a:xfrm>
+              <a:off x="8265368" y="497933"/>
+              <a:ext cx="1640632" cy="417466"/>
+              <a:chOff x="8265368" y="497933"/>
+              <a:chExt cx="1640632" cy="417466"/>
+            </a:xfrm>
+          </p:grpSpPr>
+          <p:sp>
+            <p:nvSpPr>
+              <p:cNvPr id="11" name="이등변 삼각형 10">
+                <a:extLst>
+                  <a:ext uri="{FF2B5EF4-FFF2-40B4-BE49-F238E27FC236}">
+                    <a16:creationId xmlns:a16="http://schemas.microsoft.com/office/drawing/2014/main" id="{E5609107-4EF9-4A7B-89E3-51987509509B}"/>
+                  </a:ext>
+                </a:extLst>
+              </p:cNvPr>
+              <p:cNvSpPr/>
+              <p:nvPr/>
+            </p:nvSpPr>
+            <p:spPr>
+              <a:xfrm>
+                <a:off x="8265368" y="497933"/>
+                <a:ext cx="432048" cy="326333"/>
+              </a:xfrm>
+              <a:prstGeom prst="triangle">
+                <a:avLst/>
+              </a:prstGeom>
+              <a:solidFill>
+                <a:srgbClr val="11264F"/>
+              </a:solidFill>
+              <a:ln>
+                <a:noFill/>
+              </a:ln>
+            </p:spPr>
+            <p:style>
+              <a:lnRef idx="2">
+                <a:schemeClr val="accent1">
+                  <a:shade val="50000"/>
+                </a:schemeClr>
+              </a:lnRef>
+              <a:fillRef idx="1">
+                <a:schemeClr val="accent1"/>
+              </a:fillRef>
+              <a:effectRef idx="0">
+                <a:schemeClr val="accent1"/>
+              </a:effectRef>
+              <a:fontRef idx="minor">
+                <a:schemeClr val="lt1"/>
+              </a:fontRef>
+            </p:style>
+            <p:txBody>
+              <a:bodyPr rtlCol="0" anchor="ctr"/>
+              <a:lstStyle/>
+              <a:p>
+                <a:pPr algn="ctr"/>
+                <a:endParaRPr lang="ko-KR" altLang="en-US">
+                  <a:latin typeface="+mn-ea"/>
+                </a:endParaRPr>
+              </a:p>
+            </p:txBody>
+          </p:sp>
+          <p:sp>
+            <p:nvSpPr>
+              <p:cNvPr id="14" name="직사각형 13">
+                <a:extLst>
+                  <a:ext uri="{FF2B5EF4-FFF2-40B4-BE49-F238E27FC236}">
+                    <a16:creationId xmlns:a16="http://schemas.microsoft.com/office/drawing/2014/main" id="{8EE582F0-A04D-4C26-9EBC-92121CDE5FB3}"/>
+                  </a:ext>
+                </a:extLst>
+              </p:cNvPr>
+              <p:cNvSpPr/>
+              <p:nvPr/>
+            </p:nvSpPr>
+            <p:spPr>
+              <a:xfrm>
+                <a:off x="8481392" y="497933"/>
+                <a:ext cx="1424608" cy="373493"/>
+              </a:xfrm>
+              <a:prstGeom prst="rect">
+                <a:avLst/>
+              </a:prstGeom>
+              <a:solidFill>
+                <a:srgbClr val="11264F"/>
+              </a:solidFill>
+              <a:ln>
+                <a:noFill/>
+              </a:ln>
+            </p:spPr>
+            <p:style>
+              <a:lnRef idx="2">
+                <a:schemeClr val="accent1">
+                  <a:shade val="50000"/>
+                </a:schemeClr>
+              </a:lnRef>
+              <a:fillRef idx="1">
+                <a:schemeClr val="accent1"/>
+              </a:fillRef>
+              <a:effectRef idx="0">
+                <a:schemeClr val="accent1"/>
+              </a:effectRef>
+              <a:fontRef idx="minor">
+                <a:schemeClr val="lt1"/>
+              </a:fontRef>
+            </p:style>
+            <p:txBody>
+              <a:bodyPr rtlCol="0" anchor="ctr"/>
+              <a:lstStyle/>
+              <a:p>
+                <a:pPr algn="ctr"/>
+                <a:endParaRPr lang="ko-KR" altLang="en-US">
+                  <a:latin typeface="+mn-ea"/>
+                </a:endParaRPr>
+              </a:p>
+            </p:txBody>
+          </p:sp>
+          <p:sp>
+            <p:nvSpPr>
+              <p:cNvPr id="15" name="직사각형 14">
+                <a:extLst>
+                  <a:ext uri="{FF2B5EF4-FFF2-40B4-BE49-F238E27FC236}">
+                    <a16:creationId xmlns:a16="http://schemas.microsoft.com/office/drawing/2014/main" id="{994E467B-B017-416E-BF8F-2212C902D3F5}"/>
+                  </a:ext>
+                </a:extLst>
+              </p:cNvPr>
+              <p:cNvSpPr/>
+              <p:nvPr/>
+            </p:nvSpPr>
+            <p:spPr>
+              <a:xfrm>
+                <a:off x="8711636" y="515289"/>
+                <a:ext cx="975267" cy="400110"/>
+              </a:xfrm>
+              <a:prstGeom prst="rect">
+                <a:avLst/>
+              </a:prstGeom>
+            </p:spPr>
+            <p:txBody>
+              <a:bodyPr wrap="none">
+                <a:spAutoFit/>
+              </a:bodyPr>
+              <a:lstStyle/>
+              <a:p>
+                <a:pPr latinLnBrk="0">
+                  <a:buFont typeface="StarSymbol"/>
+                  <a:buNone/>
+                </a:pPr>
+                <a:r>
+                  <a:rPr lang="en-US" altLang="ko-KR" b="1" dirty="0">
+                    <a:solidFill>
+                      <a:srgbClr val="FFCC00"/>
+                    </a:solidFill>
+                    <a:latin typeface="+mn-ea"/>
+                  </a:rPr>
+                  <a:t>Team3</a:t>
+                </a:r>
+              </a:p>
+            </p:txBody>
+          </p:sp>
+        </p:grpSp>
       </p:grpSp>
+      <p:sp>
+        <p:nvSpPr>
+          <p:cNvPr id="3" name="TextBox 2">
+            <a:extLst>
+              <a:ext uri="{FF2B5EF4-FFF2-40B4-BE49-F238E27FC236}">
+                <a16:creationId xmlns:a16="http://schemas.microsoft.com/office/drawing/2014/main" id="{1C8DD665-6234-4CE8-8544-7A79FE20260B}"/>
+              </a:ext>
+            </a:extLst>
+          </p:cNvPr>
+          <p:cNvSpPr txBox="1"/>
+          <p:nvPr/>
+        </p:nvSpPr>
+        <p:spPr>
+          <a:xfrm>
+            <a:off x="344488" y="1101380"/>
+            <a:ext cx="9217024" cy="323165"/>
+          </a:xfrm>
+          <a:prstGeom prst="rect">
+            <a:avLst/>
+          </a:prstGeom>
+          <a:noFill/>
+        </p:spPr>
+        <p:txBody>
+          <a:bodyPr wrap="square" rtlCol="0">
+            <a:spAutoFit/>
+          </a:bodyPr>
+          <a:lstStyle/>
+          <a:p>
+            <a:pPr latinLnBrk="1"/>
+            <a:r>
+              <a:rPr lang="en-US" altLang="ko-KR" sz="1500" b="1" dirty="0">
+                <a:solidFill>
+                  <a:srgbClr val="11264F"/>
+                </a:solidFill>
+              </a:rPr>
+              <a:t>1. </a:t>
+            </a:r>
+            <a:r>
+              <a:rPr lang="ko-KR" altLang="en-US" sz="1500" b="1" dirty="0">
+                <a:solidFill>
+                  <a:srgbClr val="11264F"/>
+                </a:solidFill>
+              </a:rPr>
+              <a:t>프로젝트 개발 시 사용한 개발도구</a:t>
+            </a:r>
+          </a:p>
+        </p:txBody>
+      </p:sp>
+      <p:graphicFrame>
+        <p:nvGraphicFramePr>
+          <p:cNvPr id="13" name="표 12">
+            <a:extLst>
+              <a:ext uri="{FF2B5EF4-FFF2-40B4-BE49-F238E27FC236}">
+                <a16:creationId xmlns:a16="http://schemas.microsoft.com/office/drawing/2014/main" id="{14673036-81B0-45F5-8BAE-29591E00C3A0}"/>
+              </a:ext>
+            </a:extLst>
+          </p:cNvPr>
+          <p:cNvGraphicFramePr>
+            <a:graphicFrameLocks noGrp="1"/>
+          </p:cNvGraphicFramePr>
+          <p:nvPr>
+            <p:extLst>
+              <p:ext uri="{D42A27DB-BD31-4B8C-83A1-F6EECF244321}">
+                <p14:modId xmlns:p14="http://schemas.microsoft.com/office/powerpoint/2010/main" val="4150366785"/>
+              </p:ext>
+            </p:extLst>
+          </p:nvPr>
+        </p:nvGraphicFramePr>
+        <p:xfrm>
+          <a:off x="357198" y="1607339"/>
+          <a:ext cx="9191603" cy="2677507"/>
+        </p:xfrm>
+        <a:graphic>
+          <a:graphicData uri="http://schemas.openxmlformats.org/drawingml/2006/table">
+            <a:tbl>
+              <a:tblPr firstRow="1" bandRow="1"/>
+              <a:tblGrid>
+                <a:gridCol w="2863002">
+                  <a:extLst>
+                    <a:ext uri="{9D8B030D-6E8A-4147-A177-3AD203B41FA5}">
+                      <a16:colId xmlns:a16="http://schemas.microsoft.com/office/drawing/2014/main" val="3836895431"/>
+                    </a:ext>
+                  </a:extLst>
+                </a:gridCol>
+                <a:gridCol w="2740912">
+                  <a:extLst>
+                    <a:ext uri="{9D8B030D-6E8A-4147-A177-3AD203B41FA5}">
+                      <a16:colId xmlns:a16="http://schemas.microsoft.com/office/drawing/2014/main" val="1013639852"/>
+                    </a:ext>
+                  </a:extLst>
+                </a:gridCol>
+                <a:gridCol w="3587689">
+                  <a:extLst>
+                    <a:ext uri="{9D8B030D-6E8A-4147-A177-3AD203B41FA5}">
+                      <a16:colId xmlns:a16="http://schemas.microsoft.com/office/drawing/2014/main" val="2683833154"/>
+                    </a:ext>
+                  </a:extLst>
+                </a:gridCol>
+              </a:tblGrid>
+              <a:tr h="504930">
+                <a:tc>
+                  <a:txBody>
+                    <a:bodyPr/>
+                    <a:lstStyle/>
+                    <a:p>
+                      <a:pPr algn="ctr">
+                        <a:defRPr/>
+                      </a:pPr>
+                      <a:r>
+                        <a:rPr lang="ko-KR" altLang="en-US" sz="1500" b="1" dirty="0">
+                          <a:solidFill>
+                            <a:schemeClr val="bg1"/>
+                          </a:solidFill>
+                          <a:latin typeface="+mn-ea"/>
+                          <a:ea typeface="+mn-ea"/>
+                        </a:rPr>
+                        <a:t>개발도구</a:t>
+                      </a:r>
+                    </a:p>
+                  </a:txBody>
+                  <a:tcPr marL="124503" marR="124503" marT="62251" marB="62251" anchor="ctr">
+                    <a:lnL w="12700" cap="flat" cmpd="sng" algn="ctr">
+                      <a:noFill/>
+                      <a:prstDash val="solid"/>
+                      <a:round/>
+                    </a:lnL>
+                    <a:lnR w="12700" cap="flat" cmpd="sng" algn="ctr">
+                      <a:noFill/>
+                      <a:prstDash val="solid"/>
+                      <a:round/>
+                    </a:lnR>
+                    <a:lnT w="12700" cap="flat" cmpd="sng" algn="ctr">
+                      <a:noFill/>
+                      <a:prstDash val="solid"/>
+                      <a:round/>
+                    </a:lnT>
+                    <a:lnB w="12700" cap="flat" cmpd="sng" algn="ctr">
+                      <a:noFill/>
+                      <a:prstDash val="solid"/>
+                      <a:round/>
+                    </a:lnB>
+                    <a:lnTlToBr w="12700" cmpd="sng">
+                      <a:noFill/>
+                      <a:prstDash val="solid"/>
+                    </a:lnTlToBr>
+                    <a:lnBlToTr w="12700" cmpd="sng">
+                      <a:noFill/>
+                      <a:prstDash val="solid"/>
+                    </a:lnBlToTr>
+                    <a:solidFill>
+                      <a:srgbClr val="11264F"/>
+                    </a:solidFill>
+                  </a:tcPr>
+                </a:tc>
+                <a:tc>
+                  <a:txBody>
+                    <a:bodyPr/>
+                    <a:lstStyle/>
+                    <a:p>
+                      <a:pPr algn="ctr">
+                        <a:defRPr/>
+                      </a:pPr>
+                      <a:r>
+                        <a:rPr lang="ko-KR" altLang="en-US" sz="1500" b="1" dirty="0">
+                          <a:solidFill>
+                            <a:schemeClr val="bg1"/>
+                          </a:solidFill>
+                          <a:latin typeface="+mn-ea"/>
+                          <a:ea typeface="+mn-ea"/>
+                        </a:rPr>
+                        <a:t>역할</a:t>
+                      </a:r>
+                    </a:p>
+                  </a:txBody>
+                  <a:tcPr marL="124503" marR="124503" marT="62251" marB="62251" anchor="ctr">
+                    <a:lnL w="12700" cap="flat" cmpd="sng" algn="ctr">
+                      <a:noFill/>
+                      <a:prstDash val="solid"/>
+                      <a:round/>
+                    </a:lnL>
+                    <a:lnR w="12700" cap="flat" cmpd="sng" algn="ctr">
+                      <a:noFill/>
+                      <a:prstDash val="solid"/>
+                      <a:round/>
+                    </a:lnR>
+                    <a:lnT w="12700" cap="flat" cmpd="sng" algn="ctr">
+                      <a:noFill/>
+                      <a:prstDash val="solid"/>
+                      <a:round/>
+                    </a:lnT>
+                    <a:lnB w="12700" cap="flat" cmpd="sng" algn="ctr">
+                      <a:noFill/>
+                      <a:prstDash val="solid"/>
+                      <a:round/>
+                    </a:lnB>
+                    <a:lnTlToBr w="12700" cmpd="sng">
+                      <a:noFill/>
+                      <a:prstDash val="solid"/>
+                    </a:lnTlToBr>
+                    <a:lnBlToTr w="12700" cmpd="sng">
+                      <a:noFill/>
+                      <a:prstDash val="solid"/>
+                    </a:lnBlToTr>
+                    <a:solidFill>
+                      <a:srgbClr val="11264F"/>
+                    </a:solidFill>
+                  </a:tcPr>
+                </a:tc>
+                <a:tc>
+                  <a:txBody>
+                    <a:bodyPr/>
+                    <a:lstStyle/>
+                    <a:p>
+                      <a:pPr algn="ctr">
+                        <a:defRPr/>
+                      </a:pPr>
+                      <a:r>
+                        <a:rPr lang="ko-KR" altLang="en-US" sz="1500" b="1" dirty="0">
+                          <a:solidFill>
+                            <a:schemeClr val="bg1"/>
+                          </a:solidFill>
+                          <a:latin typeface="+mn-ea"/>
+                          <a:ea typeface="+mn-ea"/>
+                        </a:rPr>
+                        <a:t>파일위치</a:t>
+                      </a:r>
+                    </a:p>
+                  </a:txBody>
+                  <a:tcPr marL="124503" marR="124503" marT="62251" marB="62251" anchor="ctr">
+                    <a:lnL w="12700" cap="flat" cmpd="sng" algn="ctr">
+                      <a:noFill/>
+                      <a:prstDash val="solid"/>
+                      <a:round/>
+                    </a:lnL>
+                    <a:lnR w="12700" cap="flat" cmpd="sng" algn="ctr">
+                      <a:noFill/>
+                      <a:prstDash val="solid"/>
+                      <a:round/>
+                    </a:lnR>
+                    <a:lnT w="12700" cap="flat" cmpd="sng" algn="ctr">
+                      <a:noFill/>
+                      <a:prstDash val="solid"/>
+                      <a:round/>
+                    </a:lnT>
+                    <a:lnB w="12700" cap="flat" cmpd="sng" algn="ctr">
+                      <a:noFill/>
+                      <a:prstDash val="solid"/>
+                      <a:round/>
+                    </a:lnB>
+                    <a:lnTlToBr w="12700" cmpd="sng">
+                      <a:noFill/>
+                      <a:prstDash val="solid"/>
+                    </a:lnTlToBr>
+                    <a:lnBlToTr w="12700" cmpd="sng">
+                      <a:noFill/>
+                      <a:prstDash val="solid"/>
+                    </a:lnBlToTr>
+                    <a:solidFill>
+                      <a:srgbClr val="11264F"/>
+                    </a:solidFill>
+                  </a:tcPr>
+                </a:tc>
+                <a:extLst>
+                  <a:ext uri="{0D108BD9-81ED-4DB2-BD59-A6C34878D82A}">
+                    <a16:rowId xmlns:a16="http://schemas.microsoft.com/office/drawing/2014/main" val="1628501944"/>
+                  </a:ext>
+                </a:extLst>
+              </a:tr>
+              <a:tr h="581015">
+                <a:tc>
+                  <a:txBody>
+                    <a:bodyPr/>
+                    <a:lstStyle/>
+                    <a:p>
+                      <a:pPr algn="ctr">
+                        <a:defRPr/>
+                      </a:pPr>
+                      <a:r>
+                        <a:rPr lang="en-US" altLang="ko-KR" sz="1500" b="1" dirty="0" err="1">
+                          <a:solidFill>
+                            <a:srgbClr val="11264F"/>
+                          </a:solidFill>
+                          <a:latin typeface="+mn-ea"/>
+                          <a:ea typeface="+mn-ea"/>
+                        </a:rPr>
+                        <a:t>sourcetree</a:t>
+                      </a:r>
+                      <a:endParaRPr lang="en-US" altLang="ko-KR" sz="1500" b="1" dirty="0">
+                        <a:solidFill>
+                          <a:srgbClr val="11264F"/>
+                        </a:solidFill>
+                        <a:latin typeface="+mn-ea"/>
+                        <a:ea typeface="+mn-ea"/>
+                      </a:endParaRPr>
+                    </a:p>
+                    <a:p>
+                      <a:pPr algn="ctr">
+                        <a:defRPr/>
+                      </a:pPr>
+                      <a:r>
+                        <a:rPr lang="en-US" altLang="ko-KR" sz="1500" b="1" dirty="0">
+                          <a:solidFill>
+                            <a:srgbClr val="11264F"/>
+                          </a:solidFill>
+                          <a:latin typeface="+mn-ea"/>
+                          <a:ea typeface="+mn-ea"/>
+                        </a:rPr>
+                        <a:t>(Git GUI)</a:t>
+                      </a:r>
+                    </a:p>
+                  </a:txBody>
+                  <a:tcPr marL="124503" marR="124503" marT="62251" marB="62251" anchor="ctr">
+                    <a:lnL w="12700" cap="flat" cmpd="sng" algn="ctr">
+                      <a:noFill/>
+                      <a:prstDash val="solid"/>
+                      <a:round/>
+                    </a:lnL>
+                    <a:lnR w="12700" cap="flat" cmpd="sng" algn="ctr">
+                      <a:noFill/>
+                      <a:prstDash val="solid"/>
+                      <a:round/>
+                    </a:lnR>
+                    <a:lnT w="12700" cap="flat" cmpd="sng" algn="ctr">
+                      <a:noFill/>
+                      <a:prstDash val="solid"/>
+                      <a:round/>
+                    </a:lnT>
+                    <a:lnB w="12700" cap="flat" cmpd="sng" algn="ctr">
+                      <a:noFill/>
+                      <a:prstDash val="solid"/>
+                      <a:round/>
+                    </a:lnB>
+                    <a:lnTlToBr w="12700" cmpd="sng">
+                      <a:noFill/>
+                      <a:prstDash val="solid"/>
+                    </a:lnTlToBr>
+                    <a:lnBlToTr w="12700" cmpd="sng">
+                      <a:noFill/>
+                      <a:prstDash val="solid"/>
+                    </a:lnBlToTr>
+                    <a:solidFill>
+                      <a:schemeClr val="lt1"/>
+                    </a:solidFill>
+                  </a:tcPr>
+                </a:tc>
+                <a:tc>
+                  <a:txBody>
+                    <a:bodyPr/>
+                    <a:lstStyle/>
+                    <a:p>
+                      <a:pPr algn="ctr">
+                        <a:defRPr/>
+                      </a:pPr>
+                      <a:r>
+                        <a:rPr lang="ko-KR" altLang="en-US" sz="1500" b="1" dirty="0">
+                          <a:solidFill>
+                            <a:srgbClr val="11264F"/>
+                          </a:solidFill>
+                          <a:latin typeface="+mn-ea"/>
+                          <a:ea typeface="+mn-ea"/>
+                        </a:rPr>
+                        <a:t>형상관리 도구</a:t>
+                      </a:r>
+                    </a:p>
+                  </a:txBody>
+                  <a:tcPr marL="124503" marR="124503" marT="62251" marB="62251" anchor="ctr">
+                    <a:lnL w="12700" cap="flat" cmpd="sng" algn="ctr">
+                      <a:noFill/>
+                      <a:prstDash val="solid"/>
+                      <a:round/>
+                    </a:lnL>
+                    <a:lnR w="12700" cap="flat" cmpd="sng" algn="ctr">
+                      <a:noFill/>
+                      <a:prstDash val="solid"/>
+                      <a:round/>
+                    </a:lnR>
+                    <a:lnT w="12700" cap="flat" cmpd="sng" algn="ctr">
+                      <a:noFill/>
+                      <a:prstDash val="solid"/>
+                      <a:round/>
+                    </a:lnT>
+                    <a:lnB w="12700" cap="flat" cmpd="sng" algn="ctr">
+                      <a:noFill/>
+                      <a:prstDash val="solid"/>
+                      <a:round/>
+                    </a:lnB>
+                    <a:lnTlToBr w="12700" cmpd="sng">
+                      <a:noFill/>
+                      <a:prstDash val="solid"/>
+                    </a:lnTlToBr>
+                    <a:lnBlToTr w="12700" cmpd="sng">
+                      <a:noFill/>
+                      <a:prstDash val="solid"/>
+                    </a:lnBlToTr>
+                    <a:solidFill>
+                      <a:schemeClr val="lt1"/>
+                    </a:solidFill>
+                  </a:tcPr>
+                </a:tc>
+                <a:tc>
+                  <a:txBody>
+                    <a:bodyPr/>
+                    <a:lstStyle/>
+                    <a:p>
+                      <a:pPr lvl="1" algn="l">
+                        <a:defRPr/>
+                      </a:pPr>
+                      <a:r>
+                        <a:rPr lang="en-US" altLang="ko-KR" sz="1500" b="1" dirty="0">
+                          <a:solidFill>
+                            <a:srgbClr val="11264F"/>
+                          </a:solidFill>
+                          <a:latin typeface="+mn-ea"/>
+                          <a:ea typeface="+mn-ea"/>
+                        </a:rPr>
+                        <a:t>C:\SourceTree\SourceTree.exe</a:t>
+                      </a:r>
+                    </a:p>
+                  </a:txBody>
+                  <a:tcPr marL="124503" marR="124503" marT="62251" marB="62251" anchor="ctr">
+                    <a:lnL w="12700" cap="flat" cmpd="sng" algn="ctr">
+                      <a:noFill/>
+                      <a:prstDash val="solid"/>
+                      <a:round/>
+                    </a:lnL>
+                    <a:lnR w="12700" cap="flat" cmpd="sng" algn="ctr">
+                      <a:noFill/>
+                      <a:prstDash val="solid"/>
+                      <a:round/>
+                    </a:lnR>
+                    <a:lnT w="12700" cap="flat" cmpd="sng" algn="ctr">
+                      <a:noFill/>
+                      <a:prstDash val="solid"/>
+                      <a:round/>
+                    </a:lnT>
+                    <a:lnB w="12700" cap="flat" cmpd="sng" algn="ctr">
+                      <a:noFill/>
+                      <a:prstDash val="solid"/>
+                      <a:round/>
+                    </a:lnB>
+                    <a:lnTlToBr w="12700" cmpd="sng">
+                      <a:noFill/>
+                      <a:prstDash val="solid"/>
+                    </a:lnTlToBr>
+                    <a:lnBlToTr w="12700" cmpd="sng">
+                      <a:noFill/>
+                      <a:prstDash val="solid"/>
+                    </a:lnBlToTr>
+                    <a:solidFill>
+                      <a:schemeClr val="lt1"/>
+                    </a:solidFill>
+                  </a:tcPr>
+                </a:tc>
+                <a:extLst>
+                  <a:ext uri="{0D108BD9-81ED-4DB2-BD59-A6C34878D82A}">
+                    <a16:rowId xmlns:a16="http://schemas.microsoft.com/office/drawing/2014/main" val="2366278261"/>
+                  </a:ext>
+                </a:extLst>
+              </a:tr>
+              <a:tr h="504930">
+                <a:tc>
+                  <a:txBody>
+                    <a:bodyPr/>
+                    <a:lstStyle/>
+                    <a:p>
+                      <a:pPr algn="ctr">
+                        <a:defRPr/>
+                      </a:pPr>
+                      <a:r>
+                        <a:rPr lang="ko-KR" altLang="en-US" sz="1500" b="1" dirty="0">
+                          <a:solidFill>
+                            <a:srgbClr val="11264F"/>
+                          </a:solidFill>
+                          <a:latin typeface="+mn-ea"/>
+                          <a:ea typeface="+mn-ea"/>
+                        </a:rPr>
+                        <a:t>이클립스</a:t>
+                      </a:r>
+                      <a:r>
+                        <a:rPr lang="en-US" altLang="ko-KR" sz="1500" b="1" dirty="0">
+                          <a:solidFill>
+                            <a:srgbClr val="11264F"/>
+                          </a:solidFill>
+                          <a:latin typeface="+mn-ea"/>
+                          <a:ea typeface="+mn-ea"/>
+                        </a:rPr>
+                        <a:t> 4.15.0</a:t>
+                      </a:r>
+                    </a:p>
+                  </a:txBody>
+                  <a:tcPr marL="124503" marR="124503" marT="62251" marB="62251" anchor="ctr">
+                    <a:lnL w="12700" cap="flat" cmpd="sng" algn="ctr">
+                      <a:noFill/>
+                      <a:prstDash val="solid"/>
+                      <a:round/>
+                    </a:lnL>
+                    <a:lnR w="12700" cap="flat" cmpd="sng" algn="ctr">
+                      <a:noFill/>
+                      <a:prstDash val="solid"/>
+                      <a:round/>
+                    </a:lnR>
+                    <a:lnT w="12700" cap="flat" cmpd="sng" algn="ctr">
+                      <a:noFill/>
+                      <a:prstDash val="solid"/>
+                      <a:round/>
+                    </a:lnT>
+                    <a:lnB w="12700" cap="flat" cmpd="sng" algn="ctr">
+                      <a:noFill/>
+                      <a:prstDash val="solid"/>
+                      <a:round/>
+                    </a:lnB>
+                    <a:lnTlToBr w="12700" cmpd="sng">
+                      <a:noFill/>
+                      <a:prstDash val="solid"/>
+                    </a:lnTlToBr>
+                    <a:lnBlToTr w="12700" cmpd="sng">
+                      <a:noFill/>
+                      <a:prstDash val="solid"/>
+                    </a:lnBlToTr>
+                    <a:solidFill>
+                      <a:schemeClr val="lt1"/>
+                    </a:solidFill>
+                  </a:tcPr>
+                </a:tc>
+                <a:tc>
+                  <a:txBody>
+                    <a:bodyPr/>
+                    <a:lstStyle/>
+                    <a:p>
+                      <a:pPr algn="ctr">
+                        <a:defRPr/>
+                      </a:pPr>
+                      <a:r>
+                        <a:rPr lang="en-US" altLang="ko-KR" sz="1500" b="1" dirty="0">
+                          <a:solidFill>
+                            <a:srgbClr val="11264F"/>
+                          </a:solidFill>
+                          <a:latin typeface="+mn-ea"/>
+                          <a:ea typeface="+mn-ea"/>
+                        </a:rPr>
+                        <a:t>Java </a:t>
+                      </a:r>
+                      <a:r>
+                        <a:rPr lang="en-US" altLang="ko-KR" sz="1500" b="1" dirty="0" err="1">
+                          <a:solidFill>
+                            <a:srgbClr val="11264F"/>
+                          </a:solidFill>
+                          <a:latin typeface="+mn-ea"/>
+                          <a:ea typeface="+mn-ea"/>
+                        </a:rPr>
+                        <a:t>통합</a:t>
+                      </a:r>
+                      <a:r>
+                        <a:rPr lang="en-US" altLang="ko-KR" sz="1500" b="1" dirty="0">
+                          <a:solidFill>
+                            <a:srgbClr val="11264F"/>
+                          </a:solidFill>
+                          <a:latin typeface="+mn-ea"/>
+                          <a:ea typeface="+mn-ea"/>
+                        </a:rPr>
+                        <a:t> </a:t>
+                      </a:r>
+                      <a:r>
+                        <a:rPr lang="en-US" altLang="ko-KR" sz="1500" b="1" dirty="0" err="1">
+                          <a:solidFill>
+                            <a:srgbClr val="11264F"/>
+                          </a:solidFill>
+                          <a:latin typeface="+mn-ea"/>
+                          <a:ea typeface="+mn-ea"/>
+                        </a:rPr>
+                        <a:t>개발도구</a:t>
+                      </a:r>
+                      <a:r>
+                        <a:rPr lang="en-US" altLang="ko-KR" sz="1500" b="1" dirty="0">
+                          <a:solidFill>
+                            <a:srgbClr val="11264F"/>
+                          </a:solidFill>
+                          <a:latin typeface="+mn-ea"/>
+                          <a:ea typeface="+mn-ea"/>
+                        </a:rPr>
+                        <a:t>(IDE)</a:t>
+                      </a:r>
+                    </a:p>
+                  </a:txBody>
+                  <a:tcPr marL="124503" marR="124503" marT="62251" marB="62251" anchor="ctr">
+                    <a:lnL w="12700" cap="flat" cmpd="sng" algn="ctr">
+                      <a:noFill/>
+                      <a:prstDash val="solid"/>
+                      <a:round/>
+                    </a:lnL>
+                    <a:lnR w="12700" cap="flat" cmpd="sng" algn="ctr">
+                      <a:noFill/>
+                      <a:prstDash val="solid"/>
+                      <a:round/>
+                    </a:lnR>
+                    <a:lnT w="12700" cap="flat" cmpd="sng" algn="ctr">
+                      <a:noFill/>
+                      <a:prstDash val="solid"/>
+                      <a:round/>
+                    </a:lnT>
+                    <a:lnB w="12700" cap="flat" cmpd="sng" algn="ctr">
+                      <a:noFill/>
+                      <a:prstDash val="solid"/>
+                      <a:round/>
+                    </a:lnB>
+                    <a:lnTlToBr w="12700" cmpd="sng">
+                      <a:noFill/>
+                      <a:prstDash val="solid"/>
+                    </a:lnTlToBr>
+                    <a:lnBlToTr w="12700" cmpd="sng">
+                      <a:noFill/>
+                      <a:prstDash val="solid"/>
+                    </a:lnBlToTr>
+                    <a:solidFill>
+                      <a:schemeClr val="lt1"/>
+                    </a:solidFill>
+                  </a:tcPr>
+                </a:tc>
+                <a:tc>
+                  <a:txBody>
+                    <a:bodyPr/>
+                    <a:lstStyle/>
+                    <a:p>
+                      <a:pPr lvl="1" algn="l">
+                        <a:defRPr/>
+                      </a:pPr>
+                      <a:r>
+                        <a:rPr lang="en-US" altLang="ko-KR" sz="1500" b="1" dirty="0">
+                          <a:solidFill>
+                            <a:srgbClr val="11264F"/>
+                          </a:solidFill>
+                          <a:latin typeface="+mn-ea"/>
+                          <a:ea typeface="+mn-ea"/>
+                        </a:rPr>
+                        <a:t>C:\eclipse\eclipse.exe</a:t>
+                      </a:r>
+                    </a:p>
+                  </a:txBody>
+                  <a:tcPr marL="124503" marR="124503" marT="62251" marB="62251" anchor="ctr">
+                    <a:lnL w="12700" cap="flat" cmpd="sng" algn="ctr">
+                      <a:noFill/>
+                      <a:prstDash val="solid"/>
+                      <a:round/>
+                    </a:lnL>
+                    <a:lnR w="12700" cap="flat" cmpd="sng" algn="ctr">
+                      <a:noFill/>
+                      <a:prstDash val="solid"/>
+                      <a:round/>
+                    </a:lnR>
+                    <a:lnT w="12700" cap="flat" cmpd="sng" algn="ctr">
+                      <a:noFill/>
+                      <a:prstDash val="solid"/>
+                      <a:round/>
+                    </a:lnT>
+                    <a:lnB w="12700" cap="flat" cmpd="sng" algn="ctr">
+                      <a:noFill/>
+                      <a:prstDash val="solid"/>
+                      <a:round/>
+                    </a:lnB>
+                    <a:lnTlToBr w="12700" cmpd="sng">
+                      <a:noFill/>
+                      <a:prstDash val="solid"/>
+                    </a:lnTlToBr>
+                    <a:lnBlToTr w="12700" cmpd="sng">
+                      <a:noFill/>
+                      <a:prstDash val="solid"/>
+                    </a:lnBlToTr>
+                    <a:solidFill>
+                      <a:schemeClr val="lt1"/>
+                    </a:solidFill>
+                  </a:tcPr>
+                </a:tc>
+                <a:extLst>
+                  <a:ext uri="{0D108BD9-81ED-4DB2-BD59-A6C34878D82A}">
+                    <a16:rowId xmlns:a16="http://schemas.microsoft.com/office/drawing/2014/main" val="2906816012"/>
+                  </a:ext>
+                </a:extLst>
+              </a:tr>
+              <a:tr h="581015">
+                <a:tc>
+                  <a:txBody>
+                    <a:bodyPr/>
+                    <a:lstStyle/>
+                    <a:p>
+                      <a:pPr algn="ctr">
+                        <a:defRPr/>
+                      </a:pPr>
+                      <a:r>
+                        <a:rPr lang="en-US" altLang="ko-KR" sz="1500" b="1">
+                          <a:solidFill>
+                            <a:srgbClr val="11264F"/>
+                          </a:solidFill>
+                          <a:latin typeface="+mn-ea"/>
+                          <a:ea typeface="+mn-ea"/>
+                        </a:rPr>
+                        <a:t>sqldeveloper 19.2.1.247</a:t>
+                      </a:r>
+                    </a:p>
+                  </a:txBody>
+                  <a:tcPr marL="124503" marR="124503" marT="62251" marB="62251" anchor="ctr">
+                    <a:lnL w="12700" cap="flat" cmpd="sng" algn="ctr">
+                      <a:noFill/>
+                      <a:prstDash val="solid"/>
+                      <a:round/>
+                    </a:lnL>
+                    <a:lnR w="12700" cap="flat" cmpd="sng" algn="ctr">
+                      <a:noFill/>
+                      <a:prstDash val="solid"/>
+                      <a:round/>
+                    </a:lnR>
+                    <a:lnT w="12700" cap="flat" cmpd="sng" algn="ctr">
+                      <a:noFill/>
+                      <a:prstDash val="solid"/>
+                      <a:round/>
+                    </a:lnT>
+                    <a:lnB w="12700" cap="flat" cmpd="sng" algn="ctr">
+                      <a:noFill/>
+                      <a:prstDash val="solid"/>
+                      <a:round/>
+                    </a:lnB>
+                    <a:lnTlToBr w="12700" cmpd="sng">
+                      <a:noFill/>
+                      <a:prstDash val="solid"/>
+                    </a:lnTlToBr>
+                    <a:lnBlToTr w="12700" cmpd="sng">
+                      <a:noFill/>
+                      <a:prstDash val="solid"/>
+                    </a:lnBlToTr>
+                    <a:solidFill>
+                      <a:schemeClr val="lt1"/>
+                    </a:solidFill>
+                  </a:tcPr>
+                </a:tc>
+                <a:tc>
+                  <a:txBody>
+                    <a:bodyPr/>
+                    <a:lstStyle/>
+                    <a:p>
+                      <a:pPr algn="ctr">
+                        <a:defRPr/>
+                      </a:pPr>
+                      <a:r>
+                        <a:rPr lang="en-US" altLang="ko-KR" sz="1500" b="1" dirty="0">
+                          <a:solidFill>
+                            <a:srgbClr val="11264F"/>
+                          </a:solidFill>
+                          <a:latin typeface="+mn-ea"/>
+                          <a:ea typeface="+mn-ea"/>
+                        </a:rPr>
+                        <a:t>oracle </a:t>
+                      </a:r>
+                      <a:r>
+                        <a:rPr lang="ko-KR" altLang="ko-KR" sz="1500" b="1" dirty="0">
+                          <a:solidFill>
+                            <a:srgbClr val="11264F"/>
+                          </a:solidFill>
+                          <a:latin typeface="+mn-ea"/>
+                          <a:ea typeface="+mn-ea"/>
+                        </a:rPr>
+                        <a:t>통합 개발 </a:t>
+                      </a:r>
+                      <a:r>
+                        <a:rPr lang="ko-KR" altLang="en-US" sz="1500" b="1" dirty="0">
+                          <a:solidFill>
+                            <a:srgbClr val="11264F"/>
+                          </a:solidFill>
+                          <a:latin typeface="+mn-ea"/>
+                          <a:ea typeface="+mn-ea"/>
+                        </a:rPr>
+                        <a:t>도구</a:t>
+                      </a:r>
+                    </a:p>
+                  </a:txBody>
+                  <a:tcPr marL="124503" marR="124503" marT="62251" marB="62251" anchor="ctr">
+                    <a:lnL w="12700" cap="flat" cmpd="sng" algn="ctr">
+                      <a:noFill/>
+                      <a:prstDash val="solid"/>
+                      <a:round/>
+                    </a:lnL>
+                    <a:lnR w="12700" cap="flat" cmpd="sng" algn="ctr">
+                      <a:noFill/>
+                      <a:prstDash val="solid"/>
+                      <a:round/>
+                    </a:lnR>
+                    <a:lnT w="12700" cap="flat" cmpd="sng" algn="ctr">
+                      <a:noFill/>
+                      <a:prstDash val="solid"/>
+                      <a:round/>
+                    </a:lnT>
+                    <a:lnB w="12700" cap="flat" cmpd="sng" algn="ctr">
+                      <a:noFill/>
+                      <a:prstDash val="solid"/>
+                      <a:round/>
+                    </a:lnB>
+                    <a:lnTlToBr w="12700" cmpd="sng">
+                      <a:noFill/>
+                      <a:prstDash val="solid"/>
+                    </a:lnTlToBr>
+                    <a:lnBlToTr w="12700" cmpd="sng">
+                      <a:noFill/>
+                      <a:prstDash val="solid"/>
+                    </a:lnBlToTr>
+                    <a:solidFill>
+                      <a:schemeClr val="lt1"/>
+                    </a:solidFill>
+                  </a:tcPr>
+                </a:tc>
+                <a:tc>
+                  <a:txBody>
+                    <a:bodyPr/>
+                    <a:lstStyle/>
+                    <a:p>
+                      <a:pPr lvl="1" algn="l">
+                        <a:defRPr/>
+                      </a:pPr>
+                      <a:r>
+                        <a:rPr lang="en-US" altLang="ko-KR" sz="1500" b="1" dirty="0">
+                          <a:solidFill>
+                            <a:srgbClr val="11264F"/>
+                          </a:solidFill>
+                          <a:latin typeface="+mn-ea"/>
+                          <a:ea typeface="+mn-ea"/>
+                        </a:rPr>
+                        <a:t>C:\sqldeveloper\sqldeveloper.exe</a:t>
+                      </a:r>
+                    </a:p>
+                  </a:txBody>
+                  <a:tcPr marL="124503" marR="124503" marT="62251" marB="62251" anchor="ctr">
+                    <a:lnL w="12700" cap="flat" cmpd="sng" algn="ctr">
+                      <a:noFill/>
+                      <a:prstDash val="solid"/>
+                      <a:round/>
+                    </a:lnL>
+                    <a:lnR w="12700" cap="flat" cmpd="sng" algn="ctr">
+                      <a:noFill/>
+                      <a:prstDash val="solid"/>
+                      <a:round/>
+                    </a:lnR>
+                    <a:lnT w="12700" cap="flat" cmpd="sng" algn="ctr">
+                      <a:noFill/>
+                      <a:prstDash val="solid"/>
+                      <a:round/>
+                    </a:lnT>
+                    <a:lnB w="12700" cap="flat" cmpd="sng" algn="ctr">
+                      <a:noFill/>
+                      <a:prstDash val="solid"/>
+                      <a:round/>
+                    </a:lnB>
+                    <a:lnTlToBr w="12700" cmpd="sng">
+                      <a:noFill/>
+                      <a:prstDash val="solid"/>
+                    </a:lnTlToBr>
+                    <a:lnBlToTr w="12700" cmpd="sng">
+                      <a:noFill/>
+                      <a:prstDash val="solid"/>
+                    </a:lnBlToTr>
+                    <a:solidFill>
+                      <a:schemeClr val="lt1"/>
+                    </a:solidFill>
+                  </a:tcPr>
+                </a:tc>
+                <a:extLst>
+                  <a:ext uri="{0D108BD9-81ED-4DB2-BD59-A6C34878D82A}">
+                    <a16:rowId xmlns:a16="http://schemas.microsoft.com/office/drawing/2014/main" val="2529612060"/>
+                  </a:ext>
+                </a:extLst>
+              </a:tr>
+              <a:tr h="504930">
+                <a:tc>
+                  <a:txBody>
+                    <a:bodyPr/>
+                    <a:lstStyle/>
+                    <a:p>
+                      <a:pPr algn="ctr">
+                        <a:defRPr/>
+                      </a:pPr>
+                      <a:r>
+                        <a:rPr lang="en-US" altLang="ko-KR" sz="1500" b="1" dirty="0">
+                          <a:solidFill>
+                            <a:srgbClr val="11264F"/>
+                          </a:solidFill>
+                          <a:latin typeface="+mn-ea"/>
+                          <a:ea typeface="+mn-ea"/>
+                        </a:rPr>
+                        <a:t>Apache Tomcat7.0</a:t>
+                      </a:r>
+                    </a:p>
+                  </a:txBody>
+                  <a:tcPr marL="124503" marR="124503" marT="62251" marB="62251" anchor="ctr">
+                    <a:lnL w="12700" cap="flat" cmpd="sng" algn="ctr">
+                      <a:noFill/>
+                      <a:prstDash val="solid"/>
+                      <a:round/>
+                    </a:lnL>
+                    <a:lnR w="12700" cap="flat" cmpd="sng" algn="ctr">
+                      <a:noFill/>
+                      <a:prstDash val="solid"/>
+                      <a:round/>
+                    </a:lnR>
+                    <a:lnT w="12700" cap="flat" cmpd="sng" algn="ctr">
+                      <a:noFill/>
+                      <a:prstDash val="solid"/>
+                      <a:round/>
+                    </a:lnT>
+                    <a:lnB w="12700" cap="flat" cmpd="sng" algn="ctr">
+                      <a:noFill/>
+                      <a:prstDash val="solid"/>
+                      <a:round/>
+                    </a:lnB>
+                    <a:lnTlToBr w="12700" cmpd="sng">
+                      <a:noFill/>
+                      <a:prstDash val="solid"/>
+                    </a:lnTlToBr>
+                    <a:lnBlToTr w="12700" cmpd="sng">
+                      <a:noFill/>
+                      <a:prstDash val="solid"/>
+                    </a:lnBlToTr>
+                    <a:solidFill>
+                      <a:schemeClr val="lt1"/>
+                    </a:solidFill>
+                  </a:tcPr>
+                </a:tc>
+                <a:tc>
+                  <a:txBody>
+                    <a:bodyPr/>
+                    <a:lstStyle/>
+                    <a:p>
+                      <a:pPr algn="ctr">
+                        <a:defRPr/>
+                      </a:pPr>
+                      <a:r>
+                        <a:rPr lang="en-US" altLang="ko-KR" sz="1500" b="1">
+                          <a:solidFill>
+                            <a:srgbClr val="11264F"/>
+                          </a:solidFill>
+                          <a:latin typeface="+mn-ea"/>
+                          <a:ea typeface="+mn-ea"/>
+                        </a:rPr>
+                        <a:t>web application server</a:t>
+                      </a:r>
+                      <a:endParaRPr lang="ko-KR" altLang="en-US" sz="1500" b="1">
+                        <a:solidFill>
+                          <a:srgbClr val="11264F"/>
+                        </a:solidFill>
+                        <a:latin typeface="+mn-ea"/>
+                        <a:ea typeface="+mn-ea"/>
+                      </a:endParaRPr>
+                    </a:p>
+                  </a:txBody>
+                  <a:tcPr marL="124503" marR="124503" marT="62251" marB="62251" anchor="ctr">
+                    <a:lnL w="12700" cap="flat" cmpd="sng" algn="ctr">
+                      <a:noFill/>
+                      <a:prstDash val="solid"/>
+                      <a:round/>
+                    </a:lnL>
+                    <a:lnR w="12700" cap="flat" cmpd="sng" algn="ctr">
+                      <a:noFill/>
+                      <a:prstDash val="solid"/>
+                      <a:round/>
+                    </a:lnR>
+                    <a:lnT w="12700" cap="flat" cmpd="sng" algn="ctr">
+                      <a:noFill/>
+                      <a:prstDash val="solid"/>
+                      <a:round/>
+                    </a:lnT>
+                    <a:lnB w="12700" cap="flat" cmpd="sng" algn="ctr">
+                      <a:noFill/>
+                      <a:prstDash val="solid"/>
+                      <a:round/>
+                    </a:lnB>
+                    <a:lnTlToBr w="12700" cmpd="sng">
+                      <a:noFill/>
+                      <a:prstDash val="solid"/>
+                    </a:lnTlToBr>
+                    <a:lnBlToTr w="12700" cmpd="sng">
+                      <a:noFill/>
+                      <a:prstDash val="solid"/>
+                    </a:lnBlToTr>
+                    <a:solidFill>
+                      <a:schemeClr val="lt1"/>
+                    </a:solidFill>
+                  </a:tcPr>
+                </a:tc>
+                <a:tc>
+                  <a:txBody>
+                    <a:bodyPr/>
+                    <a:lstStyle/>
+                    <a:p>
+                      <a:pPr lvl="1" algn="l">
+                        <a:defRPr/>
+                      </a:pPr>
+                      <a:r>
+                        <a:rPr lang="en-US" altLang="ko-KR" sz="1500" b="1" dirty="0">
+                          <a:solidFill>
+                            <a:srgbClr val="11264F"/>
+                          </a:solidFill>
+                          <a:latin typeface="+mn-ea"/>
+                          <a:ea typeface="+mn-ea"/>
+                        </a:rPr>
+                        <a:t>C:\Tomcat 7.0</a:t>
+                      </a:r>
+                    </a:p>
+                  </a:txBody>
+                  <a:tcPr marL="124503" marR="124503" marT="62251" marB="62251" anchor="ctr">
+                    <a:lnL w="12700" cap="flat" cmpd="sng" algn="ctr">
+                      <a:noFill/>
+                      <a:prstDash val="solid"/>
+                      <a:round/>
+                    </a:lnL>
+                    <a:lnR w="12700" cap="flat" cmpd="sng" algn="ctr">
+                      <a:noFill/>
+                      <a:prstDash val="solid"/>
+                      <a:round/>
+                    </a:lnR>
+                    <a:lnT w="12700" cap="flat" cmpd="sng" algn="ctr">
+                      <a:noFill/>
+                      <a:prstDash val="solid"/>
+                      <a:round/>
+                    </a:lnT>
+                    <a:lnB w="12700" cap="flat" cmpd="sng" algn="ctr">
+                      <a:noFill/>
+                      <a:prstDash val="solid"/>
+                      <a:round/>
+                    </a:lnB>
+                    <a:lnTlToBr w="12700" cmpd="sng">
+                      <a:noFill/>
+                      <a:prstDash val="solid"/>
+                    </a:lnTlToBr>
+                    <a:lnBlToTr w="12700" cmpd="sng">
+                      <a:noFill/>
+                      <a:prstDash val="solid"/>
+                    </a:lnBlToTr>
+                    <a:solidFill>
+                      <a:schemeClr val="lt1"/>
+                    </a:solidFill>
+                  </a:tcPr>
+                </a:tc>
+                <a:extLst>
+                  <a:ext uri="{0D108BD9-81ED-4DB2-BD59-A6C34878D82A}">
+                    <a16:rowId xmlns:a16="http://schemas.microsoft.com/office/drawing/2014/main" val="64886760"/>
+                  </a:ext>
+                </a:extLst>
+              </a:tr>
+            </a:tbl>
+          </a:graphicData>
+        </a:graphic>
+      </p:graphicFrame>
     </p:spTree>
     <p:extLst>
       <p:ext uri="{BB962C8B-B14F-4D97-AF65-F5344CB8AC3E}">
-        <p14:creationId xmlns:p14="http://schemas.microsoft.com/office/powerpoint/2010/main" val="2238333773"/>
+        <p14:creationId xmlns:p14="http://schemas.microsoft.com/office/powerpoint/2010/main" val="2318619015"/>
       </p:ext>
     </p:extLst>
   </p:cSld>
@@ -10887,7 +13585,7 @@
 </p:sld>
 </file>
 
-<file path=ppt/slides/slide3.xml><?xml version="1.0" encoding="utf-8"?>
+<file path=ppt/slides/slide4.xml><?xml version="1.0" encoding="utf-8"?>
 <p:sld xmlns:a="http://schemas.openxmlformats.org/drawingml/2006/main" xmlns:r="http://schemas.openxmlformats.org/officeDocument/2006/relationships" xmlns:p="http://schemas.openxmlformats.org/presentationml/2006/main">
   <p:cSld>
     <p:spTree>
@@ -11222,12 +13920,34 @@
               <a:r>
                 <a:rPr lang="en-US" altLang="ko-KR" sz="2000" b="1" dirty="0">
                   <a:solidFill>
+                    <a:schemeClr val="bg1">
+                      <a:lumMod val="75000"/>
+                    </a:schemeClr>
+                  </a:solidFill>
+                  <a:latin typeface="+mn-ea"/>
+                  <a:ea typeface="+mn-ea"/>
+                </a:rPr>
+                <a:t>01</a:t>
+              </a:r>
+              <a:r>
+                <a:rPr lang="ko-KR" altLang="en-US" sz="2000" b="1" dirty="0">
+                  <a:solidFill>
                     <a:srgbClr val="11264F"/>
                   </a:solidFill>
                   <a:latin typeface="+mn-ea"/>
                   <a:ea typeface="+mn-ea"/>
                 </a:rPr>
-                <a:t>01 </a:t>
+                <a:t>  </a:t>
+              </a:r>
+              <a:r>
+                <a:rPr lang="en-US" altLang="ko-KR" sz="2000" b="1" dirty="0">
+                  <a:solidFill>
+                    <a:srgbClr val="11264F"/>
+                  </a:solidFill>
+                  <a:latin typeface="+mn-ea"/>
+                  <a:ea typeface="+mn-ea"/>
+                </a:rPr>
+                <a:t>02 </a:t>
               </a:r>
               <a:r>
                 <a:rPr lang="ko-KR" altLang="en-US" sz="2000" b="1" dirty="0">
@@ -11249,7 +13969,7 @@
                   <a:latin typeface="+mn-ea"/>
                   <a:ea typeface="+mn-ea"/>
                 </a:rPr>
-                <a:t>02  03</a:t>
+                <a:t>03  04</a:t>
               </a:r>
               <a:endParaRPr lang="en-US" sz="2000" b="1" dirty="0">
                 <a:solidFill>
@@ -11714,7 +14434,7 @@
 </p:sld>
 </file>
 
-<file path=ppt/slides/slide4.xml><?xml version="1.0" encoding="utf-8"?>
+<file path=ppt/slides/slide5.xml><?xml version="1.0" encoding="utf-8"?>
 <p:sld xmlns:a="http://schemas.openxmlformats.org/drawingml/2006/main" xmlns:r="http://schemas.openxmlformats.org/officeDocument/2006/relationships" xmlns:p="http://schemas.openxmlformats.org/presentationml/2006/main">
   <p:cSld>
     <p:spTree>
@@ -11733,10 +14453,416 @@
       </p:grpSpPr>
       <p:grpSp>
         <p:nvGrpSpPr>
-          <p:cNvPr id="2" name="그룹 1">
+          <p:cNvPr id="11" name="그룹 10">
             <a:extLst>
               <a:ext uri="{FF2B5EF4-FFF2-40B4-BE49-F238E27FC236}">
-                <a16:creationId xmlns:a16="http://schemas.microsoft.com/office/drawing/2014/main" id="{43BBD9B0-D64A-4A33-9E3F-1CA63307F088}"/>
+                <a16:creationId xmlns:a16="http://schemas.microsoft.com/office/drawing/2014/main" id="{C1834ADF-949D-440B-A341-7A4E492E9182}"/>
+              </a:ext>
+            </a:extLst>
+          </p:cNvPr>
+          <p:cNvGrpSpPr/>
+          <p:nvPr/>
+        </p:nvGrpSpPr>
+        <p:grpSpPr>
+          <a:xfrm>
+            <a:off x="-1" y="1818186"/>
+            <a:ext cx="9906001" cy="3938434"/>
+            <a:chOff x="-1" y="1772816"/>
+            <a:chExt cx="9906001" cy="3938434"/>
+          </a:xfrm>
+        </p:grpSpPr>
+        <p:pic>
+          <p:nvPicPr>
+            <p:cNvPr id="9" name="그림 8">
+              <a:extLst>
+                <a:ext uri="{FF2B5EF4-FFF2-40B4-BE49-F238E27FC236}">
+                  <a16:creationId xmlns:a16="http://schemas.microsoft.com/office/drawing/2014/main" id="{7BDDA750-5FD8-49D6-9ADC-7C11355CC23F}"/>
+                </a:ext>
+              </a:extLst>
+            </p:cNvPr>
+            <p:cNvPicPr>
+              <a:picLocks noChangeAspect="1"/>
+            </p:cNvPicPr>
+            <p:nvPr/>
+          </p:nvPicPr>
+          <p:blipFill>
+            <a:blip r:embed="rId3"/>
+            <a:stretch>
+              <a:fillRect/>
+            </a:stretch>
+          </p:blipFill>
+          <p:spPr>
+            <a:xfrm>
+              <a:off x="-1" y="1772816"/>
+              <a:ext cx="9906001" cy="3938434"/>
+            </a:xfrm>
+            <a:prstGeom prst="rect">
+              <a:avLst/>
+            </a:prstGeom>
+          </p:spPr>
+        </p:pic>
+        <p:sp>
+          <p:nvSpPr>
+            <p:cNvPr id="10" name="직사각형 9">
+              <a:extLst>
+                <a:ext uri="{FF2B5EF4-FFF2-40B4-BE49-F238E27FC236}">
+                  <a16:creationId xmlns:a16="http://schemas.microsoft.com/office/drawing/2014/main" id="{2E8E767D-AE8E-44FD-A254-EFCDCDBA18AC}"/>
+                </a:ext>
+              </a:extLst>
+            </p:cNvPr>
+            <p:cNvSpPr/>
+            <p:nvPr/>
+          </p:nvSpPr>
+          <p:spPr>
+            <a:xfrm>
+              <a:off x="8390178" y="4797152"/>
+              <a:ext cx="883302" cy="432048"/>
+            </a:xfrm>
+            <a:prstGeom prst="rect">
+              <a:avLst/>
+            </a:prstGeom>
+            <a:noFill/>
+            <a:ln>
+              <a:solidFill>
+                <a:srgbClr val="FF0000"/>
+              </a:solidFill>
+            </a:ln>
+          </p:spPr>
+          <p:style>
+            <a:lnRef idx="2">
+              <a:schemeClr val="accent1">
+                <a:shade val="50000"/>
+              </a:schemeClr>
+            </a:lnRef>
+            <a:fillRef idx="1">
+              <a:schemeClr val="accent1"/>
+            </a:fillRef>
+            <a:effectRef idx="0">
+              <a:schemeClr val="accent1"/>
+            </a:effectRef>
+            <a:fontRef idx="minor">
+              <a:schemeClr val="lt1"/>
+            </a:fontRef>
+          </p:style>
+          <p:txBody>
+            <a:bodyPr rtlCol="0" anchor="ctr"/>
+            <a:lstStyle/>
+            <a:p>
+              <a:pPr algn="ctr"/>
+              <a:endParaRPr lang="ko-KR" altLang="en-US"/>
+            </a:p>
+          </p:txBody>
+        </p:sp>
+      </p:grpSp>
+      <p:sp>
+        <p:nvSpPr>
+          <p:cNvPr id="13" name="TextBox 12">
+            <a:extLst>
+              <a:ext uri="{FF2B5EF4-FFF2-40B4-BE49-F238E27FC236}">
+                <a16:creationId xmlns:a16="http://schemas.microsoft.com/office/drawing/2014/main" id="{61820591-4E9C-42E7-A111-B03C314C3ECB}"/>
+              </a:ext>
+            </a:extLst>
+          </p:cNvPr>
+          <p:cNvSpPr txBox="1"/>
+          <p:nvPr/>
+        </p:nvSpPr>
+        <p:spPr>
+          <a:xfrm>
+            <a:off x="344488" y="1101380"/>
+            <a:ext cx="9217024" cy="323165"/>
+          </a:xfrm>
+          <a:prstGeom prst="rect">
+            <a:avLst/>
+          </a:prstGeom>
+          <a:noFill/>
+        </p:spPr>
+        <p:txBody>
+          <a:bodyPr wrap="square" rtlCol="0">
+            <a:spAutoFit/>
+          </a:bodyPr>
+          <a:lstStyle/>
+          <a:p>
+            <a:pPr latinLnBrk="1"/>
+            <a:r>
+              <a:rPr lang="en-US" altLang="ko-KR" sz="1500" b="1" dirty="0">
+                <a:solidFill>
+                  <a:srgbClr val="11264F"/>
+                </a:solidFill>
+              </a:rPr>
+              <a:t>2. </a:t>
+            </a:r>
+            <a:r>
+              <a:rPr lang="ko-KR" altLang="en-US" sz="1500" b="1" dirty="0">
+                <a:solidFill>
+                  <a:srgbClr val="11264F"/>
+                </a:solidFill>
+              </a:rPr>
+              <a:t>다운받을 파일을 누르면 아래와 같은 화면이 나오며 </a:t>
+            </a:r>
+            <a:r>
+              <a:rPr lang="en-US" altLang="ko-KR" sz="1500" b="1" dirty="0">
+                <a:solidFill>
+                  <a:srgbClr val="11264F"/>
+                </a:solidFill>
+              </a:rPr>
+              <a:t>Download</a:t>
+            </a:r>
+            <a:r>
+              <a:rPr lang="ko-KR" altLang="en-US" sz="1500" b="1" dirty="0">
+                <a:solidFill>
+                  <a:srgbClr val="11264F"/>
+                </a:solidFill>
+              </a:rPr>
+              <a:t>를 누르면 내컴퓨터에 저장됨</a:t>
+            </a:r>
+            <a:endParaRPr lang="en-US" altLang="ko-KR" sz="1500" b="1" dirty="0">
+              <a:solidFill>
+                <a:srgbClr val="11264F"/>
+              </a:solidFill>
+            </a:endParaRPr>
+          </a:p>
+        </p:txBody>
+      </p:sp>
+      <p:cxnSp>
+        <p:nvCxnSpPr>
+          <p:cNvPr id="18" name="직선 화살표 연결선 17">
+            <a:extLst>
+              <a:ext uri="{FF2B5EF4-FFF2-40B4-BE49-F238E27FC236}">
+                <a16:creationId xmlns:a16="http://schemas.microsoft.com/office/drawing/2014/main" id="{F1986DBA-CFC5-4058-8FBA-492AF172510F}"/>
+              </a:ext>
+            </a:extLst>
+          </p:cNvPr>
+          <p:cNvCxnSpPr>
+            <a:cxnSpLocks/>
+            <a:stCxn id="10" idx="1"/>
+            <a:endCxn id="20" idx="3"/>
+          </p:cNvCxnSpPr>
+          <p:nvPr/>
+        </p:nvCxnSpPr>
+        <p:spPr>
+          <a:xfrm flipH="1" flipV="1">
+            <a:off x="7892271" y="4830732"/>
+            <a:ext cx="497907" cy="227814"/>
+          </a:xfrm>
+          <a:prstGeom prst="straightConnector1">
+            <a:avLst/>
+          </a:prstGeom>
+          <a:ln w="28575">
+            <a:solidFill>
+              <a:srgbClr val="FF0000"/>
+            </a:solidFill>
+            <a:tailEnd type="triangle"/>
+          </a:ln>
+        </p:spPr>
+        <p:style>
+          <a:lnRef idx="1">
+            <a:schemeClr val="accent1"/>
+          </a:lnRef>
+          <a:fillRef idx="0">
+            <a:schemeClr val="accent1"/>
+          </a:fillRef>
+          <a:effectRef idx="0">
+            <a:schemeClr val="accent1"/>
+          </a:effectRef>
+          <a:fontRef idx="minor">
+            <a:schemeClr val="tx1"/>
+          </a:fontRef>
+        </p:style>
+      </p:cxnSp>
+      <p:sp>
+        <p:nvSpPr>
+          <p:cNvPr id="16" name="TextBox 15">
+            <a:extLst>
+              <a:ext uri="{FF2B5EF4-FFF2-40B4-BE49-F238E27FC236}">
+                <a16:creationId xmlns:a16="http://schemas.microsoft.com/office/drawing/2014/main" id="{D351FC54-B0BD-4CE6-A656-C005BE1F7796}"/>
+              </a:ext>
+            </a:extLst>
+          </p:cNvPr>
+          <p:cNvSpPr txBox="1"/>
+          <p:nvPr/>
+        </p:nvSpPr>
+        <p:spPr>
+          <a:xfrm>
+            <a:off x="1568624" y="6133072"/>
+            <a:ext cx="8337377" cy="646331"/>
+          </a:xfrm>
+          <a:prstGeom prst="rect">
+            <a:avLst/>
+          </a:prstGeom>
+          <a:noFill/>
+        </p:spPr>
+        <p:txBody>
+          <a:bodyPr wrap="square" rtlCol="0">
+            <a:spAutoFit/>
+          </a:bodyPr>
+          <a:lstStyle/>
+          <a:p>
+            <a:pPr latinLnBrk="1"/>
+            <a:r>
+              <a:rPr lang="en-US" altLang="ko-KR" sz="1200" b="1" dirty="0">
+                <a:solidFill>
+                  <a:srgbClr val="11264F"/>
+                </a:solidFill>
+              </a:rPr>
+              <a:t>3_Team3_Student(ver_2).zip : </a:t>
+            </a:r>
+            <a:r>
+              <a:rPr lang="ko-KR" altLang="en-US" sz="1200" b="1" dirty="0">
+                <a:solidFill>
+                  <a:srgbClr val="11264F"/>
+                </a:solidFill>
+              </a:rPr>
+              <a:t>학생페이지를 위한 프로젝트 압축파일 </a:t>
+            </a:r>
+            <a:r>
+              <a:rPr lang="en-US" altLang="ko-KR" sz="1200" b="1" dirty="0">
+                <a:solidFill>
+                  <a:srgbClr val="11264F"/>
+                </a:solidFill>
+              </a:rPr>
+              <a:t>(</a:t>
+            </a:r>
+            <a:r>
+              <a:rPr lang="ko-KR" altLang="en-US" sz="1200" b="1" dirty="0">
+                <a:solidFill>
+                  <a:srgbClr val="11264F"/>
+                </a:solidFill>
+              </a:rPr>
+              <a:t>압축풀기 </a:t>
+            </a:r>
+            <a:r>
+              <a:rPr lang="en-US" altLang="ko-KR" sz="1200" b="1" dirty="0">
+                <a:solidFill>
+                  <a:srgbClr val="11264F"/>
+                </a:solidFill>
+              </a:rPr>
+              <a:t>X)</a:t>
+            </a:r>
+          </a:p>
+          <a:p>
+            <a:pPr latinLnBrk="1"/>
+            <a:r>
+              <a:rPr lang="en-US" altLang="ko-KR" sz="1200" b="1" dirty="0">
+                <a:solidFill>
+                  <a:srgbClr val="11264F"/>
+                </a:solidFill>
+              </a:rPr>
+              <a:t>4_Team3_Administrator(ver_2).zip : </a:t>
+            </a:r>
+            <a:r>
+              <a:rPr lang="ko-KR" altLang="en-US" sz="1200" b="1" dirty="0">
+                <a:solidFill>
+                  <a:srgbClr val="11264F"/>
+                </a:solidFill>
+              </a:rPr>
+              <a:t>관리자 페이지를 위한 프로젝트 압축파일 </a:t>
+            </a:r>
+            <a:r>
+              <a:rPr lang="en-US" altLang="ko-KR" sz="1200" b="1" dirty="0">
+                <a:solidFill>
+                  <a:srgbClr val="11264F"/>
+                </a:solidFill>
+              </a:rPr>
+              <a:t>(</a:t>
+            </a:r>
+            <a:r>
+              <a:rPr lang="ko-KR" altLang="en-US" sz="1200" b="1" dirty="0">
+                <a:solidFill>
+                  <a:srgbClr val="11264F"/>
+                </a:solidFill>
+              </a:rPr>
+              <a:t>압축풀기 </a:t>
+            </a:r>
+            <a:r>
+              <a:rPr lang="en-US" altLang="ko-KR" sz="1200" b="1" dirty="0">
+                <a:solidFill>
+                  <a:srgbClr val="11264F"/>
+                </a:solidFill>
+              </a:rPr>
+              <a:t>X)</a:t>
+            </a:r>
+          </a:p>
+          <a:p>
+            <a:pPr latinLnBrk="1"/>
+            <a:r>
+              <a:rPr lang="en-US" altLang="ko-KR" sz="1200" b="1" dirty="0">
+                <a:solidFill>
+                  <a:srgbClr val="11264F"/>
+                </a:solidFill>
+              </a:rPr>
+              <a:t>5_team3(ver_2).zip : </a:t>
+            </a:r>
+            <a:r>
+              <a:rPr lang="ko-KR" altLang="en-US" sz="1200" b="1" dirty="0">
+                <a:solidFill>
+                  <a:srgbClr val="11264F"/>
+                </a:solidFill>
+              </a:rPr>
+              <a:t>학사관리시스템에 필요한 테이블이나 데이터에 대한 쿼리가 담긴 스크립트 파일 </a:t>
+            </a:r>
+            <a:r>
+              <a:rPr lang="en-US" altLang="ko-KR" sz="1200" b="1" dirty="0">
+                <a:solidFill>
+                  <a:srgbClr val="11264F"/>
+                </a:solidFill>
+              </a:rPr>
+              <a:t>(</a:t>
+            </a:r>
+            <a:r>
+              <a:rPr lang="ko-KR" altLang="en-US" sz="1200" b="1" dirty="0">
+                <a:solidFill>
+                  <a:srgbClr val="11264F"/>
+                </a:solidFill>
+              </a:rPr>
+              <a:t>압축풀기 </a:t>
+            </a:r>
+            <a:r>
+              <a:rPr lang="en-US" altLang="ko-KR" sz="1200" b="1" dirty="0">
+                <a:solidFill>
+                  <a:srgbClr val="11264F"/>
+                </a:solidFill>
+              </a:rPr>
+              <a:t>O)</a:t>
+            </a:r>
+          </a:p>
+        </p:txBody>
+      </p:sp>
+      <p:pic>
+        <p:nvPicPr>
+          <p:cNvPr id="20" name="그림 19">
+            <a:extLst>
+              <a:ext uri="{FF2B5EF4-FFF2-40B4-BE49-F238E27FC236}">
+                <a16:creationId xmlns:a16="http://schemas.microsoft.com/office/drawing/2014/main" id="{CDA39EED-1C43-4F7E-8CC5-CA3FEBBADB9A}"/>
+              </a:ext>
+            </a:extLst>
+          </p:cNvPr>
+          <p:cNvPicPr>
+            <a:picLocks noChangeAspect="1"/>
+          </p:cNvPicPr>
+          <p:nvPr/>
+        </p:nvPicPr>
+        <p:blipFill>
+          <a:blip r:embed="rId4"/>
+          <a:stretch>
+            <a:fillRect/>
+          </a:stretch>
+        </p:blipFill>
+        <p:spPr>
+          <a:xfrm>
+            <a:off x="3568671" y="3637238"/>
+            <a:ext cx="4323600" cy="2386988"/>
+          </a:xfrm>
+          <a:prstGeom prst="rect">
+            <a:avLst/>
+          </a:prstGeom>
+        </p:spPr>
+      </p:pic>
+      <p:grpSp>
+        <p:nvGrpSpPr>
+          <p:cNvPr id="17" name="그룹 16">
+            <a:extLst>
+              <a:ext uri="{FF2B5EF4-FFF2-40B4-BE49-F238E27FC236}">
+                <a16:creationId xmlns:a16="http://schemas.microsoft.com/office/drawing/2014/main" id="{8288208B-63F6-4905-9EC2-3A6272A3D44E}"/>
               </a:ext>
             </a:extLst>
           </p:cNvPr>
@@ -11753,10 +14879,10 @@
         </p:grpSpPr>
         <p:sp>
           <p:nvSpPr>
-            <p:cNvPr id="3" name="직사각형 2">
+            <p:cNvPr id="19" name="직사각형 18">
               <a:extLst>
                 <a:ext uri="{FF2B5EF4-FFF2-40B4-BE49-F238E27FC236}">
-                  <a16:creationId xmlns:a16="http://schemas.microsoft.com/office/drawing/2014/main" id="{7D89450B-96B1-4BBB-976B-049FE8097F6A}"/>
+                  <a16:creationId xmlns:a16="http://schemas.microsoft.com/office/drawing/2014/main" id="{79337945-BFE7-4A04-B866-FA071D50DD9C}"/>
                 </a:ext>
               </a:extLst>
             </p:cNvPr>
@@ -11807,10 +14933,10 @@
         </p:sp>
         <p:sp>
           <p:nvSpPr>
-            <p:cNvPr id="4" name="제목 1">
+            <p:cNvPr id="21" name="제목 1">
               <a:extLst>
                 <a:ext uri="{FF2B5EF4-FFF2-40B4-BE49-F238E27FC236}">
-                  <a16:creationId xmlns:a16="http://schemas.microsoft.com/office/drawing/2014/main" id="{FEBA3AE5-2137-4095-95CC-8973C4F2B7CF}"/>
+                  <a16:creationId xmlns:a16="http://schemas.microsoft.com/office/drawing/2014/main" id="{69DF8FE2-FBDA-43C4-A3F1-C7F9F86AB70F}"/>
                 </a:ext>
               </a:extLst>
             </p:cNvPr>
@@ -11931,12 +15057,34 @@
               <a:r>
                 <a:rPr lang="en-US" altLang="ko-KR" sz="2000" b="1" dirty="0">
                   <a:solidFill>
+                    <a:schemeClr val="bg1">
+                      <a:lumMod val="75000"/>
+                    </a:schemeClr>
+                  </a:solidFill>
+                  <a:latin typeface="+mn-ea"/>
+                  <a:ea typeface="+mn-ea"/>
+                </a:rPr>
+                <a:t>01</a:t>
+              </a:r>
+              <a:r>
+                <a:rPr lang="ko-KR" altLang="en-US" sz="2000" b="1" dirty="0">
+                  <a:solidFill>
                     <a:srgbClr val="11264F"/>
                   </a:solidFill>
                   <a:latin typeface="+mn-ea"/>
                   <a:ea typeface="+mn-ea"/>
                 </a:rPr>
-                <a:t>01 </a:t>
+                <a:t>  </a:t>
+              </a:r>
+              <a:r>
+                <a:rPr lang="en-US" altLang="ko-KR" sz="2000" b="1" dirty="0">
+                  <a:solidFill>
+                    <a:srgbClr val="11264F"/>
+                  </a:solidFill>
+                  <a:latin typeface="+mn-ea"/>
+                  <a:ea typeface="+mn-ea"/>
+                </a:rPr>
+                <a:t>02 </a:t>
               </a:r>
               <a:r>
                 <a:rPr lang="ko-KR" altLang="en-US" sz="2000" b="1" dirty="0">
@@ -11958,7 +15106,7 @@
                   <a:latin typeface="+mn-ea"/>
                   <a:ea typeface="+mn-ea"/>
                 </a:rPr>
-                <a:t>02  03</a:t>
+                <a:t>03  04</a:t>
               </a:r>
               <a:endParaRPr lang="en-US" sz="2000" b="1" dirty="0">
                 <a:solidFill>
@@ -11974,10 +15122,10 @@
         </p:sp>
         <p:grpSp>
           <p:nvGrpSpPr>
-            <p:cNvPr id="5" name="그룹 4">
+            <p:cNvPr id="22" name="그룹 21">
               <a:extLst>
                 <a:ext uri="{FF2B5EF4-FFF2-40B4-BE49-F238E27FC236}">
-                  <a16:creationId xmlns:a16="http://schemas.microsoft.com/office/drawing/2014/main" id="{46C75AE8-53B9-42EB-81B6-ABA27844502F}"/>
+                  <a16:creationId xmlns:a16="http://schemas.microsoft.com/office/drawing/2014/main" id="{EC71548A-3412-48EC-8C6E-FAF15EBE5AD4}"/>
                 </a:ext>
               </a:extLst>
             </p:cNvPr>
@@ -11994,10 +15142,10 @@
           </p:grpSpPr>
           <p:sp>
             <p:nvSpPr>
-              <p:cNvPr id="6" name="이등변 삼각형 5">
+              <p:cNvPr id="23" name="이등변 삼각형 22">
                 <a:extLst>
                   <a:ext uri="{FF2B5EF4-FFF2-40B4-BE49-F238E27FC236}">
-                    <a16:creationId xmlns:a16="http://schemas.microsoft.com/office/drawing/2014/main" id="{7980B4B7-DF2D-4D50-B5A0-D74C80749807}"/>
+                    <a16:creationId xmlns:a16="http://schemas.microsoft.com/office/drawing/2014/main" id="{CF8333E5-DE07-4C34-85AA-2170385CC5F3}"/>
                   </a:ext>
                 </a:extLst>
               </p:cNvPr>
@@ -12048,10 +15196,10 @@
           </p:sp>
           <p:sp>
             <p:nvSpPr>
-              <p:cNvPr id="7" name="직사각형 6">
+              <p:cNvPr id="24" name="직사각형 23">
                 <a:extLst>
                   <a:ext uri="{FF2B5EF4-FFF2-40B4-BE49-F238E27FC236}">
-                    <a16:creationId xmlns:a16="http://schemas.microsoft.com/office/drawing/2014/main" id="{39D2F1EA-D8C1-4B63-BCED-FC7F9047BEDA}"/>
+                    <a16:creationId xmlns:a16="http://schemas.microsoft.com/office/drawing/2014/main" id="{AE563EC7-8255-4DE4-9879-2B2B7BCF5C06}"/>
                   </a:ext>
                 </a:extLst>
               </p:cNvPr>
@@ -12102,10 +15250,10 @@
           </p:sp>
           <p:sp>
             <p:nvSpPr>
-              <p:cNvPr id="8" name="직사각형 7">
+              <p:cNvPr id="25" name="직사각형 24">
                 <a:extLst>
                   <a:ext uri="{FF2B5EF4-FFF2-40B4-BE49-F238E27FC236}">
-                    <a16:creationId xmlns:a16="http://schemas.microsoft.com/office/drawing/2014/main" id="{CFF7E70B-DFF3-45C1-AADD-A21AE9C0E464}"/>
+                    <a16:creationId xmlns:a16="http://schemas.microsoft.com/office/drawing/2014/main" id="{7FEFCA44-F93B-4D78-8BFA-1A0853296505}"/>
                   </a:ext>
                 </a:extLst>
               </p:cNvPr>
@@ -12145,12 +15293,251 @@
           </p:sp>
         </p:grpSp>
       </p:grpSp>
+    </p:spTree>
+    <p:extLst>
+      <p:ext uri="{BB962C8B-B14F-4D97-AF65-F5344CB8AC3E}">
+        <p14:creationId xmlns:p14="http://schemas.microsoft.com/office/powerpoint/2010/main" val="3030557361"/>
+      </p:ext>
+    </p:extLst>
+  </p:cSld>
+  <p:clrMapOvr>
+    <a:masterClrMapping/>
+  </p:clrMapOvr>
+</p:sld>
+</file>
+
+<file path=ppt/slides/slide6.xml><?xml version="1.0" encoding="utf-8"?>
+<p:sld xmlns:a="http://schemas.openxmlformats.org/drawingml/2006/main" xmlns:r="http://schemas.openxmlformats.org/officeDocument/2006/relationships" xmlns:p="http://schemas.openxmlformats.org/presentationml/2006/main">
+  <p:cSld>
+    <p:spTree>
+      <p:nvGrpSpPr>
+        <p:cNvPr id="1" name=""/>
+        <p:cNvGrpSpPr/>
+        <p:nvPr/>
+      </p:nvGrpSpPr>
+      <p:grpSpPr>
+        <a:xfrm>
+          <a:off x="0" y="0"/>
+          <a:ext cx="0" cy="0"/>
+          <a:chOff x="0" y="0"/>
+          <a:chExt cx="0" cy="0"/>
+        </a:xfrm>
+      </p:grpSpPr>
+      <p:sp>
+        <p:nvSpPr>
+          <p:cNvPr id="9" name="직사각형 8">
+            <a:extLst>
+              <a:ext uri="{FF2B5EF4-FFF2-40B4-BE49-F238E27FC236}">
+                <a16:creationId xmlns:a16="http://schemas.microsoft.com/office/drawing/2014/main" id="{93ED233C-CC5A-46A7-957C-E4CC43B64746}"/>
+              </a:ext>
+            </a:extLst>
+          </p:cNvPr>
+          <p:cNvSpPr/>
+          <p:nvPr/>
+        </p:nvSpPr>
+        <p:spPr>
+          <a:xfrm>
+            <a:off x="1447850" y="3013605"/>
+            <a:ext cx="1512168" cy="337620"/>
+          </a:xfrm>
+          <a:prstGeom prst="rect">
+            <a:avLst/>
+          </a:prstGeom>
+          <a:noFill/>
+          <a:ln>
+            <a:solidFill>
+              <a:srgbClr val="FF0000"/>
+            </a:solidFill>
+          </a:ln>
+        </p:spPr>
+        <p:style>
+          <a:lnRef idx="2">
+            <a:schemeClr val="accent1">
+              <a:shade val="50000"/>
+            </a:schemeClr>
+          </a:lnRef>
+          <a:fillRef idx="1">
+            <a:schemeClr val="accent1"/>
+          </a:fillRef>
+          <a:effectRef idx="0">
+            <a:schemeClr val="accent1"/>
+          </a:effectRef>
+          <a:fontRef idx="minor">
+            <a:schemeClr val="lt1"/>
+          </a:fontRef>
+        </p:style>
+        <p:txBody>
+          <a:bodyPr rtlCol="0" anchor="ctr"/>
+          <a:lstStyle/>
+          <a:p>
+            <a:pPr algn="ctr"/>
+            <a:endParaRPr lang="ko-KR" altLang="en-US" dirty="0"/>
+          </a:p>
+        </p:txBody>
+      </p:sp>
+      <p:sp>
+        <p:nvSpPr>
+          <p:cNvPr id="13" name="TextBox 12">
+            <a:extLst>
+              <a:ext uri="{FF2B5EF4-FFF2-40B4-BE49-F238E27FC236}">
+                <a16:creationId xmlns:a16="http://schemas.microsoft.com/office/drawing/2014/main" id="{60DEF396-9EAC-495D-A199-BBB48A79C245}"/>
+              </a:ext>
+            </a:extLst>
+          </p:cNvPr>
+          <p:cNvSpPr txBox="1"/>
+          <p:nvPr/>
+        </p:nvSpPr>
+        <p:spPr>
+          <a:xfrm>
+            <a:off x="344488" y="1101380"/>
+            <a:ext cx="9217024" cy="323165"/>
+          </a:xfrm>
+          <a:prstGeom prst="rect">
+            <a:avLst/>
+          </a:prstGeom>
+          <a:noFill/>
+        </p:spPr>
+        <p:txBody>
+          <a:bodyPr wrap="square" rtlCol="0">
+            <a:spAutoFit/>
+          </a:bodyPr>
+          <a:lstStyle/>
+          <a:p>
+            <a:pPr latinLnBrk="1"/>
+            <a:r>
+              <a:rPr lang="en-US" altLang="ko-KR" sz="1500" b="1" dirty="0">
+                <a:solidFill>
+                  <a:srgbClr val="11264F"/>
+                </a:solidFill>
+              </a:rPr>
+              <a:t>1. 5_team3.sql : </a:t>
+            </a:r>
+            <a:r>
+              <a:rPr lang="ko-KR" altLang="en-US" sz="1500" b="1" dirty="0">
+                <a:solidFill>
+                  <a:srgbClr val="11264F"/>
+                </a:solidFill>
+              </a:rPr>
+              <a:t>학사관리시스템에 필요한 테이블이나 데이터에 대한 쿼리가 담긴 스크립트 파일</a:t>
+            </a:r>
+          </a:p>
+        </p:txBody>
+      </p:sp>
+      <p:sp>
+        <p:nvSpPr>
+          <p:cNvPr id="32" name="TextBox 31">
+            <a:extLst>
+              <a:ext uri="{FF2B5EF4-FFF2-40B4-BE49-F238E27FC236}">
+                <a16:creationId xmlns:a16="http://schemas.microsoft.com/office/drawing/2014/main" id="{68F47B68-6635-4563-A1BF-F5E30339444D}"/>
+              </a:ext>
+            </a:extLst>
+          </p:cNvPr>
+          <p:cNvSpPr txBox="1"/>
+          <p:nvPr/>
+        </p:nvSpPr>
+        <p:spPr>
+          <a:xfrm>
+            <a:off x="344488" y="3940448"/>
+            <a:ext cx="9217024" cy="553998"/>
+          </a:xfrm>
+          <a:prstGeom prst="rect">
+            <a:avLst/>
+          </a:prstGeom>
+          <a:noFill/>
+        </p:spPr>
+        <p:txBody>
+          <a:bodyPr wrap="square" rtlCol="0">
+            <a:spAutoFit/>
+          </a:bodyPr>
+          <a:lstStyle/>
+          <a:p>
+            <a:pPr latinLnBrk="1"/>
+            <a:r>
+              <a:rPr lang="en-US" altLang="ko-KR" sz="1500" b="1" dirty="0">
+                <a:solidFill>
+                  <a:srgbClr val="11264F"/>
+                </a:solidFill>
+              </a:rPr>
+              <a:t>2. </a:t>
+            </a:r>
+            <a:r>
+              <a:rPr lang="en-US" altLang="ko-KR" sz="1500" b="1" dirty="0" err="1">
+                <a:solidFill>
+                  <a:srgbClr val="11264F"/>
+                </a:solidFill>
+              </a:rPr>
+              <a:t>sql</a:t>
+            </a:r>
+            <a:r>
+              <a:rPr lang="ko-KR" altLang="en-US" sz="1500" b="1" dirty="0">
+                <a:solidFill>
+                  <a:srgbClr val="11264F"/>
+                </a:solidFill>
+              </a:rPr>
+              <a:t> 작성시트에 아래와 같이 입력하면 </a:t>
+            </a:r>
+            <a:r>
+              <a:rPr lang="en-US" altLang="ko-KR" sz="1500" b="1" dirty="0">
+                <a:solidFill>
+                  <a:srgbClr val="11264F"/>
+                </a:solidFill>
+              </a:rPr>
+              <a:t>5_team3_sql</a:t>
+            </a:r>
+            <a:r>
+              <a:rPr lang="ko-KR" altLang="en-US" sz="1500" b="1" dirty="0">
+                <a:solidFill>
+                  <a:srgbClr val="11264F"/>
+                </a:solidFill>
+              </a:rPr>
+              <a:t>에 있는 쿼리가 실행되어 테이블과 데이터가 삽입</a:t>
+            </a:r>
+            <a:endParaRPr lang="en-US" altLang="ko-KR" sz="1500" b="1" dirty="0">
+              <a:solidFill>
+                <a:srgbClr val="11264F"/>
+              </a:solidFill>
+            </a:endParaRPr>
+          </a:p>
+          <a:p>
+            <a:pPr latinLnBrk="1"/>
+            <a:r>
+              <a:rPr lang="en-US" altLang="ko-KR" sz="1500" b="1" dirty="0">
+                <a:solidFill>
+                  <a:srgbClr val="11264F"/>
+                </a:solidFill>
+              </a:rPr>
+              <a:t>@</a:t>
+            </a:r>
+            <a:r>
+              <a:rPr lang="ko-KR" altLang="en-US" sz="1500" b="1" dirty="0">
+                <a:solidFill>
+                  <a:srgbClr val="11264F"/>
+                </a:solidFill>
+              </a:rPr>
+              <a:t>파일위치</a:t>
+            </a:r>
+            <a:r>
+              <a:rPr lang="en-US" altLang="ko-KR" sz="1500" b="1" dirty="0">
+                <a:solidFill>
+                  <a:srgbClr val="11264F"/>
+                </a:solidFill>
+              </a:rPr>
+              <a:t>\5_team3.sql;</a:t>
+            </a:r>
+            <a:endParaRPr lang="ko-KR" altLang="en-US" sz="1500" b="1" dirty="0">
+              <a:solidFill>
+                <a:srgbClr val="FF0000"/>
+              </a:solidFill>
+            </a:endParaRPr>
+          </a:p>
+        </p:txBody>
+      </p:sp>
       <p:grpSp>
         <p:nvGrpSpPr>
-          <p:cNvPr id="11" name="그룹 10">
+          <p:cNvPr id="15" name="그룹 14">
             <a:extLst>
               <a:ext uri="{FF2B5EF4-FFF2-40B4-BE49-F238E27FC236}">
-                <a16:creationId xmlns:a16="http://schemas.microsoft.com/office/drawing/2014/main" id="{C1834ADF-949D-440B-A341-7A4E492E9182}"/>
+                <a16:creationId xmlns:a16="http://schemas.microsoft.com/office/drawing/2014/main" id="{FC249561-490A-4FD9-B2DB-AA2212643899}"/>
               </a:ext>
             </a:extLst>
           </p:cNvPr>
@@ -12159,48 +15546,18 @@
         </p:nvGrpSpPr>
         <p:grpSpPr>
           <a:xfrm>
-            <a:off x="-1" y="1818186"/>
-            <a:ext cx="9906001" cy="3938434"/>
-            <a:chOff x="-1" y="1772816"/>
-            <a:chExt cx="9906001" cy="3938434"/>
+            <a:off x="0" y="188639"/>
+            <a:ext cx="9906000" cy="729947"/>
+            <a:chOff x="0" y="188639"/>
+            <a:chExt cx="9906000" cy="729947"/>
           </a:xfrm>
         </p:grpSpPr>
-        <p:pic>
-          <p:nvPicPr>
-            <p:cNvPr id="9" name="그림 8">
+        <p:sp>
+          <p:nvSpPr>
+            <p:cNvPr id="16" name="직사각형 15">
               <a:extLst>
                 <a:ext uri="{FF2B5EF4-FFF2-40B4-BE49-F238E27FC236}">
-                  <a16:creationId xmlns:a16="http://schemas.microsoft.com/office/drawing/2014/main" id="{7BDDA750-5FD8-49D6-9ADC-7C11355CC23F}"/>
-                </a:ext>
-              </a:extLst>
-            </p:cNvPr>
-            <p:cNvPicPr>
-              <a:picLocks noChangeAspect="1"/>
-            </p:cNvPicPr>
-            <p:nvPr/>
-          </p:nvPicPr>
-          <p:blipFill>
-            <a:blip r:embed="rId3"/>
-            <a:stretch>
-              <a:fillRect/>
-            </a:stretch>
-          </p:blipFill>
-          <p:spPr>
-            <a:xfrm>
-              <a:off x="-1" y="1772816"/>
-              <a:ext cx="9906001" cy="3938434"/>
-            </a:xfrm>
-            <a:prstGeom prst="rect">
-              <a:avLst/>
-            </a:prstGeom>
-          </p:spPr>
-        </p:pic>
-        <p:sp>
-          <p:nvSpPr>
-            <p:cNvPr id="10" name="직사각형 9">
-              <a:extLst>
-                <a:ext uri="{FF2B5EF4-FFF2-40B4-BE49-F238E27FC236}">
-                  <a16:creationId xmlns:a16="http://schemas.microsoft.com/office/drawing/2014/main" id="{2E8E767D-AE8E-44FD-A254-EFCDCDBA18AC}"/>
+                  <a16:creationId xmlns:a16="http://schemas.microsoft.com/office/drawing/2014/main" id="{C7CCF394-501C-486F-AE45-DAD9D7A228DF}"/>
                 </a:ext>
               </a:extLst>
             </p:cNvPr>
@@ -12209,17 +15566,17 @@
           </p:nvSpPr>
           <p:spPr>
             <a:xfrm>
-              <a:off x="8390178" y="4797152"/>
-              <a:ext cx="883302" cy="432048"/>
+              <a:off x="0" y="824266"/>
+              <a:ext cx="9906000" cy="94320"/>
             </a:xfrm>
             <a:prstGeom prst="rect">
               <a:avLst/>
             </a:prstGeom>
-            <a:noFill/>
+            <a:solidFill>
+              <a:srgbClr val="11264F"/>
+            </a:solidFill>
             <a:ln>
-              <a:solidFill>
-                <a:srgbClr val="FF0000"/>
-              </a:solidFill>
+              <a:noFill/>
             </a:ln>
           </p:spPr>
           <p:style>
@@ -12243,86 +15600,404 @@
             <a:lstStyle/>
             <a:p>
               <a:pPr algn="ctr"/>
-              <a:endParaRPr lang="ko-KR" altLang="en-US"/>
+              <a:endParaRPr lang="ko-KR" altLang="en-US">
+                <a:latin typeface="+mn-ea"/>
+              </a:endParaRPr>
             </a:p>
           </p:txBody>
         </p:sp>
+        <p:sp>
+          <p:nvSpPr>
+            <p:cNvPr id="17" name="제목 1">
+              <a:extLst>
+                <a:ext uri="{FF2B5EF4-FFF2-40B4-BE49-F238E27FC236}">
+                  <a16:creationId xmlns:a16="http://schemas.microsoft.com/office/drawing/2014/main" id="{62331D72-3242-428E-A694-9ED07A6A88CE}"/>
+                </a:ext>
+              </a:extLst>
+            </p:cNvPr>
+            <p:cNvSpPr txBox="1">
+              <a:spLocks/>
+            </p:cNvSpPr>
+            <p:nvPr/>
+          </p:nvSpPr>
+          <p:spPr>
+            <a:xfrm>
+              <a:off x="3" y="188639"/>
+              <a:ext cx="8390175" cy="726759"/>
+            </a:xfrm>
+            <a:prstGeom prst="rect">
+              <a:avLst/>
+            </a:prstGeom>
+            <a:noFill/>
+            <a:ln>
+              <a:noFill/>
+            </a:ln>
+          </p:spPr>
+          <p:txBody>
+            <a:bodyPr vert="horz" wrap="square" lIns="90000" tIns="45000" rIns="90000" bIns="45000" anchor="ctr" anchorCtr="0"/>
+            <a:lstStyle>
+              <a:defPPr lvl="0">
+                <a:buSzPct val="45000"/>
+                <a:buFont typeface="StarSymbol"/>
+                <a:buNone/>
+                <a:defRPr/>
+              </a:defPPr>
+              <a:lvl1pPr lvl="0" algn="ctr" rtl="0" hangingPunct="1">
+                <a:spcBef>
+                  <a:spcPts val="0"/>
+                </a:spcBef>
+                <a:spcAft>
+                  <a:spcPts val="0"/>
+                </a:spcAft>
+                <a:buSzPct val="45000"/>
+                <a:buFont typeface="StarSymbol"/>
+                <a:buChar char="●"/>
+                <a:tabLst/>
+                <a:defRPr lang="ko-KR" sz="4400" b="0" i="0" u="none" strike="noStrike" kern="1200" spc="0">
+                  <a:ln>
+                    <a:noFill/>
+                  </a:ln>
+                  <a:solidFill>
+                    <a:srgbClr val="000000"/>
+                  </a:solidFill>
+                  <a:latin typeface="맑은 고딕" pitchFamily="18"/>
+                  <a:ea typeface="굴림" pitchFamily="2"/>
+                  <a:cs typeface="Arial" pitchFamily="2"/>
+                </a:defRPr>
+              </a:lvl1pPr>
+              <a:lvl2pPr lvl="1">
+                <a:buSzPct val="45000"/>
+                <a:buFont typeface="StarSymbol"/>
+                <a:buChar char="●"/>
+                <a:defRPr/>
+              </a:lvl2pPr>
+              <a:lvl3pPr lvl="2">
+                <a:buSzPct val="45000"/>
+                <a:buFont typeface="StarSymbol"/>
+                <a:buChar char="●"/>
+                <a:defRPr/>
+              </a:lvl3pPr>
+              <a:lvl4pPr lvl="3">
+                <a:buSzPct val="45000"/>
+                <a:buFont typeface="StarSymbol"/>
+                <a:buChar char="●"/>
+                <a:defRPr/>
+              </a:lvl4pPr>
+              <a:lvl5pPr lvl="4">
+                <a:buSzPct val="45000"/>
+                <a:buFont typeface="StarSymbol"/>
+                <a:buChar char="●"/>
+                <a:defRPr/>
+              </a:lvl5pPr>
+              <a:lvl6pPr lvl="5">
+                <a:buSzPct val="45000"/>
+                <a:buFont typeface="StarSymbol"/>
+                <a:buChar char="●"/>
+                <a:defRPr/>
+              </a:lvl6pPr>
+              <a:lvl7pPr lvl="6">
+                <a:buSzPct val="45000"/>
+                <a:buFont typeface="StarSymbol"/>
+                <a:buChar char="●"/>
+                <a:defRPr/>
+              </a:lvl7pPr>
+              <a:lvl8pPr lvl="7">
+                <a:buSzPct val="45000"/>
+                <a:buFont typeface="StarSymbol"/>
+                <a:buChar char="●"/>
+                <a:defRPr/>
+              </a:lvl8pPr>
+              <a:lvl9pPr lvl="8">
+                <a:buSzPct val="45000"/>
+                <a:buFont typeface="StarSymbol"/>
+                <a:buChar char="●"/>
+                <a:defRPr/>
+              </a:lvl9pPr>
+            </a:lstStyle>
+            <a:p>
+              <a:pPr algn="l" latinLnBrk="0">
+                <a:buFont typeface="StarSymbol"/>
+                <a:buNone/>
+              </a:pPr>
+              <a:r>
+                <a:rPr lang="ko-KR" altLang="en-US" sz="2000" b="1" dirty="0">
+                  <a:solidFill>
+                    <a:srgbClr val="11264F"/>
+                  </a:solidFill>
+                  <a:latin typeface="+mn-ea"/>
+                  <a:ea typeface="+mn-ea"/>
+                </a:rPr>
+                <a:t> </a:t>
+              </a:r>
+              <a:r>
+                <a:rPr lang="en-US" altLang="ko-KR" sz="2000" b="1" dirty="0">
+                  <a:solidFill>
+                    <a:srgbClr val="DDDDDD"/>
+                  </a:solidFill>
+                  <a:latin typeface="+mn-ea"/>
+                  <a:ea typeface="+mn-ea"/>
+                </a:rPr>
+                <a:t>01  02</a:t>
+              </a:r>
+              <a:r>
+                <a:rPr lang="en-US" altLang="ko-KR" sz="2000" b="1" dirty="0">
+                  <a:solidFill>
+                    <a:srgbClr val="11264F"/>
+                  </a:solidFill>
+                  <a:latin typeface="+mn-ea"/>
+                  <a:ea typeface="+mn-ea"/>
+                </a:rPr>
+                <a:t>  03 </a:t>
+              </a:r>
+              <a:r>
+                <a:rPr lang="ko-KR" altLang="en-US" sz="2000" b="1" dirty="0">
+                  <a:solidFill>
+                    <a:srgbClr val="11264F"/>
+                  </a:solidFill>
+                  <a:latin typeface="+mn-ea"/>
+                  <a:ea typeface="+mn-ea"/>
+                </a:rPr>
+                <a:t>오라클 </a:t>
+              </a:r>
+              <a:r>
+                <a:rPr lang="en-US" altLang="ko-KR" sz="2000" b="1" dirty="0">
+                  <a:solidFill>
+                    <a:srgbClr val="11264F"/>
+                  </a:solidFill>
+                  <a:latin typeface="+mn-ea"/>
+                  <a:ea typeface="+mn-ea"/>
+                </a:rPr>
+                <a:t>– Data Import  </a:t>
+              </a:r>
+              <a:r>
+                <a:rPr lang="en-US" altLang="ko-KR" sz="2000" b="1" dirty="0">
+                  <a:solidFill>
+                    <a:srgbClr val="DDDDDD"/>
+                  </a:solidFill>
+                  <a:latin typeface="+mn-ea"/>
+                  <a:ea typeface="+mn-ea"/>
+                </a:rPr>
+                <a:t>04</a:t>
+              </a:r>
+              <a:endParaRPr lang="en-US" sz="2000" b="1" dirty="0">
+                <a:solidFill>
+                  <a:srgbClr val="DDDDDD"/>
+                </a:solidFill>
+                <a:latin typeface="+mn-ea"/>
+                <a:ea typeface="+mn-ea"/>
+              </a:endParaRPr>
+            </a:p>
+          </p:txBody>
+        </p:sp>
+        <p:grpSp>
+          <p:nvGrpSpPr>
+            <p:cNvPr id="18" name="그룹 17">
+              <a:extLst>
+                <a:ext uri="{FF2B5EF4-FFF2-40B4-BE49-F238E27FC236}">
+                  <a16:creationId xmlns:a16="http://schemas.microsoft.com/office/drawing/2014/main" id="{2460607C-9F3C-4370-B151-DBB7A402454C}"/>
+                </a:ext>
+              </a:extLst>
+            </p:cNvPr>
+            <p:cNvGrpSpPr/>
+            <p:nvPr/>
+          </p:nvGrpSpPr>
+          <p:grpSpPr>
+            <a:xfrm>
+              <a:off x="8265368" y="497933"/>
+              <a:ext cx="1640632" cy="417466"/>
+              <a:chOff x="8265368" y="497933"/>
+              <a:chExt cx="1640632" cy="417466"/>
+            </a:xfrm>
+          </p:grpSpPr>
+          <p:sp>
+            <p:nvSpPr>
+              <p:cNvPr id="19" name="이등변 삼각형 18">
+                <a:extLst>
+                  <a:ext uri="{FF2B5EF4-FFF2-40B4-BE49-F238E27FC236}">
+                    <a16:creationId xmlns:a16="http://schemas.microsoft.com/office/drawing/2014/main" id="{8B67E8B0-D99B-4171-9609-8E2AC9B08B7F}"/>
+                  </a:ext>
+                </a:extLst>
+              </p:cNvPr>
+              <p:cNvSpPr/>
+              <p:nvPr/>
+            </p:nvSpPr>
+            <p:spPr>
+              <a:xfrm>
+                <a:off x="8265368" y="497933"/>
+                <a:ext cx="432048" cy="326333"/>
+              </a:xfrm>
+              <a:prstGeom prst="triangle">
+                <a:avLst/>
+              </a:prstGeom>
+              <a:solidFill>
+                <a:srgbClr val="11264F"/>
+              </a:solidFill>
+              <a:ln>
+                <a:noFill/>
+              </a:ln>
+            </p:spPr>
+            <p:style>
+              <a:lnRef idx="2">
+                <a:schemeClr val="accent1">
+                  <a:shade val="50000"/>
+                </a:schemeClr>
+              </a:lnRef>
+              <a:fillRef idx="1">
+                <a:schemeClr val="accent1"/>
+              </a:fillRef>
+              <a:effectRef idx="0">
+                <a:schemeClr val="accent1"/>
+              </a:effectRef>
+              <a:fontRef idx="minor">
+                <a:schemeClr val="lt1"/>
+              </a:fontRef>
+            </p:style>
+            <p:txBody>
+              <a:bodyPr rtlCol="0" anchor="ctr"/>
+              <a:lstStyle/>
+              <a:p>
+                <a:pPr algn="ctr"/>
+                <a:endParaRPr lang="ko-KR" altLang="en-US">
+                  <a:latin typeface="+mn-ea"/>
+                </a:endParaRPr>
+              </a:p>
+            </p:txBody>
+          </p:sp>
+          <p:sp>
+            <p:nvSpPr>
+              <p:cNvPr id="20" name="직사각형 19">
+                <a:extLst>
+                  <a:ext uri="{FF2B5EF4-FFF2-40B4-BE49-F238E27FC236}">
+                    <a16:creationId xmlns:a16="http://schemas.microsoft.com/office/drawing/2014/main" id="{A7B1B879-4C0A-4A4D-827B-426B0EA3F553}"/>
+                  </a:ext>
+                </a:extLst>
+              </p:cNvPr>
+              <p:cNvSpPr/>
+              <p:nvPr/>
+            </p:nvSpPr>
+            <p:spPr>
+              <a:xfrm>
+                <a:off x="8481392" y="497933"/>
+                <a:ext cx="1424608" cy="373493"/>
+              </a:xfrm>
+              <a:prstGeom prst="rect">
+                <a:avLst/>
+              </a:prstGeom>
+              <a:solidFill>
+                <a:srgbClr val="11264F"/>
+              </a:solidFill>
+              <a:ln>
+                <a:noFill/>
+              </a:ln>
+            </p:spPr>
+            <p:style>
+              <a:lnRef idx="2">
+                <a:schemeClr val="accent1">
+                  <a:shade val="50000"/>
+                </a:schemeClr>
+              </a:lnRef>
+              <a:fillRef idx="1">
+                <a:schemeClr val="accent1"/>
+              </a:fillRef>
+              <a:effectRef idx="0">
+                <a:schemeClr val="accent1"/>
+              </a:effectRef>
+              <a:fontRef idx="minor">
+                <a:schemeClr val="lt1"/>
+              </a:fontRef>
+            </p:style>
+            <p:txBody>
+              <a:bodyPr rtlCol="0" anchor="ctr"/>
+              <a:lstStyle/>
+              <a:p>
+                <a:pPr algn="ctr"/>
+                <a:endParaRPr lang="ko-KR" altLang="en-US">
+                  <a:latin typeface="+mn-ea"/>
+                </a:endParaRPr>
+              </a:p>
+            </p:txBody>
+          </p:sp>
+          <p:sp>
+            <p:nvSpPr>
+              <p:cNvPr id="21" name="직사각형 20">
+                <a:extLst>
+                  <a:ext uri="{FF2B5EF4-FFF2-40B4-BE49-F238E27FC236}">
+                    <a16:creationId xmlns:a16="http://schemas.microsoft.com/office/drawing/2014/main" id="{64FA6E9A-DFBC-4CF7-8637-64772A8FDFCD}"/>
+                  </a:ext>
+                </a:extLst>
+              </p:cNvPr>
+              <p:cNvSpPr/>
+              <p:nvPr/>
+            </p:nvSpPr>
+            <p:spPr>
+              <a:xfrm>
+                <a:off x="8711636" y="515289"/>
+                <a:ext cx="975267" cy="400110"/>
+              </a:xfrm>
+              <a:prstGeom prst="rect">
+                <a:avLst/>
+              </a:prstGeom>
+            </p:spPr>
+            <p:txBody>
+              <a:bodyPr wrap="none">
+                <a:spAutoFit/>
+              </a:bodyPr>
+              <a:lstStyle/>
+              <a:p>
+                <a:pPr latinLnBrk="0">
+                  <a:buFont typeface="StarSymbol"/>
+                  <a:buNone/>
+                </a:pPr>
+                <a:r>
+                  <a:rPr lang="en-US" altLang="ko-KR" b="1" dirty="0">
+                    <a:solidFill>
+                      <a:srgbClr val="FFCC00"/>
+                    </a:solidFill>
+                    <a:latin typeface="+mn-ea"/>
+                  </a:rPr>
+                  <a:t>Team3</a:t>
+                </a:r>
+              </a:p>
+            </p:txBody>
+          </p:sp>
+        </p:grpSp>
       </p:grpSp>
-      <p:sp>
-        <p:nvSpPr>
-          <p:cNvPr id="13" name="TextBox 12">
+      <p:pic>
+        <p:nvPicPr>
+          <p:cNvPr id="2" name="그림 1">
             <a:extLst>
               <a:ext uri="{FF2B5EF4-FFF2-40B4-BE49-F238E27FC236}">
-                <a16:creationId xmlns:a16="http://schemas.microsoft.com/office/drawing/2014/main" id="{61820591-4E9C-42E7-A111-B03C314C3ECB}"/>
+                <a16:creationId xmlns:a16="http://schemas.microsoft.com/office/drawing/2014/main" id="{70D60470-6878-4139-B636-E57F1F33B11E}"/>
               </a:ext>
             </a:extLst>
           </p:cNvPr>
-          <p:cNvSpPr txBox="1"/>
+          <p:cNvPicPr>
+            <a:picLocks noChangeAspect="1"/>
+          </p:cNvPicPr>
           <p:nvPr/>
-        </p:nvSpPr>
+        </p:nvPicPr>
+        <p:blipFill>
+          <a:blip r:embed="rId3"/>
+          <a:stretch>
+            <a:fillRect/>
+          </a:stretch>
+        </p:blipFill>
         <p:spPr>
           <a:xfrm>
-            <a:off x="344488" y="1101380"/>
-            <a:ext cx="9217024" cy="323165"/>
+            <a:off x="0" y="1405029"/>
+            <a:ext cx="9906000" cy="2280178"/>
           </a:xfrm>
           <a:prstGeom prst="rect">
             <a:avLst/>
           </a:prstGeom>
-          <a:noFill/>
         </p:spPr>
-        <p:txBody>
-          <a:bodyPr wrap="square" rtlCol="0">
-            <a:spAutoFit/>
-          </a:bodyPr>
-          <a:lstStyle/>
-          <a:p>
-            <a:pPr latinLnBrk="1"/>
-            <a:r>
-              <a:rPr lang="en-US" altLang="ko-KR" sz="1500" b="1" dirty="0">
-                <a:solidFill>
-                  <a:srgbClr val="11264F"/>
-                </a:solidFill>
-              </a:rPr>
-              <a:t>2. </a:t>
-            </a:r>
-            <a:r>
-              <a:rPr lang="ko-KR" altLang="en-US" sz="1500" b="1" dirty="0">
-                <a:solidFill>
-                  <a:srgbClr val="11264F"/>
-                </a:solidFill>
-              </a:rPr>
-              <a:t>다운받을 파일을 누르면 아래와 같은 화면이 나오며 </a:t>
-            </a:r>
-            <a:r>
-              <a:rPr lang="en-US" altLang="ko-KR" sz="1500" b="1" dirty="0">
-                <a:solidFill>
-                  <a:srgbClr val="11264F"/>
-                </a:solidFill>
-              </a:rPr>
-              <a:t>Download</a:t>
-            </a:r>
-            <a:r>
-              <a:rPr lang="ko-KR" altLang="en-US" sz="1500" b="1" dirty="0">
-                <a:solidFill>
-                  <a:srgbClr val="11264F"/>
-                </a:solidFill>
-              </a:rPr>
-              <a:t>를 누르면 내컴퓨터에 저장됨</a:t>
-            </a:r>
-            <a:endParaRPr lang="en-US" altLang="ko-KR" sz="1500" b="1" dirty="0">
-              <a:solidFill>
-                <a:srgbClr val="11264F"/>
-              </a:solidFill>
-            </a:endParaRPr>
-          </a:p>
-        </p:txBody>
-      </p:sp>
+      </p:pic>
       <p:pic>
         <p:nvPicPr>
-          <p:cNvPr id="14" name="그림 13">
+          <p:cNvPr id="4" name="그림 3">
             <a:extLst>
               <a:ext uri="{FF2B5EF4-FFF2-40B4-BE49-F238E27FC236}">
-                <a16:creationId xmlns:a16="http://schemas.microsoft.com/office/drawing/2014/main" id="{53C7F734-A574-47E9-A47B-AE0A1FFED3D2}"/>
+                <a16:creationId xmlns:a16="http://schemas.microsoft.com/office/drawing/2014/main" id="{EBCAC373-9B96-4491-9789-10F3AA65796D}"/>
               </a:ext>
             </a:extLst>
           </p:cNvPr>
@@ -12339,63 +16014,70 @@
         </p:blipFill>
         <p:spPr>
           <a:xfrm>
-            <a:off x="3584848" y="4286456"/>
-            <a:ext cx="4322653" cy="2406005"/>
+            <a:off x="0" y="4494446"/>
+            <a:ext cx="9906000" cy="2099553"/>
           </a:xfrm>
           <a:prstGeom prst="rect">
             <a:avLst/>
           </a:prstGeom>
         </p:spPr>
       </p:pic>
-      <p:cxnSp>
-        <p:nvCxnSpPr>
-          <p:cNvPr id="18" name="직선 화살표 연결선 17">
+      <p:sp>
+        <p:nvSpPr>
+          <p:cNvPr id="5" name="직사각형 4">
             <a:extLst>
               <a:ext uri="{FF2B5EF4-FFF2-40B4-BE49-F238E27FC236}">
-                <a16:creationId xmlns:a16="http://schemas.microsoft.com/office/drawing/2014/main" id="{F1986DBA-CFC5-4058-8FBA-492AF172510F}"/>
+                <a16:creationId xmlns:a16="http://schemas.microsoft.com/office/drawing/2014/main" id="{3CBCE114-501D-4896-B134-447D0DA154D3}"/>
               </a:ext>
             </a:extLst>
           </p:cNvPr>
-          <p:cNvCxnSpPr>
-            <a:cxnSpLocks/>
-            <a:stCxn id="10" idx="1"/>
-          </p:cNvCxnSpPr>
+          <p:cNvSpPr/>
           <p:nvPr/>
-        </p:nvCxnSpPr>
+        </p:nvSpPr>
         <p:spPr>
-          <a:xfrm flipH="1">
-            <a:off x="7907501" y="5058546"/>
-            <a:ext cx="482677" cy="108012"/>
+          <a:xfrm>
+            <a:off x="1640632" y="2385756"/>
+            <a:ext cx="1319386" cy="293868"/>
           </a:xfrm>
-          <a:prstGeom prst="straightConnector1">
+          <a:prstGeom prst="rect">
             <a:avLst/>
           </a:prstGeom>
-          <a:ln w="28575">
+          <a:noFill/>
+          <a:ln>
             <a:solidFill>
               <a:srgbClr val="FF0000"/>
             </a:solidFill>
-            <a:tailEnd type="triangle"/>
           </a:ln>
         </p:spPr>
         <p:style>
-          <a:lnRef idx="1">
-            <a:schemeClr val="accent1"/>
+          <a:lnRef idx="2">
+            <a:schemeClr val="accent1">
+              <a:shade val="50000"/>
+            </a:schemeClr>
           </a:lnRef>
-          <a:fillRef idx="0">
+          <a:fillRef idx="1">
             <a:schemeClr val="accent1"/>
           </a:fillRef>
           <a:effectRef idx="0">
             <a:schemeClr val="accent1"/>
           </a:effectRef>
           <a:fontRef idx="minor">
-            <a:schemeClr val="tx1"/>
+            <a:schemeClr val="lt1"/>
           </a:fontRef>
         </p:style>
-      </p:cxnSp>
+        <p:txBody>
+          <a:bodyPr rtlCol="0" anchor="ctr"/>
+          <a:lstStyle/>
+          <a:p>
+            <a:pPr algn="ctr"/>
+            <a:endParaRPr lang="ko-KR" altLang="en-US" dirty="0"/>
+          </a:p>
+        </p:txBody>
+      </p:sp>
     </p:spTree>
     <p:extLst>
       <p:ext uri="{BB962C8B-B14F-4D97-AF65-F5344CB8AC3E}">
-        <p14:creationId xmlns:p14="http://schemas.microsoft.com/office/powerpoint/2010/main" val="3030557361"/>
+        <p14:creationId xmlns:p14="http://schemas.microsoft.com/office/powerpoint/2010/main" val="544004880"/>
       </p:ext>
     </p:extLst>
   </p:cSld>
@@ -12405,7 +16087,7 @@
 </p:sld>
 </file>
 
-<file path=ppt/slides/slide5.xml><?xml version="1.0" encoding="utf-8"?>
+<file path=ppt/slides/slide7.xml><?xml version="1.0" encoding="utf-8"?>
 <p:sld xmlns:a="http://schemas.openxmlformats.org/drawingml/2006/main" xmlns:r="http://schemas.openxmlformats.org/officeDocument/2006/relationships" xmlns:p="http://schemas.openxmlformats.org/presentationml/2006/main">
   <p:cSld>
     <p:spTree>
@@ -12609,7 +16291,7 @@
                   <a:latin typeface="+mn-ea"/>
                   <a:ea typeface="+mn-ea"/>
                 </a:rPr>
-                <a:t>01</a:t>
+                <a:t>01  02  03</a:t>
               </a:r>
               <a:r>
                 <a:rPr lang="en-US" altLang="ko-KR" sz="2000" b="1" dirty="0">
@@ -12619,7 +16301,7 @@
                   <a:latin typeface="+mn-ea"/>
                   <a:ea typeface="+mn-ea"/>
                 </a:rPr>
-                <a:t>  02</a:t>
+                <a:t>  04</a:t>
               </a:r>
               <a:r>
                 <a:rPr lang="en-US" altLang="ko-KR" sz="2000" b="1" dirty="0">
@@ -12651,19 +16333,7 @@
                   <a:latin typeface="+mn-ea"/>
                   <a:ea typeface="+mn-ea"/>
                 </a:rPr>
-                <a:t>– File Import  </a:t>
-              </a:r>
-              <a:r>
-                <a:rPr lang="en-US" altLang="ko-KR" sz="2000" b="1" dirty="0">
-                  <a:solidFill>
-                    <a:schemeClr val="bg1">
-                      <a:lumMod val="75000"/>
-                    </a:schemeClr>
-                  </a:solidFill>
-                  <a:latin typeface="+mn-ea"/>
-                  <a:ea typeface="+mn-ea"/>
-                </a:rPr>
-                <a:t>03</a:t>
+                <a:t>– File Import </a:t>
               </a:r>
               <a:endParaRPr lang="en-US" sz="2000" b="1" dirty="0">
                 <a:solidFill>
@@ -13008,6 +16678,110 @@
           </a:p>
         </p:txBody>
       </p:sp>
+      <p:sp>
+        <p:nvSpPr>
+          <p:cNvPr id="2" name="직사각형 1">
+            <a:extLst>
+              <a:ext uri="{FF2B5EF4-FFF2-40B4-BE49-F238E27FC236}">
+                <a16:creationId xmlns:a16="http://schemas.microsoft.com/office/drawing/2014/main" id="{04FB4585-9B05-4268-9D9E-C3D3C6C7E934}"/>
+              </a:ext>
+            </a:extLst>
+          </p:cNvPr>
+          <p:cNvSpPr/>
+          <p:nvPr/>
+        </p:nvSpPr>
+        <p:spPr>
+          <a:xfrm>
+            <a:off x="704528" y="4221088"/>
+            <a:ext cx="2160240" cy="360040"/>
+          </a:xfrm>
+          <a:prstGeom prst="rect">
+            <a:avLst/>
+          </a:prstGeom>
+          <a:noFill/>
+          <a:ln>
+            <a:solidFill>
+              <a:srgbClr val="FF0000"/>
+            </a:solidFill>
+          </a:ln>
+        </p:spPr>
+        <p:style>
+          <a:lnRef idx="2">
+            <a:schemeClr val="accent1">
+              <a:shade val="50000"/>
+            </a:schemeClr>
+          </a:lnRef>
+          <a:fillRef idx="1">
+            <a:schemeClr val="accent1"/>
+          </a:fillRef>
+          <a:effectRef idx="0">
+            <a:schemeClr val="accent1"/>
+          </a:effectRef>
+          <a:fontRef idx="minor">
+            <a:schemeClr val="lt1"/>
+          </a:fontRef>
+        </p:style>
+        <p:txBody>
+          <a:bodyPr rtlCol="0" anchor="ctr"/>
+          <a:lstStyle/>
+          <a:p>
+            <a:pPr algn="ctr"/>
+            <a:endParaRPr lang="ko-KR" altLang="en-US"/>
+          </a:p>
+        </p:txBody>
+      </p:sp>
+      <p:sp>
+        <p:nvSpPr>
+          <p:cNvPr id="3" name="직사각형 2">
+            <a:extLst>
+              <a:ext uri="{FF2B5EF4-FFF2-40B4-BE49-F238E27FC236}">
+                <a16:creationId xmlns:a16="http://schemas.microsoft.com/office/drawing/2014/main" id="{5346EF6E-B6AA-4759-AA27-70BF9A5D4D5B}"/>
+              </a:ext>
+            </a:extLst>
+          </p:cNvPr>
+          <p:cNvSpPr/>
+          <p:nvPr/>
+        </p:nvSpPr>
+        <p:spPr>
+          <a:xfrm>
+            <a:off x="5241032" y="3140968"/>
+            <a:ext cx="1800200" cy="360040"/>
+          </a:xfrm>
+          <a:prstGeom prst="rect">
+            <a:avLst/>
+          </a:prstGeom>
+          <a:noFill/>
+          <a:ln>
+            <a:solidFill>
+              <a:srgbClr val="FF0000"/>
+            </a:solidFill>
+          </a:ln>
+        </p:spPr>
+        <p:style>
+          <a:lnRef idx="2">
+            <a:schemeClr val="accent1">
+              <a:shade val="50000"/>
+            </a:schemeClr>
+          </a:lnRef>
+          <a:fillRef idx="1">
+            <a:schemeClr val="accent1"/>
+          </a:fillRef>
+          <a:effectRef idx="0">
+            <a:schemeClr val="accent1"/>
+          </a:effectRef>
+          <a:fontRef idx="minor">
+            <a:schemeClr val="lt1"/>
+          </a:fontRef>
+        </p:style>
+        <p:txBody>
+          <a:bodyPr rtlCol="0" anchor="ctr"/>
+          <a:lstStyle/>
+          <a:p>
+            <a:pPr algn="ctr"/>
+            <a:endParaRPr lang="ko-KR" altLang="en-US"/>
+          </a:p>
+        </p:txBody>
+      </p:sp>
     </p:spTree>
     <p:extLst>
       <p:ext uri="{BB962C8B-B14F-4D97-AF65-F5344CB8AC3E}">
@@ -13021,7 +16795,7 @@
 </p:sld>
 </file>
 
-<file path=ppt/slides/slide6.xml><?xml version="1.0" encoding="utf-8"?>
+<file path=ppt/slides/slide8.xml><?xml version="1.0" encoding="utf-8"?>
 <p:sld xmlns:a="http://schemas.openxmlformats.org/drawingml/2006/main" xmlns:r="http://schemas.openxmlformats.org/officeDocument/2006/relationships" xmlns:p="http://schemas.openxmlformats.org/presentationml/2006/main">
   <p:cSld>
     <p:spTree>
@@ -13068,109 +16842,6 @@
           </a:prstGeom>
         </p:spPr>
       </p:pic>
-      <p:grpSp>
-        <p:nvGrpSpPr>
-          <p:cNvPr id="9" name="그룹 8">
-            <a:extLst>
-              <a:ext uri="{FF2B5EF4-FFF2-40B4-BE49-F238E27FC236}">
-                <a16:creationId xmlns:a16="http://schemas.microsoft.com/office/drawing/2014/main" id="{177BA621-630C-4E02-941B-76EBF50EDC71}"/>
-              </a:ext>
-            </a:extLst>
-          </p:cNvPr>
-          <p:cNvGrpSpPr/>
-          <p:nvPr/>
-        </p:nvGrpSpPr>
-        <p:grpSpPr>
-          <a:xfrm>
-            <a:off x="4664968" y="2132856"/>
-            <a:ext cx="4953000" cy="2759224"/>
-            <a:chOff x="3730572" y="3014079"/>
-            <a:chExt cx="6143033" cy="3526915"/>
-          </a:xfrm>
-        </p:grpSpPr>
-        <p:pic>
-          <p:nvPicPr>
-            <p:cNvPr id="7" name="그림 6">
-              <a:extLst>
-                <a:ext uri="{FF2B5EF4-FFF2-40B4-BE49-F238E27FC236}">
-                  <a16:creationId xmlns:a16="http://schemas.microsoft.com/office/drawing/2014/main" id="{B7BC5FCC-4DAE-4106-9344-BA07970AA004}"/>
-                </a:ext>
-              </a:extLst>
-            </p:cNvPr>
-            <p:cNvPicPr>
-              <a:picLocks noChangeAspect="1"/>
-            </p:cNvPicPr>
-            <p:nvPr/>
-          </p:nvPicPr>
-          <p:blipFill>
-            <a:blip r:embed="rId4"/>
-            <a:stretch>
-              <a:fillRect/>
-            </a:stretch>
-          </p:blipFill>
-          <p:spPr>
-            <a:xfrm>
-              <a:off x="3730572" y="3014079"/>
-              <a:ext cx="6143033" cy="3526915"/>
-            </a:xfrm>
-            <a:prstGeom prst="rect">
-              <a:avLst/>
-            </a:prstGeom>
-          </p:spPr>
-        </p:pic>
-        <p:sp>
-          <p:nvSpPr>
-            <p:cNvPr id="8" name="직사각형 7">
-              <a:extLst>
-                <a:ext uri="{FF2B5EF4-FFF2-40B4-BE49-F238E27FC236}">
-                  <a16:creationId xmlns:a16="http://schemas.microsoft.com/office/drawing/2014/main" id="{2FE1D9EF-1DE9-4E70-9FFA-9874BB75D7A8}"/>
-                </a:ext>
-              </a:extLst>
-            </p:cNvPr>
-            <p:cNvSpPr/>
-            <p:nvPr/>
-          </p:nvSpPr>
-          <p:spPr>
-            <a:xfrm>
-              <a:off x="4736976" y="4221088"/>
-              <a:ext cx="1857524" cy="333781"/>
-            </a:xfrm>
-            <a:prstGeom prst="rect">
-              <a:avLst/>
-            </a:prstGeom>
-            <a:noFill/>
-            <a:ln>
-              <a:solidFill>
-                <a:srgbClr val="FF0000"/>
-              </a:solidFill>
-            </a:ln>
-          </p:spPr>
-          <p:style>
-            <a:lnRef idx="2">
-              <a:schemeClr val="accent1">
-                <a:shade val="50000"/>
-              </a:schemeClr>
-            </a:lnRef>
-            <a:fillRef idx="1">
-              <a:schemeClr val="accent1"/>
-            </a:fillRef>
-            <a:effectRef idx="0">
-              <a:schemeClr val="accent1"/>
-            </a:effectRef>
-            <a:fontRef idx="minor">
-              <a:schemeClr val="lt1"/>
-            </a:fontRef>
-          </p:style>
-          <p:txBody>
-            <a:bodyPr rtlCol="0" anchor="ctr"/>
-            <a:lstStyle/>
-            <a:p>
-              <a:pPr algn="ctr"/>
-              <a:endParaRPr lang="ko-KR" altLang="en-US" dirty="0"/>
-            </a:p>
-          </p:txBody>
-        </p:sp>
-      </p:grpSp>
       <p:sp>
         <p:nvSpPr>
           <p:cNvPr id="14" name="TextBox 13">
@@ -13312,12 +16983,94 @@
           </a:p>
         </p:txBody>
       </p:sp>
+      <p:pic>
+        <p:nvPicPr>
+          <p:cNvPr id="3" name="그림 2">
+            <a:extLst>
+              <a:ext uri="{FF2B5EF4-FFF2-40B4-BE49-F238E27FC236}">
+                <a16:creationId xmlns:a16="http://schemas.microsoft.com/office/drawing/2014/main" id="{2A11490C-F124-4A4B-9E07-E095D1D6D6DB}"/>
+              </a:ext>
+            </a:extLst>
+          </p:cNvPr>
+          <p:cNvPicPr>
+            <a:picLocks noChangeAspect="1"/>
+          </p:cNvPicPr>
+          <p:nvPr/>
+        </p:nvPicPr>
+        <p:blipFill>
+          <a:blip r:embed="rId4"/>
+          <a:stretch>
+            <a:fillRect/>
+          </a:stretch>
+        </p:blipFill>
+        <p:spPr>
+          <a:xfrm>
+            <a:off x="4664368" y="1701328"/>
+            <a:ext cx="4953600" cy="2838814"/>
+          </a:xfrm>
+          <a:prstGeom prst="rect">
+            <a:avLst/>
+          </a:prstGeom>
+        </p:spPr>
+      </p:pic>
+      <p:sp>
+        <p:nvSpPr>
+          <p:cNvPr id="4" name="직사각형 3">
+            <a:extLst>
+              <a:ext uri="{FF2B5EF4-FFF2-40B4-BE49-F238E27FC236}">
+                <a16:creationId xmlns:a16="http://schemas.microsoft.com/office/drawing/2014/main" id="{DCB55463-BC96-451F-86C8-3FDDA3023525}"/>
+              </a:ext>
+            </a:extLst>
+          </p:cNvPr>
+          <p:cNvSpPr/>
+          <p:nvPr/>
+        </p:nvSpPr>
+        <p:spPr>
+          <a:xfrm>
+            <a:off x="5529064" y="2276872"/>
+            <a:ext cx="1296144" cy="432048"/>
+          </a:xfrm>
+          <a:prstGeom prst="rect">
+            <a:avLst/>
+          </a:prstGeom>
+          <a:noFill/>
+          <a:ln>
+            <a:solidFill>
+              <a:srgbClr val="FF0000"/>
+            </a:solidFill>
+          </a:ln>
+        </p:spPr>
+        <p:style>
+          <a:lnRef idx="2">
+            <a:schemeClr val="accent1">
+              <a:shade val="50000"/>
+            </a:schemeClr>
+          </a:lnRef>
+          <a:fillRef idx="1">
+            <a:schemeClr val="accent1"/>
+          </a:fillRef>
+          <a:effectRef idx="0">
+            <a:schemeClr val="accent1"/>
+          </a:effectRef>
+          <a:fontRef idx="minor">
+            <a:schemeClr val="lt1"/>
+          </a:fontRef>
+        </p:style>
+        <p:txBody>
+          <a:bodyPr rtlCol="0" anchor="ctr"/>
+          <a:lstStyle/>
+          <a:p>
+            <a:pPr algn="ctr"/>
+            <a:endParaRPr lang="ko-KR" altLang="en-US" dirty="0"/>
+          </a:p>
+        </p:txBody>
+      </p:sp>
       <p:grpSp>
         <p:nvGrpSpPr>
-          <p:cNvPr id="16" name="그룹 15">
+          <p:cNvPr id="23" name="그룹 22">
             <a:extLst>
               <a:ext uri="{FF2B5EF4-FFF2-40B4-BE49-F238E27FC236}">
-                <a16:creationId xmlns:a16="http://schemas.microsoft.com/office/drawing/2014/main" id="{51532586-26A6-4708-AD5C-968725A67EEB}"/>
+                <a16:creationId xmlns:a16="http://schemas.microsoft.com/office/drawing/2014/main" id="{A3C4C61D-702C-43B1-B0C1-53DC67EBD5EB}"/>
               </a:ext>
             </a:extLst>
           </p:cNvPr>
@@ -13334,10 +17087,10 @@
         </p:grpSpPr>
         <p:sp>
           <p:nvSpPr>
-            <p:cNvPr id="17" name="직사각형 16">
+            <p:cNvPr id="24" name="직사각형 23">
               <a:extLst>
                 <a:ext uri="{FF2B5EF4-FFF2-40B4-BE49-F238E27FC236}">
-                  <a16:creationId xmlns:a16="http://schemas.microsoft.com/office/drawing/2014/main" id="{2F23E712-E9CE-4F8A-820A-CEE4B4A85C0B}"/>
+                  <a16:creationId xmlns:a16="http://schemas.microsoft.com/office/drawing/2014/main" id="{FC630784-1B68-4C58-AE3E-09C4E0601E71}"/>
                 </a:ext>
               </a:extLst>
             </p:cNvPr>
@@ -13388,10 +17141,10 @@
         </p:sp>
         <p:sp>
           <p:nvSpPr>
-            <p:cNvPr id="18" name="제목 1">
+            <p:cNvPr id="25" name="제목 1">
               <a:extLst>
                 <a:ext uri="{FF2B5EF4-FFF2-40B4-BE49-F238E27FC236}">
-                  <a16:creationId xmlns:a16="http://schemas.microsoft.com/office/drawing/2014/main" id="{0A812D39-323D-4A91-847B-5F6B6ECB5C0F}"/>
+                  <a16:creationId xmlns:a16="http://schemas.microsoft.com/office/drawing/2014/main" id="{508E62C8-7F68-4631-86E5-D64DC404FA84}"/>
                 </a:ext>
               </a:extLst>
             </p:cNvPr>
@@ -13517,7 +17270,7 @@
                   <a:latin typeface="+mn-ea"/>
                   <a:ea typeface="+mn-ea"/>
                 </a:rPr>
-                <a:t>01</a:t>
+                <a:t>01  02  03</a:t>
               </a:r>
               <a:r>
                 <a:rPr lang="en-US" altLang="ko-KR" sz="2000" b="1" dirty="0">
@@ -13527,7 +17280,7 @@
                   <a:latin typeface="+mn-ea"/>
                   <a:ea typeface="+mn-ea"/>
                 </a:rPr>
-                <a:t>  02</a:t>
+                <a:t>  04</a:t>
               </a:r>
               <a:r>
                 <a:rPr lang="en-US" altLang="ko-KR" sz="2000" b="1" dirty="0">
@@ -13559,19 +17312,7 @@
                   <a:latin typeface="+mn-ea"/>
                   <a:ea typeface="+mn-ea"/>
                 </a:rPr>
-                <a:t>– File Import  </a:t>
-              </a:r>
-              <a:r>
-                <a:rPr lang="en-US" altLang="ko-KR" sz="2000" b="1" dirty="0">
-                  <a:solidFill>
-                    <a:schemeClr val="bg1">
-                      <a:lumMod val="75000"/>
-                    </a:schemeClr>
-                  </a:solidFill>
-                  <a:latin typeface="+mn-ea"/>
-                  <a:ea typeface="+mn-ea"/>
-                </a:rPr>
-                <a:t>03</a:t>
+                <a:t>– File Import </a:t>
               </a:r>
               <a:endParaRPr lang="en-US" sz="2000" b="1" dirty="0">
                 <a:solidFill>
@@ -13587,10 +17328,10 @@
         </p:sp>
         <p:grpSp>
           <p:nvGrpSpPr>
-            <p:cNvPr id="19" name="그룹 18">
+            <p:cNvPr id="26" name="그룹 25">
               <a:extLst>
                 <a:ext uri="{FF2B5EF4-FFF2-40B4-BE49-F238E27FC236}">
-                  <a16:creationId xmlns:a16="http://schemas.microsoft.com/office/drawing/2014/main" id="{C4C750D1-E637-4350-9DF4-A34BE1746183}"/>
+                  <a16:creationId xmlns:a16="http://schemas.microsoft.com/office/drawing/2014/main" id="{0C3D0F61-6522-422F-AEFE-14F3E72E2A0C}"/>
                 </a:ext>
               </a:extLst>
             </p:cNvPr>
@@ -13607,10 +17348,10 @@
           </p:grpSpPr>
           <p:sp>
             <p:nvSpPr>
-              <p:cNvPr id="20" name="이등변 삼각형 19">
+              <p:cNvPr id="27" name="이등변 삼각형 26">
                 <a:extLst>
                   <a:ext uri="{FF2B5EF4-FFF2-40B4-BE49-F238E27FC236}">
-                    <a16:creationId xmlns:a16="http://schemas.microsoft.com/office/drawing/2014/main" id="{1E851001-7869-4D33-8B15-1408D021846E}"/>
+                    <a16:creationId xmlns:a16="http://schemas.microsoft.com/office/drawing/2014/main" id="{398A8524-F522-4AAB-8F85-AA473FD31E02}"/>
                   </a:ext>
                 </a:extLst>
               </p:cNvPr>
@@ -13661,10 +17402,10 @@
           </p:sp>
           <p:sp>
             <p:nvSpPr>
-              <p:cNvPr id="21" name="직사각형 20">
+              <p:cNvPr id="28" name="직사각형 27">
                 <a:extLst>
                   <a:ext uri="{FF2B5EF4-FFF2-40B4-BE49-F238E27FC236}">
-                    <a16:creationId xmlns:a16="http://schemas.microsoft.com/office/drawing/2014/main" id="{2DAF459E-7D40-4A39-8BAD-F3086B1C0E1F}"/>
+                    <a16:creationId xmlns:a16="http://schemas.microsoft.com/office/drawing/2014/main" id="{F225102E-CE7B-4C6B-A67F-B56FC4FB2CD6}"/>
                   </a:ext>
                 </a:extLst>
               </p:cNvPr>
@@ -13715,10 +17456,10 @@
           </p:sp>
           <p:sp>
             <p:nvSpPr>
-              <p:cNvPr id="22" name="직사각형 21">
+              <p:cNvPr id="29" name="직사각형 28">
                 <a:extLst>
                   <a:ext uri="{FF2B5EF4-FFF2-40B4-BE49-F238E27FC236}">
-                    <a16:creationId xmlns:a16="http://schemas.microsoft.com/office/drawing/2014/main" id="{7EA3F4C3-FFB4-4773-9BBC-C3F9880BE339}"/>
+                    <a16:creationId xmlns:a16="http://schemas.microsoft.com/office/drawing/2014/main" id="{8D33A374-07A6-4CB5-A949-4339D82F6B20}"/>
                   </a:ext>
                 </a:extLst>
               </p:cNvPr>
@@ -13758,6 +17499,58 @@
           </p:sp>
         </p:grpSp>
       </p:grpSp>
+      <p:sp>
+        <p:nvSpPr>
+          <p:cNvPr id="5" name="직사각형 4">
+            <a:extLst>
+              <a:ext uri="{FF2B5EF4-FFF2-40B4-BE49-F238E27FC236}">
+                <a16:creationId xmlns:a16="http://schemas.microsoft.com/office/drawing/2014/main" id="{1A38682D-00E8-4185-AE34-5BDD8878E87D}"/>
+              </a:ext>
+            </a:extLst>
+          </p:cNvPr>
+          <p:cNvSpPr/>
+          <p:nvPr/>
+        </p:nvSpPr>
+        <p:spPr>
+          <a:xfrm>
+            <a:off x="704528" y="2564904"/>
+            <a:ext cx="3407831" cy="360040"/>
+          </a:xfrm>
+          <a:prstGeom prst="rect">
+            <a:avLst/>
+          </a:prstGeom>
+          <a:noFill/>
+          <a:ln>
+            <a:solidFill>
+              <a:srgbClr val="FF0000"/>
+            </a:solidFill>
+          </a:ln>
+        </p:spPr>
+        <p:style>
+          <a:lnRef idx="2">
+            <a:schemeClr val="accent1">
+              <a:shade val="50000"/>
+            </a:schemeClr>
+          </a:lnRef>
+          <a:fillRef idx="1">
+            <a:schemeClr val="accent1"/>
+          </a:fillRef>
+          <a:effectRef idx="0">
+            <a:schemeClr val="accent1"/>
+          </a:effectRef>
+          <a:fontRef idx="minor">
+            <a:schemeClr val="lt1"/>
+          </a:fontRef>
+        </p:style>
+        <p:txBody>
+          <a:bodyPr rtlCol="0" anchor="ctr"/>
+          <a:lstStyle/>
+          <a:p>
+            <a:pPr algn="ctr"/>
+            <a:endParaRPr lang="ko-KR" altLang="en-US"/>
+          </a:p>
+        </p:txBody>
+      </p:sp>
     </p:spTree>
     <p:extLst>
       <p:ext uri="{BB962C8B-B14F-4D97-AF65-F5344CB8AC3E}">
@@ -13771,7 +17564,7 @@
 </p:sld>
 </file>
 
-<file path=ppt/slides/slide7.xml><?xml version="1.0" encoding="utf-8"?>
+<file path=ppt/slides/slide9.xml><?xml version="1.0" encoding="utf-8"?>
 <p:sld xmlns:a="http://schemas.openxmlformats.org/drawingml/2006/main" xmlns:r="http://schemas.openxmlformats.org/officeDocument/2006/relationships" xmlns:p="http://schemas.openxmlformats.org/presentationml/2006/main">
   <p:cSld>
     <p:spTree>
@@ -14542,7 +18335,7 @@
                   <a:latin typeface="+mn-ea"/>
                   <a:ea typeface="+mn-ea"/>
                 </a:rPr>
-                <a:t>01</a:t>
+                <a:t>01  02  03</a:t>
               </a:r>
               <a:r>
                 <a:rPr lang="en-US" altLang="ko-KR" sz="2000" b="1" dirty="0">
@@ -14552,7 +18345,7 @@
                   <a:latin typeface="+mn-ea"/>
                   <a:ea typeface="+mn-ea"/>
                 </a:rPr>
-                <a:t>  02</a:t>
+                <a:t>  04</a:t>
               </a:r>
               <a:r>
                 <a:rPr lang="en-US" altLang="ko-KR" sz="2000" b="1" dirty="0">
@@ -14594,19 +18387,7 @@
                   <a:latin typeface="+mn-ea"/>
                   <a:ea typeface="+mn-ea"/>
                 </a:rPr>
-                <a:t>등록  </a:t>
-              </a:r>
-              <a:r>
-                <a:rPr lang="en-US" altLang="ko-KR" sz="2000" b="1" dirty="0">
-                  <a:solidFill>
-                    <a:schemeClr val="bg1">
-                      <a:lumMod val="75000"/>
-                    </a:schemeClr>
-                  </a:solidFill>
-                  <a:latin typeface="+mn-ea"/>
-                  <a:ea typeface="+mn-ea"/>
-                </a:rPr>
-                <a:t>03</a:t>
+                <a:t>등록</a:t>
               </a:r>
               <a:endParaRPr lang="en-US" sz="2000" b="1" dirty="0">
                 <a:solidFill>
@@ -14797,1757 +18578,6 @@
     <p:extLst>
       <p:ext uri="{BB962C8B-B14F-4D97-AF65-F5344CB8AC3E}">
         <p14:creationId xmlns:p14="http://schemas.microsoft.com/office/powerpoint/2010/main" val="4116834043"/>
-      </p:ext>
-    </p:extLst>
-  </p:cSld>
-  <p:clrMapOvr>
-    <a:masterClrMapping/>
-  </p:clrMapOvr>
-</p:sld>
-</file>
-
-<file path=ppt/slides/slide8.xml><?xml version="1.0" encoding="utf-8"?>
-<p:sld xmlns:a="http://schemas.openxmlformats.org/drawingml/2006/main" xmlns:r="http://schemas.openxmlformats.org/officeDocument/2006/relationships" xmlns:p="http://schemas.openxmlformats.org/presentationml/2006/main">
-  <p:cSld>
-    <p:spTree>
-      <p:nvGrpSpPr>
-        <p:cNvPr id="1" name=""/>
-        <p:cNvGrpSpPr/>
-        <p:nvPr/>
-      </p:nvGrpSpPr>
-      <p:grpSpPr>
-        <a:xfrm>
-          <a:off x="0" y="0"/>
-          <a:ext cx="0" cy="0"/>
-          <a:chOff x="0" y="0"/>
-          <a:chExt cx="0" cy="0"/>
-        </a:xfrm>
-      </p:grpSpPr>
-      <p:grpSp>
-        <p:nvGrpSpPr>
-          <p:cNvPr id="6" name="그룹 5">
-            <a:extLst>
-              <a:ext uri="{FF2B5EF4-FFF2-40B4-BE49-F238E27FC236}">
-                <a16:creationId xmlns:a16="http://schemas.microsoft.com/office/drawing/2014/main" id="{49134D97-49E9-4385-9F25-B236DEC1CEF0}"/>
-              </a:ext>
-            </a:extLst>
-          </p:cNvPr>
-          <p:cNvGrpSpPr/>
-          <p:nvPr/>
-        </p:nvGrpSpPr>
-        <p:grpSpPr>
-          <a:xfrm>
-            <a:off x="0" y="3933056"/>
-            <a:ext cx="9906000" cy="2000435"/>
-            <a:chOff x="0" y="2428782"/>
-            <a:chExt cx="9906000" cy="2000435"/>
-          </a:xfrm>
-        </p:grpSpPr>
-        <p:pic>
-          <p:nvPicPr>
-            <p:cNvPr id="2" name="그림 1">
-              <a:extLst>
-                <a:ext uri="{FF2B5EF4-FFF2-40B4-BE49-F238E27FC236}">
-                  <a16:creationId xmlns:a16="http://schemas.microsoft.com/office/drawing/2014/main" id="{C2536E77-39B7-4CC3-A9C9-24B5EEAC2CE6}"/>
-                </a:ext>
-              </a:extLst>
-            </p:cNvPr>
-            <p:cNvPicPr>
-              <a:picLocks noChangeAspect="1"/>
-            </p:cNvPicPr>
-            <p:nvPr/>
-          </p:nvPicPr>
-          <p:blipFill>
-            <a:blip r:embed="rId3"/>
-            <a:stretch>
-              <a:fillRect/>
-            </a:stretch>
-          </p:blipFill>
-          <p:spPr>
-            <a:xfrm>
-              <a:off x="0" y="2428782"/>
-              <a:ext cx="9906000" cy="2000435"/>
-            </a:xfrm>
-            <a:prstGeom prst="rect">
-              <a:avLst/>
-            </a:prstGeom>
-          </p:spPr>
-        </p:pic>
-        <p:sp>
-          <p:nvSpPr>
-            <p:cNvPr id="5" name="직사각형 4">
-              <a:extLst>
-                <a:ext uri="{FF2B5EF4-FFF2-40B4-BE49-F238E27FC236}">
-                  <a16:creationId xmlns:a16="http://schemas.microsoft.com/office/drawing/2014/main" id="{36ED35FF-1B04-44BD-A58C-CD591A331752}"/>
-                </a:ext>
-              </a:extLst>
-            </p:cNvPr>
-            <p:cNvSpPr/>
-            <p:nvPr/>
-          </p:nvSpPr>
-          <p:spPr>
-            <a:xfrm>
-              <a:off x="488504" y="3861048"/>
-              <a:ext cx="9417496" cy="504056"/>
-            </a:xfrm>
-            <a:prstGeom prst="rect">
-              <a:avLst/>
-            </a:prstGeom>
-            <a:noFill/>
-            <a:ln>
-              <a:solidFill>
-                <a:srgbClr val="FF0000"/>
-              </a:solidFill>
-            </a:ln>
-          </p:spPr>
-          <p:style>
-            <a:lnRef idx="2">
-              <a:schemeClr val="accent1">
-                <a:shade val="50000"/>
-              </a:schemeClr>
-            </a:lnRef>
-            <a:fillRef idx="1">
-              <a:schemeClr val="accent1"/>
-            </a:fillRef>
-            <a:effectRef idx="0">
-              <a:schemeClr val="accent1"/>
-            </a:effectRef>
-            <a:fontRef idx="minor">
-              <a:schemeClr val="lt1"/>
-            </a:fontRef>
-          </p:style>
-          <p:txBody>
-            <a:bodyPr rtlCol="0" anchor="ctr"/>
-            <a:lstStyle/>
-            <a:p>
-              <a:pPr algn="ctr"/>
-              <a:endParaRPr lang="ko-KR" altLang="en-US"/>
-            </a:p>
-          </p:txBody>
-        </p:sp>
-      </p:grpSp>
-      <p:sp>
-        <p:nvSpPr>
-          <p:cNvPr id="8" name="TextBox 7">
-            <a:extLst>
-              <a:ext uri="{FF2B5EF4-FFF2-40B4-BE49-F238E27FC236}">
-                <a16:creationId xmlns:a16="http://schemas.microsoft.com/office/drawing/2014/main" id="{7552B7C5-5A1E-493D-A6EC-51B3EBDEDBDC}"/>
-              </a:ext>
-            </a:extLst>
-          </p:cNvPr>
-          <p:cNvSpPr txBox="1"/>
-          <p:nvPr/>
-        </p:nvSpPr>
-        <p:spPr>
-          <a:xfrm>
-            <a:off x="344488" y="1101380"/>
-            <a:ext cx="9217024" cy="1323439"/>
-          </a:xfrm>
-          <a:prstGeom prst="rect">
-            <a:avLst/>
-          </a:prstGeom>
-          <a:noFill/>
-        </p:spPr>
-        <p:txBody>
-          <a:bodyPr wrap="square" rtlCol="0">
-            <a:spAutoFit/>
-          </a:bodyPr>
-          <a:lstStyle/>
-          <a:p>
-            <a:pPr latinLnBrk="1"/>
-            <a:r>
-              <a:rPr lang="en-US" altLang="ko-KR" sz="1500" b="1" dirty="0">
-                <a:solidFill>
-                  <a:srgbClr val="11264F"/>
-                </a:solidFill>
-              </a:rPr>
-              <a:t>6. </a:t>
-            </a:r>
-            <a:r>
-              <a:rPr lang="ko-KR" altLang="en-US" sz="1500" b="1" dirty="0">
-                <a:solidFill>
-                  <a:srgbClr val="11264F"/>
-                </a:solidFill>
-              </a:rPr>
-              <a:t>오라클 </a:t>
-            </a:r>
-            <a:r>
-              <a:rPr lang="en-US" altLang="ko-KR" sz="1500" b="1" dirty="0">
-                <a:solidFill>
-                  <a:srgbClr val="11264F"/>
-                </a:solidFill>
-              </a:rPr>
-              <a:t>DBCP </a:t>
-            </a:r>
-            <a:r>
-              <a:rPr lang="ko-KR" altLang="en-US" sz="1500" b="1" dirty="0">
-                <a:solidFill>
-                  <a:srgbClr val="11264F"/>
-                </a:solidFill>
-              </a:rPr>
-              <a:t>방식을 사용하기 위해 해당 프로젝트 </a:t>
-            </a:r>
-            <a:r>
-              <a:rPr lang="en-US" altLang="ko-KR" sz="1500" b="1" dirty="0">
-                <a:solidFill>
-                  <a:srgbClr val="11264F"/>
-                </a:solidFill>
-              </a:rPr>
-              <a:t>Context</a:t>
-            </a:r>
-            <a:r>
-              <a:rPr lang="ko-KR" altLang="en-US" sz="1500" b="1" dirty="0">
-                <a:solidFill>
-                  <a:srgbClr val="11264F"/>
-                </a:solidFill>
-              </a:rPr>
-              <a:t>내에 설정</a:t>
-            </a:r>
-            <a:endParaRPr lang="en-US" altLang="ko-KR" sz="1500" b="1" dirty="0">
-              <a:solidFill>
-                <a:srgbClr val="11264F"/>
-              </a:solidFill>
-            </a:endParaRPr>
-          </a:p>
-          <a:p>
-            <a:pPr latinLnBrk="1"/>
-            <a:r>
-              <a:rPr lang="en-US" altLang="ko-KR" sz="1500" b="1" i="0" u="none" dirty="0">
-                <a:solidFill>
-                  <a:srgbClr val="11264F"/>
-                </a:solidFill>
-                <a:latin typeface="+mn-lt"/>
-                <a:ea typeface="+mn-ea"/>
-                <a:cs typeface="+mn-cs"/>
-              </a:rPr>
-              <a:t>&lt;Resource auth="Container" </a:t>
-            </a:r>
-            <a:r>
-              <a:rPr lang="en-US" altLang="ko-KR" sz="1500" b="1" i="0" u="none" dirty="0" err="1">
-                <a:solidFill>
-                  <a:srgbClr val="11264F"/>
-                </a:solidFill>
-                <a:latin typeface="+mn-lt"/>
-                <a:ea typeface="+mn-ea"/>
-                <a:cs typeface="+mn-cs"/>
-              </a:rPr>
-              <a:t>driverClassName</a:t>
-            </a:r>
-            <a:r>
-              <a:rPr lang="en-US" altLang="ko-KR" sz="1500" b="1" i="0" u="none" dirty="0">
-                <a:solidFill>
-                  <a:srgbClr val="11264F"/>
-                </a:solidFill>
-                <a:latin typeface="+mn-lt"/>
-                <a:ea typeface="+mn-ea"/>
-                <a:cs typeface="+mn-cs"/>
-              </a:rPr>
-              <a:t>="</a:t>
-            </a:r>
-            <a:r>
-              <a:rPr lang="en-US" altLang="ko-KR" sz="1500" b="1" i="0" u="none" dirty="0" err="1">
-                <a:solidFill>
-                  <a:srgbClr val="11264F"/>
-                </a:solidFill>
-                <a:latin typeface="+mn-lt"/>
-                <a:ea typeface="+mn-ea"/>
-                <a:cs typeface="+mn-cs"/>
-              </a:rPr>
-              <a:t>oracle.jdbc.driver.OracleDriver</a:t>
-            </a:r>
-            <a:r>
-              <a:rPr lang="en-US" altLang="ko-KR" sz="1500" b="1" i="0" u="none" dirty="0">
-                <a:solidFill>
-                  <a:srgbClr val="11264F"/>
-                </a:solidFill>
-                <a:latin typeface="+mn-lt"/>
-                <a:ea typeface="+mn-ea"/>
-                <a:cs typeface="+mn-cs"/>
-              </a:rPr>
-              <a:t>" </a:t>
-            </a:r>
-            <a:r>
-              <a:rPr lang="en-US" altLang="ko-KR" sz="1500" b="1" i="0" u="none" dirty="0" err="1">
-                <a:solidFill>
-                  <a:srgbClr val="11264F"/>
-                </a:solidFill>
-                <a:latin typeface="+mn-lt"/>
-                <a:ea typeface="+mn-ea"/>
-                <a:cs typeface="+mn-cs"/>
-              </a:rPr>
-              <a:t>maxActive</a:t>
-            </a:r>
-            <a:r>
-              <a:rPr lang="en-US" altLang="ko-KR" sz="1500" b="1" i="0" u="none" dirty="0">
-                <a:solidFill>
-                  <a:srgbClr val="11264F"/>
-                </a:solidFill>
-                <a:latin typeface="+mn-lt"/>
-                <a:ea typeface="+mn-ea"/>
-                <a:cs typeface="+mn-cs"/>
-              </a:rPr>
-              <a:t>="100" </a:t>
-            </a:r>
-            <a:r>
-              <a:rPr lang="en-US" altLang="ko-KR" sz="1500" b="1" i="0" u="none" dirty="0" err="1">
-                <a:solidFill>
-                  <a:srgbClr val="11264F"/>
-                </a:solidFill>
-                <a:latin typeface="+mn-lt"/>
-                <a:ea typeface="+mn-ea"/>
-                <a:cs typeface="+mn-cs"/>
-              </a:rPr>
-              <a:t>maxIdle</a:t>
-            </a:r>
-            <a:r>
-              <a:rPr lang="en-US" altLang="ko-KR" sz="1500" b="1" i="0" u="none" dirty="0">
-                <a:solidFill>
-                  <a:srgbClr val="11264F"/>
-                </a:solidFill>
-                <a:latin typeface="+mn-lt"/>
-                <a:ea typeface="+mn-ea"/>
-                <a:cs typeface="+mn-cs"/>
-              </a:rPr>
-              <a:t>="30" </a:t>
-            </a:r>
-            <a:r>
-              <a:rPr lang="en-US" altLang="ko-KR" sz="1500" b="1" i="0" u="none" dirty="0" err="1">
-                <a:solidFill>
-                  <a:srgbClr val="11264F"/>
-                </a:solidFill>
-                <a:latin typeface="+mn-lt"/>
-                <a:ea typeface="+mn-ea"/>
-                <a:cs typeface="+mn-cs"/>
-              </a:rPr>
-              <a:t>maxWait</a:t>
-            </a:r>
-            <a:r>
-              <a:rPr lang="en-US" altLang="ko-KR" sz="1500" b="1" i="0" u="none" dirty="0">
-                <a:solidFill>
-                  <a:srgbClr val="11264F"/>
-                </a:solidFill>
-                <a:latin typeface="+mn-lt"/>
-                <a:ea typeface="+mn-ea"/>
-                <a:cs typeface="+mn-cs"/>
-              </a:rPr>
-              <a:t>="10000" name="</a:t>
-            </a:r>
-            <a:r>
-              <a:rPr lang="en-US" altLang="ko-KR" sz="1500" b="1" i="0" u="none" dirty="0" err="1">
-                <a:solidFill>
-                  <a:srgbClr val="11264F"/>
-                </a:solidFill>
-                <a:latin typeface="+mn-lt"/>
-                <a:ea typeface="+mn-ea"/>
-                <a:cs typeface="+mn-cs"/>
-              </a:rPr>
-              <a:t>jdbc</a:t>
-            </a:r>
-            <a:r>
-              <a:rPr lang="en-US" altLang="ko-KR" sz="1500" b="1" i="0" u="none" dirty="0">
-                <a:solidFill>
-                  <a:srgbClr val="11264F"/>
-                </a:solidFill>
-                <a:latin typeface="+mn-lt"/>
-                <a:ea typeface="+mn-ea"/>
-                <a:cs typeface="+mn-cs"/>
-              </a:rPr>
-              <a:t>/oracle" password="team3" type="</a:t>
-            </a:r>
-            <a:r>
-              <a:rPr lang="en-US" altLang="ko-KR" sz="1500" b="1" i="0" u="none" dirty="0" err="1">
-                <a:solidFill>
-                  <a:srgbClr val="11264F"/>
-                </a:solidFill>
-                <a:latin typeface="+mn-lt"/>
-                <a:ea typeface="+mn-ea"/>
-                <a:cs typeface="+mn-cs"/>
-              </a:rPr>
-              <a:t>javax.sql.DataSource</a:t>
-            </a:r>
-            <a:r>
-              <a:rPr lang="en-US" altLang="ko-KR" sz="1500" b="1" i="0" u="none" dirty="0">
-                <a:solidFill>
-                  <a:srgbClr val="11264F"/>
-                </a:solidFill>
-                <a:latin typeface="+mn-lt"/>
-                <a:ea typeface="+mn-ea"/>
-                <a:cs typeface="+mn-cs"/>
-              </a:rPr>
-              <a:t>" </a:t>
-            </a:r>
-            <a:r>
-              <a:rPr lang="en-US" altLang="ko-KR" sz="1500" b="1" i="0" u="none" dirty="0" err="1">
-                <a:solidFill>
-                  <a:srgbClr val="11264F"/>
-                </a:solidFill>
-                <a:latin typeface="+mn-lt"/>
-                <a:ea typeface="+mn-ea"/>
-                <a:cs typeface="+mn-cs"/>
-              </a:rPr>
-              <a:t>url</a:t>
-            </a:r>
-            <a:r>
-              <a:rPr lang="en-US" altLang="ko-KR" sz="1500" b="1" i="0" u="none" dirty="0">
-                <a:solidFill>
-                  <a:srgbClr val="11264F"/>
-                </a:solidFill>
-                <a:latin typeface="+mn-lt"/>
-                <a:ea typeface="+mn-ea"/>
-                <a:cs typeface="+mn-cs"/>
-              </a:rPr>
-              <a:t>="</a:t>
-            </a:r>
-            <a:r>
-              <a:rPr lang="en-US" altLang="ko-KR" sz="1500" b="1" i="0" u="none" dirty="0" err="1">
-                <a:solidFill>
-                  <a:srgbClr val="11264F"/>
-                </a:solidFill>
-                <a:latin typeface="+mn-lt"/>
-                <a:ea typeface="+mn-ea"/>
-                <a:cs typeface="+mn-cs"/>
-              </a:rPr>
-              <a:t>jdbc:oracle:thin</a:t>
-            </a:r>
-            <a:r>
-              <a:rPr lang="en-US" altLang="ko-KR" sz="1500" b="1" i="0" u="none" dirty="0">
-                <a:solidFill>
-                  <a:srgbClr val="11264F"/>
-                </a:solidFill>
-                <a:latin typeface="+mn-lt"/>
-                <a:ea typeface="+mn-ea"/>
-                <a:cs typeface="+mn-cs"/>
-              </a:rPr>
-              <a:t>:@localhost:1521:orcl" username="team3"/&gt; </a:t>
-            </a:r>
-          </a:p>
-          <a:p>
-            <a:pPr latinLnBrk="1"/>
-            <a:endParaRPr lang="en-US" altLang="ko-KR" sz="500" b="1" i="0" u="none" dirty="0">
-              <a:solidFill>
-                <a:srgbClr val="11264F"/>
-              </a:solidFill>
-              <a:latin typeface="+mn-lt"/>
-              <a:ea typeface="+mn-ea"/>
-              <a:cs typeface="+mn-cs"/>
-            </a:endParaRPr>
-          </a:p>
-          <a:p>
-            <a:pPr latinLnBrk="1"/>
-            <a:r>
-              <a:rPr lang="en-US" altLang="ko-KR" sz="1500" b="1" dirty="0">
-                <a:solidFill>
-                  <a:srgbClr val="FF0000"/>
-                </a:solidFill>
-              </a:rPr>
-              <a:t>* username</a:t>
-            </a:r>
-            <a:r>
-              <a:rPr lang="ko-KR" altLang="en-US" sz="1500" b="1" dirty="0">
-                <a:solidFill>
-                  <a:srgbClr val="FF0000"/>
-                </a:solidFill>
-              </a:rPr>
-              <a:t>과 </a:t>
-            </a:r>
-            <a:r>
-              <a:rPr lang="en-US" altLang="ko-KR" sz="1500" b="1" dirty="0">
-                <a:solidFill>
-                  <a:srgbClr val="FF0000"/>
-                </a:solidFill>
-              </a:rPr>
-              <a:t>password</a:t>
-            </a:r>
-            <a:r>
-              <a:rPr lang="ko-KR" altLang="en-US" sz="1500" b="1" dirty="0">
-                <a:solidFill>
-                  <a:srgbClr val="FF0000"/>
-                </a:solidFill>
-              </a:rPr>
-              <a:t>는 자신의 오라클 아이디와 비밀번호에 맞게 수정 </a:t>
-            </a:r>
-          </a:p>
-        </p:txBody>
-      </p:sp>
-      <p:grpSp>
-        <p:nvGrpSpPr>
-          <p:cNvPr id="46" name="그룹 45">
-            <a:extLst>
-              <a:ext uri="{FF2B5EF4-FFF2-40B4-BE49-F238E27FC236}">
-                <a16:creationId xmlns:a16="http://schemas.microsoft.com/office/drawing/2014/main" id="{05797723-4A32-45A2-9CD6-872AB64A7EFA}"/>
-              </a:ext>
-            </a:extLst>
-          </p:cNvPr>
-          <p:cNvGrpSpPr/>
-          <p:nvPr/>
-        </p:nvGrpSpPr>
-        <p:grpSpPr>
-          <a:xfrm>
-            <a:off x="6663658" y="2958965"/>
-            <a:ext cx="3057525" cy="1390650"/>
-            <a:chOff x="6663658" y="2082415"/>
-            <a:chExt cx="3057525" cy="1390650"/>
-          </a:xfrm>
-        </p:grpSpPr>
-        <p:pic>
-          <p:nvPicPr>
-            <p:cNvPr id="47" name="그림 46">
-              <a:extLst>
-                <a:ext uri="{FF2B5EF4-FFF2-40B4-BE49-F238E27FC236}">
-                  <a16:creationId xmlns:a16="http://schemas.microsoft.com/office/drawing/2014/main" id="{F9FB2E71-7794-4E2A-BF54-6C1272666D8F}"/>
-                </a:ext>
-              </a:extLst>
-            </p:cNvPr>
-            <p:cNvPicPr>
-              <a:picLocks noChangeAspect="1"/>
-            </p:cNvPicPr>
-            <p:nvPr/>
-          </p:nvPicPr>
-          <p:blipFill>
-            <a:blip r:embed="rId4"/>
-            <a:stretch>
-              <a:fillRect/>
-            </a:stretch>
-          </p:blipFill>
-          <p:spPr>
-            <a:xfrm>
-              <a:off x="6663658" y="2082415"/>
-              <a:ext cx="3057525" cy="1390650"/>
-            </a:xfrm>
-            <a:prstGeom prst="rect">
-              <a:avLst/>
-            </a:prstGeom>
-          </p:spPr>
-        </p:pic>
-        <p:sp>
-          <p:nvSpPr>
-            <p:cNvPr id="52" name="직사각형 51">
-              <a:extLst>
-                <a:ext uri="{FF2B5EF4-FFF2-40B4-BE49-F238E27FC236}">
-                  <a16:creationId xmlns:a16="http://schemas.microsoft.com/office/drawing/2014/main" id="{7AABFB41-5444-4BEB-8484-6611AD149678}"/>
-                </a:ext>
-              </a:extLst>
-            </p:cNvPr>
-            <p:cNvSpPr/>
-            <p:nvPr/>
-          </p:nvSpPr>
-          <p:spPr>
-            <a:xfrm>
-              <a:off x="7041232" y="2924944"/>
-              <a:ext cx="1348946" cy="216024"/>
-            </a:xfrm>
-            <a:prstGeom prst="rect">
-              <a:avLst/>
-            </a:prstGeom>
-            <a:noFill/>
-            <a:ln>
-              <a:solidFill>
-                <a:srgbClr val="FF0000"/>
-              </a:solidFill>
-            </a:ln>
-          </p:spPr>
-          <p:style>
-            <a:lnRef idx="2">
-              <a:schemeClr val="accent1">
-                <a:shade val="50000"/>
-              </a:schemeClr>
-            </a:lnRef>
-            <a:fillRef idx="1">
-              <a:schemeClr val="accent1"/>
-            </a:fillRef>
-            <a:effectRef idx="0">
-              <a:schemeClr val="accent1"/>
-            </a:effectRef>
-            <a:fontRef idx="minor">
-              <a:schemeClr val="lt1"/>
-            </a:fontRef>
-          </p:style>
-          <p:txBody>
-            <a:bodyPr rtlCol="0" anchor="ctr"/>
-            <a:lstStyle/>
-            <a:p>
-              <a:pPr algn="ctr"/>
-              <a:endParaRPr lang="ko-KR" altLang="en-US" dirty="0"/>
-            </a:p>
-          </p:txBody>
-        </p:sp>
-      </p:grpSp>
-      <p:grpSp>
-        <p:nvGrpSpPr>
-          <p:cNvPr id="23" name="그룹 22">
-            <a:extLst>
-              <a:ext uri="{FF2B5EF4-FFF2-40B4-BE49-F238E27FC236}">
-                <a16:creationId xmlns:a16="http://schemas.microsoft.com/office/drawing/2014/main" id="{023DD029-42DD-45DC-9C78-6EFA4A173051}"/>
-              </a:ext>
-            </a:extLst>
-          </p:cNvPr>
-          <p:cNvGrpSpPr/>
-          <p:nvPr/>
-        </p:nvGrpSpPr>
-        <p:grpSpPr>
-          <a:xfrm>
-            <a:off x="0" y="188639"/>
-            <a:ext cx="9906000" cy="729947"/>
-            <a:chOff x="0" y="188639"/>
-            <a:chExt cx="9906000" cy="729947"/>
-          </a:xfrm>
-        </p:grpSpPr>
-        <p:sp>
-          <p:nvSpPr>
-            <p:cNvPr id="24" name="직사각형 23">
-              <a:extLst>
-                <a:ext uri="{FF2B5EF4-FFF2-40B4-BE49-F238E27FC236}">
-                  <a16:creationId xmlns:a16="http://schemas.microsoft.com/office/drawing/2014/main" id="{909FA7F2-4249-4662-A2F8-37D4517716F6}"/>
-                </a:ext>
-              </a:extLst>
-            </p:cNvPr>
-            <p:cNvSpPr/>
-            <p:nvPr/>
-          </p:nvSpPr>
-          <p:spPr>
-            <a:xfrm>
-              <a:off x="0" y="824266"/>
-              <a:ext cx="9906000" cy="94320"/>
-            </a:xfrm>
-            <a:prstGeom prst="rect">
-              <a:avLst/>
-            </a:prstGeom>
-            <a:solidFill>
-              <a:srgbClr val="11264F"/>
-            </a:solidFill>
-            <a:ln>
-              <a:noFill/>
-            </a:ln>
-          </p:spPr>
-          <p:style>
-            <a:lnRef idx="2">
-              <a:schemeClr val="accent1">
-                <a:shade val="50000"/>
-              </a:schemeClr>
-            </a:lnRef>
-            <a:fillRef idx="1">
-              <a:schemeClr val="accent1"/>
-            </a:fillRef>
-            <a:effectRef idx="0">
-              <a:schemeClr val="accent1"/>
-            </a:effectRef>
-            <a:fontRef idx="minor">
-              <a:schemeClr val="lt1"/>
-            </a:fontRef>
-          </p:style>
-          <p:txBody>
-            <a:bodyPr rtlCol="0" anchor="ctr"/>
-            <a:lstStyle/>
-            <a:p>
-              <a:pPr algn="ctr"/>
-              <a:endParaRPr lang="ko-KR" altLang="en-US">
-                <a:latin typeface="+mn-ea"/>
-              </a:endParaRPr>
-            </a:p>
-          </p:txBody>
-        </p:sp>
-        <p:sp>
-          <p:nvSpPr>
-            <p:cNvPr id="25" name="제목 1">
-              <a:extLst>
-                <a:ext uri="{FF2B5EF4-FFF2-40B4-BE49-F238E27FC236}">
-                  <a16:creationId xmlns:a16="http://schemas.microsoft.com/office/drawing/2014/main" id="{A42505D8-3FA0-4D9A-893B-E9FF2B080EB8}"/>
-                </a:ext>
-              </a:extLst>
-            </p:cNvPr>
-            <p:cNvSpPr txBox="1">
-              <a:spLocks/>
-            </p:cNvSpPr>
-            <p:nvPr/>
-          </p:nvSpPr>
-          <p:spPr>
-            <a:xfrm>
-              <a:off x="3" y="188639"/>
-              <a:ext cx="8390175" cy="726759"/>
-            </a:xfrm>
-            <a:prstGeom prst="rect">
-              <a:avLst/>
-            </a:prstGeom>
-            <a:noFill/>
-            <a:ln>
-              <a:noFill/>
-            </a:ln>
-          </p:spPr>
-          <p:txBody>
-            <a:bodyPr vert="horz" wrap="square" lIns="90000" tIns="45000" rIns="90000" bIns="45000" anchor="ctr" anchorCtr="0"/>
-            <a:lstStyle>
-              <a:defPPr lvl="0">
-                <a:buSzPct val="45000"/>
-                <a:buFont typeface="StarSymbol"/>
-                <a:buNone/>
-                <a:defRPr/>
-              </a:defPPr>
-              <a:lvl1pPr lvl="0" algn="ctr" rtl="0" hangingPunct="1">
-                <a:spcBef>
-                  <a:spcPts val="0"/>
-                </a:spcBef>
-                <a:spcAft>
-                  <a:spcPts val="0"/>
-                </a:spcAft>
-                <a:buSzPct val="45000"/>
-                <a:buFont typeface="StarSymbol"/>
-                <a:buChar char="●"/>
-                <a:tabLst/>
-                <a:defRPr lang="ko-KR" sz="4400" b="0" i="0" u="none" strike="noStrike" kern="1200" spc="0">
-                  <a:ln>
-                    <a:noFill/>
-                  </a:ln>
-                  <a:solidFill>
-                    <a:srgbClr val="000000"/>
-                  </a:solidFill>
-                  <a:latin typeface="맑은 고딕" pitchFamily="18"/>
-                  <a:ea typeface="굴림" pitchFamily="2"/>
-                  <a:cs typeface="Arial" pitchFamily="2"/>
-                </a:defRPr>
-              </a:lvl1pPr>
-              <a:lvl2pPr lvl="1">
-                <a:buSzPct val="45000"/>
-                <a:buFont typeface="StarSymbol"/>
-                <a:buChar char="●"/>
-                <a:defRPr/>
-              </a:lvl2pPr>
-              <a:lvl3pPr lvl="2">
-                <a:buSzPct val="45000"/>
-                <a:buFont typeface="StarSymbol"/>
-                <a:buChar char="●"/>
-                <a:defRPr/>
-              </a:lvl3pPr>
-              <a:lvl4pPr lvl="3">
-                <a:buSzPct val="45000"/>
-                <a:buFont typeface="StarSymbol"/>
-                <a:buChar char="●"/>
-                <a:defRPr/>
-              </a:lvl4pPr>
-              <a:lvl5pPr lvl="4">
-                <a:buSzPct val="45000"/>
-                <a:buFont typeface="StarSymbol"/>
-                <a:buChar char="●"/>
-                <a:defRPr/>
-              </a:lvl5pPr>
-              <a:lvl6pPr lvl="5">
-                <a:buSzPct val="45000"/>
-                <a:buFont typeface="StarSymbol"/>
-                <a:buChar char="●"/>
-                <a:defRPr/>
-              </a:lvl6pPr>
-              <a:lvl7pPr lvl="6">
-                <a:buSzPct val="45000"/>
-                <a:buFont typeface="StarSymbol"/>
-                <a:buChar char="●"/>
-                <a:defRPr/>
-              </a:lvl7pPr>
-              <a:lvl8pPr lvl="7">
-                <a:buSzPct val="45000"/>
-                <a:buFont typeface="StarSymbol"/>
-                <a:buChar char="●"/>
-                <a:defRPr/>
-              </a:lvl8pPr>
-              <a:lvl9pPr lvl="8">
-                <a:buSzPct val="45000"/>
-                <a:buFont typeface="StarSymbol"/>
-                <a:buChar char="●"/>
-                <a:defRPr/>
-              </a:lvl9pPr>
-            </a:lstStyle>
-            <a:p>
-              <a:pPr algn="l" latinLnBrk="0">
-                <a:buFont typeface="StarSymbol"/>
-                <a:buNone/>
-              </a:pPr>
-              <a:r>
-                <a:rPr lang="ko-KR" altLang="en-US" sz="2000" b="1" dirty="0">
-                  <a:solidFill>
-                    <a:srgbClr val="11264F"/>
-                  </a:solidFill>
-                  <a:latin typeface="+mn-ea"/>
-                  <a:ea typeface="+mn-ea"/>
-                </a:rPr>
-                <a:t> </a:t>
-              </a:r>
-              <a:r>
-                <a:rPr lang="en-US" altLang="ko-KR" sz="2000" b="1" dirty="0">
-                  <a:solidFill>
-                    <a:srgbClr val="DDDDDD"/>
-                  </a:solidFill>
-                  <a:latin typeface="+mn-ea"/>
-                  <a:ea typeface="+mn-ea"/>
-                </a:rPr>
-                <a:t>01</a:t>
-              </a:r>
-              <a:r>
-                <a:rPr lang="en-US" altLang="ko-KR" sz="2000" b="1" dirty="0">
-                  <a:solidFill>
-                    <a:srgbClr val="11264F"/>
-                  </a:solidFill>
-                  <a:latin typeface="+mn-ea"/>
-                  <a:ea typeface="+mn-ea"/>
-                </a:rPr>
-                <a:t>  02</a:t>
-              </a:r>
-              <a:r>
-                <a:rPr lang="en-US" altLang="ko-KR" sz="2000" b="1" dirty="0">
-                  <a:solidFill>
-                    <a:schemeClr val="bg1">
-                      <a:lumMod val="75000"/>
-                    </a:schemeClr>
-                  </a:solidFill>
-                  <a:latin typeface="+mn-ea"/>
-                  <a:ea typeface="+mn-ea"/>
-                </a:rPr>
-                <a:t> </a:t>
-              </a:r>
-              <a:r>
-                <a:rPr lang="ko-KR" altLang="en-US" sz="2000" b="1" dirty="0">
-                  <a:solidFill>
-                    <a:srgbClr val="11264F"/>
-                  </a:solidFill>
-                  <a:latin typeface="+mn-ea"/>
-                  <a:ea typeface="+mn-ea"/>
-                </a:rPr>
-                <a:t>이클립스 </a:t>
-              </a:r>
-              <a:r>
-                <a:rPr lang="en-US" altLang="ko-KR" sz="2000" b="1" dirty="0">
-                  <a:solidFill>
-                    <a:srgbClr val="11264F"/>
-                  </a:solidFill>
-                  <a:latin typeface="+mn-ea"/>
-                  <a:ea typeface="+mn-ea"/>
-                </a:rPr>
-                <a:t>– DBCP </a:t>
-              </a:r>
-              <a:r>
-                <a:rPr lang="ko-KR" altLang="en-US" sz="2000" b="1" dirty="0">
-                  <a:solidFill>
-                    <a:srgbClr val="11264F"/>
-                  </a:solidFill>
-                  <a:latin typeface="+mn-ea"/>
-                  <a:ea typeface="+mn-ea"/>
-                </a:rPr>
-                <a:t>설정  </a:t>
-              </a:r>
-              <a:r>
-                <a:rPr lang="en-US" altLang="ko-KR" sz="2000" b="1" dirty="0">
-                  <a:solidFill>
-                    <a:schemeClr val="bg1">
-                      <a:lumMod val="75000"/>
-                    </a:schemeClr>
-                  </a:solidFill>
-                  <a:latin typeface="+mn-ea"/>
-                  <a:ea typeface="+mn-ea"/>
-                </a:rPr>
-                <a:t>03</a:t>
-              </a:r>
-              <a:endParaRPr lang="en-US" sz="2000" b="1" dirty="0">
-                <a:solidFill>
-                  <a:schemeClr val="bg1">
-                    <a:lumMod val="75000"/>
-                  </a:schemeClr>
-                </a:solidFill>
-                <a:latin typeface="+mn-ea"/>
-                <a:ea typeface="+mn-ea"/>
-              </a:endParaRPr>
-            </a:p>
-          </p:txBody>
-        </p:sp>
-        <p:grpSp>
-          <p:nvGrpSpPr>
-            <p:cNvPr id="26" name="그룹 25">
-              <a:extLst>
-                <a:ext uri="{FF2B5EF4-FFF2-40B4-BE49-F238E27FC236}">
-                  <a16:creationId xmlns:a16="http://schemas.microsoft.com/office/drawing/2014/main" id="{0D374E5B-D01C-4ED2-B56B-D5E27AF6D233}"/>
-                </a:ext>
-              </a:extLst>
-            </p:cNvPr>
-            <p:cNvGrpSpPr/>
-            <p:nvPr/>
-          </p:nvGrpSpPr>
-          <p:grpSpPr>
-            <a:xfrm>
-              <a:off x="8265368" y="497933"/>
-              <a:ext cx="1640632" cy="417466"/>
-              <a:chOff x="8265368" y="497933"/>
-              <a:chExt cx="1640632" cy="417466"/>
-            </a:xfrm>
-          </p:grpSpPr>
-          <p:sp>
-            <p:nvSpPr>
-              <p:cNvPr id="27" name="이등변 삼각형 26">
-                <a:extLst>
-                  <a:ext uri="{FF2B5EF4-FFF2-40B4-BE49-F238E27FC236}">
-                    <a16:creationId xmlns:a16="http://schemas.microsoft.com/office/drawing/2014/main" id="{5AD61AE9-6B6C-4C36-B40D-8C6D5363F525}"/>
-                  </a:ext>
-                </a:extLst>
-              </p:cNvPr>
-              <p:cNvSpPr/>
-              <p:nvPr/>
-            </p:nvSpPr>
-            <p:spPr>
-              <a:xfrm>
-                <a:off x="8265368" y="497933"/>
-                <a:ext cx="432048" cy="326333"/>
-              </a:xfrm>
-              <a:prstGeom prst="triangle">
-                <a:avLst/>
-              </a:prstGeom>
-              <a:solidFill>
-                <a:srgbClr val="11264F"/>
-              </a:solidFill>
-              <a:ln>
-                <a:noFill/>
-              </a:ln>
-            </p:spPr>
-            <p:style>
-              <a:lnRef idx="2">
-                <a:schemeClr val="accent1">
-                  <a:shade val="50000"/>
-                </a:schemeClr>
-              </a:lnRef>
-              <a:fillRef idx="1">
-                <a:schemeClr val="accent1"/>
-              </a:fillRef>
-              <a:effectRef idx="0">
-                <a:schemeClr val="accent1"/>
-              </a:effectRef>
-              <a:fontRef idx="minor">
-                <a:schemeClr val="lt1"/>
-              </a:fontRef>
-            </p:style>
-            <p:txBody>
-              <a:bodyPr rtlCol="0" anchor="ctr"/>
-              <a:lstStyle/>
-              <a:p>
-                <a:pPr algn="ctr"/>
-                <a:endParaRPr lang="ko-KR" altLang="en-US">
-                  <a:latin typeface="+mn-ea"/>
-                </a:endParaRPr>
-              </a:p>
-            </p:txBody>
-          </p:sp>
-          <p:sp>
-            <p:nvSpPr>
-              <p:cNvPr id="28" name="직사각형 27">
-                <a:extLst>
-                  <a:ext uri="{FF2B5EF4-FFF2-40B4-BE49-F238E27FC236}">
-                    <a16:creationId xmlns:a16="http://schemas.microsoft.com/office/drawing/2014/main" id="{00DB18D9-1EA1-4288-947E-54B5A0421E70}"/>
-                  </a:ext>
-                </a:extLst>
-              </p:cNvPr>
-              <p:cNvSpPr/>
-              <p:nvPr/>
-            </p:nvSpPr>
-            <p:spPr>
-              <a:xfrm>
-                <a:off x="8481392" y="497933"/>
-                <a:ext cx="1424608" cy="373493"/>
-              </a:xfrm>
-              <a:prstGeom prst="rect">
-                <a:avLst/>
-              </a:prstGeom>
-              <a:solidFill>
-                <a:srgbClr val="11264F"/>
-              </a:solidFill>
-              <a:ln>
-                <a:noFill/>
-              </a:ln>
-            </p:spPr>
-            <p:style>
-              <a:lnRef idx="2">
-                <a:schemeClr val="accent1">
-                  <a:shade val="50000"/>
-                </a:schemeClr>
-              </a:lnRef>
-              <a:fillRef idx="1">
-                <a:schemeClr val="accent1"/>
-              </a:fillRef>
-              <a:effectRef idx="0">
-                <a:schemeClr val="accent1"/>
-              </a:effectRef>
-              <a:fontRef idx="minor">
-                <a:schemeClr val="lt1"/>
-              </a:fontRef>
-            </p:style>
-            <p:txBody>
-              <a:bodyPr rtlCol="0" anchor="ctr"/>
-              <a:lstStyle/>
-              <a:p>
-                <a:pPr algn="ctr"/>
-                <a:endParaRPr lang="ko-KR" altLang="en-US">
-                  <a:latin typeface="+mn-ea"/>
-                </a:endParaRPr>
-              </a:p>
-            </p:txBody>
-          </p:sp>
-          <p:sp>
-            <p:nvSpPr>
-              <p:cNvPr id="29" name="직사각형 28">
-                <a:extLst>
-                  <a:ext uri="{FF2B5EF4-FFF2-40B4-BE49-F238E27FC236}">
-                    <a16:creationId xmlns:a16="http://schemas.microsoft.com/office/drawing/2014/main" id="{B3E23448-4C84-42CA-AE87-2ADEBB364CF5}"/>
-                  </a:ext>
-                </a:extLst>
-              </p:cNvPr>
-              <p:cNvSpPr/>
-              <p:nvPr/>
-            </p:nvSpPr>
-            <p:spPr>
-              <a:xfrm>
-                <a:off x="8711636" y="515289"/>
-                <a:ext cx="975267" cy="400110"/>
-              </a:xfrm>
-              <a:prstGeom prst="rect">
-                <a:avLst/>
-              </a:prstGeom>
-            </p:spPr>
-            <p:txBody>
-              <a:bodyPr wrap="none">
-                <a:spAutoFit/>
-              </a:bodyPr>
-              <a:lstStyle/>
-              <a:p>
-                <a:pPr latinLnBrk="0">
-                  <a:buFont typeface="StarSymbol"/>
-                  <a:buNone/>
-                </a:pPr>
-                <a:r>
-                  <a:rPr lang="en-US" altLang="ko-KR" b="1" dirty="0">
-                    <a:solidFill>
-                      <a:srgbClr val="FFCC00"/>
-                    </a:solidFill>
-                    <a:latin typeface="+mn-ea"/>
-                  </a:rPr>
-                  <a:t>Team3</a:t>
-                </a:r>
-              </a:p>
-            </p:txBody>
-          </p:sp>
-        </p:grpSp>
-      </p:grpSp>
-    </p:spTree>
-    <p:extLst>
-      <p:ext uri="{BB962C8B-B14F-4D97-AF65-F5344CB8AC3E}">
-        <p14:creationId xmlns:p14="http://schemas.microsoft.com/office/powerpoint/2010/main" val="3137505136"/>
-      </p:ext>
-    </p:extLst>
-  </p:cSld>
-  <p:clrMapOvr>
-    <a:masterClrMapping/>
-  </p:clrMapOvr>
-</p:sld>
-</file>
-
-<file path=ppt/slides/slide9.xml><?xml version="1.0" encoding="utf-8"?>
-<p:sld xmlns:a="http://schemas.openxmlformats.org/drawingml/2006/main" xmlns:r="http://schemas.openxmlformats.org/officeDocument/2006/relationships" xmlns:p="http://schemas.openxmlformats.org/presentationml/2006/main">
-  <p:cSld>
-    <p:spTree>
-      <p:nvGrpSpPr>
-        <p:cNvPr id="1" name=""/>
-        <p:cNvGrpSpPr/>
-        <p:nvPr/>
-      </p:nvGrpSpPr>
-      <p:grpSpPr>
-        <a:xfrm>
-          <a:off x="0" y="0"/>
-          <a:ext cx="0" cy="0"/>
-          <a:chOff x="0" y="0"/>
-          <a:chExt cx="0" cy="0"/>
-        </a:xfrm>
-      </p:grpSpPr>
-      <p:pic>
-        <p:nvPicPr>
-          <p:cNvPr id="7" name="그림 6">
-            <a:extLst>
-              <a:ext uri="{FF2B5EF4-FFF2-40B4-BE49-F238E27FC236}">
-                <a16:creationId xmlns:a16="http://schemas.microsoft.com/office/drawing/2014/main" id="{4080F042-9E10-4B8F-90FE-B73873EF20CA}"/>
-              </a:ext>
-            </a:extLst>
-          </p:cNvPr>
-          <p:cNvPicPr>
-            <a:picLocks noChangeAspect="1"/>
-          </p:cNvPicPr>
-          <p:nvPr/>
-        </p:nvPicPr>
-        <p:blipFill>
-          <a:blip r:embed="rId3"/>
-          <a:stretch>
-            <a:fillRect/>
-          </a:stretch>
-        </p:blipFill>
-        <p:spPr>
-          <a:xfrm>
-            <a:off x="964332" y="2204864"/>
-            <a:ext cx="7977336" cy="4293096"/>
-          </a:xfrm>
-          <a:prstGeom prst="rect">
-            <a:avLst/>
-          </a:prstGeom>
-        </p:spPr>
-      </p:pic>
-      <p:sp>
-        <p:nvSpPr>
-          <p:cNvPr id="8" name="TextBox 7">
-            <a:extLst>
-              <a:ext uri="{FF2B5EF4-FFF2-40B4-BE49-F238E27FC236}">
-                <a16:creationId xmlns:a16="http://schemas.microsoft.com/office/drawing/2014/main" id="{902D13D8-6138-4FE4-8D22-4ACDB86554E1}"/>
-              </a:ext>
-            </a:extLst>
-          </p:cNvPr>
-          <p:cNvSpPr txBox="1"/>
-          <p:nvPr/>
-        </p:nvSpPr>
-        <p:spPr>
-          <a:xfrm>
-            <a:off x="344488" y="1101380"/>
-            <a:ext cx="9217024" cy="861774"/>
-          </a:xfrm>
-          <a:prstGeom prst="rect">
-            <a:avLst/>
-          </a:prstGeom>
-          <a:noFill/>
-        </p:spPr>
-        <p:txBody>
-          <a:bodyPr wrap="square" rtlCol="0">
-            <a:spAutoFit/>
-          </a:bodyPr>
-          <a:lstStyle/>
-          <a:p>
-            <a:pPr latinLnBrk="1"/>
-            <a:r>
-              <a:rPr lang="en-US" altLang="ko-KR" sz="1500" b="1" dirty="0">
-                <a:solidFill>
-                  <a:srgbClr val="11264F"/>
-                </a:solidFill>
-              </a:rPr>
-              <a:t>7. </a:t>
-            </a:r>
-            <a:r>
-              <a:rPr lang="ko-KR" altLang="en-US" sz="1500" b="1" dirty="0">
-                <a:solidFill>
-                  <a:srgbClr val="11264F"/>
-                </a:solidFill>
-              </a:rPr>
-              <a:t>위의 세팅을 하고 </a:t>
-            </a:r>
-            <a:r>
-              <a:rPr lang="en-US" altLang="ko-KR" sz="1500" b="1" dirty="0" err="1">
-                <a:solidFill>
-                  <a:srgbClr val="11264F"/>
-                </a:solidFill>
-              </a:rPr>
-              <a:t>login.jsp</a:t>
-            </a:r>
-            <a:r>
-              <a:rPr lang="ko-KR" altLang="en-US" sz="1500" b="1" dirty="0">
-                <a:solidFill>
-                  <a:srgbClr val="11264F"/>
-                </a:solidFill>
-              </a:rPr>
-              <a:t>를 켜서 </a:t>
-            </a:r>
-            <a:r>
-              <a:rPr lang="en-US" altLang="ko-KR" sz="1500" b="1" dirty="0">
-                <a:solidFill>
-                  <a:srgbClr val="11264F"/>
-                </a:solidFill>
-              </a:rPr>
-              <a:t>Ctrl + F11</a:t>
-            </a:r>
-            <a:r>
-              <a:rPr lang="ko-KR" altLang="en-US" sz="1500" b="1" dirty="0">
-                <a:solidFill>
-                  <a:srgbClr val="11264F"/>
-                </a:solidFill>
-              </a:rPr>
-              <a:t>을 눌러 실행하면 아래와 같은 화면이 출력</a:t>
-            </a:r>
-            <a:endParaRPr lang="en-US" altLang="ko-KR" sz="1500" b="1" dirty="0">
-              <a:solidFill>
-                <a:srgbClr val="11264F"/>
-              </a:solidFill>
-            </a:endParaRPr>
-          </a:p>
-          <a:p>
-            <a:pPr latinLnBrk="1"/>
-            <a:endParaRPr lang="en-US" altLang="ko-KR" sz="500" b="1" dirty="0">
-              <a:solidFill>
-                <a:srgbClr val="11264F"/>
-              </a:solidFill>
-            </a:endParaRPr>
-          </a:p>
-          <a:p>
-            <a:pPr latinLnBrk="1"/>
-            <a:r>
-              <a:rPr lang="ko-KR" altLang="en-US" sz="1500" b="1" dirty="0">
-                <a:solidFill>
-                  <a:srgbClr val="C00000"/>
-                </a:solidFill>
-              </a:rPr>
-              <a:t>관리자사이트</a:t>
-            </a:r>
-            <a:r>
-              <a:rPr lang="en-US" altLang="ko-KR" sz="1500" b="1" dirty="0">
-                <a:solidFill>
-                  <a:srgbClr val="C00000"/>
-                </a:solidFill>
-              </a:rPr>
-              <a:t>) </a:t>
-            </a:r>
-            <a:r>
-              <a:rPr lang="ko-KR" altLang="en-US" sz="1500" b="1" dirty="0">
-                <a:solidFill>
-                  <a:srgbClr val="C00000"/>
-                </a:solidFill>
-              </a:rPr>
-              <a:t>관리자 아이디 </a:t>
-            </a:r>
-            <a:r>
-              <a:rPr lang="en-US" altLang="ko-KR" sz="1500" b="1" dirty="0">
-                <a:solidFill>
-                  <a:srgbClr val="C00000"/>
-                </a:solidFill>
-              </a:rPr>
-              <a:t>11111111 / </a:t>
-            </a:r>
-            <a:r>
-              <a:rPr lang="ko-KR" altLang="en-US" sz="1500" b="1" dirty="0">
-                <a:solidFill>
-                  <a:srgbClr val="C00000"/>
-                </a:solidFill>
-              </a:rPr>
-              <a:t>비밀번호 </a:t>
-            </a:r>
-            <a:r>
-              <a:rPr lang="en-US" altLang="ko-KR" sz="1500" b="1" dirty="0">
-                <a:solidFill>
-                  <a:srgbClr val="C00000"/>
-                </a:solidFill>
-              </a:rPr>
-              <a:t>test</a:t>
-            </a:r>
-          </a:p>
-          <a:p>
-            <a:pPr latinLnBrk="1"/>
-            <a:r>
-              <a:rPr lang="ko-KR" altLang="en-US" sz="1500" b="1" dirty="0">
-                <a:solidFill>
-                  <a:srgbClr val="C00000"/>
-                </a:solidFill>
-              </a:rPr>
-              <a:t>학생사이트</a:t>
-            </a:r>
-            <a:r>
-              <a:rPr lang="en-US" altLang="ko-KR" sz="1500" b="1" dirty="0">
-                <a:solidFill>
-                  <a:srgbClr val="C00000"/>
-                </a:solidFill>
-              </a:rPr>
-              <a:t>) </a:t>
-            </a:r>
-            <a:r>
-              <a:rPr lang="ko-KR" altLang="en-US" sz="1500" b="1" dirty="0">
-                <a:solidFill>
-                  <a:srgbClr val="C00000"/>
-                </a:solidFill>
-              </a:rPr>
-              <a:t>학생 아이디 </a:t>
-            </a:r>
-            <a:r>
-              <a:rPr lang="en-US" altLang="ko-KR" sz="1500" b="1" dirty="0">
-                <a:solidFill>
-                  <a:srgbClr val="C00000"/>
-                </a:solidFill>
-              </a:rPr>
-              <a:t>20201350 / </a:t>
-            </a:r>
-            <a:r>
-              <a:rPr lang="ko-KR" altLang="en-US" sz="1500" b="1" dirty="0">
-                <a:solidFill>
-                  <a:srgbClr val="C00000"/>
-                </a:solidFill>
-              </a:rPr>
-              <a:t>비밀번호 </a:t>
-            </a:r>
-            <a:r>
-              <a:rPr lang="en-US" altLang="ko-KR" sz="1500" b="1" dirty="0">
-                <a:solidFill>
-                  <a:srgbClr val="C00000"/>
-                </a:solidFill>
-              </a:rPr>
-              <a:t>test</a:t>
-            </a:r>
-            <a:endParaRPr lang="ko-KR" altLang="en-US" sz="1500" b="1" dirty="0">
-              <a:solidFill>
-                <a:srgbClr val="C00000"/>
-              </a:solidFill>
-            </a:endParaRPr>
-          </a:p>
-        </p:txBody>
-      </p:sp>
-      <p:grpSp>
-        <p:nvGrpSpPr>
-          <p:cNvPr id="11" name="그룹 10">
-            <a:extLst>
-              <a:ext uri="{FF2B5EF4-FFF2-40B4-BE49-F238E27FC236}">
-                <a16:creationId xmlns:a16="http://schemas.microsoft.com/office/drawing/2014/main" id="{7DCE129A-4E56-4BB1-A30F-F31FEE69DF35}"/>
-              </a:ext>
-            </a:extLst>
-          </p:cNvPr>
-          <p:cNvGrpSpPr/>
-          <p:nvPr/>
-        </p:nvGrpSpPr>
-        <p:grpSpPr>
-          <a:xfrm>
-            <a:off x="0" y="188639"/>
-            <a:ext cx="9906000" cy="729947"/>
-            <a:chOff x="0" y="188639"/>
-            <a:chExt cx="9906000" cy="729947"/>
-          </a:xfrm>
-        </p:grpSpPr>
-        <p:sp>
-          <p:nvSpPr>
-            <p:cNvPr id="12" name="직사각형 11">
-              <a:extLst>
-                <a:ext uri="{FF2B5EF4-FFF2-40B4-BE49-F238E27FC236}">
-                  <a16:creationId xmlns:a16="http://schemas.microsoft.com/office/drawing/2014/main" id="{DD9C3021-FB89-41E5-95D7-611349D5BB64}"/>
-                </a:ext>
-              </a:extLst>
-            </p:cNvPr>
-            <p:cNvSpPr/>
-            <p:nvPr/>
-          </p:nvSpPr>
-          <p:spPr>
-            <a:xfrm>
-              <a:off x="0" y="824266"/>
-              <a:ext cx="9906000" cy="94320"/>
-            </a:xfrm>
-            <a:prstGeom prst="rect">
-              <a:avLst/>
-            </a:prstGeom>
-            <a:solidFill>
-              <a:srgbClr val="11264F"/>
-            </a:solidFill>
-            <a:ln>
-              <a:noFill/>
-            </a:ln>
-          </p:spPr>
-          <p:style>
-            <a:lnRef idx="2">
-              <a:schemeClr val="accent1">
-                <a:shade val="50000"/>
-              </a:schemeClr>
-            </a:lnRef>
-            <a:fillRef idx="1">
-              <a:schemeClr val="accent1"/>
-            </a:fillRef>
-            <a:effectRef idx="0">
-              <a:schemeClr val="accent1"/>
-            </a:effectRef>
-            <a:fontRef idx="minor">
-              <a:schemeClr val="lt1"/>
-            </a:fontRef>
-          </p:style>
-          <p:txBody>
-            <a:bodyPr rtlCol="0" anchor="ctr"/>
-            <a:lstStyle/>
-            <a:p>
-              <a:pPr algn="ctr"/>
-              <a:endParaRPr lang="ko-KR" altLang="en-US">
-                <a:latin typeface="+mn-ea"/>
-              </a:endParaRPr>
-            </a:p>
-          </p:txBody>
-        </p:sp>
-        <p:sp>
-          <p:nvSpPr>
-            <p:cNvPr id="13" name="제목 1">
-              <a:extLst>
-                <a:ext uri="{FF2B5EF4-FFF2-40B4-BE49-F238E27FC236}">
-                  <a16:creationId xmlns:a16="http://schemas.microsoft.com/office/drawing/2014/main" id="{220D6916-D4DC-4763-82CC-92309465EA89}"/>
-                </a:ext>
-              </a:extLst>
-            </p:cNvPr>
-            <p:cNvSpPr txBox="1">
-              <a:spLocks/>
-            </p:cNvSpPr>
-            <p:nvPr/>
-          </p:nvSpPr>
-          <p:spPr>
-            <a:xfrm>
-              <a:off x="3" y="188639"/>
-              <a:ext cx="8390175" cy="726759"/>
-            </a:xfrm>
-            <a:prstGeom prst="rect">
-              <a:avLst/>
-            </a:prstGeom>
-            <a:noFill/>
-            <a:ln>
-              <a:noFill/>
-            </a:ln>
-          </p:spPr>
-          <p:txBody>
-            <a:bodyPr vert="horz" wrap="square" lIns="90000" tIns="45000" rIns="90000" bIns="45000" anchor="ctr" anchorCtr="0"/>
-            <a:lstStyle>
-              <a:defPPr lvl="0">
-                <a:buSzPct val="45000"/>
-                <a:buFont typeface="StarSymbol"/>
-                <a:buNone/>
-                <a:defRPr/>
-              </a:defPPr>
-              <a:lvl1pPr lvl="0" algn="ctr" rtl="0" hangingPunct="1">
-                <a:spcBef>
-                  <a:spcPts val="0"/>
-                </a:spcBef>
-                <a:spcAft>
-                  <a:spcPts val="0"/>
-                </a:spcAft>
-                <a:buSzPct val="45000"/>
-                <a:buFont typeface="StarSymbol"/>
-                <a:buChar char="●"/>
-                <a:tabLst/>
-                <a:defRPr lang="ko-KR" sz="4400" b="0" i="0" u="none" strike="noStrike" kern="1200" spc="0">
-                  <a:ln>
-                    <a:noFill/>
-                  </a:ln>
-                  <a:solidFill>
-                    <a:srgbClr val="000000"/>
-                  </a:solidFill>
-                  <a:latin typeface="맑은 고딕" pitchFamily="18"/>
-                  <a:ea typeface="굴림" pitchFamily="2"/>
-                  <a:cs typeface="Arial" pitchFamily="2"/>
-                </a:defRPr>
-              </a:lvl1pPr>
-              <a:lvl2pPr lvl="1">
-                <a:buSzPct val="45000"/>
-                <a:buFont typeface="StarSymbol"/>
-                <a:buChar char="●"/>
-                <a:defRPr/>
-              </a:lvl2pPr>
-              <a:lvl3pPr lvl="2">
-                <a:buSzPct val="45000"/>
-                <a:buFont typeface="StarSymbol"/>
-                <a:buChar char="●"/>
-                <a:defRPr/>
-              </a:lvl3pPr>
-              <a:lvl4pPr lvl="3">
-                <a:buSzPct val="45000"/>
-                <a:buFont typeface="StarSymbol"/>
-                <a:buChar char="●"/>
-                <a:defRPr/>
-              </a:lvl4pPr>
-              <a:lvl5pPr lvl="4">
-                <a:buSzPct val="45000"/>
-                <a:buFont typeface="StarSymbol"/>
-                <a:buChar char="●"/>
-                <a:defRPr/>
-              </a:lvl5pPr>
-              <a:lvl6pPr lvl="5">
-                <a:buSzPct val="45000"/>
-                <a:buFont typeface="StarSymbol"/>
-                <a:buChar char="●"/>
-                <a:defRPr/>
-              </a:lvl6pPr>
-              <a:lvl7pPr lvl="6">
-                <a:buSzPct val="45000"/>
-                <a:buFont typeface="StarSymbol"/>
-                <a:buChar char="●"/>
-                <a:defRPr/>
-              </a:lvl7pPr>
-              <a:lvl8pPr lvl="7">
-                <a:buSzPct val="45000"/>
-                <a:buFont typeface="StarSymbol"/>
-                <a:buChar char="●"/>
-                <a:defRPr/>
-              </a:lvl8pPr>
-              <a:lvl9pPr lvl="8">
-                <a:buSzPct val="45000"/>
-                <a:buFont typeface="StarSymbol"/>
-                <a:buChar char="●"/>
-                <a:defRPr/>
-              </a:lvl9pPr>
-            </a:lstStyle>
-            <a:p>
-              <a:pPr algn="l" latinLnBrk="0">
-                <a:buFont typeface="StarSymbol"/>
-                <a:buNone/>
-              </a:pPr>
-              <a:r>
-                <a:rPr lang="ko-KR" altLang="en-US" sz="2000" b="1" dirty="0">
-                  <a:solidFill>
-                    <a:srgbClr val="11264F"/>
-                  </a:solidFill>
-                  <a:latin typeface="+mn-ea"/>
-                  <a:ea typeface="+mn-ea"/>
-                </a:rPr>
-                <a:t> </a:t>
-              </a:r>
-              <a:r>
-                <a:rPr lang="en-US" altLang="ko-KR" sz="2000" b="1" dirty="0">
-                  <a:solidFill>
-                    <a:srgbClr val="DDDDDD"/>
-                  </a:solidFill>
-                  <a:latin typeface="+mn-ea"/>
-                  <a:ea typeface="+mn-ea"/>
-                </a:rPr>
-                <a:t>01</a:t>
-              </a:r>
-              <a:r>
-                <a:rPr lang="en-US" altLang="ko-KR" sz="2000" b="1" dirty="0">
-                  <a:solidFill>
-                    <a:srgbClr val="11264F"/>
-                  </a:solidFill>
-                  <a:latin typeface="+mn-ea"/>
-                  <a:ea typeface="+mn-ea"/>
-                </a:rPr>
-                <a:t>  02</a:t>
-              </a:r>
-              <a:r>
-                <a:rPr lang="en-US" altLang="ko-KR" sz="2000" b="1" dirty="0">
-                  <a:solidFill>
-                    <a:schemeClr val="bg1">
-                      <a:lumMod val="75000"/>
-                    </a:schemeClr>
-                  </a:solidFill>
-                  <a:latin typeface="+mn-ea"/>
-                  <a:ea typeface="+mn-ea"/>
-                </a:rPr>
-                <a:t> </a:t>
-              </a:r>
-              <a:r>
-                <a:rPr lang="ko-KR" altLang="en-US" sz="2000" b="1" dirty="0">
-                  <a:solidFill>
-                    <a:srgbClr val="11264F"/>
-                  </a:solidFill>
-                  <a:latin typeface="+mn-ea"/>
-                  <a:ea typeface="+mn-ea"/>
-                </a:rPr>
-                <a:t>이클립스 </a:t>
-              </a:r>
-              <a:r>
-                <a:rPr lang="en-US" altLang="ko-KR" sz="2000" b="1" dirty="0">
-                  <a:solidFill>
-                    <a:srgbClr val="11264F"/>
-                  </a:solidFill>
-                  <a:latin typeface="+mn-ea"/>
-                  <a:ea typeface="+mn-ea"/>
-                </a:rPr>
-                <a:t>– </a:t>
-              </a:r>
-              <a:r>
-                <a:rPr lang="ko-KR" altLang="en-US" sz="2000" b="1" dirty="0">
-                  <a:solidFill>
-                    <a:srgbClr val="11264F"/>
-                  </a:solidFill>
-                  <a:latin typeface="+mn-ea"/>
-                  <a:ea typeface="+mn-ea"/>
-                </a:rPr>
-                <a:t>실행  </a:t>
-              </a:r>
-              <a:r>
-                <a:rPr lang="en-US" altLang="ko-KR" sz="2000" b="1" dirty="0">
-                  <a:solidFill>
-                    <a:schemeClr val="bg1">
-                      <a:lumMod val="75000"/>
-                    </a:schemeClr>
-                  </a:solidFill>
-                  <a:latin typeface="+mn-ea"/>
-                  <a:ea typeface="+mn-ea"/>
-                </a:rPr>
-                <a:t>03</a:t>
-              </a:r>
-              <a:endParaRPr lang="en-US" sz="2000" b="1" dirty="0">
-                <a:solidFill>
-                  <a:schemeClr val="bg1">
-                    <a:lumMod val="75000"/>
-                  </a:schemeClr>
-                </a:solidFill>
-                <a:latin typeface="+mn-ea"/>
-                <a:ea typeface="+mn-ea"/>
-              </a:endParaRPr>
-            </a:p>
-          </p:txBody>
-        </p:sp>
-        <p:grpSp>
-          <p:nvGrpSpPr>
-            <p:cNvPr id="14" name="그룹 13">
-              <a:extLst>
-                <a:ext uri="{FF2B5EF4-FFF2-40B4-BE49-F238E27FC236}">
-                  <a16:creationId xmlns:a16="http://schemas.microsoft.com/office/drawing/2014/main" id="{A5A195F8-3B2C-441C-96CA-1BF278BAB17D}"/>
-                </a:ext>
-              </a:extLst>
-            </p:cNvPr>
-            <p:cNvGrpSpPr/>
-            <p:nvPr/>
-          </p:nvGrpSpPr>
-          <p:grpSpPr>
-            <a:xfrm>
-              <a:off x="8265368" y="497933"/>
-              <a:ext cx="1640632" cy="417466"/>
-              <a:chOff x="8265368" y="497933"/>
-              <a:chExt cx="1640632" cy="417466"/>
-            </a:xfrm>
-          </p:grpSpPr>
-          <p:sp>
-            <p:nvSpPr>
-              <p:cNvPr id="15" name="이등변 삼각형 14">
-                <a:extLst>
-                  <a:ext uri="{FF2B5EF4-FFF2-40B4-BE49-F238E27FC236}">
-                    <a16:creationId xmlns:a16="http://schemas.microsoft.com/office/drawing/2014/main" id="{EF2B13C9-7693-4A0C-A1FE-A347E57E74C7}"/>
-                  </a:ext>
-                </a:extLst>
-              </p:cNvPr>
-              <p:cNvSpPr/>
-              <p:nvPr/>
-            </p:nvSpPr>
-            <p:spPr>
-              <a:xfrm>
-                <a:off x="8265368" y="497933"/>
-                <a:ext cx="432048" cy="326333"/>
-              </a:xfrm>
-              <a:prstGeom prst="triangle">
-                <a:avLst/>
-              </a:prstGeom>
-              <a:solidFill>
-                <a:srgbClr val="11264F"/>
-              </a:solidFill>
-              <a:ln>
-                <a:noFill/>
-              </a:ln>
-            </p:spPr>
-            <p:style>
-              <a:lnRef idx="2">
-                <a:schemeClr val="accent1">
-                  <a:shade val="50000"/>
-                </a:schemeClr>
-              </a:lnRef>
-              <a:fillRef idx="1">
-                <a:schemeClr val="accent1"/>
-              </a:fillRef>
-              <a:effectRef idx="0">
-                <a:schemeClr val="accent1"/>
-              </a:effectRef>
-              <a:fontRef idx="minor">
-                <a:schemeClr val="lt1"/>
-              </a:fontRef>
-            </p:style>
-            <p:txBody>
-              <a:bodyPr rtlCol="0" anchor="ctr"/>
-              <a:lstStyle/>
-              <a:p>
-                <a:pPr algn="ctr"/>
-                <a:endParaRPr lang="ko-KR" altLang="en-US">
-                  <a:latin typeface="+mn-ea"/>
-                </a:endParaRPr>
-              </a:p>
-            </p:txBody>
-          </p:sp>
-          <p:sp>
-            <p:nvSpPr>
-              <p:cNvPr id="16" name="직사각형 15">
-                <a:extLst>
-                  <a:ext uri="{FF2B5EF4-FFF2-40B4-BE49-F238E27FC236}">
-                    <a16:creationId xmlns:a16="http://schemas.microsoft.com/office/drawing/2014/main" id="{86057FEC-1C0E-4332-941A-479B9DE68AC1}"/>
-                  </a:ext>
-                </a:extLst>
-              </p:cNvPr>
-              <p:cNvSpPr/>
-              <p:nvPr/>
-            </p:nvSpPr>
-            <p:spPr>
-              <a:xfrm>
-                <a:off x="8481392" y="497933"/>
-                <a:ext cx="1424608" cy="373493"/>
-              </a:xfrm>
-              <a:prstGeom prst="rect">
-                <a:avLst/>
-              </a:prstGeom>
-              <a:solidFill>
-                <a:srgbClr val="11264F"/>
-              </a:solidFill>
-              <a:ln>
-                <a:noFill/>
-              </a:ln>
-            </p:spPr>
-            <p:style>
-              <a:lnRef idx="2">
-                <a:schemeClr val="accent1">
-                  <a:shade val="50000"/>
-                </a:schemeClr>
-              </a:lnRef>
-              <a:fillRef idx="1">
-                <a:schemeClr val="accent1"/>
-              </a:fillRef>
-              <a:effectRef idx="0">
-                <a:schemeClr val="accent1"/>
-              </a:effectRef>
-              <a:fontRef idx="minor">
-                <a:schemeClr val="lt1"/>
-              </a:fontRef>
-            </p:style>
-            <p:txBody>
-              <a:bodyPr rtlCol="0" anchor="ctr"/>
-              <a:lstStyle/>
-              <a:p>
-                <a:pPr algn="ctr"/>
-                <a:endParaRPr lang="ko-KR" altLang="en-US">
-                  <a:latin typeface="+mn-ea"/>
-                </a:endParaRPr>
-              </a:p>
-            </p:txBody>
-          </p:sp>
-          <p:sp>
-            <p:nvSpPr>
-              <p:cNvPr id="24" name="직사각형 23">
-                <a:extLst>
-                  <a:ext uri="{FF2B5EF4-FFF2-40B4-BE49-F238E27FC236}">
-                    <a16:creationId xmlns:a16="http://schemas.microsoft.com/office/drawing/2014/main" id="{86025ABD-CD1F-4E5F-9F7F-0528F46696FC}"/>
-                  </a:ext>
-                </a:extLst>
-              </p:cNvPr>
-              <p:cNvSpPr/>
-              <p:nvPr/>
-            </p:nvSpPr>
-            <p:spPr>
-              <a:xfrm>
-                <a:off x="8711636" y="515289"/>
-                <a:ext cx="975267" cy="400110"/>
-              </a:xfrm>
-              <a:prstGeom prst="rect">
-                <a:avLst/>
-              </a:prstGeom>
-            </p:spPr>
-            <p:txBody>
-              <a:bodyPr wrap="none">
-                <a:spAutoFit/>
-              </a:bodyPr>
-              <a:lstStyle/>
-              <a:p>
-                <a:pPr latinLnBrk="0">
-                  <a:buFont typeface="StarSymbol"/>
-                  <a:buNone/>
-                </a:pPr>
-                <a:r>
-                  <a:rPr lang="en-US" altLang="ko-KR" b="1" dirty="0">
-                    <a:solidFill>
-                      <a:srgbClr val="FFCC00"/>
-                    </a:solidFill>
-                    <a:latin typeface="+mn-ea"/>
-                  </a:rPr>
-                  <a:t>Team3</a:t>
-                </a:r>
-              </a:p>
-            </p:txBody>
-          </p:sp>
-        </p:grpSp>
-      </p:grpSp>
-    </p:spTree>
-    <p:extLst>
-      <p:ext uri="{BB962C8B-B14F-4D97-AF65-F5344CB8AC3E}">
-        <p14:creationId xmlns:p14="http://schemas.microsoft.com/office/powerpoint/2010/main" val="3435446412"/>
       </p:ext>
     </p:extLst>
   </p:cSld>

--- a/1_Team3_메뉴얼.pptx
+++ b/1_Team3_메뉴얼.pptx
@@ -6,14 +6,14 @@
     <p:sldMasterId id="2147483660" r:id="rId2"/>
   </p:sldMasterIdLst>
   <p:notesMasterIdLst>
-    <p:notesMasterId r:id="rId15"/>
+    <p:notesMasterId r:id="rId16"/>
   </p:notesMasterIdLst>
   <p:handoutMasterIdLst>
-    <p:handoutMasterId r:id="rId16"/>
+    <p:handoutMasterId r:id="rId17"/>
   </p:handoutMasterIdLst>
   <p:sldIdLst>
     <p:sldId id="293" r:id="rId3"/>
-    <p:sldId id="315" r:id="rId4"/>
+    <p:sldId id="303" r:id="rId4"/>
     <p:sldId id="316" r:id="rId5"/>
     <p:sldId id="313" r:id="rId6"/>
     <p:sldId id="314" r:id="rId7"/>
@@ -23,7 +23,8 @@
     <p:sldId id="307" r:id="rId11"/>
     <p:sldId id="308" r:id="rId12"/>
     <p:sldId id="310" r:id="rId13"/>
-    <p:sldId id="299" r:id="rId14"/>
+    <p:sldId id="317" r:id="rId14"/>
+    <p:sldId id="299" r:id="rId15"/>
   </p:sldIdLst>
   <p:sldSz cx="9906000" cy="6858000" type="A4"/>
   <p:notesSz cx="6858000" cy="9144000"/>
@@ -247,7 +248,7 @@
               <a:defRPr sz="1400"/>
             </a:pPr>
             <a:fld id="{E6C08ABE-5F13-43E3-BC60-E268A55D9601}" type="datetimeFigureOut">
-              <a:t>2020-10-29</a:t>
+              <a:t>2020-11-02</a:t>
             </a:fld>
             <a:endParaRPr lang="en-US" sz="1200">
               <a:latin typeface="굴림" pitchFamily="18"/>
@@ -506,7 +507,7 @@
           <a:p>
             <a:pPr lvl="0"/>
             <a:fld id="{A0E482DD-7811-4471-970D-246AE5BBFD59}" type="datetimeFigureOut">
-              <a:t>2020-10-29</a:t>
+              <a:t>2020-11-02</a:t>
             </a:fld>
             <a:endParaRPr lang="en-US"/>
           </a:p>
@@ -1034,7 +1035,7 @@
             <a:pPr lvl="0"/>
             <a:fld id="{D18D7664-14FA-449D-8BB7-BC47658399D5}" type="slidenum">
               <a:rPr lang="en-US" altLang="ko-KR" smtClean="0"/>
-              <a:t>12</a:t>
+              <a:t>13</a:t>
             </a:fld>
             <a:endParaRPr lang="ko-KR" altLang="en-US"/>
           </a:p>
@@ -2069,7 +2070,7 @@
             <a:fld id="{3CE48FB0-A4B2-4AA8-8D2F-280CD559A140}" type="datetime1">
               <a:rPr lang="en-US" smtClean="0"/>
               <a:pPr lvl="0"/>
-              <a:t>10/29/2020</a:t>
+              <a:t>11/2/2020</a:t>
             </a:fld>
             <a:endParaRPr lang="en-US"/>
           </a:p>
@@ -2240,7 +2241,7 @@
             <a:fld id="{3CE48FB0-A4B2-4AA8-8D2F-280CD559A140}" type="datetime1">
               <a:rPr lang="en-US" smtClean="0"/>
               <a:pPr lvl="0"/>
-              <a:t>10/29/2020</a:t>
+              <a:t>11/2/2020</a:t>
             </a:fld>
             <a:endParaRPr lang="en-US"/>
           </a:p>
@@ -2421,7 +2422,7 @@
             <a:fld id="{3CE48FB0-A4B2-4AA8-8D2F-280CD559A140}" type="datetime1">
               <a:rPr lang="en-US" smtClean="0"/>
               <a:pPr lvl="0"/>
-              <a:t>10/29/2020</a:t>
+              <a:t>11/2/2020</a:t>
             </a:fld>
             <a:endParaRPr lang="en-US"/>
           </a:p>
@@ -2664,7 +2665,7 @@
             <a:fld id="{BC0AFF7F-7426-42D1-B0EE-1D952A4F4BF2}" type="datetime1">
               <a:rPr lang="en-US" smtClean="0"/>
               <a:pPr lvl="0"/>
-              <a:t>10/29/2020</a:t>
+              <a:t>11/2/2020</a:t>
             </a:fld>
             <a:endParaRPr lang="en-US"/>
           </a:p>
@@ -2835,7 +2836,7 @@
             <a:fld id="{BC0AFF7F-7426-42D1-B0EE-1D952A4F4BF2}" type="datetime1">
               <a:rPr lang="en-US" smtClean="0"/>
               <a:pPr lvl="0"/>
-              <a:t>10/29/2020</a:t>
+              <a:t>11/2/2020</a:t>
             </a:fld>
             <a:endParaRPr lang="en-US"/>
           </a:p>
@@ -3083,7 +3084,7 @@
             <a:fld id="{BC0AFF7F-7426-42D1-B0EE-1D952A4F4BF2}" type="datetime1">
               <a:rPr lang="en-US" smtClean="0"/>
               <a:pPr lvl="0"/>
-              <a:t>10/29/2020</a:t>
+              <a:t>11/2/2020</a:t>
             </a:fld>
             <a:endParaRPr lang="en-US"/>
           </a:p>
@@ -3371,7 +3372,7 @@
             <a:fld id="{BC0AFF7F-7426-42D1-B0EE-1D952A4F4BF2}" type="datetime1">
               <a:rPr lang="en-US" smtClean="0"/>
               <a:pPr lvl="0"/>
-              <a:t>10/29/2020</a:t>
+              <a:t>11/2/2020</a:t>
             </a:fld>
             <a:endParaRPr lang="en-US"/>
           </a:p>
@@ -3793,7 +3794,7 @@
             <a:fld id="{BC0AFF7F-7426-42D1-B0EE-1D952A4F4BF2}" type="datetime1">
               <a:rPr lang="en-US" smtClean="0"/>
               <a:pPr lvl="0"/>
-              <a:t>10/29/2020</a:t>
+              <a:t>11/2/2020</a:t>
             </a:fld>
             <a:endParaRPr lang="en-US"/>
           </a:p>
@@ -3913,7 +3914,7 @@
             <a:fld id="{BC0AFF7F-7426-42D1-B0EE-1D952A4F4BF2}" type="datetime1">
               <a:rPr lang="en-US" smtClean="0"/>
               <a:pPr lvl="0"/>
-              <a:t>10/29/2020</a:t>
+              <a:t>11/2/2020</a:t>
             </a:fld>
             <a:endParaRPr lang="en-US"/>
           </a:p>
@@ -4011,7 +4012,7 @@
             <a:fld id="{BC0AFF7F-7426-42D1-B0EE-1D952A4F4BF2}" type="datetime1">
               <a:rPr lang="en-US" smtClean="0"/>
               <a:pPr lvl="0"/>
-              <a:t>10/29/2020</a:t>
+              <a:t>11/2/2020</a:t>
             </a:fld>
             <a:endParaRPr lang="en-US"/>
           </a:p>
@@ -4290,7 +4291,7 @@
             <a:fld id="{BC0AFF7F-7426-42D1-B0EE-1D952A4F4BF2}" type="datetime1">
               <a:rPr lang="en-US" smtClean="0"/>
               <a:pPr lvl="0"/>
-              <a:t>10/29/2020</a:t>
+              <a:t>11/2/2020</a:t>
             </a:fld>
             <a:endParaRPr lang="en-US"/>
           </a:p>
@@ -4461,7 +4462,7 @@
             <a:fld id="{3CE48FB0-A4B2-4AA8-8D2F-280CD559A140}" type="datetime1">
               <a:rPr lang="en-US" smtClean="0"/>
               <a:pPr lvl="0"/>
-              <a:t>10/29/2020</a:t>
+              <a:t>11/2/2020</a:t>
             </a:fld>
             <a:endParaRPr lang="en-US"/>
           </a:p>
@@ -4716,7 +4717,7 @@
             <a:fld id="{BC0AFF7F-7426-42D1-B0EE-1D952A4F4BF2}" type="datetime1">
               <a:rPr lang="en-US" smtClean="0"/>
               <a:pPr lvl="0"/>
-              <a:t>10/29/2020</a:t>
+              <a:t>11/2/2020</a:t>
             </a:fld>
             <a:endParaRPr lang="en-US"/>
           </a:p>
@@ -4887,7 +4888,7 @@
             <a:fld id="{BC0AFF7F-7426-42D1-B0EE-1D952A4F4BF2}" type="datetime1">
               <a:rPr lang="en-US" smtClean="0"/>
               <a:pPr lvl="0"/>
-              <a:t>10/29/2020</a:t>
+              <a:t>11/2/2020</a:t>
             </a:fld>
             <a:endParaRPr lang="en-US"/>
           </a:p>
@@ -5068,7 +5069,7 @@
             <a:fld id="{BC0AFF7F-7426-42D1-B0EE-1D952A4F4BF2}" type="datetime1">
               <a:rPr lang="en-US" smtClean="0"/>
               <a:pPr lvl="0"/>
-              <a:t>10/29/2020</a:t>
+              <a:t>11/2/2020</a:t>
             </a:fld>
             <a:endParaRPr lang="en-US"/>
           </a:p>
@@ -5316,7 +5317,7 @@
             <a:fld id="{3CE48FB0-A4B2-4AA8-8D2F-280CD559A140}" type="datetime1">
               <a:rPr lang="en-US" smtClean="0"/>
               <a:pPr lvl="0"/>
-              <a:t>10/29/2020</a:t>
+              <a:t>11/2/2020</a:t>
             </a:fld>
             <a:endParaRPr lang="en-US"/>
           </a:p>
@@ -5604,7 +5605,7 @@
             <a:fld id="{3CE48FB0-A4B2-4AA8-8D2F-280CD559A140}" type="datetime1">
               <a:rPr lang="en-US" smtClean="0"/>
               <a:pPr lvl="0"/>
-              <a:t>10/29/2020</a:t>
+              <a:t>11/2/2020</a:t>
             </a:fld>
             <a:endParaRPr lang="en-US"/>
           </a:p>
@@ -6031,7 +6032,7 @@
             <a:fld id="{3CE48FB0-A4B2-4AA8-8D2F-280CD559A140}" type="datetime1">
               <a:rPr lang="en-US" smtClean="0"/>
               <a:pPr lvl="0"/>
-              <a:t>10/29/2020</a:t>
+              <a:t>11/2/2020</a:t>
             </a:fld>
             <a:endParaRPr lang="en-US"/>
           </a:p>
@@ -6151,7 +6152,7 @@
             <a:fld id="{3CE48FB0-A4B2-4AA8-8D2F-280CD559A140}" type="datetime1">
               <a:rPr lang="en-US" smtClean="0"/>
               <a:pPr lvl="0"/>
-              <a:t>10/29/2020</a:t>
+              <a:t>11/2/2020</a:t>
             </a:fld>
             <a:endParaRPr lang="en-US"/>
           </a:p>
@@ -6249,7 +6250,7 @@
             <a:fld id="{3CE48FB0-A4B2-4AA8-8D2F-280CD559A140}" type="datetime1">
               <a:rPr lang="en-US" smtClean="0"/>
               <a:pPr lvl="0"/>
-              <a:t>10/29/2020</a:t>
+              <a:t>11/2/2020</a:t>
             </a:fld>
             <a:endParaRPr lang="en-US"/>
           </a:p>
@@ -6528,7 +6529,7 @@
             <a:fld id="{3CE48FB0-A4B2-4AA8-8D2F-280CD559A140}" type="datetime1">
               <a:rPr lang="en-US" smtClean="0"/>
               <a:pPr lvl="0"/>
-              <a:t>10/29/2020</a:t>
+              <a:t>11/2/2020</a:t>
             </a:fld>
             <a:endParaRPr lang="en-US"/>
           </a:p>
@@ -6783,7 +6784,7 @@
             <a:fld id="{3CE48FB0-A4B2-4AA8-8D2F-280CD559A140}" type="datetime1">
               <a:rPr lang="en-US" smtClean="0"/>
               <a:pPr lvl="0"/>
-              <a:t>10/29/2020</a:t>
+              <a:t>11/2/2020</a:t>
             </a:fld>
             <a:endParaRPr lang="en-US"/>
           </a:p>
@@ -7006,7 +7007,7 @@
             <a:fld id="{3CE48FB0-A4B2-4AA8-8D2F-280CD559A140}" type="datetime1">
               <a:rPr lang="en-US"/>
               <a:pPr lvl="0"/>
-              <a:t>10/29/2020</a:t>
+              <a:t>11/2/2020</a:t>
             </a:fld>
             <a:endParaRPr lang="en-US"/>
           </a:p>
@@ -7992,7 +7993,7 @@
             <a:fld id="{BC0AFF7F-7426-42D1-B0EE-1D952A4F4BF2}" type="datetime1">
               <a:rPr lang="en-US"/>
               <a:pPr lvl="0"/>
-              <a:t>10/29/2020</a:t>
+              <a:t>11/2/2020</a:t>
             </a:fld>
             <a:endParaRPr lang="en-US"/>
           </a:p>
@@ -9818,7 +9819,17 @@
                   <a:latin typeface="+mn-ea"/>
                   <a:ea typeface="+mn-ea"/>
                 </a:rPr>
-                <a:t>설정</a:t>
+                <a:t>설정 </a:t>
+              </a:r>
+              <a:r>
+                <a:rPr lang="en-US" altLang="ko-KR" sz="2000" b="1" dirty="0">
+                  <a:solidFill>
+                    <a:srgbClr val="DDDDDD"/>
+                  </a:solidFill>
+                  <a:latin typeface="+mn-ea"/>
+                  <a:ea typeface="+mn-ea"/>
+                </a:rPr>
+                <a:t>05</a:t>
               </a:r>
               <a:endParaRPr lang="en-US" sz="2000" b="1" dirty="0">
                 <a:solidFill>
@@ -10057,7 +10068,7 @@
         </p:blipFill>
         <p:spPr>
           <a:xfrm>
-            <a:off x="964332" y="2204864"/>
+            <a:off x="964332" y="2162319"/>
             <a:ext cx="7977336" cy="4293096"/>
           </a:xfrm>
           <a:prstGeom prst="rect">
@@ -10474,13 +10485,21 @@
                   <a:latin typeface="+mn-ea"/>
                   <a:ea typeface="+mn-ea"/>
                 </a:rPr>
-                <a:t>실행</a:t>
+                <a:t>실행  </a:t>
+              </a:r>
+              <a:r>
+                <a:rPr lang="en-US" altLang="ko-KR" sz="2000" b="1" dirty="0">
+                  <a:solidFill>
+                    <a:srgbClr val="DDDDDD"/>
+                  </a:solidFill>
+                  <a:latin typeface="+mn-ea"/>
+                  <a:ea typeface="+mn-ea"/>
+                </a:rPr>
+                <a:t>05</a:t>
               </a:r>
               <a:endParaRPr lang="en-US" sz="2000" b="1" dirty="0">
                 <a:solidFill>
-                  <a:schemeClr val="bg1">
-                    <a:lumMod val="75000"/>
-                  </a:schemeClr>
+                  <a:srgbClr val="DDDDDD"/>
                 </a:solidFill>
                 <a:latin typeface="+mn-ea"/>
                 <a:ea typeface="+mn-ea"/>
@@ -10677,6 +10696,855 @@
 <file path=ppt/slides/slide12.xml><?xml version="1.0" encoding="utf-8"?>
 <p:sld xmlns:a="http://schemas.openxmlformats.org/drawingml/2006/main" xmlns:r="http://schemas.openxmlformats.org/officeDocument/2006/relationships" xmlns:p="http://schemas.openxmlformats.org/presentationml/2006/main">
   <p:cSld>
+    <p:spTree>
+      <p:nvGrpSpPr>
+        <p:cNvPr id="1" name=""/>
+        <p:cNvGrpSpPr/>
+        <p:nvPr/>
+      </p:nvGrpSpPr>
+      <p:grpSpPr>
+        <a:xfrm>
+          <a:off x="0" y="0"/>
+          <a:ext cx="0" cy="0"/>
+          <a:chOff x="0" y="0"/>
+          <a:chExt cx="0" cy="0"/>
+        </a:xfrm>
+      </p:grpSpPr>
+      <p:grpSp>
+        <p:nvGrpSpPr>
+          <p:cNvPr id="2" name="그룹 1">
+            <a:extLst>
+              <a:ext uri="{FF2B5EF4-FFF2-40B4-BE49-F238E27FC236}">
+                <a16:creationId xmlns:a16="http://schemas.microsoft.com/office/drawing/2014/main" id="{59F6BE6F-579B-4A45-8890-C46E3DF629AB}"/>
+              </a:ext>
+            </a:extLst>
+          </p:cNvPr>
+          <p:cNvGrpSpPr/>
+          <p:nvPr/>
+        </p:nvGrpSpPr>
+        <p:grpSpPr>
+          <a:xfrm>
+            <a:off x="0" y="188639"/>
+            <a:ext cx="9906000" cy="729947"/>
+            <a:chOff x="0" y="188639"/>
+            <a:chExt cx="9906000" cy="729947"/>
+          </a:xfrm>
+        </p:grpSpPr>
+        <p:sp>
+          <p:nvSpPr>
+            <p:cNvPr id="3" name="직사각형 2">
+              <a:extLst>
+                <a:ext uri="{FF2B5EF4-FFF2-40B4-BE49-F238E27FC236}">
+                  <a16:creationId xmlns:a16="http://schemas.microsoft.com/office/drawing/2014/main" id="{DEC4A236-8A61-4C59-B1BD-AB698A0047BA}"/>
+                </a:ext>
+              </a:extLst>
+            </p:cNvPr>
+            <p:cNvSpPr/>
+            <p:nvPr/>
+          </p:nvSpPr>
+          <p:spPr>
+            <a:xfrm>
+              <a:off x="0" y="824266"/>
+              <a:ext cx="9906000" cy="94320"/>
+            </a:xfrm>
+            <a:prstGeom prst="rect">
+              <a:avLst/>
+            </a:prstGeom>
+            <a:solidFill>
+              <a:srgbClr val="11264F"/>
+            </a:solidFill>
+            <a:ln>
+              <a:noFill/>
+            </a:ln>
+          </p:spPr>
+          <p:style>
+            <a:lnRef idx="2">
+              <a:schemeClr val="accent1">
+                <a:shade val="50000"/>
+              </a:schemeClr>
+            </a:lnRef>
+            <a:fillRef idx="1">
+              <a:schemeClr val="accent1"/>
+            </a:fillRef>
+            <a:effectRef idx="0">
+              <a:schemeClr val="accent1"/>
+            </a:effectRef>
+            <a:fontRef idx="minor">
+              <a:schemeClr val="lt1"/>
+            </a:fontRef>
+          </p:style>
+          <p:txBody>
+            <a:bodyPr rtlCol="0" anchor="ctr"/>
+            <a:lstStyle/>
+            <a:p>
+              <a:pPr algn="ctr"/>
+              <a:endParaRPr lang="ko-KR" altLang="en-US">
+                <a:latin typeface="+mn-ea"/>
+              </a:endParaRPr>
+            </a:p>
+          </p:txBody>
+        </p:sp>
+        <p:sp>
+          <p:nvSpPr>
+            <p:cNvPr id="4" name="제목 1">
+              <a:extLst>
+                <a:ext uri="{FF2B5EF4-FFF2-40B4-BE49-F238E27FC236}">
+                  <a16:creationId xmlns:a16="http://schemas.microsoft.com/office/drawing/2014/main" id="{AB093D46-6F5B-4546-9593-DCF791CE6096}"/>
+                </a:ext>
+              </a:extLst>
+            </p:cNvPr>
+            <p:cNvSpPr txBox="1">
+              <a:spLocks/>
+            </p:cNvSpPr>
+            <p:nvPr/>
+          </p:nvSpPr>
+          <p:spPr>
+            <a:xfrm>
+              <a:off x="3" y="188639"/>
+              <a:ext cx="8390175" cy="726759"/>
+            </a:xfrm>
+            <a:prstGeom prst="rect">
+              <a:avLst/>
+            </a:prstGeom>
+            <a:noFill/>
+            <a:ln>
+              <a:noFill/>
+            </a:ln>
+          </p:spPr>
+          <p:txBody>
+            <a:bodyPr vert="horz" wrap="square" lIns="90000" tIns="45000" rIns="90000" bIns="45000" anchor="ctr" anchorCtr="0"/>
+            <a:lstStyle>
+              <a:defPPr lvl="0">
+                <a:buSzPct val="45000"/>
+                <a:buFont typeface="StarSymbol"/>
+                <a:buNone/>
+                <a:defRPr/>
+              </a:defPPr>
+              <a:lvl1pPr lvl="0" algn="ctr" rtl="0" hangingPunct="1">
+                <a:spcBef>
+                  <a:spcPts val="0"/>
+                </a:spcBef>
+                <a:spcAft>
+                  <a:spcPts val="0"/>
+                </a:spcAft>
+                <a:buSzPct val="45000"/>
+                <a:buFont typeface="StarSymbol"/>
+                <a:buChar char="●"/>
+                <a:tabLst/>
+                <a:defRPr lang="ko-KR" sz="4400" b="0" i="0" u="none" strike="noStrike" kern="1200" spc="0">
+                  <a:ln>
+                    <a:noFill/>
+                  </a:ln>
+                  <a:solidFill>
+                    <a:srgbClr val="000000"/>
+                  </a:solidFill>
+                  <a:latin typeface="맑은 고딕" pitchFamily="18"/>
+                  <a:ea typeface="굴림" pitchFamily="2"/>
+                  <a:cs typeface="Arial" pitchFamily="2"/>
+                </a:defRPr>
+              </a:lvl1pPr>
+              <a:lvl2pPr lvl="1">
+                <a:buSzPct val="45000"/>
+                <a:buFont typeface="StarSymbol"/>
+                <a:buChar char="●"/>
+                <a:defRPr/>
+              </a:lvl2pPr>
+              <a:lvl3pPr lvl="2">
+                <a:buSzPct val="45000"/>
+                <a:buFont typeface="StarSymbol"/>
+                <a:buChar char="●"/>
+                <a:defRPr/>
+              </a:lvl3pPr>
+              <a:lvl4pPr lvl="3">
+                <a:buSzPct val="45000"/>
+                <a:buFont typeface="StarSymbol"/>
+                <a:buChar char="●"/>
+                <a:defRPr/>
+              </a:lvl4pPr>
+              <a:lvl5pPr lvl="4">
+                <a:buSzPct val="45000"/>
+                <a:buFont typeface="StarSymbol"/>
+                <a:buChar char="●"/>
+                <a:defRPr/>
+              </a:lvl5pPr>
+              <a:lvl6pPr lvl="5">
+                <a:buSzPct val="45000"/>
+                <a:buFont typeface="StarSymbol"/>
+                <a:buChar char="●"/>
+                <a:defRPr/>
+              </a:lvl6pPr>
+              <a:lvl7pPr lvl="6">
+                <a:buSzPct val="45000"/>
+                <a:buFont typeface="StarSymbol"/>
+                <a:buChar char="●"/>
+                <a:defRPr/>
+              </a:lvl7pPr>
+              <a:lvl8pPr lvl="7">
+                <a:buSzPct val="45000"/>
+                <a:buFont typeface="StarSymbol"/>
+                <a:buChar char="●"/>
+                <a:defRPr/>
+              </a:lvl8pPr>
+              <a:lvl9pPr lvl="8">
+                <a:buSzPct val="45000"/>
+                <a:buFont typeface="StarSymbol"/>
+                <a:buChar char="●"/>
+                <a:defRPr/>
+              </a:lvl9pPr>
+            </a:lstStyle>
+            <a:p>
+              <a:pPr algn="l" latinLnBrk="0">
+                <a:buFont typeface="StarSymbol"/>
+                <a:buNone/>
+              </a:pPr>
+              <a:r>
+                <a:rPr lang="ko-KR" altLang="en-US" sz="2000" b="1" dirty="0">
+                  <a:solidFill>
+                    <a:srgbClr val="11264F"/>
+                  </a:solidFill>
+                  <a:latin typeface="+mn-ea"/>
+                  <a:ea typeface="+mn-ea"/>
+                </a:rPr>
+                <a:t> </a:t>
+              </a:r>
+              <a:r>
+                <a:rPr lang="en-US" altLang="ko-KR" sz="2000" b="1" dirty="0">
+                  <a:solidFill>
+                    <a:srgbClr val="DDDDDD"/>
+                  </a:solidFill>
+                  <a:latin typeface="+mn-ea"/>
+                  <a:ea typeface="+mn-ea"/>
+                </a:rPr>
+                <a:t>01  02  03  04</a:t>
+              </a:r>
+              <a:r>
+                <a:rPr lang="en-US" altLang="ko-KR" sz="2000" b="1" dirty="0">
+                  <a:solidFill>
+                    <a:srgbClr val="11264F"/>
+                  </a:solidFill>
+                  <a:latin typeface="+mn-ea"/>
+                  <a:ea typeface="+mn-ea"/>
+                </a:rPr>
+                <a:t>  05</a:t>
+              </a:r>
+              <a:r>
+                <a:rPr lang="en-US" altLang="ko-KR" sz="2000" b="1" dirty="0">
+                  <a:solidFill>
+                    <a:schemeClr val="bg1">
+                      <a:lumMod val="75000"/>
+                    </a:schemeClr>
+                  </a:solidFill>
+                  <a:latin typeface="+mn-ea"/>
+                  <a:ea typeface="+mn-ea"/>
+                </a:rPr>
+                <a:t> </a:t>
+              </a:r>
+              <a:r>
+                <a:rPr lang="en-US" altLang="ko-KR" sz="2000" b="1" dirty="0">
+                  <a:solidFill>
+                    <a:srgbClr val="11264F"/>
+                  </a:solidFill>
+                  <a:latin typeface="+mn-ea"/>
+                  <a:ea typeface="+mn-ea"/>
+                </a:rPr>
+                <a:t>Conflict </a:t>
+              </a:r>
+              <a:r>
+                <a:rPr lang="ko-KR" altLang="en-US" sz="2000" b="1" dirty="0">
+                  <a:solidFill>
+                    <a:srgbClr val="11264F"/>
+                  </a:solidFill>
+                  <a:latin typeface="+mn-ea"/>
+                  <a:ea typeface="+mn-ea"/>
+                </a:rPr>
+                <a:t>해결 방법 </a:t>
+              </a:r>
+              <a:r>
+                <a:rPr lang="en-US" altLang="ko-KR" sz="2000" b="1" dirty="0">
+                  <a:solidFill>
+                    <a:srgbClr val="11264F"/>
+                  </a:solidFill>
+                  <a:latin typeface="+mn-ea"/>
+                  <a:ea typeface="+mn-ea"/>
+                </a:rPr>
+                <a:t>- </a:t>
+              </a:r>
+              <a:r>
+                <a:rPr lang="ko-KR" altLang="en-US" sz="2000" b="1" dirty="0">
+                  <a:solidFill>
+                    <a:srgbClr val="11264F"/>
+                  </a:solidFill>
+                  <a:latin typeface="+mn-ea"/>
+                  <a:ea typeface="+mn-ea"/>
+                </a:rPr>
+                <a:t>오라클</a:t>
+              </a:r>
+              <a:endParaRPr lang="en-US" sz="2000" b="1" dirty="0">
+                <a:solidFill>
+                  <a:schemeClr val="bg1">
+                    <a:lumMod val="75000"/>
+                  </a:schemeClr>
+                </a:solidFill>
+                <a:latin typeface="+mn-ea"/>
+                <a:ea typeface="+mn-ea"/>
+              </a:endParaRPr>
+            </a:p>
+          </p:txBody>
+        </p:sp>
+        <p:grpSp>
+          <p:nvGrpSpPr>
+            <p:cNvPr id="5" name="그룹 4">
+              <a:extLst>
+                <a:ext uri="{FF2B5EF4-FFF2-40B4-BE49-F238E27FC236}">
+                  <a16:creationId xmlns:a16="http://schemas.microsoft.com/office/drawing/2014/main" id="{49E21E93-23B2-40B4-A044-D09661F54995}"/>
+                </a:ext>
+              </a:extLst>
+            </p:cNvPr>
+            <p:cNvGrpSpPr/>
+            <p:nvPr/>
+          </p:nvGrpSpPr>
+          <p:grpSpPr>
+            <a:xfrm>
+              <a:off x="8265368" y="497933"/>
+              <a:ext cx="1640632" cy="417466"/>
+              <a:chOff x="8265368" y="497933"/>
+              <a:chExt cx="1640632" cy="417466"/>
+            </a:xfrm>
+          </p:grpSpPr>
+          <p:sp>
+            <p:nvSpPr>
+              <p:cNvPr id="6" name="이등변 삼각형 5">
+                <a:extLst>
+                  <a:ext uri="{FF2B5EF4-FFF2-40B4-BE49-F238E27FC236}">
+                    <a16:creationId xmlns:a16="http://schemas.microsoft.com/office/drawing/2014/main" id="{F330FEBF-2D1C-4E32-9126-63822868A117}"/>
+                  </a:ext>
+                </a:extLst>
+              </p:cNvPr>
+              <p:cNvSpPr/>
+              <p:nvPr/>
+            </p:nvSpPr>
+            <p:spPr>
+              <a:xfrm>
+                <a:off x="8265368" y="497933"/>
+                <a:ext cx="432048" cy="326333"/>
+              </a:xfrm>
+              <a:prstGeom prst="triangle">
+                <a:avLst/>
+              </a:prstGeom>
+              <a:solidFill>
+                <a:srgbClr val="11264F"/>
+              </a:solidFill>
+              <a:ln>
+                <a:noFill/>
+              </a:ln>
+            </p:spPr>
+            <p:style>
+              <a:lnRef idx="2">
+                <a:schemeClr val="accent1">
+                  <a:shade val="50000"/>
+                </a:schemeClr>
+              </a:lnRef>
+              <a:fillRef idx="1">
+                <a:schemeClr val="accent1"/>
+              </a:fillRef>
+              <a:effectRef idx="0">
+                <a:schemeClr val="accent1"/>
+              </a:effectRef>
+              <a:fontRef idx="minor">
+                <a:schemeClr val="lt1"/>
+              </a:fontRef>
+            </p:style>
+            <p:txBody>
+              <a:bodyPr rtlCol="0" anchor="ctr"/>
+              <a:lstStyle/>
+              <a:p>
+                <a:pPr algn="ctr"/>
+                <a:endParaRPr lang="ko-KR" altLang="en-US">
+                  <a:latin typeface="+mn-ea"/>
+                </a:endParaRPr>
+              </a:p>
+            </p:txBody>
+          </p:sp>
+          <p:sp>
+            <p:nvSpPr>
+              <p:cNvPr id="7" name="직사각형 6">
+                <a:extLst>
+                  <a:ext uri="{FF2B5EF4-FFF2-40B4-BE49-F238E27FC236}">
+                    <a16:creationId xmlns:a16="http://schemas.microsoft.com/office/drawing/2014/main" id="{DBAC395B-3F71-4B83-8F3C-E4D9E6811A49}"/>
+                  </a:ext>
+                </a:extLst>
+              </p:cNvPr>
+              <p:cNvSpPr/>
+              <p:nvPr/>
+            </p:nvSpPr>
+            <p:spPr>
+              <a:xfrm>
+                <a:off x="8481392" y="497933"/>
+                <a:ext cx="1424608" cy="373493"/>
+              </a:xfrm>
+              <a:prstGeom prst="rect">
+                <a:avLst/>
+              </a:prstGeom>
+              <a:solidFill>
+                <a:srgbClr val="11264F"/>
+              </a:solidFill>
+              <a:ln>
+                <a:noFill/>
+              </a:ln>
+            </p:spPr>
+            <p:style>
+              <a:lnRef idx="2">
+                <a:schemeClr val="accent1">
+                  <a:shade val="50000"/>
+                </a:schemeClr>
+              </a:lnRef>
+              <a:fillRef idx="1">
+                <a:schemeClr val="accent1"/>
+              </a:fillRef>
+              <a:effectRef idx="0">
+                <a:schemeClr val="accent1"/>
+              </a:effectRef>
+              <a:fontRef idx="minor">
+                <a:schemeClr val="lt1"/>
+              </a:fontRef>
+            </p:style>
+            <p:txBody>
+              <a:bodyPr rtlCol="0" anchor="ctr"/>
+              <a:lstStyle/>
+              <a:p>
+                <a:pPr algn="ctr"/>
+                <a:endParaRPr lang="ko-KR" altLang="en-US">
+                  <a:latin typeface="+mn-ea"/>
+                </a:endParaRPr>
+              </a:p>
+            </p:txBody>
+          </p:sp>
+          <p:sp>
+            <p:nvSpPr>
+              <p:cNvPr id="8" name="직사각형 7">
+                <a:extLst>
+                  <a:ext uri="{FF2B5EF4-FFF2-40B4-BE49-F238E27FC236}">
+                    <a16:creationId xmlns:a16="http://schemas.microsoft.com/office/drawing/2014/main" id="{EA8AD022-3BEE-4FF5-A01D-854BCF75DDE7}"/>
+                  </a:ext>
+                </a:extLst>
+              </p:cNvPr>
+              <p:cNvSpPr/>
+              <p:nvPr/>
+            </p:nvSpPr>
+            <p:spPr>
+              <a:xfrm>
+                <a:off x="8711636" y="515289"/>
+                <a:ext cx="975267" cy="400110"/>
+              </a:xfrm>
+              <a:prstGeom prst="rect">
+                <a:avLst/>
+              </a:prstGeom>
+            </p:spPr>
+            <p:txBody>
+              <a:bodyPr wrap="none">
+                <a:spAutoFit/>
+              </a:bodyPr>
+              <a:lstStyle/>
+              <a:p>
+                <a:pPr latinLnBrk="0">
+                  <a:buFont typeface="StarSymbol"/>
+                  <a:buNone/>
+                </a:pPr>
+                <a:r>
+                  <a:rPr lang="en-US" altLang="ko-KR" b="1" dirty="0">
+                    <a:solidFill>
+                      <a:srgbClr val="FFCC00"/>
+                    </a:solidFill>
+                    <a:latin typeface="+mn-ea"/>
+                  </a:rPr>
+                  <a:t>Team3</a:t>
+                </a:r>
+              </a:p>
+            </p:txBody>
+          </p:sp>
+        </p:grpSp>
+      </p:grpSp>
+      <p:sp>
+        <p:nvSpPr>
+          <p:cNvPr id="15" name="TextBox 14">
+            <a:extLst>
+              <a:ext uri="{FF2B5EF4-FFF2-40B4-BE49-F238E27FC236}">
+                <a16:creationId xmlns:a16="http://schemas.microsoft.com/office/drawing/2014/main" id="{9B38A1F5-C368-4B63-8485-F336E54B2FA9}"/>
+              </a:ext>
+            </a:extLst>
+          </p:cNvPr>
+          <p:cNvSpPr txBox="1"/>
+          <p:nvPr/>
+        </p:nvSpPr>
+        <p:spPr>
+          <a:xfrm>
+            <a:off x="344488" y="1101380"/>
+            <a:ext cx="9217024" cy="2708434"/>
+          </a:xfrm>
+          <a:prstGeom prst="rect">
+            <a:avLst/>
+          </a:prstGeom>
+          <a:noFill/>
+        </p:spPr>
+        <p:txBody>
+          <a:bodyPr wrap="square" rtlCol="0">
+            <a:spAutoFit/>
+          </a:bodyPr>
+          <a:lstStyle/>
+          <a:p>
+            <a:pPr latinLnBrk="1"/>
+            <a:r>
+              <a:rPr lang="en-US" altLang="ko-KR" sz="1500" b="1" dirty="0">
+                <a:solidFill>
+                  <a:srgbClr val="11264F"/>
+                </a:solidFill>
+              </a:rPr>
+              <a:t>1. </a:t>
+            </a:r>
+            <a:r>
+              <a:rPr lang="ko-KR" altLang="en-US" sz="1500" b="1" dirty="0">
+                <a:solidFill>
+                  <a:srgbClr val="11264F"/>
+                </a:solidFill>
+              </a:rPr>
+              <a:t>프로젝트 실행하여 로그인 시 이클립스 콘솔창에 아래와 같은 에러 발생 시</a:t>
+            </a:r>
+            <a:endParaRPr lang="en-US" altLang="ko-KR" sz="1500" b="1" dirty="0">
+              <a:solidFill>
+                <a:srgbClr val="11264F"/>
+              </a:solidFill>
+            </a:endParaRPr>
+          </a:p>
+          <a:p>
+            <a:r>
+              <a:rPr lang="en-US" altLang="ko-KR" sz="1500" b="1" dirty="0" err="1">
+                <a:solidFill>
+                  <a:srgbClr val="FF0000"/>
+                </a:solidFill>
+              </a:rPr>
+              <a:t>org.apache.tomcat.dbcp.dbcp.SQLNestedException</a:t>
+            </a:r>
+            <a:r>
+              <a:rPr lang="en-US" altLang="ko-KR" sz="1500" b="1" dirty="0">
+                <a:solidFill>
+                  <a:srgbClr val="FF0000"/>
+                </a:solidFill>
+              </a:rPr>
+              <a:t>: Cannot create </a:t>
+            </a:r>
+            <a:r>
+              <a:rPr lang="en-US" altLang="ko-KR" sz="1500" b="1" dirty="0" err="1">
+                <a:solidFill>
+                  <a:srgbClr val="FF0000"/>
+                </a:solidFill>
+              </a:rPr>
+              <a:t>PoolableConnectionFactory</a:t>
+            </a:r>
+            <a:r>
+              <a:rPr lang="en-US" altLang="ko-KR" sz="1500" b="1" dirty="0">
+                <a:solidFill>
+                  <a:srgbClr val="FF0000"/>
+                </a:solidFill>
+              </a:rPr>
+              <a:t> </a:t>
+            </a:r>
+          </a:p>
+          <a:p>
+            <a:endParaRPr lang="en-US" altLang="ko-KR" sz="500" b="1" dirty="0">
+              <a:solidFill>
+                <a:srgbClr val="FF0000"/>
+              </a:solidFill>
+            </a:endParaRPr>
+          </a:p>
+          <a:p>
+            <a:r>
+              <a:rPr lang="en-US" altLang="ko-KR" sz="1500" b="1" dirty="0">
+                <a:solidFill>
+                  <a:srgbClr val="FF0000"/>
+                </a:solidFill>
+              </a:rPr>
+              <a:t>(ORA-28001: the password has expired)</a:t>
+            </a:r>
+            <a:endParaRPr lang="ko-KR" altLang="en-US" sz="1500" b="1" dirty="0">
+              <a:solidFill>
+                <a:srgbClr val="FF0000"/>
+              </a:solidFill>
+            </a:endParaRPr>
+          </a:p>
+          <a:p>
+            <a:pPr latinLnBrk="1"/>
+            <a:endParaRPr lang="en-US" altLang="ko-KR" sz="1500" b="1" dirty="0">
+              <a:solidFill>
+                <a:srgbClr val="11264F"/>
+              </a:solidFill>
+            </a:endParaRPr>
+          </a:p>
+          <a:p>
+            <a:pPr latinLnBrk="1"/>
+            <a:r>
+              <a:rPr lang="ko-KR" altLang="en-US" sz="1500" b="1" dirty="0">
+                <a:solidFill>
+                  <a:srgbClr val="11264F"/>
+                </a:solidFill>
+              </a:rPr>
+              <a:t>원인</a:t>
+            </a:r>
+            <a:endParaRPr lang="en-US" altLang="ko-KR" sz="1500" b="1" dirty="0">
+              <a:solidFill>
+                <a:srgbClr val="11264F"/>
+              </a:solidFill>
+            </a:endParaRPr>
+          </a:p>
+          <a:p>
+            <a:pPr latinLnBrk="1"/>
+            <a:r>
+              <a:rPr lang="ko-KR" altLang="en-US" sz="1500" b="1" dirty="0">
+                <a:solidFill>
+                  <a:srgbClr val="11264F"/>
+                </a:solidFill>
+              </a:rPr>
+              <a:t>오라클 계정의 비밀번호가 만료되어 발생하는 에러로 해당 계정에 비밀번호를 부여함으로써 해결 </a:t>
+            </a:r>
+            <a:endParaRPr lang="en-US" altLang="ko-KR" sz="1500" b="1" dirty="0">
+              <a:solidFill>
+                <a:srgbClr val="11264F"/>
+              </a:solidFill>
+            </a:endParaRPr>
+          </a:p>
+          <a:p>
+            <a:pPr latinLnBrk="1"/>
+            <a:endParaRPr lang="en-US" altLang="ko-KR" sz="1500" b="1" dirty="0">
+              <a:solidFill>
+                <a:srgbClr val="11264F"/>
+              </a:solidFill>
+            </a:endParaRPr>
+          </a:p>
+          <a:p>
+            <a:pPr latinLnBrk="1"/>
+            <a:r>
+              <a:rPr lang="ko-KR" altLang="en-US" sz="1500" b="1" dirty="0">
+                <a:solidFill>
+                  <a:srgbClr val="11264F"/>
+                </a:solidFill>
+              </a:rPr>
+              <a:t>해결방법</a:t>
+            </a:r>
+            <a:endParaRPr lang="en-US" altLang="ko-KR" sz="1500" b="1" dirty="0">
+              <a:solidFill>
+                <a:srgbClr val="11264F"/>
+              </a:solidFill>
+            </a:endParaRPr>
+          </a:p>
+          <a:p>
+            <a:pPr latinLnBrk="1"/>
+            <a:r>
+              <a:rPr lang="en-US" altLang="ko-KR" sz="1500" b="1" dirty="0">
+                <a:solidFill>
+                  <a:srgbClr val="11264F"/>
+                </a:solidFill>
+              </a:rPr>
+              <a:t>1. </a:t>
+            </a:r>
+            <a:r>
+              <a:rPr lang="en-US" altLang="ko-KR" sz="1500" b="1" dirty="0" err="1">
+                <a:solidFill>
+                  <a:srgbClr val="11264F"/>
+                </a:solidFill>
+              </a:rPr>
+              <a:t>cmd</a:t>
+            </a:r>
+            <a:r>
+              <a:rPr lang="en-US" altLang="ko-KR" sz="1500" b="1" dirty="0">
+                <a:solidFill>
+                  <a:srgbClr val="11264F"/>
+                </a:solidFill>
+              </a:rPr>
+              <a:t> </a:t>
+            </a:r>
+            <a:r>
+              <a:rPr lang="ko-KR" altLang="en-US" sz="1500" b="1" dirty="0">
+                <a:solidFill>
+                  <a:srgbClr val="11264F"/>
+                </a:solidFill>
+              </a:rPr>
+              <a:t>실행</a:t>
+            </a:r>
+            <a:endParaRPr lang="en-US" altLang="ko-KR" sz="1500" b="1" dirty="0">
+              <a:solidFill>
+                <a:srgbClr val="11264F"/>
+              </a:solidFill>
+            </a:endParaRPr>
+          </a:p>
+          <a:p>
+            <a:pPr latinLnBrk="1"/>
+            <a:r>
+              <a:rPr lang="en-US" altLang="ko-KR" sz="1500" b="1" dirty="0">
+                <a:solidFill>
+                  <a:srgbClr val="11264F"/>
+                </a:solidFill>
+              </a:rPr>
+              <a:t>2. &gt; </a:t>
+            </a:r>
+            <a:r>
+              <a:rPr lang="en-US" altLang="ko-KR" sz="1500" b="1" dirty="0" err="1">
+                <a:solidFill>
+                  <a:srgbClr val="11264F"/>
+                </a:solidFill>
+              </a:rPr>
+              <a:t>sqlplus</a:t>
+            </a:r>
+            <a:r>
+              <a:rPr lang="en-US" altLang="ko-KR" sz="1500" b="1" dirty="0">
+                <a:solidFill>
+                  <a:srgbClr val="11264F"/>
+                </a:solidFill>
+              </a:rPr>
+              <a:t> / as </a:t>
+            </a:r>
+            <a:r>
+              <a:rPr lang="en-US" altLang="ko-KR" sz="1500" b="1" dirty="0" err="1">
+                <a:solidFill>
+                  <a:srgbClr val="11264F"/>
+                </a:solidFill>
+              </a:rPr>
+              <a:t>sysdba</a:t>
+            </a:r>
+            <a:r>
+              <a:rPr lang="en-US" altLang="ko-KR" sz="1500" b="1" dirty="0">
+                <a:solidFill>
+                  <a:srgbClr val="11264F"/>
+                </a:solidFill>
+              </a:rPr>
+              <a:t> (</a:t>
+            </a:r>
+            <a:r>
+              <a:rPr lang="ko-KR" altLang="en-US" sz="1500" b="1" dirty="0">
+                <a:solidFill>
+                  <a:srgbClr val="11264F"/>
+                </a:solidFill>
+              </a:rPr>
+              <a:t>관리자 계정으로 로그인</a:t>
+            </a:r>
+            <a:r>
+              <a:rPr lang="en-US" altLang="ko-KR" sz="1500" b="1" dirty="0">
+                <a:solidFill>
+                  <a:srgbClr val="11264F"/>
+                </a:solidFill>
+              </a:rPr>
+              <a:t>)</a:t>
+            </a:r>
+          </a:p>
+          <a:p>
+            <a:pPr latinLnBrk="1"/>
+            <a:r>
+              <a:rPr lang="en-US" altLang="ko-KR" sz="1500" b="1" dirty="0">
+                <a:solidFill>
+                  <a:srgbClr val="11264F"/>
+                </a:solidFill>
+              </a:rPr>
+              <a:t>3. &gt; alter</a:t>
+            </a:r>
+            <a:r>
+              <a:rPr lang="ko-KR" altLang="en-US" sz="1500" b="1" dirty="0">
+                <a:solidFill>
+                  <a:srgbClr val="11264F"/>
+                </a:solidFill>
+              </a:rPr>
+              <a:t> </a:t>
+            </a:r>
+            <a:r>
+              <a:rPr lang="en-US" altLang="ko-KR" sz="1500" b="1" dirty="0">
+                <a:solidFill>
+                  <a:srgbClr val="11264F"/>
+                </a:solidFill>
+              </a:rPr>
+              <a:t>user</a:t>
+            </a:r>
+            <a:r>
+              <a:rPr lang="ko-KR" altLang="en-US" sz="1500" b="1" dirty="0">
+                <a:solidFill>
+                  <a:srgbClr val="11264F"/>
+                </a:solidFill>
+              </a:rPr>
+              <a:t> 계정 </a:t>
+            </a:r>
+            <a:r>
+              <a:rPr lang="en-US" altLang="ko-KR" sz="1500" b="1" dirty="0">
+                <a:solidFill>
+                  <a:srgbClr val="11264F"/>
+                </a:solidFill>
+              </a:rPr>
+              <a:t>identified by </a:t>
+            </a:r>
+            <a:r>
+              <a:rPr lang="ko-KR" altLang="en-US" sz="1500" b="1" dirty="0">
+                <a:solidFill>
+                  <a:srgbClr val="11264F"/>
+                </a:solidFill>
+              </a:rPr>
+              <a:t>패스워드</a:t>
+            </a:r>
+            <a:r>
+              <a:rPr lang="en-US" altLang="ko-KR" sz="1500" b="1" dirty="0">
+                <a:solidFill>
+                  <a:srgbClr val="11264F"/>
+                </a:solidFill>
+              </a:rPr>
+              <a:t>;</a:t>
+            </a:r>
+            <a:endParaRPr lang="ko-KR" altLang="en-US" sz="1500" b="1" dirty="0">
+              <a:solidFill>
+                <a:srgbClr val="11264F"/>
+              </a:solidFill>
+            </a:endParaRPr>
+          </a:p>
+        </p:txBody>
+      </p:sp>
+      <p:pic>
+        <p:nvPicPr>
+          <p:cNvPr id="16" name="그림 15">
+            <a:extLst>
+              <a:ext uri="{FF2B5EF4-FFF2-40B4-BE49-F238E27FC236}">
+                <a16:creationId xmlns:a16="http://schemas.microsoft.com/office/drawing/2014/main" id="{A1CACFEA-7AD8-45BD-A74F-2D5CF2979920}"/>
+              </a:ext>
+            </a:extLst>
+          </p:cNvPr>
+          <p:cNvPicPr>
+            <a:picLocks noChangeAspect="1"/>
+          </p:cNvPicPr>
+          <p:nvPr/>
+        </p:nvPicPr>
+        <p:blipFill rotWithShape="1">
+          <a:blip r:embed="rId2"/>
+          <a:srcRect b="13631"/>
+          <a:stretch/>
+        </p:blipFill>
+        <p:spPr>
+          <a:xfrm>
+            <a:off x="416496" y="3992608"/>
+            <a:ext cx="6905625" cy="2550253"/>
+          </a:xfrm>
+          <a:prstGeom prst="rect">
+            <a:avLst/>
+          </a:prstGeom>
+        </p:spPr>
+      </p:pic>
+    </p:spTree>
+    <p:extLst>
+      <p:ext uri="{BB962C8B-B14F-4D97-AF65-F5344CB8AC3E}">
+        <p14:creationId xmlns:p14="http://schemas.microsoft.com/office/powerpoint/2010/main" val="61502707"/>
+      </p:ext>
+    </p:extLst>
+  </p:cSld>
+  <p:clrMapOvr>
+    <a:masterClrMapping/>
+  </p:clrMapOvr>
+</p:sld>
+</file>
+
+<file path=ppt/slides/slide13.xml><?xml version="1.0" encoding="utf-8"?>
+<p:sld xmlns:a="http://schemas.openxmlformats.org/drawingml/2006/main" xmlns:r="http://schemas.openxmlformats.org/officeDocument/2006/relationships" xmlns:p="http://schemas.openxmlformats.org/presentationml/2006/main">
+  <p:cSld>
     <p:bg>
       <p:bgPr>
         <a:solidFill>
@@ -11247,58 +12115,6 @@
       </p:grpSpPr>
       <p:sp>
         <p:nvSpPr>
-          <p:cNvPr id="2" name="직사각형 1">
-            <a:extLst>
-              <a:ext uri="{FF2B5EF4-FFF2-40B4-BE49-F238E27FC236}">
-                <a16:creationId xmlns:a16="http://schemas.microsoft.com/office/drawing/2014/main" id="{DC2CFA78-DBA4-46A4-AC44-DC100EB05FD8}"/>
-              </a:ext>
-            </a:extLst>
-          </p:cNvPr>
-          <p:cNvSpPr/>
-          <p:nvPr/>
-        </p:nvSpPr>
-        <p:spPr>
-          <a:xfrm>
-            <a:off x="0" y="3717032"/>
-            <a:ext cx="9906000" cy="3140968"/>
-          </a:xfrm>
-          <a:prstGeom prst="rect">
-            <a:avLst/>
-          </a:prstGeom>
-          <a:solidFill>
-            <a:schemeClr val="bg1"/>
-          </a:solidFill>
-          <a:ln>
-            <a:noFill/>
-          </a:ln>
-        </p:spPr>
-        <p:style>
-          <a:lnRef idx="2">
-            <a:schemeClr val="accent1">
-              <a:shade val="50000"/>
-            </a:schemeClr>
-          </a:lnRef>
-          <a:fillRef idx="1">
-            <a:schemeClr val="accent1"/>
-          </a:fillRef>
-          <a:effectRef idx="0">
-            <a:schemeClr val="accent1"/>
-          </a:effectRef>
-          <a:fontRef idx="minor">
-            <a:schemeClr val="lt1"/>
-          </a:fontRef>
-        </p:style>
-        <p:txBody>
-          <a:bodyPr rtlCol="0" anchor="ctr"/>
-          <a:lstStyle/>
-          <a:p>
-            <a:pPr algn="ctr"/>
-            <a:endParaRPr lang="ko-KR" altLang="en-US" dirty="0"/>
-          </a:p>
-        </p:txBody>
-      </p:sp>
-      <p:sp>
-        <p:nvSpPr>
           <p:cNvPr id="8" name="제목 1"/>
           <p:cNvSpPr txBox="1">
             <a:spLocks/>
@@ -11429,7 +12245,7 @@
           <p:cNvPr id="7" name="그룹 6">
             <a:extLst>
               <a:ext uri="{FF2B5EF4-FFF2-40B4-BE49-F238E27FC236}">
-                <a16:creationId xmlns:a16="http://schemas.microsoft.com/office/drawing/2014/main" id="{8570CA57-1BC1-4865-9867-9269665C79A4}"/>
+                <a16:creationId xmlns:a16="http://schemas.microsoft.com/office/drawing/2014/main" id="{E47A3062-0E96-4999-96BF-8C29933682EF}"/>
               </a:ext>
             </a:extLst>
           </p:cNvPr>
@@ -11438,12 +12254,64 @@
         </p:nvGrpSpPr>
         <p:grpSpPr>
           <a:xfrm>
-            <a:off x="1177349" y="3126007"/>
-            <a:ext cx="7551301" cy="2455975"/>
-            <a:chOff x="248155" y="3126007"/>
-            <a:chExt cx="7551301" cy="2455975"/>
+            <a:off x="0" y="3126007"/>
+            <a:ext cx="9906000" cy="3731993"/>
+            <a:chOff x="0" y="3126007"/>
+            <a:chExt cx="9906000" cy="3731993"/>
           </a:xfrm>
         </p:grpSpPr>
+        <p:sp>
+          <p:nvSpPr>
+            <p:cNvPr id="2" name="직사각형 1">
+              <a:extLst>
+                <a:ext uri="{FF2B5EF4-FFF2-40B4-BE49-F238E27FC236}">
+                  <a16:creationId xmlns:a16="http://schemas.microsoft.com/office/drawing/2014/main" id="{DC2CFA78-DBA4-46A4-AC44-DC100EB05FD8}"/>
+                </a:ext>
+              </a:extLst>
+            </p:cNvPr>
+            <p:cNvSpPr/>
+            <p:nvPr/>
+          </p:nvSpPr>
+          <p:spPr>
+            <a:xfrm>
+              <a:off x="0" y="3717032"/>
+              <a:ext cx="9906000" cy="3140968"/>
+            </a:xfrm>
+            <a:prstGeom prst="rect">
+              <a:avLst/>
+            </a:prstGeom>
+            <a:solidFill>
+              <a:schemeClr val="bg1"/>
+            </a:solidFill>
+            <a:ln>
+              <a:noFill/>
+            </a:ln>
+          </p:spPr>
+          <p:style>
+            <a:lnRef idx="2">
+              <a:schemeClr val="accent1">
+                <a:shade val="50000"/>
+              </a:schemeClr>
+            </a:lnRef>
+            <a:fillRef idx="1">
+              <a:schemeClr val="accent1"/>
+            </a:fillRef>
+            <a:effectRef idx="0">
+              <a:schemeClr val="accent1"/>
+            </a:effectRef>
+            <a:fontRef idx="minor">
+              <a:schemeClr val="lt1"/>
+            </a:fontRef>
+          </p:style>
+          <p:txBody>
+            <a:bodyPr rtlCol="0" anchor="ctr"/>
+            <a:lstStyle/>
+            <a:p>
+              <a:pPr algn="ctr"/>
+              <a:endParaRPr lang="ko-KR" altLang="en-US" dirty="0"/>
+            </a:p>
+          </p:txBody>
+        </p:sp>
         <p:sp>
           <p:nvSpPr>
             <p:cNvPr id="16" name="직사각형 15"/>
@@ -11526,9 +12394,9 @@
           <p:grpSpPr>
             <a:xfrm>
               <a:off x="468140" y="3126007"/>
-              <a:ext cx="7020780" cy="802840"/>
+              <a:ext cx="8964996" cy="802840"/>
               <a:chOff x="524508" y="2569831"/>
-              <a:chExt cx="7020780" cy="802840"/>
+              <a:chExt cx="8964996" cy="802840"/>
             </a:xfrm>
           </p:grpSpPr>
           <p:sp>
@@ -11707,6 +12575,64 @@
           </p:sp>
           <p:sp>
             <p:nvSpPr>
+              <p:cNvPr id="27" name="직사각형 26">
+                <a:extLst>
+                  <a:ext uri="{FF2B5EF4-FFF2-40B4-BE49-F238E27FC236}">
+                    <a16:creationId xmlns:a16="http://schemas.microsoft.com/office/drawing/2014/main" id="{0F80ED44-9E79-4E47-80D9-E44AFBCEA1C9}"/>
+                  </a:ext>
+                </a:extLst>
+              </p:cNvPr>
+              <p:cNvSpPr/>
+              <p:nvPr/>
+            </p:nvSpPr>
+            <p:spPr>
+              <a:xfrm>
+                <a:off x="8589404" y="2580583"/>
+                <a:ext cx="900100" cy="792088"/>
+              </a:xfrm>
+              <a:prstGeom prst="rect">
+                <a:avLst/>
+              </a:prstGeom>
+              <a:noFill/>
+              <a:ln>
+                <a:noFill/>
+              </a:ln>
+            </p:spPr>
+            <p:style>
+              <a:lnRef idx="2">
+                <a:schemeClr val="accent1">
+                  <a:shade val="50000"/>
+                </a:schemeClr>
+              </a:lnRef>
+              <a:fillRef idx="1">
+                <a:schemeClr val="accent1"/>
+              </a:fillRef>
+              <a:effectRef idx="0">
+                <a:schemeClr val="accent1"/>
+              </a:effectRef>
+              <a:fontRef idx="minor">
+                <a:schemeClr val="lt1"/>
+              </a:fontRef>
+            </p:style>
+            <p:txBody>
+              <a:bodyPr rtlCol="0" anchor="ctr"/>
+              <a:lstStyle/>
+              <a:p>
+                <a:pPr algn="ctr"/>
+                <a:r>
+                  <a:rPr lang="en-US" altLang="ko-KR" sz="4400" b="1" dirty="0">
+                    <a:latin typeface="+mn-ea"/>
+                  </a:rPr>
+                  <a:t>05</a:t>
+                </a:r>
+                <a:endParaRPr lang="ko-KR" altLang="en-US" sz="4400" b="1" dirty="0">
+                  <a:latin typeface="+mn-ea"/>
+                </a:endParaRPr>
+              </a:p>
+            </p:txBody>
+          </p:sp>
+          <p:sp>
+            <p:nvSpPr>
               <p:cNvPr id="28" name="직사각형 27">
                 <a:extLst>
                   <a:ext uri="{FF2B5EF4-FFF2-40B4-BE49-F238E27FC236}">
@@ -11834,11 +12760,6 @@
                 </a:rPr>
                 <a:t>로드</a:t>
               </a:r>
-              <a:endParaRPr lang="en-US" altLang="ko-KR" b="1" dirty="0">
-                <a:solidFill>
-                  <a:srgbClr val="11264F"/>
-                </a:solidFill>
-              </a:endParaRPr>
             </a:p>
           </p:txBody>
         </p:sp>
@@ -11990,10 +12911,78 @@
         </p:sp>
         <p:sp>
           <p:nvSpPr>
+            <p:cNvPr id="36" name="직사각형 35">
+              <a:extLst>
+                <a:ext uri="{FF2B5EF4-FFF2-40B4-BE49-F238E27FC236}">
+                  <a16:creationId xmlns:a16="http://schemas.microsoft.com/office/drawing/2014/main" id="{8DF14F19-672C-4B2E-9E75-E79E3692B5B1}"/>
+                </a:ext>
+              </a:extLst>
+            </p:cNvPr>
+            <p:cNvSpPr/>
+            <p:nvPr/>
+          </p:nvSpPr>
+          <p:spPr>
+            <a:xfrm>
+              <a:off x="8313051" y="3918095"/>
+              <a:ext cx="1344794" cy="792088"/>
+            </a:xfrm>
+            <a:prstGeom prst="rect">
+              <a:avLst/>
+            </a:prstGeom>
+            <a:noFill/>
+            <a:ln>
+              <a:noFill/>
+            </a:ln>
+          </p:spPr>
+          <p:style>
+            <a:lnRef idx="2">
+              <a:schemeClr val="accent1">
+                <a:shade val="50000"/>
+              </a:schemeClr>
+            </a:lnRef>
+            <a:fillRef idx="1">
+              <a:schemeClr val="accent1"/>
+            </a:fillRef>
+            <a:effectRef idx="0">
+              <a:schemeClr val="accent1"/>
+            </a:effectRef>
+            <a:fontRef idx="minor">
+              <a:schemeClr val="lt1"/>
+            </a:fontRef>
+          </p:style>
+          <p:txBody>
+            <a:bodyPr rtlCol="0" anchor="ctr"/>
+            <a:lstStyle/>
+            <a:p>
+              <a:pPr algn="ctr"/>
+              <a:r>
+                <a:rPr lang="en-US" altLang="ko-KR" b="1" dirty="0">
+                  <a:solidFill>
+                    <a:srgbClr val="11264F"/>
+                  </a:solidFill>
+                </a:rPr>
+                <a:t>Conflict</a:t>
+              </a:r>
+            </a:p>
+            <a:p>
+              <a:pPr algn="ctr"/>
+              <a:r>
+                <a:rPr lang="ko-KR" altLang="en-US" b="1" dirty="0">
+                  <a:solidFill>
+                    <a:srgbClr val="11264F"/>
+                  </a:solidFill>
+                </a:rPr>
+                <a:t>해결방법</a:t>
+              </a:r>
+            </a:p>
+          </p:txBody>
+        </p:sp>
+        <p:sp>
+          <p:nvSpPr>
             <p:cNvPr id="5" name="TextBox 4">
               <a:extLst>
                 <a:ext uri="{FF2B5EF4-FFF2-40B4-BE49-F238E27FC236}">
-                  <a16:creationId xmlns:a16="http://schemas.microsoft.com/office/drawing/2014/main" id="{FE4980F9-8001-4CFD-8D6C-DB968BFD67AD}"/>
+                  <a16:creationId xmlns:a16="http://schemas.microsoft.com/office/drawing/2014/main" id="{BE590961-6462-48B2-B390-6B97801BE835}"/>
                 </a:ext>
               </a:extLst>
             </p:cNvPr>
@@ -12002,7 +12991,7 @@
           </p:nvSpPr>
           <p:spPr>
             <a:xfrm>
-              <a:off x="6277886" y="4797152"/>
+              <a:off x="6330348" y="4797152"/>
               <a:ext cx="1521570" cy="784830"/>
             </a:xfrm>
             <a:prstGeom prst="rect">
@@ -12050,7 +13039,7 @@
             <p:cNvPr id="6" name="TextBox 5">
               <a:extLst>
                 <a:ext uri="{FF2B5EF4-FFF2-40B4-BE49-F238E27FC236}">
-                  <a16:creationId xmlns:a16="http://schemas.microsoft.com/office/drawing/2014/main" id="{D5BAE0C4-0B22-4FB8-BC3D-38CB1E4FF3C3}"/>
+                  <a16:creationId xmlns:a16="http://schemas.microsoft.com/office/drawing/2014/main" id="{F4E72F0C-D295-4685-8F8A-D0160C031458}"/>
                 </a:ext>
               </a:extLst>
             </p:cNvPr>
@@ -12084,7 +13073,7 @@
     </p:spTree>
     <p:extLst>
       <p:ext uri="{BB962C8B-B14F-4D97-AF65-F5344CB8AC3E}">
-        <p14:creationId xmlns:p14="http://schemas.microsoft.com/office/powerpoint/2010/main" val="2763819803"/>
+        <p14:creationId xmlns:p14="http://schemas.microsoft.com/office/powerpoint/2010/main" val="2238333773"/>
       </p:ext>
     </p:extLst>
   </p:cSld>
@@ -12338,7 +13327,7 @@
                   <a:latin typeface="+mn-ea"/>
                   <a:ea typeface="+mn-ea"/>
                 </a:rPr>
-                <a:t>02  03  04</a:t>
+                <a:t>02  03  04  05</a:t>
               </a:r>
               <a:endParaRPr lang="en-US" sz="2000" b="1" dirty="0">
                 <a:solidFill>
@@ -13969,7 +14958,7 @@
                   <a:latin typeface="+mn-ea"/>
                   <a:ea typeface="+mn-ea"/>
                 </a:rPr>
-                <a:t>03  04</a:t>
+                <a:t>03  04  05</a:t>
               </a:r>
               <a:endParaRPr lang="en-US" sz="2000" b="1" dirty="0">
                 <a:solidFill>
@@ -15106,7 +16095,7 @@
                   <a:latin typeface="+mn-ea"/>
                   <a:ea typeface="+mn-ea"/>
                 </a:rPr>
-                <a:t>03  04</a:t>
+                <a:t>03  04  05</a:t>
               </a:r>
               <a:endParaRPr lang="en-US" sz="2000" b="1" dirty="0">
                 <a:solidFill>
@@ -15777,7 +16766,7 @@
                   <a:latin typeface="+mn-ea"/>
                   <a:ea typeface="+mn-ea"/>
                 </a:rPr>
-                <a:t>04</a:t>
+                <a:t>04  05</a:t>
               </a:r>
               <a:endParaRPr lang="en-US" sz="2000" b="1" dirty="0">
                 <a:solidFill>
@@ -16335,6 +17324,26 @@
                 </a:rPr>
                 <a:t>– File Import </a:t>
               </a:r>
+              <a:r>
+                <a:rPr lang="en-US" altLang="ko-KR" sz="2000" b="1" dirty="0">
+                  <a:solidFill>
+                    <a:srgbClr val="DDDDDD"/>
+                  </a:solidFill>
+                  <a:latin typeface="+mn-ea"/>
+                  <a:ea typeface="+mn-ea"/>
+                </a:rPr>
+                <a:t>05</a:t>
+              </a:r>
+              <a:r>
+                <a:rPr lang="en-US" altLang="ko-KR" sz="2000" b="1" dirty="0">
+                  <a:solidFill>
+                    <a:srgbClr val="11264F"/>
+                  </a:solidFill>
+                  <a:latin typeface="+mn-ea"/>
+                  <a:ea typeface="+mn-ea"/>
+                </a:rPr>
+                <a:t> </a:t>
+              </a:r>
               <a:endParaRPr lang="en-US" sz="2000" b="1" dirty="0">
                 <a:solidFill>
                   <a:schemeClr val="bg1">
@@ -17313,6 +18322,26 @@
                   <a:ea typeface="+mn-ea"/>
                 </a:rPr>
                 <a:t>– File Import </a:t>
+              </a:r>
+              <a:r>
+                <a:rPr lang="en-US" altLang="ko-KR" sz="2000" b="1" dirty="0">
+                  <a:solidFill>
+                    <a:srgbClr val="DDDDDD"/>
+                  </a:solidFill>
+                  <a:latin typeface="+mn-ea"/>
+                  <a:ea typeface="+mn-ea"/>
+                </a:rPr>
+                <a:t>05</a:t>
+              </a:r>
+              <a:r>
+                <a:rPr lang="en-US" altLang="ko-KR" sz="2000" b="1" dirty="0">
+                  <a:solidFill>
+                    <a:srgbClr val="11264F"/>
+                  </a:solidFill>
+                  <a:latin typeface="+mn-ea"/>
+                  <a:ea typeface="+mn-ea"/>
+                </a:rPr>
+                <a:t> </a:t>
               </a:r>
               <a:endParaRPr lang="en-US" sz="2000" b="1" dirty="0">
                 <a:solidFill>
@@ -18387,7 +19416,17 @@
                   <a:latin typeface="+mn-ea"/>
                   <a:ea typeface="+mn-ea"/>
                 </a:rPr>
-                <a:t>등록</a:t>
+                <a:t>등록 </a:t>
+              </a:r>
+              <a:r>
+                <a:rPr lang="en-US" altLang="ko-KR" sz="2000" b="1" dirty="0">
+                  <a:solidFill>
+                    <a:srgbClr val="DDDDDD"/>
+                  </a:solidFill>
+                  <a:latin typeface="+mn-ea"/>
+                  <a:ea typeface="+mn-ea"/>
+                </a:rPr>
+                <a:t>05</a:t>
               </a:r>
               <a:endParaRPr lang="en-US" sz="2000" b="1" dirty="0">
                 <a:solidFill>
